--- a/Offline/BusinessManagement/Communications_Teach@anodiam/Communication.pptx
+++ b/Offline/BusinessManagement/Communications_Teach@anodiam/Communication.pptx
@@ -6,6 +6,7 @@
   </p:sldMasterIdLst>
   <p:sldIdLst>
     <p:sldId id="259" r:id="rId2"/>
+    <p:sldId id="260" r:id="rId3"/>
   </p:sldIdLst>
   <p:sldSz cx="12192000" cy="6858000"/>
   <p:notesSz cx="6858000" cy="9144000"/>
@@ -104,7 +105,2932 @@
       </a:defRPr>
     </a:lvl9pPr>
   </p:defaultTextStyle>
+  <p:extLst>
+    <p:ext uri="{EFAFB233-063F-42B5-8137-9DF3F51BA10A}">
+      <p15:sldGuideLst xmlns:p15="http://schemas.microsoft.com/office/powerpoint/2012/main"/>
+    </p:ext>
+  </p:extLst>
 </p:presentation>
+</file>
+
+<file path=ppt/diagrams/colors1.xml><?xml version="1.0" encoding="utf-8"?>
+<dgm:colorsDef xmlns:dgm="http://schemas.openxmlformats.org/drawingml/2006/diagram" xmlns:a="http://schemas.openxmlformats.org/drawingml/2006/main" uniqueId="urn:microsoft.com/office/officeart/2005/8/colors/accent1_2">
+  <dgm:title val=""/>
+  <dgm:desc val=""/>
+  <dgm:catLst>
+    <dgm:cat type="accent1" pri="11200"/>
+  </dgm:catLst>
+  <dgm:styleLbl name="node0">
+    <dgm:fillClrLst meth="repeat">
+      <a:schemeClr val="accent1"/>
+    </dgm:fillClrLst>
+    <dgm:linClrLst meth="repeat">
+      <a:schemeClr val="lt1"/>
+    </dgm:linClrLst>
+    <dgm:effectClrLst/>
+    <dgm:txLinClrLst/>
+    <dgm:txFillClrLst/>
+    <dgm:txEffectClrLst/>
+  </dgm:styleLbl>
+  <dgm:styleLbl name="alignNode1">
+    <dgm:fillClrLst meth="repeat">
+      <a:schemeClr val="accent1"/>
+    </dgm:fillClrLst>
+    <dgm:linClrLst meth="repeat">
+      <a:schemeClr val="accent1"/>
+    </dgm:linClrLst>
+    <dgm:effectClrLst/>
+    <dgm:txLinClrLst/>
+    <dgm:txFillClrLst/>
+    <dgm:txEffectClrLst/>
+  </dgm:styleLbl>
+  <dgm:styleLbl name="node1">
+    <dgm:fillClrLst meth="repeat">
+      <a:schemeClr val="accent1"/>
+    </dgm:fillClrLst>
+    <dgm:linClrLst meth="repeat">
+      <a:schemeClr val="lt1"/>
+    </dgm:linClrLst>
+    <dgm:effectClrLst/>
+    <dgm:txLinClrLst/>
+    <dgm:txFillClrLst/>
+    <dgm:txEffectClrLst/>
+  </dgm:styleLbl>
+  <dgm:styleLbl name="lnNode1">
+    <dgm:fillClrLst meth="repeat">
+      <a:schemeClr val="accent1"/>
+    </dgm:fillClrLst>
+    <dgm:linClrLst meth="repeat">
+      <a:schemeClr val="lt1"/>
+    </dgm:linClrLst>
+    <dgm:effectClrLst/>
+    <dgm:txLinClrLst/>
+    <dgm:txFillClrLst/>
+    <dgm:txEffectClrLst/>
+  </dgm:styleLbl>
+  <dgm:styleLbl name="vennNode1">
+    <dgm:fillClrLst meth="repeat">
+      <a:schemeClr val="accent1">
+        <a:alpha val="50000"/>
+      </a:schemeClr>
+    </dgm:fillClrLst>
+    <dgm:linClrLst meth="repeat">
+      <a:schemeClr val="lt1"/>
+    </dgm:linClrLst>
+    <dgm:effectClrLst/>
+    <dgm:txLinClrLst/>
+    <dgm:txFillClrLst/>
+    <dgm:txEffectClrLst/>
+  </dgm:styleLbl>
+  <dgm:styleLbl name="node2">
+    <dgm:fillClrLst meth="repeat">
+      <a:schemeClr val="accent1"/>
+    </dgm:fillClrLst>
+    <dgm:linClrLst meth="repeat">
+      <a:schemeClr val="lt1"/>
+    </dgm:linClrLst>
+    <dgm:effectClrLst/>
+    <dgm:txLinClrLst/>
+    <dgm:txFillClrLst/>
+    <dgm:txEffectClrLst/>
+  </dgm:styleLbl>
+  <dgm:styleLbl name="node3">
+    <dgm:fillClrLst meth="repeat">
+      <a:schemeClr val="accent1"/>
+    </dgm:fillClrLst>
+    <dgm:linClrLst meth="repeat">
+      <a:schemeClr val="lt1"/>
+    </dgm:linClrLst>
+    <dgm:effectClrLst/>
+    <dgm:txLinClrLst/>
+    <dgm:txFillClrLst/>
+    <dgm:txEffectClrLst/>
+  </dgm:styleLbl>
+  <dgm:styleLbl name="node4">
+    <dgm:fillClrLst meth="repeat">
+      <a:schemeClr val="accent1"/>
+    </dgm:fillClrLst>
+    <dgm:linClrLst meth="repeat">
+      <a:schemeClr val="lt1"/>
+    </dgm:linClrLst>
+    <dgm:effectClrLst/>
+    <dgm:txLinClrLst/>
+    <dgm:txFillClrLst/>
+    <dgm:txEffectClrLst/>
+  </dgm:styleLbl>
+  <dgm:styleLbl name="fgImgPlace1">
+    <dgm:fillClrLst meth="repeat">
+      <a:schemeClr val="accent1">
+        <a:tint val="50000"/>
+      </a:schemeClr>
+    </dgm:fillClrLst>
+    <dgm:linClrLst meth="repeat">
+      <a:schemeClr val="lt1"/>
+    </dgm:linClrLst>
+    <dgm:effectClrLst/>
+    <dgm:txLinClrLst/>
+    <dgm:txFillClrLst meth="repeat">
+      <a:schemeClr val="lt1"/>
+    </dgm:txFillClrLst>
+    <dgm:txEffectClrLst/>
+  </dgm:styleLbl>
+  <dgm:styleLbl name="alignImgPlace1">
+    <dgm:fillClrLst meth="repeat">
+      <a:schemeClr val="accent1">
+        <a:tint val="50000"/>
+      </a:schemeClr>
+    </dgm:fillClrLst>
+    <dgm:linClrLst meth="repeat">
+      <a:schemeClr val="lt1"/>
+    </dgm:linClrLst>
+    <dgm:effectClrLst/>
+    <dgm:txLinClrLst/>
+    <dgm:txFillClrLst meth="repeat">
+      <a:schemeClr val="lt1"/>
+    </dgm:txFillClrLst>
+    <dgm:txEffectClrLst/>
+  </dgm:styleLbl>
+  <dgm:styleLbl name="bgImgPlace1">
+    <dgm:fillClrLst meth="repeat">
+      <a:schemeClr val="accent1">
+        <a:tint val="50000"/>
+      </a:schemeClr>
+    </dgm:fillClrLst>
+    <dgm:linClrLst meth="repeat">
+      <a:schemeClr val="lt1"/>
+    </dgm:linClrLst>
+    <dgm:effectClrLst/>
+    <dgm:txLinClrLst/>
+    <dgm:txFillClrLst meth="repeat">
+      <a:schemeClr val="lt1"/>
+    </dgm:txFillClrLst>
+    <dgm:txEffectClrLst/>
+  </dgm:styleLbl>
+  <dgm:styleLbl name="sibTrans2D1">
+    <dgm:fillClrLst meth="repeat">
+      <a:schemeClr val="accent1">
+        <a:tint val="60000"/>
+      </a:schemeClr>
+    </dgm:fillClrLst>
+    <dgm:linClrLst meth="repeat">
+      <a:schemeClr val="accent1">
+        <a:tint val="60000"/>
+      </a:schemeClr>
+    </dgm:linClrLst>
+    <dgm:effectClrLst/>
+    <dgm:txLinClrLst/>
+    <dgm:txFillClrLst/>
+    <dgm:txEffectClrLst/>
+  </dgm:styleLbl>
+  <dgm:styleLbl name="fgSibTrans2D1">
+    <dgm:fillClrLst meth="repeat">
+      <a:schemeClr val="accent1">
+        <a:tint val="60000"/>
+      </a:schemeClr>
+    </dgm:fillClrLst>
+    <dgm:linClrLst meth="repeat">
+      <a:schemeClr val="accent1">
+        <a:tint val="60000"/>
+      </a:schemeClr>
+    </dgm:linClrLst>
+    <dgm:effectClrLst/>
+    <dgm:txLinClrLst/>
+    <dgm:txFillClrLst/>
+    <dgm:txEffectClrLst/>
+  </dgm:styleLbl>
+  <dgm:styleLbl name="bgSibTrans2D1">
+    <dgm:fillClrLst meth="repeat">
+      <a:schemeClr val="accent1">
+        <a:tint val="60000"/>
+      </a:schemeClr>
+    </dgm:fillClrLst>
+    <dgm:linClrLst meth="repeat">
+      <a:schemeClr val="accent1">
+        <a:tint val="60000"/>
+      </a:schemeClr>
+    </dgm:linClrLst>
+    <dgm:effectClrLst/>
+    <dgm:txLinClrLst/>
+    <dgm:txFillClrLst/>
+    <dgm:txEffectClrLst/>
+  </dgm:styleLbl>
+  <dgm:styleLbl name="sibTrans1D1">
+    <dgm:fillClrLst meth="repeat">
+      <a:schemeClr val="accent1"/>
+    </dgm:fillClrLst>
+    <dgm:linClrLst meth="repeat">
+      <a:schemeClr val="accent1"/>
+    </dgm:linClrLst>
+    <dgm:effectClrLst/>
+    <dgm:txLinClrLst/>
+    <dgm:txFillClrLst meth="repeat">
+      <a:schemeClr val="tx1"/>
+    </dgm:txFillClrLst>
+    <dgm:txEffectClrLst/>
+  </dgm:styleLbl>
+  <dgm:styleLbl name="callout">
+    <dgm:fillClrLst meth="repeat">
+      <a:schemeClr val="accent1"/>
+    </dgm:fillClrLst>
+    <dgm:linClrLst meth="repeat">
+      <a:schemeClr val="accent1">
+        <a:tint val="50000"/>
+      </a:schemeClr>
+    </dgm:linClrLst>
+    <dgm:effectClrLst/>
+    <dgm:txLinClrLst/>
+    <dgm:txFillClrLst meth="repeat">
+      <a:schemeClr val="tx1"/>
+    </dgm:txFillClrLst>
+    <dgm:txEffectClrLst/>
+  </dgm:styleLbl>
+  <dgm:styleLbl name="asst0">
+    <dgm:fillClrLst meth="repeat">
+      <a:schemeClr val="accent1"/>
+    </dgm:fillClrLst>
+    <dgm:linClrLst meth="repeat">
+      <a:schemeClr val="lt1"/>
+    </dgm:linClrLst>
+    <dgm:effectClrLst/>
+    <dgm:txLinClrLst/>
+    <dgm:txFillClrLst/>
+    <dgm:txEffectClrLst/>
+  </dgm:styleLbl>
+  <dgm:styleLbl name="asst1">
+    <dgm:fillClrLst meth="repeat">
+      <a:schemeClr val="accent1"/>
+    </dgm:fillClrLst>
+    <dgm:linClrLst meth="repeat">
+      <a:schemeClr val="lt1"/>
+    </dgm:linClrLst>
+    <dgm:effectClrLst/>
+    <dgm:txLinClrLst/>
+    <dgm:txFillClrLst/>
+    <dgm:txEffectClrLst/>
+  </dgm:styleLbl>
+  <dgm:styleLbl name="asst2">
+    <dgm:fillClrLst meth="repeat">
+      <a:schemeClr val="accent1"/>
+    </dgm:fillClrLst>
+    <dgm:linClrLst meth="repeat">
+      <a:schemeClr val="lt1"/>
+    </dgm:linClrLst>
+    <dgm:effectClrLst/>
+    <dgm:txLinClrLst/>
+    <dgm:txFillClrLst/>
+    <dgm:txEffectClrLst/>
+  </dgm:styleLbl>
+  <dgm:styleLbl name="asst3">
+    <dgm:fillClrLst meth="repeat">
+      <a:schemeClr val="accent1"/>
+    </dgm:fillClrLst>
+    <dgm:linClrLst meth="repeat">
+      <a:schemeClr val="lt1"/>
+    </dgm:linClrLst>
+    <dgm:effectClrLst/>
+    <dgm:txLinClrLst/>
+    <dgm:txFillClrLst/>
+    <dgm:txEffectClrLst/>
+  </dgm:styleLbl>
+  <dgm:styleLbl name="asst4">
+    <dgm:fillClrLst meth="repeat">
+      <a:schemeClr val="accent1"/>
+    </dgm:fillClrLst>
+    <dgm:linClrLst meth="repeat">
+      <a:schemeClr val="lt1"/>
+    </dgm:linClrLst>
+    <dgm:effectClrLst/>
+    <dgm:txLinClrLst/>
+    <dgm:txFillClrLst/>
+    <dgm:txEffectClrLst/>
+  </dgm:styleLbl>
+  <dgm:styleLbl name="parChTrans2D1">
+    <dgm:fillClrLst meth="repeat">
+      <a:schemeClr val="accent1">
+        <a:tint val="60000"/>
+      </a:schemeClr>
+    </dgm:fillClrLst>
+    <dgm:linClrLst meth="repeat">
+      <a:schemeClr val="accent1">
+        <a:tint val="60000"/>
+      </a:schemeClr>
+    </dgm:linClrLst>
+    <dgm:effectClrLst/>
+    <dgm:txLinClrLst/>
+    <dgm:txFillClrLst meth="repeat">
+      <a:schemeClr val="lt1"/>
+    </dgm:txFillClrLst>
+    <dgm:txEffectClrLst/>
+  </dgm:styleLbl>
+  <dgm:styleLbl name="parChTrans2D2">
+    <dgm:fillClrLst meth="repeat">
+      <a:schemeClr val="accent1"/>
+    </dgm:fillClrLst>
+    <dgm:linClrLst meth="repeat">
+      <a:schemeClr val="accent1"/>
+    </dgm:linClrLst>
+    <dgm:effectClrLst/>
+    <dgm:txLinClrLst/>
+    <dgm:txFillClrLst meth="repeat">
+      <a:schemeClr val="lt1"/>
+    </dgm:txFillClrLst>
+    <dgm:txEffectClrLst/>
+  </dgm:styleLbl>
+  <dgm:styleLbl name="parChTrans2D3">
+    <dgm:fillClrLst meth="repeat">
+      <a:schemeClr val="accent1"/>
+    </dgm:fillClrLst>
+    <dgm:linClrLst meth="repeat">
+      <a:schemeClr val="accent1"/>
+    </dgm:linClrLst>
+    <dgm:effectClrLst/>
+    <dgm:txLinClrLst/>
+    <dgm:txFillClrLst meth="repeat">
+      <a:schemeClr val="lt1"/>
+    </dgm:txFillClrLst>
+    <dgm:txEffectClrLst/>
+  </dgm:styleLbl>
+  <dgm:styleLbl name="parChTrans2D4">
+    <dgm:fillClrLst meth="repeat">
+      <a:schemeClr val="accent1"/>
+    </dgm:fillClrLst>
+    <dgm:linClrLst meth="repeat">
+      <a:schemeClr val="accent1"/>
+    </dgm:linClrLst>
+    <dgm:effectClrLst/>
+    <dgm:txLinClrLst/>
+    <dgm:txFillClrLst meth="repeat">
+      <a:schemeClr val="lt1"/>
+    </dgm:txFillClrLst>
+    <dgm:txEffectClrLst/>
+  </dgm:styleLbl>
+  <dgm:styleLbl name="parChTrans1D1">
+    <dgm:fillClrLst meth="repeat">
+      <a:schemeClr val="accent1"/>
+    </dgm:fillClrLst>
+    <dgm:linClrLst meth="repeat">
+      <a:schemeClr val="accent1">
+        <a:shade val="60000"/>
+      </a:schemeClr>
+    </dgm:linClrLst>
+    <dgm:effectClrLst/>
+    <dgm:txLinClrLst/>
+    <dgm:txFillClrLst meth="repeat">
+      <a:schemeClr val="tx1"/>
+    </dgm:txFillClrLst>
+    <dgm:txEffectClrLst/>
+  </dgm:styleLbl>
+  <dgm:styleLbl name="parChTrans1D2">
+    <dgm:fillClrLst meth="repeat">
+      <a:schemeClr val="accent1"/>
+    </dgm:fillClrLst>
+    <dgm:linClrLst meth="repeat">
+      <a:schemeClr val="accent1">
+        <a:shade val="60000"/>
+      </a:schemeClr>
+    </dgm:linClrLst>
+    <dgm:effectClrLst/>
+    <dgm:txLinClrLst/>
+    <dgm:txFillClrLst meth="repeat">
+      <a:schemeClr val="tx1"/>
+    </dgm:txFillClrLst>
+    <dgm:txEffectClrLst/>
+  </dgm:styleLbl>
+  <dgm:styleLbl name="parChTrans1D3">
+    <dgm:fillClrLst meth="repeat">
+      <a:schemeClr val="accent1"/>
+    </dgm:fillClrLst>
+    <dgm:linClrLst meth="repeat">
+      <a:schemeClr val="accent1">
+        <a:shade val="80000"/>
+      </a:schemeClr>
+    </dgm:linClrLst>
+    <dgm:effectClrLst/>
+    <dgm:txLinClrLst/>
+    <dgm:txFillClrLst meth="repeat">
+      <a:schemeClr val="tx1"/>
+    </dgm:txFillClrLst>
+    <dgm:txEffectClrLst/>
+  </dgm:styleLbl>
+  <dgm:styleLbl name="parChTrans1D4">
+    <dgm:fillClrLst meth="repeat">
+      <a:schemeClr val="accent1"/>
+    </dgm:fillClrLst>
+    <dgm:linClrLst meth="repeat">
+      <a:schemeClr val="accent1">
+        <a:shade val="80000"/>
+      </a:schemeClr>
+    </dgm:linClrLst>
+    <dgm:effectClrLst/>
+    <dgm:txLinClrLst/>
+    <dgm:txFillClrLst meth="repeat">
+      <a:schemeClr val="tx1"/>
+    </dgm:txFillClrLst>
+    <dgm:txEffectClrLst/>
+  </dgm:styleLbl>
+  <dgm:styleLbl name="fgAcc1">
+    <dgm:fillClrLst meth="repeat">
+      <a:schemeClr val="lt1">
+        <a:alpha val="90000"/>
+      </a:schemeClr>
+    </dgm:fillClrLst>
+    <dgm:linClrLst meth="repeat">
+      <a:schemeClr val="accent1"/>
+    </dgm:linClrLst>
+    <dgm:effectClrLst/>
+    <dgm:txLinClrLst/>
+    <dgm:txFillClrLst meth="repeat">
+      <a:schemeClr val="dk1"/>
+    </dgm:txFillClrLst>
+    <dgm:txEffectClrLst/>
+  </dgm:styleLbl>
+  <dgm:styleLbl name="conFgAcc1">
+    <dgm:fillClrLst meth="repeat">
+      <a:schemeClr val="lt1">
+        <a:alpha val="90000"/>
+      </a:schemeClr>
+    </dgm:fillClrLst>
+    <dgm:linClrLst meth="repeat">
+      <a:schemeClr val="accent1"/>
+    </dgm:linClrLst>
+    <dgm:effectClrLst/>
+    <dgm:txLinClrLst/>
+    <dgm:txFillClrLst meth="repeat">
+      <a:schemeClr val="dk1"/>
+    </dgm:txFillClrLst>
+    <dgm:txEffectClrLst/>
+  </dgm:styleLbl>
+  <dgm:styleLbl name="alignAcc1">
+    <dgm:fillClrLst meth="repeat">
+      <a:schemeClr val="lt1">
+        <a:alpha val="90000"/>
+      </a:schemeClr>
+    </dgm:fillClrLst>
+    <dgm:linClrLst meth="repeat">
+      <a:schemeClr val="accent1"/>
+    </dgm:linClrLst>
+    <dgm:effectClrLst/>
+    <dgm:txLinClrLst/>
+    <dgm:txFillClrLst meth="repeat">
+      <a:schemeClr val="dk1"/>
+    </dgm:txFillClrLst>
+    <dgm:txEffectClrLst/>
+  </dgm:styleLbl>
+  <dgm:styleLbl name="trAlignAcc1">
+    <dgm:fillClrLst meth="repeat">
+      <a:schemeClr val="lt1">
+        <a:alpha val="40000"/>
+      </a:schemeClr>
+    </dgm:fillClrLst>
+    <dgm:linClrLst meth="repeat">
+      <a:schemeClr val="accent1"/>
+    </dgm:linClrLst>
+    <dgm:effectClrLst/>
+    <dgm:txLinClrLst/>
+    <dgm:txFillClrLst meth="repeat">
+      <a:schemeClr val="dk1"/>
+    </dgm:txFillClrLst>
+    <dgm:txEffectClrLst/>
+  </dgm:styleLbl>
+  <dgm:styleLbl name="bgAcc1">
+    <dgm:fillClrLst meth="repeat">
+      <a:schemeClr val="lt1">
+        <a:alpha val="90000"/>
+      </a:schemeClr>
+    </dgm:fillClrLst>
+    <dgm:linClrLst meth="repeat">
+      <a:schemeClr val="accent1"/>
+    </dgm:linClrLst>
+    <dgm:effectClrLst/>
+    <dgm:txLinClrLst/>
+    <dgm:txFillClrLst meth="repeat">
+      <a:schemeClr val="dk1"/>
+    </dgm:txFillClrLst>
+    <dgm:txEffectClrLst/>
+  </dgm:styleLbl>
+  <dgm:styleLbl name="solidFgAcc1">
+    <dgm:fillClrLst meth="repeat">
+      <a:schemeClr val="lt1"/>
+    </dgm:fillClrLst>
+    <dgm:linClrLst meth="repeat">
+      <a:schemeClr val="accent1"/>
+    </dgm:linClrLst>
+    <dgm:effectClrLst/>
+    <dgm:txLinClrLst/>
+    <dgm:txFillClrLst meth="repeat">
+      <a:schemeClr val="dk1"/>
+    </dgm:txFillClrLst>
+    <dgm:txEffectClrLst/>
+  </dgm:styleLbl>
+  <dgm:styleLbl name="solidAlignAcc1">
+    <dgm:fillClrLst meth="repeat">
+      <a:schemeClr val="lt1"/>
+    </dgm:fillClrLst>
+    <dgm:linClrLst meth="repeat">
+      <a:schemeClr val="accent1"/>
+    </dgm:linClrLst>
+    <dgm:effectClrLst/>
+    <dgm:txLinClrLst/>
+    <dgm:txFillClrLst meth="repeat">
+      <a:schemeClr val="dk1"/>
+    </dgm:txFillClrLst>
+    <dgm:txEffectClrLst/>
+  </dgm:styleLbl>
+  <dgm:styleLbl name="solidBgAcc1">
+    <dgm:fillClrLst meth="repeat">
+      <a:schemeClr val="lt1"/>
+    </dgm:fillClrLst>
+    <dgm:linClrLst meth="repeat">
+      <a:schemeClr val="accent1"/>
+    </dgm:linClrLst>
+    <dgm:effectClrLst/>
+    <dgm:txLinClrLst/>
+    <dgm:txFillClrLst meth="repeat">
+      <a:schemeClr val="dk1"/>
+    </dgm:txFillClrLst>
+    <dgm:txEffectClrLst/>
+  </dgm:styleLbl>
+  <dgm:styleLbl name="fgAccFollowNode1">
+    <dgm:fillClrLst meth="repeat">
+      <a:schemeClr val="accent1">
+        <a:alpha val="90000"/>
+        <a:tint val="40000"/>
+      </a:schemeClr>
+    </dgm:fillClrLst>
+    <dgm:linClrLst meth="repeat">
+      <a:schemeClr val="accent1">
+        <a:alpha val="90000"/>
+        <a:tint val="40000"/>
+      </a:schemeClr>
+    </dgm:linClrLst>
+    <dgm:effectClrLst/>
+    <dgm:txLinClrLst/>
+    <dgm:txFillClrLst meth="repeat">
+      <a:schemeClr val="dk1"/>
+    </dgm:txFillClrLst>
+    <dgm:txEffectClrLst/>
+  </dgm:styleLbl>
+  <dgm:styleLbl name="alignAccFollowNode1">
+    <dgm:fillClrLst meth="repeat">
+      <a:schemeClr val="accent1">
+        <a:alpha val="90000"/>
+        <a:tint val="40000"/>
+      </a:schemeClr>
+    </dgm:fillClrLst>
+    <dgm:linClrLst meth="repeat">
+      <a:schemeClr val="accent1">
+        <a:alpha val="90000"/>
+        <a:tint val="40000"/>
+      </a:schemeClr>
+    </dgm:linClrLst>
+    <dgm:effectClrLst/>
+    <dgm:txLinClrLst/>
+    <dgm:txFillClrLst meth="repeat">
+      <a:schemeClr val="dk1"/>
+    </dgm:txFillClrLst>
+    <dgm:txEffectClrLst/>
+  </dgm:styleLbl>
+  <dgm:styleLbl name="bgAccFollowNode1">
+    <dgm:fillClrLst meth="repeat">
+      <a:schemeClr val="accent1">
+        <a:alpha val="90000"/>
+        <a:tint val="40000"/>
+      </a:schemeClr>
+    </dgm:fillClrLst>
+    <dgm:linClrLst meth="repeat">
+      <a:schemeClr val="accent1">
+        <a:alpha val="90000"/>
+        <a:tint val="40000"/>
+      </a:schemeClr>
+    </dgm:linClrLst>
+    <dgm:effectClrLst/>
+    <dgm:txLinClrLst/>
+    <dgm:txFillClrLst meth="repeat">
+      <a:schemeClr val="dk1"/>
+    </dgm:txFillClrLst>
+    <dgm:txEffectClrLst/>
+  </dgm:styleLbl>
+  <dgm:styleLbl name="fgAcc0">
+    <dgm:fillClrLst meth="repeat">
+      <a:schemeClr val="lt1">
+        <a:alpha val="90000"/>
+      </a:schemeClr>
+    </dgm:fillClrLst>
+    <dgm:linClrLst meth="repeat">
+      <a:schemeClr val="accent1"/>
+    </dgm:linClrLst>
+    <dgm:effectClrLst/>
+    <dgm:txLinClrLst/>
+    <dgm:txFillClrLst meth="repeat">
+      <a:schemeClr val="dk1"/>
+    </dgm:txFillClrLst>
+    <dgm:txEffectClrLst/>
+  </dgm:styleLbl>
+  <dgm:styleLbl name="fgAcc2">
+    <dgm:fillClrLst meth="repeat">
+      <a:schemeClr val="lt1">
+        <a:alpha val="90000"/>
+      </a:schemeClr>
+    </dgm:fillClrLst>
+    <dgm:linClrLst meth="repeat">
+      <a:schemeClr val="accent1"/>
+    </dgm:linClrLst>
+    <dgm:effectClrLst/>
+    <dgm:txLinClrLst/>
+    <dgm:txFillClrLst meth="repeat">
+      <a:schemeClr val="dk1"/>
+    </dgm:txFillClrLst>
+    <dgm:txEffectClrLst/>
+  </dgm:styleLbl>
+  <dgm:styleLbl name="fgAcc3">
+    <dgm:fillClrLst meth="repeat">
+      <a:schemeClr val="lt1">
+        <a:alpha val="90000"/>
+      </a:schemeClr>
+    </dgm:fillClrLst>
+    <dgm:linClrLst meth="repeat">
+      <a:schemeClr val="accent1"/>
+    </dgm:linClrLst>
+    <dgm:effectClrLst/>
+    <dgm:txLinClrLst/>
+    <dgm:txFillClrLst meth="repeat">
+      <a:schemeClr val="dk1"/>
+    </dgm:txFillClrLst>
+    <dgm:txEffectClrLst/>
+  </dgm:styleLbl>
+  <dgm:styleLbl name="fgAcc4">
+    <dgm:fillClrLst meth="repeat">
+      <a:schemeClr val="lt1">
+        <a:alpha val="90000"/>
+      </a:schemeClr>
+    </dgm:fillClrLst>
+    <dgm:linClrLst meth="repeat">
+      <a:schemeClr val="accent1"/>
+    </dgm:linClrLst>
+    <dgm:effectClrLst/>
+    <dgm:txLinClrLst/>
+    <dgm:txFillClrLst meth="repeat">
+      <a:schemeClr val="dk1"/>
+    </dgm:txFillClrLst>
+    <dgm:txEffectClrLst/>
+  </dgm:styleLbl>
+  <dgm:styleLbl name="bgShp">
+    <dgm:fillClrLst meth="repeat">
+      <a:schemeClr val="accent1">
+        <a:tint val="40000"/>
+      </a:schemeClr>
+    </dgm:fillClrLst>
+    <dgm:linClrLst meth="repeat">
+      <a:schemeClr val="accent1"/>
+    </dgm:linClrLst>
+    <dgm:effectClrLst/>
+    <dgm:txLinClrLst/>
+    <dgm:txFillClrLst meth="repeat">
+      <a:schemeClr val="dk1"/>
+    </dgm:txFillClrLst>
+    <dgm:txEffectClrLst/>
+  </dgm:styleLbl>
+  <dgm:styleLbl name="dkBgShp">
+    <dgm:fillClrLst meth="repeat">
+      <a:schemeClr val="accent1">
+        <a:shade val="80000"/>
+      </a:schemeClr>
+    </dgm:fillClrLst>
+    <dgm:linClrLst meth="repeat">
+      <a:schemeClr val="accent1"/>
+    </dgm:linClrLst>
+    <dgm:effectClrLst/>
+    <dgm:txLinClrLst/>
+    <dgm:txFillClrLst meth="repeat">
+      <a:schemeClr val="lt1"/>
+    </dgm:txFillClrLst>
+    <dgm:txEffectClrLst/>
+  </dgm:styleLbl>
+  <dgm:styleLbl name="trBgShp">
+    <dgm:fillClrLst meth="repeat">
+      <a:schemeClr val="accent1">
+        <a:tint val="50000"/>
+        <a:alpha val="40000"/>
+      </a:schemeClr>
+    </dgm:fillClrLst>
+    <dgm:linClrLst meth="repeat">
+      <a:schemeClr val="accent1"/>
+    </dgm:linClrLst>
+    <dgm:effectClrLst/>
+    <dgm:txLinClrLst/>
+    <dgm:txFillClrLst meth="repeat">
+      <a:schemeClr val="lt1"/>
+    </dgm:txFillClrLst>
+    <dgm:txEffectClrLst/>
+  </dgm:styleLbl>
+  <dgm:styleLbl name="fgShp">
+    <dgm:fillClrLst meth="repeat">
+      <a:schemeClr val="accent1">
+        <a:tint val="60000"/>
+      </a:schemeClr>
+    </dgm:fillClrLst>
+    <dgm:linClrLst meth="repeat">
+      <a:schemeClr val="lt1"/>
+    </dgm:linClrLst>
+    <dgm:effectClrLst/>
+    <dgm:txLinClrLst/>
+    <dgm:txFillClrLst meth="repeat">
+      <a:schemeClr val="dk1"/>
+    </dgm:txFillClrLst>
+    <dgm:txEffectClrLst/>
+  </dgm:styleLbl>
+  <dgm:styleLbl name="revTx">
+    <dgm:fillClrLst meth="repeat">
+      <a:schemeClr val="lt1">
+        <a:alpha val="0"/>
+      </a:schemeClr>
+    </dgm:fillClrLst>
+    <dgm:linClrLst meth="repeat">
+      <a:schemeClr val="dk1">
+        <a:alpha val="0"/>
+      </a:schemeClr>
+    </dgm:linClrLst>
+    <dgm:effectClrLst/>
+    <dgm:txLinClrLst/>
+    <dgm:txFillClrLst meth="repeat">
+      <a:schemeClr val="tx1"/>
+    </dgm:txFillClrLst>
+    <dgm:txEffectClrLst/>
+  </dgm:styleLbl>
+</dgm:colorsDef>
+</file>
+
+<file path=ppt/diagrams/data1.xml><?xml version="1.0" encoding="utf-8"?>
+<dgm:dataModel xmlns:dgm="http://schemas.openxmlformats.org/drawingml/2006/diagram" xmlns:a="http://schemas.openxmlformats.org/drawingml/2006/main">
+  <dgm:ptLst>
+    <dgm:pt modelId="{5B777F57-44AB-44F8-B180-CEE819D5738C}" type="doc">
+      <dgm:prSet loTypeId="urn:microsoft.com/office/officeart/2005/8/layout/cycle3" loCatId="cycle" qsTypeId="urn:microsoft.com/office/officeart/2005/8/quickstyle/simple1" qsCatId="simple" csTypeId="urn:microsoft.com/office/officeart/2005/8/colors/accent1_2" csCatId="accent1" phldr="1"/>
+      <dgm:spPr/>
+      <dgm:t>
+        <a:bodyPr/>
+        <a:lstStyle/>
+        <a:p>
+          <a:endParaRPr lang="en-AU"/>
+        </a:p>
+      </dgm:t>
+    </dgm:pt>
+    <dgm:pt modelId="{CB50FC21-0C0F-4480-94AC-C9F9513E52DE}">
+      <dgm:prSet phldrT="[Text]"/>
+      <dgm:spPr/>
+      <dgm:t>
+        <a:bodyPr/>
+        <a:lstStyle/>
+        <a:p>
+          <a:r>
+            <a:rPr lang="en-US" dirty="0" smtClean="0"/>
+            <a:t>SENDER</a:t>
+          </a:r>
+          <a:endParaRPr lang="en-AU" dirty="0"/>
+        </a:p>
+      </dgm:t>
+    </dgm:pt>
+    <dgm:pt modelId="{679564CD-E171-4F48-B407-9B6FAEE3D340}" type="parTrans" cxnId="{6B73E4AE-E16E-4883-9D79-FBD479A2F0C0}">
+      <dgm:prSet/>
+      <dgm:spPr/>
+      <dgm:t>
+        <a:bodyPr/>
+        <a:lstStyle/>
+        <a:p>
+          <a:endParaRPr lang="en-AU"/>
+        </a:p>
+      </dgm:t>
+    </dgm:pt>
+    <dgm:pt modelId="{5EC9AF41-4185-437C-A30C-977646505C2A}" type="sibTrans" cxnId="{6B73E4AE-E16E-4883-9D79-FBD479A2F0C0}">
+      <dgm:prSet/>
+      <dgm:spPr/>
+      <dgm:t>
+        <a:bodyPr/>
+        <a:lstStyle/>
+        <a:p>
+          <a:endParaRPr lang="en-AU"/>
+        </a:p>
+      </dgm:t>
+    </dgm:pt>
+    <dgm:pt modelId="{95765543-512E-44C5-9831-A24522658240}">
+      <dgm:prSet phldrT="[Text]"/>
+      <dgm:spPr/>
+      <dgm:t>
+        <a:bodyPr/>
+        <a:lstStyle/>
+        <a:p>
+          <a:r>
+            <a:rPr lang="en-US" dirty="0" smtClean="0"/>
+            <a:t>CHANNEL</a:t>
+          </a:r>
+          <a:endParaRPr lang="en-AU" dirty="0"/>
+        </a:p>
+      </dgm:t>
+    </dgm:pt>
+    <dgm:pt modelId="{93A00EEA-3EE8-4C2B-BE75-B367161543A9}" type="parTrans" cxnId="{EE1D86EF-AEB3-4CBC-B27D-37BFF4D521F1}">
+      <dgm:prSet/>
+      <dgm:spPr/>
+      <dgm:t>
+        <a:bodyPr/>
+        <a:lstStyle/>
+        <a:p>
+          <a:endParaRPr lang="en-AU"/>
+        </a:p>
+      </dgm:t>
+    </dgm:pt>
+    <dgm:pt modelId="{BF9227C7-AFDC-4DE2-84CD-9367220F5CFF}" type="sibTrans" cxnId="{EE1D86EF-AEB3-4CBC-B27D-37BFF4D521F1}">
+      <dgm:prSet/>
+      <dgm:spPr/>
+      <dgm:t>
+        <a:bodyPr/>
+        <a:lstStyle/>
+        <a:p>
+          <a:endParaRPr lang="en-AU"/>
+        </a:p>
+      </dgm:t>
+    </dgm:pt>
+    <dgm:pt modelId="{1A7F643E-6B72-46B2-AFE8-6F8765E25A05}">
+      <dgm:prSet phldrT="[Text]"/>
+      <dgm:spPr/>
+      <dgm:t>
+        <a:bodyPr/>
+        <a:lstStyle/>
+        <a:p>
+          <a:r>
+            <a:rPr lang="en-US" dirty="0" smtClean="0"/>
+            <a:t>MEDIUM</a:t>
+          </a:r>
+          <a:endParaRPr lang="en-AU" dirty="0"/>
+        </a:p>
+      </dgm:t>
+    </dgm:pt>
+    <dgm:pt modelId="{F9F74F41-58D8-44B9-A5FC-01A681D35D0F}" type="parTrans" cxnId="{73BEB4DA-F42D-4E7E-93AF-AA0E35DA261C}">
+      <dgm:prSet/>
+      <dgm:spPr/>
+      <dgm:t>
+        <a:bodyPr/>
+        <a:lstStyle/>
+        <a:p>
+          <a:endParaRPr lang="en-AU"/>
+        </a:p>
+      </dgm:t>
+    </dgm:pt>
+    <dgm:pt modelId="{12986705-8F5D-4486-8685-64E335DFE911}" type="sibTrans" cxnId="{73BEB4DA-F42D-4E7E-93AF-AA0E35DA261C}">
+      <dgm:prSet/>
+      <dgm:spPr/>
+      <dgm:t>
+        <a:bodyPr/>
+        <a:lstStyle/>
+        <a:p>
+          <a:endParaRPr lang="en-AU"/>
+        </a:p>
+      </dgm:t>
+    </dgm:pt>
+    <dgm:pt modelId="{5DD4D300-4175-4769-81C3-68B629D535F8}">
+      <dgm:prSet phldrT="[Text]"/>
+      <dgm:spPr/>
+      <dgm:t>
+        <a:bodyPr/>
+        <a:lstStyle/>
+        <a:p>
+          <a:r>
+            <a:rPr lang="en-US" dirty="0" smtClean="0"/>
+            <a:t>RECEIVER</a:t>
+          </a:r>
+          <a:endParaRPr lang="en-AU" dirty="0"/>
+        </a:p>
+      </dgm:t>
+    </dgm:pt>
+    <dgm:pt modelId="{6FCDCC82-5A4E-4A70-B0BA-8BF0B02CD088}" type="parTrans" cxnId="{D3EB2537-EFD8-4E81-A333-49FA6C71B81A}">
+      <dgm:prSet/>
+      <dgm:spPr/>
+      <dgm:t>
+        <a:bodyPr/>
+        <a:lstStyle/>
+        <a:p>
+          <a:endParaRPr lang="en-AU"/>
+        </a:p>
+      </dgm:t>
+    </dgm:pt>
+    <dgm:pt modelId="{26A2B795-5B01-4D4C-AFB4-0B6534474016}" type="sibTrans" cxnId="{D3EB2537-EFD8-4E81-A333-49FA6C71B81A}">
+      <dgm:prSet/>
+      <dgm:spPr/>
+      <dgm:t>
+        <a:bodyPr/>
+        <a:lstStyle/>
+        <a:p>
+          <a:endParaRPr lang="en-AU"/>
+        </a:p>
+      </dgm:t>
+    </dgm:pt>
+    <dgm:pt modelId="{8F468D4E-20EC-4953-8CCA-A2B58E0F760B}">
+      <dgm:prSet phldrT="[Text]"/>
+      <dgm:spPr/>
+      <dgm:t>
+        <a:bodyPr/>
+        <a:lstStyle/>
+        <a:p>
+          <a:r>
+            <a:rPr lang="en-US" dirty="0" smtClean="0"/>
+            <a:t>ACKNWOLEDGED</a:t>
+          </a:r>
+          <a:endParaRPr lang="en-AU" dirty="0"/>
+        </a:p>
+      </dgm:t>
+    </dgm:pt>
+    <dgm:pt modelId="{37C105E6-4059-4E92-AC8A-FC80F9C115D1}" type="parTrans" cxnId="{4A0DA415-5A06-4E1D-8B5F-BE755D047654}">
+      <dgm:prSet/>
+      <dgm:spPr/>
+      <dgm:t>
+        <a:bodyPr/>
+        <a:lstStyle/>
+        <a:p>
+          <a:endParaRPr lang="en-AU"/>
+        </a:p>
+      </dgm:t>
+    </dgm:pt>
+    <dgm:pt modelId="{CE0C4213-843C-4CE7-A107-6C49BFF5EF48}" type="sibTrans" cxnId="{4A0DA415-5A06-4E1D-8B5F-BE755D047654}">
+      <dgm:prSet/>
+      <dgm:spPr/>
+      <dgm:t>
+        <a:bodyPr/>
+        <a:lstStyle/>
+        <a:p>
+          <a:endParaRPr lang="en-AU"/>
+        </a:p>
+      </dgm:t>
+    </dgm:pt>
+    <dgm:pt modelId="{3023359B-744F-4A1B-9DBE-E6A30B0D667F}" type="pres">
+      <dgm:prSet presAssocID="{5B777F57-44AB-44F8-B180-CEE819D5738C}" presName="Name0" presStyleCnt="0">
+        <dgm:presLayoutVars>
+          <dgm:dir/>
+          <dgm:resizeHandles val="exact"/>
+        </dgm:presLayoutVars>
+      </dgm:prSet>
+      <dgm:spPr/>
+    </dgm:pt>
+    <dgm:pt modelId="{19F79717-A834-4335-8486-2AEE0A0D8328}" type="pres">
+      <dgm:prSet presAssocID="{5B777F57-44AB-44F8-B180-CEE819D5738C}" presName="cycle" presStyleCnt="0"/>
+      <dgm:spPr/>
+    </dgm:pt>
+    <dgm:pt modelId="{DD7B62D5-DA94-4E4E-94ED-7BA973C81F2B}" type="pres">
+      <dgm:prSet presAssocID="{CB50FC21-0C0F-4480-94AC-C9F9513E52DE}" presName="nodeFirstNode" presStyleLbl="node1" presStyleIdx="0" presStyleCnt="5">
+        <dgm:presLayoutVars>
+          <dgm:bulletEnabled val="1"/>
+        </dgm:presLayoutVars>
+      </dgm:prSet>
+      <dgm:spPr/>
+    </dgm:pt>
+    <dgm:pt modelId="{B2AD67C9-BC2E-4484-9CE2-9DE619487466}" type="pres">
+      <dgm:prSet presAssocID="{5EC9AF41-4185-437C-A30C-977646505C2A}" presName="sibTransFirstNode" presStyleLbl="bgShp" presStyleIdx="0" presStyleCnt="1"/>
+      <dgm:spPr/>
+    </dgm:pt>
+    <dgm:pt modelId="{B37BBCDA-9D11-4AA4-8F42-0EE144B979C2}" type="pres">
+      <dgm:prSet presAssocID="{95765543-512E-44C5-9831-A24522658240}" presName="nodeFollowingNodes" presStyleLbl="node1" presStyleIdx="1" presStyleCnt="5">
+        <dgm:presLayoutVars>
+          <dgm:bulletEnabled val="1"/>
+        </dgm:presLayoutVars>
+      </dgm:prSet>
+      <dgm:spPr/>
+    </dgm:pt>
+    <dgm:pt modelId="{51A60BB5-CEE4-483F-BF50-B2A45171C862}" type="pres">
+      <dgm:prSet presAssocID="{1A7F643E-6B72-46B2-AFE8-6F8765E25A05}" presName="nodeFollowingNodes" presStyleLbl="node1" presStyleIdx="2" presStyleCnt="5">
+        <dgm:presLayoutVars>
+          <dgm:bulletEnabled val="1"/>
+        </dgm:presLayoutVars>
+      </dgm:prSet>
+      <dgm:spPr/>
+    </dgm:pt>
+    <dgm:pt modelId="{751F1DC2-CFBF-469E-9625-5B343DB1B45A}" type="pres">
+      <dgm:prSet presAssocID="{5DD4D300-4175-4769-81C3-68B629D535F8}" presName="nodeFollowingNodes" presStyleLbl="node1" presStyleIdx="3" presStyleCnt="5">
+        <dgm:presLayoutVars>
+          <dgm:bulletEnabled val="1"/>
+        </dgm:presLayoutVars>
+      </dgm:prSet>
+      <dgm:spPr/>
+    </dgm:pt>
+    <dgm:pt modelId="{E2B622E2-1595-4D2A-AD3C-B0FC6A7F5099}" type="pres">
+      <dgm:prSet presAssocID="{8F468D4E-20EC-4953-8CCA-A2B58E0F760B}" presName="nodeFollowingNodes" presStyleLbl="node1" presStyleIdx="4" presStyleCnt="5">
+        <dgm:presLayoutVars>
+          <dgm:bulletEnabled val="1"/>
+        </dgm:presLayoutVars>
+      </dgm:prSet>
+      <dgm:spPr/>
+    </dgm:pt>
+  </dgm:ptLst>
+  <dgm:cxnLst>
+    <dgm:cxn modelId="{EE1D86EF-AEB3-4CBC-B27D-37BFF4D521F1}" srcId="{5B777F57-44AB-44F8-B180-CEE819D5738C}" destId="{95765543-512E-44C5-9831-A24522658240}" srcOrd="1" destOrd="0" parTransId="{93A00EEA-3EE8-4C2B-BE75-B367161543A9}" sibTransId="{BF9227C7-AFDC-4DE2-84CD-9367220F5CFF}"/>
+    <dgm:cxn modelId="{4A0DA415-5A06-4E1D-8B5F-BE755D047654}" srcId="{5B777F57-44AB-44F8-B180-CEE819D5738C}" destId="{8F468D4E-20EC-4953-8CCA-A2B58E0F760B}" srcOrd="4" destOrd="0" parTransId="{37C105E6-4059-4E92-AC8A-FC80F9C115D1}" sibTransId="{CE0C4213-843C-4CE7-A107-6C49BFF5EF48}"/>
+    <dgm:cxn modelId="{6B73E4AE-E16E-4883-9D79-FBD479A2F0C0}" srcId="{5B777F57-44AB-44F8-B180-CEE819D5738C}" destId="{CB50FC21-0C0F-4480-94AC-C9F9513E52DE}" srcOrd="0" destOrd="0" parTransId="{679564CD-E171-4F48-B407-9B6FAEE3D340}" sibTransId="{5EC9AF41-4185-437C-A30C-977646505C2A}"/>
+    <dgm:cxn modelId="{E2AF6C09-C4B0-435F-97F9-C7606B002B08}" type="presOf" srcId="{95765543-512E-44C5-9831-A24522658240}" destId="{B37BBCDA-9D11-4AA4-8F42-0EE144B979C2}" srcOrd="0" destOrd="0" presId="urn:microsoft.com/office/officeart/2005/8/layout/cycle3"/>
+    <dgm:cxn modelId="{73BEB4DA-F42D-4E7E-93AF-AA0E35DA261C}" srcId="{5B777F57-44AB-44F8-B180-CEE819D5738C}" destId="{1A7F643E-6B72-46B2-AFE8-6F8765E25A05}" srcOrd="2" destOrd="0" parTransId="{F9F74F41-58D8-44B9-A5FC-01A681D35D0F}" sibTransId="{12986705-8F5D-4486-8685-64E335DFE911}"/>
+    <dgm:cxn modelId="{3D91EBD2-E23B-4A6E-8406-3089A4285AAF}" type="presOf" srcId="{1A7F643E-6B72-46B2-AFE8-6F8765E25A05}" destId="{51A60BB5-CEE4-483F-BF50-B2A45171C862}" srcOrd="0" destOrd="0" presId="urn:microsoft.com/office/officeart/2005/8/layout/cycle3"/>
+    <dgm:cxn modelId="{D3EB2537-EFD8-4E81-A333-49FA6C71B81A}" srcId="{5B777F57-44AB-44F8-B180-CEE819D5738C}" destId="{5DD4D300-4175-4769-81C3-68B629D535F8}" srcOrd="3" destOrd="0" parTransId="{6FCDCC82-5A4E-4A70-B0BA-8BF0B02CD088}" sibTransId="{26A2B795-5B01-4D4C-AFB4-0B6534474016}"/>
+    <dgm:cxn modelId="{0ECB5C8B-8F80-4383-AAB9-D285CB5F5245}" type="presOf" srcId="{5B777F57-44AB-44F8-B180-CEE819D5738C}" destId="{3023359B-744F-4A1B-9DBE-E6A30B0D667F}" srcOrd="0" destOrd="0" presId="urn:microsoft.com/office/officeart/2005/8/layout/cycle3"/>
+    <dgm:cxn modelId="{DF80FE53-7346-4925-BA99-C32DE37D03B6}" type="presOf" srcId="{CB50FC21-0C0F-4480-94AC-C9F9513E52DE}" destId="{DD7B62D5-DA94-4E4E-94ED-7BA973C81F2B}" srcOrd="0" destOrd="0" presId="urn:microsoft.com/office/officeart/2005/8/layout/cycle3"/>
+    <dgm:cxn modelId="{117998F3-6175-4F03-80E1-DB66C3EB388A}" type="presOf" srcId="{8F468D4E-20EC-4953-8CCA-A2B58E0F760B}" destId="{E2B622E2-1595-4D2A-AD3C-B0FC6A7F5099}" srcOrd="0" destOrd="0" presId="urn:microsoft.com/office/officeart/2005/8/layout/cycle3"/>
+    <dgm:cxn modelId="{A70DDEC9-037E-4FFF-AEC7-91DD592DF8B5}" type="presOf" srcId="{5DD4D300-4175-4769-81C3-68B629D535F8}" destId="{751F1DC2-CFBF-469E-9625-5B343DB1B45A}" srcOrd="0" destOrd="0" presId="urn:microsoft.com/office/officeart/2005/8/layout/cycle3"/>
+    <dgm:cxn modelId="{D026220A-8EBC-4478-8D9D-743EA365E004}" type="presOf" srcId="{5EC9AF41-4185-437C-A30C-977646505C2A}" destId="{B2AD67C9-BC2E-4484-9CE2-9DE619487466}" srcOrd="0" destOrd="0" presId="urn:microsoft.com/office/officeart/2005/8/layout/cycle3"/>
+    <dgm:cxn modelId="{E39B91CF-E796-4D48-A61B-7FC1A14DFB40}" type="presParOf" srcId="{3023359B-744F-4A1B-9DBE-E6A30B0D667F}" destId="{19F79717-A834-4335-8486-2AEE0A0D8328}" srcOrd="0" destOrd="0" presId="urn:microsoft.com/office/officeart/2005/8/layout/cycle3"/>
+    <dgm:cxn modelId="{0560007A-E88A-4CCA-AE85-AF1F2F90D044}" type="presParOf" srcId="{19F79717-A834-4335-8486-2AEE0A0D8328}" destId="{DD7B62D5-DA94-4E4E-94ED-7BA973C81F2B}" srcOrd="0" destOrd="0" presId="urn:microsoft.com/office/officeart/2005/8/layout/cycle3"/>
+    <dgm:cxn modelId="{AACFC9DC-5C28-455A-963E-64EE7DFA376B}" type="presParOf" srcId="{19F79717-A834-4335-8486-2AEE0A0D8328}" destId="{B2AD67C9-BC2E-4484-9CE2-9DE619487466}" srcOrd="1" destOrd="0" presId="urn:microsoft.com/office/officeart/2005/8/layout/cycle3"/>
+    <dgm:cxn modelId="{A3E6341D-AC72-4850-B5E1-E698D2A0FC35}" type="presParOf" srcId="{19F79717-A834-4335-8486-2AEE0A0D8328}" destId="{B37BBCDA-9D11-4AA4-8F42-0EE144B979C2}" srcOrd="2" destOrd="0" presId="urn:microsoft.com/office/officeart/2005/8/layout/cycle3"/>
+    <dgm:cxn modelId="{98C657F1-4DA6-4517-829B-166701797262}" type="presParOf" srcId="{19F79717-A834-4335-8486-2AEE0A0D8328}" destId="{51A60BB5-CEE4-483F-BF50-B2A45171C862}" srcOrd="3" destOrd="0" presId="urn:microsoft.com/office/officeart/2005/8/layout/cycle3"/>
+    <dgm:cxn modelId="{F16765F7-BF00-4B53-AA96-F5A887898535}" type="presParOf" srcId="{19F79717-A834-4335-8486-2AEE0A0D8328}" destId="{751F1DC2-CFBF-469E-9625-5B343DB1B45A}" srcOrd="4" destOrd="0" presId="urn:microsoft.com/office/officeart/2005/8/layout/cycle3"/>
+    <dgm:cxn modelId="{DE7AF1C3-B19C-4749-AF7E-E7AF5C4404EF}" type="presParOf" srcId="{19F79717-A834-4335-8486-2AEE0A0D8328}" destId="{E2B622E2-1595-4D2A-AD3C-B0FC6A7F5099}" srcOrd="5" destOrd="0" presId="urn:microsoft.com/office/officeart/2005/8/layout/cycle3"/>
+  </dgm:cxnLst>
+  <dgm:bg/>
+  <dgm:whole/>
+  <dgm:extLst>
+    <a:ext uri="http://schemas.microsoft.com/office/drawing/2008/diagram">
+      <dsp:dataModelExt xmlns:dsp="http://schemas.microsoft.com/office/drawing/2008/diagram" relId="rId7" minVer="http://schemas.openxmlformats.org/drawingml/2006/diagram"/>
+    </a:ext>
+  </dgm:extLst>
+</dgm:dataModel>
+</file>
+
+<file path=ppt/diagrams/drawing1.xml><?xml version="1.0" encoding="utf-8"?>
+<dsp:drawing xmlns:dgm="http://schemas.openxmlformats.org/drawingml/2006/diagram" xmlns:dsp="http://schemas.microsoft.com/office/drawing/2008/diagram" xmlns:a="http://schemas.openxmlformats.org/drawingml/2006/main">
+  <dsp:spTree>
+    <dsp:nvGrpSpPr>
+      <dsp:cNvPr id="0" name=""/>
+      <dsp:cNvGrpSpPr/>
+    </dsp:nvGrpSpPr>
+    <dsp:grpSpPr/>
+    <dsp:sp modelId="{B2AD67C9-BC2E-4484-9CE2-9DE619487466}">
+      <dsp:nvSpPr>
+        <dsp:cNvPr id="0" name=""/>
+        <dsp:cNvSpPr/>
+      </dsp:nvSpPr>
+      <dsp:spPr>
+        <a:xfrm>
+          <a:off x="537047" y="-16645"/>
+          <a:ext cx="3441236" cy="3441236"/>
+        </a:xfrm>
+        <a:prstGeom prst="circularArrow">
+          <a:avLst>
+            <a:gd name="adj1" fmla="val 5544"/>
+            <a:gd name="adj2" fmla="val 330680"/>
+            <a:gd name="adj3" fmla="val 13879407"/>
+            <a:gd name="adj4" fmla="val 17323302"/>
+            <a:gd name="adj5" fmla="val 5757"/>
+          </a:avLst>
+        </a:prstGeom>
+        <a:solidFill>
+          <a:schemeClr val="accent1">
+            <a:tint val="40000"/>
+            <a:hueOff val="0"/>
+            <a:satOff val="0"/>
+            <a:lumOff val="0"/>
+            <a:alphaOff val="0"/>
+          </a:schemeClr>
+        </a:solidFill>
+        <a:ln>
+          <a:noFill/>
+        </a:ln>
+        <a:effectLst/>
+      </dsp:spPr>
+      <dsp:style>
+        <a:lnRef idx="0">
+          <a:scrgbClr r="0" g="0" b="0"/>
+        </a:lnRef>
+        <a:fillRef idx="1">
+          <a:scrgbClr r="0" g="0" b="0"/>
+        </a:fillRef>
+        <a:effectRef idx="0">
+          <a:scrgbClr r="0" g="0" b="0"/>
+        </a:effectRef>
+        <a:fontRef idx="minor"/>
+      </dsp:style>
+    </dsp:sp>
+    <dsp:sp modelId="{DD7B62D5-DA94-4E4E-94ED-7BA973C81F2B}">
+      <dsp:nvSpPr>
+        <dsp:cNvPr id="0" name=""/>
+        <dsp:cNvSpPr/>
+      </dsp:nvSpPr>
+      <dsp:spPr>
+        <a:xfrm>
+          <a:off x="1488207" y="1233"/>
+          <a:ext cx="1538916" cy="769458"/>
+        </a:xfrm>
+        <a:prstGeom prst="roundRect">
+          <a:avLst/>
+        </a:prstGeom>
+        <a:solidFill>
+          <a:schemeClr val="accent1">
+            <a:hueOff val="0"/>
+            <a:satOff val="0"/>
+            <a:lumOff val="0"/>
+            <a:alphaOff val="0"/>
+          </a:schemeClr>
+        </a:solidFill>
+        <a:ln w="12700" cap="flat" cmpd="sng" algn="ctr">
+          <a:solidFill>
+            <a:schemeClr val="lt1">
+              <a:hueOff val="0"/>
+              <a:satOff val="0"/>
+              <a:lumOff val="0"/>
+              <a:alphaOff val="0"/>
+            </a:schemeClr>
+          </a:solidFill>
+          <a:prstDash val="solid"/>
+          <a:miter lim="800000"/>
+        </a:ln>
+        <a:effectLst/>
+      </dsp:spPr>
+      <dsp:style>
+        <a:lnRef idx="2">
+          <a:scrgbClr r="0" g="0" b="0"/>
+        </a:lnRef>
+        <a:fillRef idx="1">
+          <a:scrgbClr r="0" g="0" b="0"/>
+        </a:fillRef>
+        <a:effectRef idx="0">
+          <a:scrgbClr r="0" g="0" b="0"/>
+        </a:effectRef>
+        <a:fontRef idx="minor">
+          <a:schemeClr val="lt1"/>
+        </a:fontRef>
+      </dsp:style>
+      <dsp:txBody>
+        <a:bodyPr spcFirstLastPara="0" vert="horz" wrap="square" lIns="57150" tIns="57150" rIns="57150" bIns="57150" numCol="1" spcCol="1270" anchor="ctr" anchorCtr="0">
+          <a:noAutofit/>
+        </a:bodyPr>
+        <a:lstStyle/>
+        <a:p>
+          <a:pPr lvl="0" algn="ctr" defTabSz="666750">
+            <a:lnSpc>
+              <a:spcPct val="90000"/>
+            </a:lnSpc>
+            <a:spcBef>
+              <a:spcPct val="0"/>
+            </a:spcBef>
+            <a:spcAft>
+              <a:spcPct val="35000"/>
+            </a:spcAft>
+          </a:pPr>
+          <a:r>
+            <a:rPr lang="en-US" sz="1500" kern="1200" dirty="0" smtClean="0"/>
+            <a:t>SENDER</a:t>
+          </a:r>
+          <a:endParaRPr lang="en-AU" sz="1500" kern="1200" dirty="0"/>
+        </a:p>
+      </dsp:txBody>
+      <dsp:txXfrm>
+        <a:off x="1525769" y="38795"/>
+        <a:ext cx="1463792" cy="694334"/>
+      </dsp:txXfrm>
+    </dsp:sp>
+    <dsp:sp modelId="{B37BBCDA-9D11-4AA4-8F42-0EE144B979C2}">
+      <dsp:nvSpPr>
+        <dsp:cNvPr id="0" name=""/>
+        <dsp:cNvSpPr/>
+      </dsp:nvSpPr>
+      <dsp:spPr>
+        <a:xfrm>
+          <a:off x="2883862" y="1015235"/>
+          <a:ext cx="1538916" cy="769458"/>
+        </a:xfrm>
+        <a:prstGeom prst="roundRect">
+          <a:avLst/>
+        </a:prstGeom>
+        <a:solidFill>
+          <a:schemeClr val="accent1">
+            <a:hueOff val="0"/>
+            <a:satOff val="0"/>
+            <a:lumOff val="0"/>
+            <a:alphaOff val="0"/>
+          </a:schemeClr>
+        </a:solidFill>
+        <a:ln w="12700" cap="flat" cmpd="sng" algn="ctr">
+          <a:solidFill>
+            <a:schemeClr val="lt1">
+              <a:hueOff val="0"/>
+              <a:satOff val="0"/>
+              <a:lumOff val="0"/>
+              <a:alphaOff val="0"/>
+            </a:schemeClr>
+          </a:solidFill>
+          <a:prstDash val="solid"/>
+          <a:miter lim="800000"/>
+        </a:ln>
+        <a:effectLst/>
+      </dsp:spPr>
+      <dsp:style>
+        <a:lnRef idx="2">
+          <a:scrgbClr r="0" g="0" b="0"/>
+        </a:lnRef>
+        <a:fillRef idx="1">
+          <a:scrgbClr r="0" g="0" b="0"/>
+        </a:fillRef>
+        <a:effectRef idx="0">
+          <a:scrgbClr r="0" g="0" b="0"/>
+        </a:effectRef>
+        <a:fontRef idx="minor">
+          <a:schemeClr val="lt1"/>
+        </a:fontRef>
+      </dsp:style>
+      <dsp:txBody>
+        <a:bodyPr spcFirstLastPara="0" vert="horz" wrap="square" lIns="57150" tIns="57150" rIns="57150" bIns="57150" numCol="1" spcCol="1270" anchor="ctr" anchorCtr="0">
+          <a:noAutofit/>
+        </a:bodyPr>
+        <a:lstStyle/>
+        <a:p>
+          <a:pPr lvl="0" algn="ctr" defTabSz="666750">
+            <a:lnSpc>
+              <a:spcPct val="90000"/>
+            </a:lnSpc>
+            <a:spcBef>
+              <a:spcPct val="0"/>
+            </a:spcBef>
+            <a:spcAft>
+              <a:spcPct val="35000"/>
+            </a:spcAft>
+          </a:pPr>
+          <a:r>
+            <a:rPr lang="en-US" sz="1500" kern="1200" dirty="0" smtClean="0"/>
+            <a:t>CHANNEL</a:t>
+          </a:r>
+          <a:endParaRPr lang="en-AU" sz="1500" kern="1200" dirty="0"/>
+        </a:p>
+      </dsp:txBody>
+      <dsp:txXfrm>
+        <a:off x="2921424" y="1052797"/>
+        <a:ext cx="1463792" cy="694334"/>
+      </dsp:txXfrm>
+    </dsp:sp>
+    <dsp:sp modelId="{51A60BB5-CEE4-483F-BF50-B2A45171C862}">
+      <dsp:nvSpPr>
+        <dsp:cNvPr id="0" name=""/>
+        <dsp:cNvSpPr/>
+      </dsp:nvSpPr>
+      <dsp:spPr>
+        <a:xfrm>
+          <a:off x="2350769" y="2655926"/>
+          <a:ext cx="1538916" cy="769458"/>
+        </a:xfrm>
+        <a:prstGeom prst="roundRect">
+          <a:avLst/>
+        </a:prstGeom>
+        <a:solidFill>
+          <a:schemeClr val="accent1">
+            <a:hueOff val="0"/>
+            <a:satOff val="0"/>
+            <a:lumOff val="0"/>
+            <a:alphaOff val="0"/>
+          </a:schemeClr>
+        </a:solidFill>
+        <a:ln w="12700" cap="flat" cmpd="sng" algn="ctr">
+          <a:solidFill>
+            <a:schemeClr val="lt1">
+              <a:hueOff val="0"/>
+              <a:satOff val="0"/>
+              <a:lumOff val="0"/>
+              <a:alphaOff val="0"/>
+            </a:schemeClr>
+          </a:solidFill>
+          <a:prstDash val="solid"/>
+          <a:miter lim="800000"/>
+        </a:ln>
+        <a:effectLst/>
+      </dsp:spPr>
+      <dsp:style>
+        <a:lnRef idx="2">
+          <a:scrgbClr r="0" g="0" b="0"/>
+        </a:lnRef>
+        <a:fillRef idx="1">
+          <a:scrgbClr r="0" g="0" b="0"/>
+        </a:fillRef>
+        <a:effectRef idx="0">
+          <a:scrgbClr r="0" g="0" b="0"/>
+        </a:effectRef>
+        <a:fontRef idx="minor">
+          <a:schemeClr val="lt1"/>
+        </a:fontRef>
+      </dsp:style>
+      <dsp:txBody>
+        <a:bodyPr spcFirstLastPara="0" vert="horz" wrap="square" lIns="57150" tIns="57150" rIns="57150" bIns="57150" numCol="1" spcCol="1270" anchor="ctr" anchorCtr="0">
+          <a:noAutofit/>
+        </a:bodyPr>
+        <a:lstStyle/>
+        <a:p>
+          <a:pPr lvl="0" algn="ctr" defTabSz="666750">
+            <a:lnSpc>
+              <a:spcPct val="90000"/>
+            </a:lnSpc>
+            <a:spcBef>
+              <a:spcPct val="0"/>
+            </a:spcBef>
+            <a:spcAft>
+              <a:spcPct val="35000"/>
+            </a:spcAft>
+          </a:pPr>
+          <a:r>
+            <a:rPr lang="en-US" sz="1500" kern="1200" dirty="0" smtClean="0"/>
+            <a:t>MEDIUM</a:t>
+          </a:r>
+          <a:endParaRPr lang="en-AU" sz="1500" kern="1200" dirty="0"/>
+        </a:p>
+      </dsp:txBody>
+      <dsp:txXfrm>
+        <a:off x="2388331" y="2693488"/>
+        <a:ext cx="1463792" cy="694334"/>
+      </dsp:txXfrm>
+    </dsp:sp>
+    <dsp:sp modelId="{751F1DC2-CFBF-469E-9625-5B343DB1B45A}">
+      <dsp:nvSpPr>
+        <dsp:cNvPr id="0" name=""/>
+        <dsp:cNvSpPr/>
+      </dsp:nvSpPr>
+      <dsp:spPr>
+        <a:xfrm>
+          <a:off x="625645" y="2655926"/>
+          <a:ext cx="1538916" cy="769458"/>
+        </a:xfrm>
+        <a:prstGeom prst="roundRect">
+          <a:avLst/>
+        </a:prstGeom>
+        <a:solidFill>
+          <a:schemeClr val="accent1">
+            <a:hueOff val="0"/>
+            <a:satOff val="0"/>
+            <a:lumOff val="0"/>
+            <a:alphaOff val="0"/>
+          </a:schemeClr>
+        </a:solidFill>
+        <a:ln w="12700" cap="flat" cmpd="sng" algn="ctr">
+          <a:solidFill>
+            <a:schemeClr val="lt1">
+              <a:hueOff val="0"/>
+              <a:satOff val="0"/>
+              <a:lumOff val="0"/>
+              <a:alphaOff val="0"/>
+            </a:schemeClr>
+          </a:solidFill>
+          <a:prstDash val="solid"/>
+          <a:miter lim="800000"/>
+        </a:ln>
+        <a:effectLst/>
+      </dsp:spPr>
+      <dsp:style>
+        <a:lnRef idx="2">
+          <a:scrgbClr r="0" g="0" b="0"/>
+        </a:lnRef>
+        <a:fillRef idx="1">
+          <a:scrgbClr r="0" g="0" b="0"/>
+        </a:fillRef>
+        <a:effectRef idx="0">
+          <a:scrgbClr r="0" g="0" b="0"/>
+        </a:effectRef>
+        <a:fontRef idx="minor">
+          <a:schemeClr val="lt1"/>
+        </a:fontRef>
+      </dsp:style>
+      <dsp:txBody>
+        <a:bodyPr spcFirstLastPara="0" vert="horz" wrap="square" lIns="57150" tIns="57150" rIns="57150" bIns="57150" numCol="1" spcCol="1270" anchor="ctr" anchorCtr="0">
+          <a:noAutofit/>
+        </a:bodyPr>
+        <a:lstStyle/>
+        <a:p>
+          <a:pPr lvl="0" algn="ctr" defTabSz="666750">
+            <a:lnSpc>
+              <a:spcPct val="90000"/>
+            </a:lnSpc>
+            <a:spcBef>
+              <a:spcPct val="0"/>
+            </a:spcBef>
+            <a:spcAft>
+              <a:spcPct val="35000"/>
+            </a:spcAft>
+          </a:pPr>
+          <a:r>
+            <a:rPr lang="en-US" sz="1500" kern="1200" dirty="0" smtClean="0"/>
+            <a:t>RECEIVER</a:t>
+          </a:r>
+          <a:endParaRPr lang="en-AU" sz="1500" kern="1200" dirty="0"/>
+        </a:p>
+      </dsp:txBody>
+      <dsp:txXfrm>
+        <a:off x="663207" y="2693488"/>
+        <a:ext cx="1463792" cy="694334"/>
+      </dsp:txXfrm>
+    </dsp:sp>
+    <dsp:sp modelId="{E2B622E2-1595-4D2A-AD3C-B0FC6A7F5099}">
+      <dsp:nvSpPr>
+        <dsp:cNvPr id="0" name=""/>
+        <dsp:cNvSpPr/>
+      </dsp:nvSpPr>
+      <dsp:spPr>
+        <a:xfrm>
+          <a:off x="92552" y="1015235"/>
+          <a:ext cx="1538916" cy="769458"/>
+        </a:xfrm>
+        <a:prstGeom prst="roundRect">
+          <a:avLst/>
+        </a:prstGeom>
+        <a:solidFill>
+          <a:schemeClr val="accent1">
+            <a:hueOff val="0"/>
+            <a:satOff val="0"/>
+            <a:lumOff val="0"/>
+            <a:alphaOff val="0"/>
+          </a:schemeClr>
+        </a:solidFill>
+        <a:ln w="12700" cap="flat" cmpd="sng" algn="ctr">
+          <a:solidFill>
+            <a:schemeClr val="lt1">
+              <a:hueOff val="0"/>
+              <a:satOff val="0"/>
+              <a:lumOff val="0"/>
+              <a:alphaOff val="0"/>
+            </a:schemeClr>
+          </a:solidFill>
+          <a:prstDash val="solid"/>
+          <a:miter lim="800000"/>
+        </a:ln>
+        <a:effectLst/>
+      </dsp:spPr>
+      <dsp:style>
+        <a:lnRef idx="2">
+          <a:scrgbClr r="0" g="0" b="0"/>
+        </a:lnRef>
+        <a:fillRef idx="1">
+          <a:scrgbClr r="0" g="0" b="0"/>
+        </a:fillRef>
+        <a:effectRef idx="0">
+          <a:scrgbClr r="0" g="0" b="0"/>
+        </a:effectRef>
+        <a:fontRef idx="minor">
+          <a:schemeClr val="lt1"/>
+        </a:fontRef>
+      </dsp:style>
+      <dsp:txBody>
+        <a:bodyPr spcFirstLastPara="0" vert="horz" wrap="square" lIns="57150" tIns="57150" rIns="57150" bIns="57150" numCol="1" spcCol="1270" anchor="ctr" anchorCtr="0">
+          <a:noAutofit/>
+        </a:bodyPr>
+        <a:lstStyle/>
+        <a:p>
+          <a:pPr lvl="0" algn="ctr" defTabSz="666750">
+            <a:lnSpc>
+              <a:spcPct val="90000"/>
+            </a:lnSpc>
+            <a:spcBef>
+              <a:spcPct val="0"/>
+            </a:spcBef>
+            <a:spcAft>
+              <a:spcPct val="35000"/>
+            </a:spcAft>
+          </a:pPr>
+          <a:r>
+            <a:rPr lang="en-US" sz="1500" kern="1200" dirty="0" smtClean="0"/>
+            <a:t>ACKNWOLEDGED</a:t>
+          </a:r>
+          <a:endParaRPr lang="en-AU" sz="1500" kern="1200" dirty="0"/>
+        </a:p>
+      </dsp:txBody>
+      <dsp:txXfrm>
+        <a:off x="130114" y="1052797"/>
+        <a:ext cx="1463792" cy="694334"/>
+      </dsp:txXfrm>
+    </dsp:sp>
+  </dsp:spTree>
+</dsp:drawing>
+</file>
+
+<file path=ppt/diagrams/layout1.xml><?xml version="1.0" encoding="utf-8"?>
+<dgm:layoutDef xmlns:dgm="http://schemas.openxmlformats.org/drawingml/2006/diagram" xmlns:a="http://schemas.openxmlformats.org/drawingml/2006/main" uniqueId="urn:microsoft.com/office/officeart/2005/8/layout/cycle3">
+  <dgm:title val=""/>
+  <dgm:desc val=""/>
+  <dgm:catLst>
+    <dgm:cat type="cycle" pri="5000"/>
+  </dgm:catLst>
+  <dgm:sampData>
+    <dgm:dataModel>
+      <dgm:ptLst>
+        <dgm:pt modelId="0" type="doc"/>
+        <dgm:pt modelId="1">
+          <dgm:prSet phldr="1"/>
+        </dgm:pt>
+        <dgm:pt modelId="2">
+          <dgm:prSet phldr="1"/>
+        </dgm:pt>
+        <dgm:pt modelId="3">
+          <dgm:prSet phldr="1"/>
+        </dgm:pt>
+        <dgm:pt modelId="4">
+          <dgm:prSet phldr="1"/>
+        </dgm:pt>
+        <dgm:pt modelId="5">
+          <dgm:prSet phldr="1"/>
+        </dgm:pt>
+      </dgm:ptLst>
+      <dgm:cxnLst>
+        <dgm:cxn modelId="6" srcId="0" destId="1" srcOrd="0" destOrd="0"/>
+        <dgm:cxn modelId="7" srcId="0" destId="2" srcOrd="1" destOrd="0"/>
+        <dgm:cxn modelId="8" srcId="0" destId="3" srcOrd="2" destOrd="0"/>
+        <dgm:cxn modelId="9" srcId="0" destId="4" srcOrd="3" destOrd="0"/>
+        <dgm:cxn modelId="10" srcId="0" destId="5" srcOrd="4" destOrd="0"/>
+      </dgm:cxnLst>
+      <dgm:bg/>
+      <dgm:whole/>
+    </dgm:dataModel>
+  </dgm:sampData>
+  <dgm:styleData>
+    <dgm:dataModel>
+      <dgm:ptLst>
+        <dgm:pt modelId="0" type="doc"/>
+        <dgm:pt modelId="1"/>
+        <dgm:pt modelId="2"/>
+        <dgm:pt modelId="3"/>
+      </dgm:ptLst>
+      <dgm:cxnLst>
+        <dgm:cxn modelId="4" srcId="0" destId="1" srcOrd="0" destOrd="0"/>
+        <dgm:cxn modelId="5" srcId="0" destId="2" srcOrd="1" destOrd="0"/>
+        <dgm:cxn modelId="6" srcId="0" destId="3" srcOrd="2" destOrd="0"/>
+      </dgm:cxnLst>
+      <dgm:bg/>
+      <dgm:whole/>
+    </dgm:dataModel>
+  </dgm:styleData>
+  <dgm:clrData>
+    <dgm:dataModel>
+      <dgm:ptLst>
+        <dgm:pt modelId="0" type="doc"/>
+        <dgm:pt modelId="1"/>
+        <dgm:pt modelId="2"/>
+        <dgm:pt modelId="3"/>
+        <dgm:pt modelId="4"/>
+        <dgm:pt modelId="5"/>
+        <dgm:pt modelId="6"/>
+      </dgm:ptLst>
+      <dgm:cxnLst>
+        <dgm:cxn modelId="7" srcId="0" destId="1" srcOrd="0" destOrd="0"/>
+        <dgm:cxn modelId="8" srcId="0" destId="2" srcOrd="1" destOrd="0"/>
+        <dgm:cxn modelId="9" srcId="0" destId="3" srcOrd="2" destOrd="0"/>
+        <dgm:cxn modelId="10" srcId="0" destId="4" srcOrd="3" destOrd="0"/>
+        <dgm:cxn modelId="11" srcId="0" destId="5" srcOrd="4" destOrd="0"/>
+        <dgm:cxn modelId="12" srcId="0" destId="6" srcOrd="5" destOrd="0"/>
+      </dgm:cxnLst>
+      <dgm:bg/>
+      <dgm:whole/>
+    </dgm:dataModel>
+  </dgm:clrData>
+  <dgm:layoutNode name="Name0">
+    <dgm:varLst>
+      <dgm:dir/>
+      <dgm:resizeHandles val="exact"/>
+    </dgm:varLst>
+    <dgm:choose name="Name1">
+      <dgm:if name="Name2" axis="ch" ptType="node" func="cnt" op="equ" val="2">
+        <dgm:alg type="composite">
+          <dgm:param type="ar" val="0.9"/>
+        </dgm:alg>
+        <dgm:shape xmlns:r="http://schemas.openxmlformats.org/officeDocument/2006/relationships" r:blip="">
+          <dgm:adjLst/>
+        </dgm:shape>
+        <dgm:presOf/>
+        <dgm:constrLst>
+          <dgm:constr type="primFontSz" for="ch" ptType="node" op="equ" val="65"/>
+          <dgm:constr type="ctrX" for="ch" forName="node1" refType="w" fact="0.5"/>
+          <dgm:constr type="t" for="ch" forName="node1"/>
+          <dgm:constr type="w" for="ch" forName="node1" refType="w" fact="0.8"/>
+          <dgm:constr type="h" for="ch" forName="node1" refType="w" refFor="ch" refForName="node1" fact="0.5"/>
+          <dgm:constr type="ctrX" for="ch" forName="sibTrans" refType="w" fact="0.5"/>
+          <dgm:constr type="t" for="ch" forName="sibTrans"/>
+          <dgm:constr type="w" for="ch" forName="sibTrans" refType="w" fact="0.8"/>
+          <dgm:constr type="h" for="ch" forName="sibTrans" refType="w" refFor="ch" refForName="node1" fact="0.5"/>
+          <dgm:constr type="userA" for="ch" forName="sibTrans" refType="w" fact="1.07"/>
+          <dgm:constr type="ctrX" for="ch" forName="node2" refType="w" fact="0.5"/>
+          <dgm:constr type="b" for="ch" forName="node2" refType="h"/>
+          <dgm:constr type="w" for="ch" forName="node2" refType="w" fact="0.8"/>
+          <dgm:constr type="h" for="ch" forName="node2" refType="w" refFor="ch" refForName="node1" fact="0.5"/>
+          <dgm:constr type="l" for="ch" forName="sp1"/>
+          <dgm:constr type="t" for="ch" forName="sp1" refType="h" fact="0.5"/>
+          <dgm:constr type="w" for="ch" forName="sp1" val="1"/>
+          <dgm:constr type="h" for="ch" forName="sp1" val="1"/>
+          <dgm:constr type="r" for="ch" forName="sp2" refType="w"/>
+          <dgm:constr type="t" for="ch" forName="sp2" refType="h" fact="0.5"/>
+          <dgm:constr type="w" for="ch" forName="sp2" val="1"/>
+          <dgm:constr type="h" for="ch" forName="sp2" val="1"/>
+        </dgm:constrLst>
+        <dgm:ruleLst/>
+      </dgm:if>
+      <dgm:else name="Name3">
+        <dgm:alg type="composite"/>
+        <dgm:shape xmlns:r="http://schemas.openxmlformats.org/officeDocument/2006/relationships" r:blip="">
+          <dgm:adjLst/>
+        </dgm:shape>
+        <dgm:presOf/>
+        <dgm:constrLst>
+          <dgm:constr type="primFontSz" for="ch" ptType="node" op="equ" val="65"/>
+        </dgm:constrLst>
+        <dgm:ruleLst/>
+      </dgm:else>
+    </dgm:choose>
+    <dgm:choose name="Name4">
+      <dgm:if name="Name5" axis="ch" ptType="node" func="cnt" op="equ" val="2">
+        <dgm:layoutNode name="node1">
+          <dgm:varLst>
+            <dgm:bulletEnabled val="1"/>
+          </dgm:varLst>
+          <dgm:alg type="tx"/>
+          <dgm:shape xmlns:r="http://schemas.openxmlformats.org/officeDocument/2006/relationships" type="roundRect" r:blip="">
+            <dgm:adjLst/>
+          </dgm:shape>
+          <dgm:presOf axis="ch desOrSelf" ptType="node node" st="1 1" cnt="1 0"/>
+          <dgm:constrLst>
+            <dgm:constr type="tMarg" refType="primFontSz" fact="0.3"/>
+            <dgm:constr type="bMarg" refType="primFontSz" fact="0.3"/>
+            <dgm:constr type="lMarg" refType="primFontSz" fact="0.3"/>
+            <dgm:constr type="rMarg" refType="primFontSz" fact="0.3"/>
+          </dgm:constrLst>
+          <dgm:ruleLst>
+            <dgm:rule type="primFontSz" val="5" fact="NaN" max="NaN"/>
+          </dgm:ruleLst>
+        </dgm:layoutNode>
+        <dgm:layoutNode name="sibTrans" styleLbl="bgShp">
+          <dgm:choose name="Name6">
+            <dgm:if name="Name7" func="var" arg="dir" op="equ" val="norm">
+              <dgm:alg type="conn">
+                <dgm:param type="connRout" val="longCurve"/>
+                <dgm:param type="begPts" val="midR"/>
+                <dgm:param type="endPts" val="midL"/>
+                <dgm:param type="dstNode" val="node1"/>
+              </dgm:alg>
+              <dgm:shape xmlns:r="http://schemas.openxmlformats.org/officeDocument/2006/relationships" type="conn" r:blip="" zOrderOff="-2">
+                <dgm:adjLst/>
+              </dgm:shape>
+              <dgm:presOf axis="ch" ptType="sibTrans"/>
+              <dgm:constrLst>
+                <dgm:constr type="userA"/>
+                <dgm:constr type="diam" refType="userA" fact="-1"/>
+                <dgm:constr type="wArH" refType="userA" fact="0.05"/>
+                <dgm:constr type="hArH" refType="userA" fact="0.1"/>
+                <dgm:constr type="stemThick" refType="userA" fact="0.06"/>
+                <dgm:constr type="begPad" refType="connDist" fact="-0.2"/>
+                <dgm:constr type="endPad" refType="connDist" fact="0.05"/>
+              </dgm:constrLst>
+            </dgm:if>
+            <dgm:else name="Name8">
+              <dgm:alg type="conn">
+                <dgm:param type="connRout" val="longCurve"/>
+                <dgm:param type="begPts" val="midL"/>
+                <dgm:param type="endPts" val="midR"/>
+                <dgm:param type="dstNode" val="node1"/>
+              </dgm:alg>
+              <dgm:shape xmlns:r="http://schemas.openxmlformats.org/officeDocument/2006/relationships" type="conn" r:blip="" zOrderOff="-2">
+                <dgm:adjLst/>
+              </dgm:shape>
+              <dgm:presOf axis="ch" ptType="sibTrans"/>
+              <dgm:constrLst>
+                <dgm:constr type="userA"/>
+                <dgm:constr type="diam" refType="userA"/>
+                <dgm:constr type="wArH" refType="userA" fact="0.05"/>
+                <dgm:constr type="hArH" refType="userA" fact="0.1"/>
+                <dgm:constr type="stemThick" refType="userA" fact="0.06"/>
+                <dgm:constr type="begPad" refType="connDist" fact="-0.2"/>
+                <dgm:constr type="endPad" refType="connDist" fact="0.05"/>
+              </dgm:constrLst>
+            </dgm:else>
+          </dgm:choose>
+          <dgm:ruleLst/>
+        </dgm:layoutNode>
+        <dgm:layoutNode name="node2">
+          <dgm:varLst>
+            <dgm:bulletEnabled val="1"/>
+          </dgm:varLst>
+          <dgm:alg type="tx"/>
+          <dgm:shape xmlns:r="http://schemas.openxmlformats.org/officeDocument/2006/relationships" type="roundRect" r:blip="">
+            <dgm:adjLst/>
+          </dgm:shape>
+          <dgm:presOf axis="ch desOrSelf" ptType="node node" st="2 1" cnt="1 0"/>
+          <dgm:constrLst>
+            <dgm:constr type="tMarg" refType="primFontSz" fact="0.3"/>
+            <dgm:constr type="bMarg" refType="primFontSz" fact="0.3"/>
+            <dgm:constr type="lMarg" refType="primFontSz" fact="0.3"/>
+            <dgm:constr type="rMarg" refType="primFontSz" fact="0.3"/>
+          </dgm:constrLst>
+          <dgm:ruleLst>
+            <dgm:rule type="primFontSz" val="5" fact="NaN" max="NaN"/>
+          </dgm:ruleLst>
+        </dgm:layoutNode>
+        <dgm:layoutNode name="sp1">
+          <dgm:alg type="sp"/>
+          <dgm:shape xmlns:r="http://schemas.openxmlformats.org/officeDocument/2006/relationships" r:blip="">
+            <dgm:adjLst/>
+          </dgm:shape>
+          <dgm:presOf/>
+          <dgm:constrLst/>
+          <dgm:ruleLst/>
+        </dgm:layoutNode>
+        <dgm:layoutNode name="sp2">
+          <dgm:alg type="sp"/>
+          <dgm:shape xmlns:r="http://schemas.openxmlformats.org/officeDocument/2006/relationships" r:blip="">
+            <dgm:adjLst/>
+          </dgm:shape>
+          <dgm:presOf/>
+          <dgm:constrLst/>
+          <dgm:ruleLst/>
+        </dgm:layoutNode>
+      </dgm:if>
+      <dgm:else name="Name9">
+        <dgm:layoutNode name="cycle">
+          <dgm:choose name="Name10">
+            <dgm:if name="Name11" func="var" arg="dir" op="equ" val="norm">
+              <dgm:alg type="cycle">
+                <dgm:param type="stAng" val="0"/>
+                <dgm:param type="spanAng" val="360"/>
+              </dgm:alg>
+              <dgm:shape xmlns:r="http://schemas.openxmlformats.org/officeDocument/2006/relationships" r:blip="">
+                <dgm:adjLst/>
+              </dgm:shape>
+              <dgm:presOf/>
+              <dgm:constrLst>
+                <dgm:constr type="diam" refType="w"/>
+                <dgm:constr type="w" for="ch" ptType="node" refType="w"/>
+                <dgm:constr type="sibSp" val="15"/>
+                <dgm:constr type="userA" for="ch" ptType="sibTrans" refType="diam" op="equ" fact="-1"/>
+                <dgm:constr type="wArH" for="ch" ptType="sibTrans" refType="diam" op="equ" fact="0.05"/>
+                <dgm:constr type="hArH" for="ch" ptType="sibTrans" refType="diam" op="equ" fact="0.1"/>
+                <dgm:constr type="stemThick" for="ch" ptType="sibTrans" refType="diam" op="equ" fact="0.065"/>
+                <dgm:constr type="primFontSz" for="ch" ptType="node" op="equ"/>
+              </dgm:constrLst>
+            </dgm:if>
+            <dgm:else name="Name12">
+              <dgm:alg type="cycle">
+                <dgm:param type="stAng" val="0"/>
+                <dgm:param type="spanAng" val="-360"/>
+              </dgm:alg>
+              <dgm:shape xmlns:r="http://schemas.openxmlformats.org/officeDocument/2006/relationships" r:blip="">
+                <dgm:adjLst/>
+              </dgm:shape>
+              <dgm:presOf/>
+              <dgm:constrLst>
+                <dgm:constr type="diam" refType="w"/>
+                <dgm:constr type="w" for="ch" ptType="node" refType="w"/>
+                <dgm:constr type="sibSp" val="15"/>
+                <dgm:constr type="userA" for="ch" ptType="sibTrans" refType="diam" op="equ"/>
+                <dgm:constr type="wArH" for="ch" ptType="sibTrans" refType="diam" op="equ" fact="0.05"/>
+                <dgm:constr type="hArH" for="ch" ptType="sibTrans" refType="diam" op="equ" fact="0.1"/>
+                <dgm:constr type="stemThick" for="ch" ptType="sibTrans" refType="diam" op="equ" fact="0.065"/>
+                <dgm:constr type="primFontSz" for="ch" ptType="node" op="equ"/>
+              </dgm:constrLst>
+            </dgm:else>
+          </dgm:choose>
+          <dgm:ruleLst/>
+          <dgm:forEach name="nodesFirstNodeForEach" axis="ch" ptType="node" cnt="1">
+            <dgm:layoutNode name="nodeFirstNode">
+              <dgm:varLst>
+                <dgm:bulletEnabled val="1"/>
+              </dgm:varLst>
+              <dgm:alg type="tx"/>
+              <dgm:shape xmlns:r="http://schemas.openxmlformats.org/officeDocument/2006/relationships" type="roundRect" r:blip="">
+                <dgm:adjLst/>
+              </dgm:shape>
+              <dgm:presOf axis="desOrSelf" ptType="node"/>
+              <dgm:constrLst>
+                <dgm:constr type="h" refType="w" fact="0.5"/>
+                <dgm:constr type="primFontSz" val="65"/>
+                <dgm:constr type="tMarg" refType="primFontSz" fact="0.3"/>
+                <dgm:constr type="bMarg" refType="primFontSz" fact="0.3"/>
+                <dgm:constr type="lMarg" refType="primFontSz" fact="0.3"/>
+                <dgm:constr type="rMarg" refType="primFontSz" fact="0.3"/>
+              </dgm:constrLst>
+              <dgm:ruleLst>
+                <dgm:rule type="primFontSz" val="5" fact="NaN" max="NaN"/>
+              </dgm:ruleLst>
+            </dgm:layoutNode>
+            <dgm:forEach name="sibTransForEach" axis="followSib" ptType="sibTrans" cnt="1">
+              <dgm:layoutNode name="sibTransFirstNode" styleLbl="bgShp">
+                <dgm:choose name="Name13">
+                  <dgm:if name="Name14" func="var" arg="dir" op="equ" val="norm">
+                    <dgm:alg type="conn">
+                      <dgm:param type="connRout" val="longCurve"/>
+                      <dgm:param type="begPts" val="midR"/>
+                      <dgm:param type="endPts" val="midL"/>
+                      <dgm:param type="dstNode" val="nodeFirstNode"/>
+                    </dgm:alg>
+                  </dgm:if>
+                  <dgm:else name="Name15">
+                    <dgm:alg type="conn">
+                      <dgm:param type="connRout" val="longCurve"/>
+                      <dgm:param type="begPts" val="midL"/>
+                      <dgm:param type="endPts" val="midR"/>
+                      <dgm:param type="dstNode" val="nodeFirstNode"/>
+                    </dgm:alg>
+                  </dgm:else>
+                </dgm:choose>
+                <dgm:shape xmlns:r="http://schemas.openxmlformats.org/officeDocument/2006/relationships" type="conn" r:blip="" zOrderOff="-2">
+                  <dgm:adjLst/>
+                </dgm:shape>
+                <dgm:presOf axis="self"/>
+                <dgm:choose name="Name16">
+                  <dgm:if name="Name17" axis="par ch" ptType="doc node" func="cnt" op="equ" val="3">
+                    <dgm:constrLst>
+                      <dgm:constr type="userA"/>
+                      <dgm:constr type="diam" refType="userA" fact="1.01"/>
+                      <dgm:constr type="begPad" refType="connDist" fact="-0.2"/>
+                      <dgm:constr type="endPad" refType="connDist" fact="0.05"/>
+                    </dgm:constrLst>
+                  </dgm:if>
+                  <dgm:if name="Name18" axis="par ch" ptType="doc node" func="cnt" op="equ" val="4">
+                    <dgm:constrLst>
+                      <dgm:constr type="userA"/>
+                      <dgm:constr type="diam" refType="userA" fact="1.26"/>
+                      <dgm:constr type="begPad" refType="connDist" fact="-0.2"/>
+                      <dgm:constr type="endPad" refType="connDist" fact="0.05"/>
+                    </dgm:constrLst>
+                  </dgm:if>
+                  <dgm:if name="Name19" axis="par ch" ptType="doc node" func="cnt" op="equ" val="5">
+                    <dgm:constrLst>
+                      <dgm:constr type="userA"/>
+                      <dgm:constr type="diam" refType="userA" fact="1.04"/>
+                      <dgm:constr type="begPad" refType="connDist" fact="-0.2"/>
+                      <dgm:constr type="endPad" refType="connDist" fact="0.05"/>
+                    </dgm:constrLst>
+                  </dgm:if>
+                  <dgm:if name="Name20" axis="par ch" ptType="doc node" func="cnt" op="equ" val="6">
+                    <dgm:constrLst>
+                      <dgm:constr type="userA"/>
+                      <dgm:constr type="diam" refType="userA" fact="1.1"/>
+                      <dgm:constr type="begPad" refType="connDist" fact="-0.2"/>
+                      <dgm:constr type="endPad" refType="connDist" fact="0.05"/>
+                    </dgm:constrLst>
+                  </dgm:if>
+                  <dgm:else name="Name21">
+                    <dgm:constrLst>
+                      <dgm:constr type="userA"/>
+                      <dgm:constr type="diam" refType="userA" fact="1.04"/>
+                      <dgm:constr type="begPad" refType="connDist" fact="-0.2"/>
+                      <dgm:constr type="endPad" refType="connDist" fact="0.05"/>
+                    </dgm:constrLst>
+                  </dgm:else>
+                </dgm:choose>
+                <dgm:ruleLst/>
+              </dgm:layoutNode>
+            </dgm:forEach>
+          </dgm:forEach>
+          <dgm:forEach name="followingNodesForEach" axis="ch" ptType="node" st="2">
+            <dgm:layoutNode name="nodeFollowingNodes">
+              <dgm:varLst>
+                <dgm:bulletEnabled val="1"/>
+              </dgm:varLst>
+              <dgm:alg type="tx"/>
+              <dgm:shape xmlns:r="http://schemas.openxmlformats.org/officeDocument/2006/relationships" type="roundRect" r:blip="">
+                <dgm:adjLst/>
+              </dgm:shape>
+              <dgm:presOf axis="desOrSelf" ptType="node"/>
+              <dgm:constrLst>
+                <dgm:constr type="h" refType="w" fact="0.5"/>
+                <dgm:constr type="primFontSz" val="65"/>
+                <dgm:constr type="tMarg" refType="primFontSz" fact="0.3"/>
+                <dgm:constr type="bMarg" refType="primFontSz" fact="0.3"/>
+                <dgm:constr type="lMarg" refType="primFontSz" fact="0.3"/>
+                <dgm:constr type="rMarg" refType="primFontSz" fact="0.3"/>
+              </dgm:constrLst>
+              <dgm:ruleLst>
+                <dgm:rule type="primFontSz" val="5" fact="NaN" max="NaN"/>
+              </dgm:ruleLst>
+            </dgm:layoutNode>
+          </dgm:forEach>
+        </dgm:layoutNode>
+      </dgm:else>
+    </dgm:choose>
+  </dgm:layoutNode>
+</dgm:layoutDef>
+</file>
+
+<file path=ppt/diagrams/quickStyle1.xml><?xml version="1.0" encoding="utf-8"?>
+<dgm:styleDef xmlns:dgm="http://schemas.openxmlformats.org/drawingml/2006/diagram" xmlns:a="http://schemas.openxmlformats.org/drawingml/2006/main" uniqueId="urn:microsoft.com/office/officeart/2005/8/quickstyle/simple1">
+  <dgm:title val=""/>
+  <dgm:desc val=""/>
+  <dgm:catLst>
+    <dgm:cat type="simple" pri="10100"/>
+  </dgm:catLst>
+  <dgm:scene3d>
+    <a:camera prst="orthographicFront"/>
+    <a:lightRig rig="threePt" dir="t"/>
+  </dgm:scene3d>
+  <dgm:styleLbl name="node0">
+    <dgm:scene3d>
+      <a:camera prst="orthographicFront"/>
+      <a:lightRig rig="threePt" dir="t"/>
+    </dgm:scene3d>
+    <dgm:sp3d/>
+    <dgm:txPr/>
+    <dgm:style>
+      <a:lnRef idx="2">
+        <a:scrgbClr r="0" g="0" b="0"/>
+      </a:lnRef>
+      <a:fillRef idx="1">
+        <a:scrgbClr r="0" g="0" b="0"/>
+      </a:fillRef>
+      <a:effectRef idx="0">
+        <a:scrgbClr r="0" g="0" b="0"/>
+      </a:effectRef>
+      <a:fontRef idx="minor">
+        <a:schemeClr val="lt1"/>
+      </a:fontRef>
+    </dgm:style>
+  </dgm:styleLbl>
+  <dgm:styleLbl name="lnNode1">
+    <dgm:scene3d>
+      <a:camera prst="orthographicFront"/>
+      <a:lightRig rig="threePt" dir="t"/>
+    </dgm:scene3d>
+    <dgm:sp3d/>
+    <dgm:txPr/>
+    <dgm:style>
+      <a:lnRef idx="2">
+        <a:scrgbClr r="0" g="0" b="0"/>
+      </a:lnRef>
+      <a:fillRef idx="1">
+        <a:scrgbClr r="0" g="0" b="0"/>
+      </a:fillRef>
+      <a:effectRef idx="0">
+        <a:scrgbClr r="0" g="0" b="0"/>
+      </a:effectRef>
+      <a:fontRef idx="minor">
+        <a:schemeClr val="lt1"/>
+      </a:fontRef>
+    </dgm:style>
+  </dgm:styleLbl>
+  <dgm:styleLbl name="vennNode1">
+    <dgm:scene3d>
+      <a:camera prst="orthographicFront"/>
+      <a:lightRig rig="threePt" dir="t"/>
+    </dgm:scene3d>
+    <dgm:sp3d/>
+    <dgm:txPr/>
+    <dgm:style>
+      <a:lnRef idx="2">
+        <a:scrgbClr r="0" g="0" b="0"/>
+      </a:lnRef>
+      <a:fillRef idx="1">
+        <a:scrgbClr r="0" g="0" b="0"/>
+      </a:fillRef>
+      <a:effectRef idx="0">
+        <a:scrgbClr r="0" g="0" b="0"/>
+      </a:effectRef>
+      <a:fontRef idx="minor">
+        <a:schemeClr val="tx1"/>
+      </a:fontRef>
+    </dgm:style>
+  </dgm:styleLbl>
+  <dgm:styleLbl name="alignNode1">
+    <dgm:scene3d>
+      <a:camera prst="orthographicFront"/>
+      <a:lightRig rig="threePt" dir="t"/>
+    </dgm:scene3d>
+    <dgm:sp3d/>
+    <dgm:txPr/>
+    <dgm:style>
+      <a:lnRef idx="2">
+        <a:scrgbClr r="0" g="0" b="0"/>
+      </a:lnRef>
+      <a:fillRef idx="1">
+        <a:scrgbClr r="0" g="0" b="0"/>
+      </a:fillRef>
+      <a:effectRef idx="0">
+        <a:scrgbClr r="0" g="0" b="0"/>
+      </a:effectRef>
+      <a:fontRef idx="minor">
+        <a:schemeClr val="lt1"/>
+      </a:fontRef>
+    </dgm:style>
+  </dgm:styleLbl>
+  <dgm:styleLbl name="node1">
+    <dgm:scene3d>
+      <a:camera prst="orthographicFront"/>
+      <a:lightRig rig="threePt" dir="t"/>
+    </dgm:scene3d>
+    <dgm:sp3d/>
+    <dgm:txPr/>
+    <dgm:style>
+      <a:lnRef idx="2">
+        <a:scrgbClr r="0" g="0" b="0"/>
+      </a:lnRef>
+      <a:fillRef idx="1">
+        <a:scrgbClr r="0" g="0" b="0"/>
+      </a:fillRef>
+      <a:effectRef idx="0">
+        <a:scrgbClr r="0" g="0" b="0"/>
+      </a:effectRef>
+      <a:fontRef idx="minor">
+        <a:schemeClr val="lt1"/>
+      </a:fontRef>
+    </dgm:style>
+  </dgm:styleLbl>
+  <dgm:styleLbl name="node2">
+    <dgm:scene3d>
+      <a:camera prst="orthographicFront"/>
+      <a:lightRig rig="threePt" dir="t"/>
+    </dgm:scene3d>
+    <dgm:sp3d/>
+    <dgm:txPr/>
+    <dgm:style>
+      <a:lnRef idx="2">
+        <a:scrgbClr r="0" g="0" b="0"/>
+      </a:lnRef>
+      <a:fillRef idx="1">
+        <a:scrgbClr r="0" g="0" b="0"/>
+      </a:fillRef>
+      <a:effectRef idx="0">
+        <a:scrgbClr r="0" g="0" b="0"/>
+      </a:effectRef>
+      <a:fontRef idx="minor">
+        <a:schemeClr val="lt1"/>
+      </a:fontRef>
+    </dgm:style>
+  </dgm:styleLbl>
+  <dgm:styleLbl name="node3">
+    <dgm:scene3d>
+      <a:camera prst="orthographicFront"/>
+      <a:lightRig rig="threePt" dir="t"/>
+    </dgm:scene3d>
+    <dgm:sp3d/>
+    <dgm:txPr/>
+    <dgm:style>
+      <a:lnRef idx="2">
+        <a:scrgbClr r="0" g="0" b="0"/>
+      </a:lnRef>
+      <a:fillRef idx="1">
+        <a:scrgbClr r="0" g="0" b="0"/>
+      </a:fillRef>
+      <a:effectRef idx="0">
+        <a:scrgbClr r="0" g="0" b="0"/>
+      </a:effectRef>
+      <a:fontRef idx="minor">
+        <a:schemeClr val="lt1"/>
+      </a:fontRef>
+    </dgm:style>
+  </dgm:styleLbl>
+  <dgm:styleLbl name="node4">
+    <dgm:scene3d>
+      <a:camera prst="orthographicFront"/>
+      <a:lightRig rig="threePt" dir="t"/>
+    </dgm:scene3d>
+    <dgm:sp3d/>
+    <dgm:txPr/>
+    <dgm:style>
+      <a:lnRef idx="2">
+        <a:scrgbClr r="0" g="0" b="0"/>
+      </a:lnRef>
+      <a:fillRef idx="1">
+        <a:scrgbClr r="0" g="0" b="0"/>
+      </a:fillRef>
+      <a:effectRef idx="0">
+        <a:scrgbClr r="0" g="0" b="0"/>
+      </a:effectRef>
+      <a:fontRef idx="minor">
+        <a:schemeClr val="lt1"/>
+      </a:fontRef>
+    </dgm:style>
+  </dgm:styleLbl>
+  <dgm:styleLbl name="fgImgPlace1">
+    <dgm:scene3d>
+      <a:camera prst="orthographicFront"/>
+      <a:lightRig rig="threePt" dir="t"/>
+    </dgm:scene3d>
+    <dgm:sp3d/>
+    <dgm:txPr/>
+    <dgm:style>
+      <a:lnRef idx="2">
+        <a:scrgbClr r="0" g="0" b="0"/>
+      </a:lnRef>
+      <a:fillRef idx="1">
+        <a:scrgbClr r="0" g="0" b="0"/>
+      </a:fillRef>
+      <a:effectRef idx="0">
+        <a:scrgbClr r="0" g="0" b="0"/>
+      </a:effectRef>
+      <a:fontRef idx="minor"/>
+    </dgm:style>
+  </dgm:styleLbl>
+  <dgm:styleLbl name="alignImgPlace1">
+    <dgm:scene3d>
+      <a:camera prst="orthographicFront"/>
+      <a:lightRig rig="threePt" dir="t"/>
+    </dgm:scene3d>
+    <dgm:sp3d/>
+    <dgm:txPr/>
+    <dgm:style>
+      <a:lnRef idx="2">
+        <a:scrgbClr r="0" g="0" b="0"/>
+      </a:lnRef>
+      <a:fillRef idx="1">
+        <a:scrgbClr r="0" g="0" b="0"/>
+      </a:fillRef>
+      <a:effectRef idx="0">
+        <a:scrgbClr r="0" g="0" b="0"/>
+      </a:effectRef>
+      <a:fontRef idx="minor"/>
+    </dgm:style>
+  </dgm:styleLbl>
+  <dgm:styleLbl name="bgImgPlace1">
+    <dgm:scene3d>
+      <a:camera prst="orthographicFront"/>
+      <a:lightRig rig="threePt" dir="t"/>
+    </dgm:scene3d>
+    <dgm:sp3d/>
+    <dgm:txPr/>
+    <dgm:style>
+      <a:lnRef idx="2">
+        <a:scrgbClr r="0" g="0" b="0"/>
+      </a:lnRef>
+      <a:fillRef idx="1">
+        <a:scrgbClr r="0" g="0" b="0"/>
+      </a:fillRef>
+      <a:effectRef idx="0">
+        <a:scrgbClr r="0" g="0" b="0"/>
+      </a:effectRef>
+      <a:fontRef idx="minor"/>
+    </dgm:style>
+  </dgm:styleLbl>
+  <dgm:styleLbl name="sibTrans2D1">
+    <dgm:scene3d>
+      <a:camera prst="orthographicFront"/>
+      <a:lightRig rig="threePt" dir="t"/>
+    </dgm:scene3d>
+    <dgm:sp3d/>
+    <dgm:txPr/>
+    <dgm:style>
+      <a:lnRef idx="0">
+        <a:scrgbClr r="0" g="0" b="0"/>
+      </a:lnRef>
+      <a:fillRef idx="1">
+        <a:scrgbClr r="0" g="0" b="0"/>
+      </a:fillRef>
+      <a:effectRef idx="0">
+        <a:scrgbClr r="0" g="0" b="0"/>
+      </a:effectRef>
+      <a:fontRef idx="minor">
+        <a:schemeClr val="lt1"/>
+      </a:fontRef>
+    </dgm:style>
+  </dgm:styleLbl>
+  <dgm:styleLbl name="fgSibTrans2D1">
+    <dgm:scene3d>
+      <a:camera prst="orthographicFront"/>
+      <a:lightRig rig="threePt" dir="t"/>
+    </dgm:scene3d>
+    <dgm:sp3d/>
+    <dgm:txPr/>
+    <dgm:style>
+      <a:lnRef idx="0">
+        <a:scrgbClr r="0" g="0" b="0"/>
+      </a:lnRef>
+      <a:fillRef idx="1">
+        <a:scrgbClr r="0" g="0" b="0"/>
+      </a:fillRef>
+      <a:effectRef idx="0">
+        <a:scrgbClr r="0" g="0" b="0"/>
+      </a:effectRef>
+      <a:fontRef idx="minor">
+        <a:schemeClr val="lt1"/>
+      </a:fontRef>
+    </dgm:style>
+  </dgm:styleLbl>
+  <dgm:styleLbl name="bgSibTrans2D1">
+    <dgm:scene3d>
+      <a:camera prst="orthographicFront"/>
+      <a:lightRig rig="threePt" dir="t"/>
+    </dgm:scene3d>
+    <dgm:sp3d/>
+    <dgm:txPr/>
+    <dgm:style>
+      <a:lnRef idx="0">
+        <a:scrgbClr r="0" g="0" b="0"/>
+      </a:lnRef>
+      <a:fillRef idx="1">
+        <a:scrgbClr r="0" g="0" b="0"/>
+      </a:fillRef>
+      <a:effectRef idx="0">
+        <a:scrgbClr r="0" g="0" b="0"/>
+      </a:effectRef>
+      <a:fontRef idx="minor">
+        <a:schemeClr val="lt1"/>
+      </a:fontRef>
+    </dgm:style>
+  </dgm:styleLbl>
+  <dgm:styleLbl name="sibTrans1D1">
+    <dgm:scene3d>
+      <a:camera prst="orthographicFront"/>
+      <a:lightRig rig="threePt" dir="t"/>
+    </dgm:scene3d>
+    <dgm:sp3d/>
+    <dgm:txPr/>
+    <dgm:style>
+      <a:lnRef idx="1">
+        <a:scrgbClr r="0" g="0" b="0"/>
+      </a:lnRef>
+      <a:fillRef idx="0">
+        <a:scrgbClr r="0" g="0" b="0"/>
+      </a:fillRef>
+      <a:effectRef idx="0">
+        <a:scrgbClr r="0" g="0" b="0"/>
+      </a:effectRef>
+      <a:fontRef idx="minor"/>
+    </dgm:style>
+  </dgm:styleLbl>
+  <dgm:styleLbl name="callout">
+    <dgm:scene3d>
+      <a:camera prst="orthographicFront"/>
+      <a:lightRig rig="threePt" dir="t"/>
+    </dgm:scene3d>
+    <dgm:sp3d/>
+    <dgm:txPr/>
+    <dgm:style>
+      <a:lnRef idx="2">
+        <a:scrgbClr r="0" g="0" b="0"/>
+      </a:lnRef>
+      <a:fillRef idx="1">
+        <a:scrgbClr r="0" g="0" b="0"/>
+      </a:fillRef>
+      <a:effectRef idx="0">
+        <a:scrgbClr r="0" g="0" b="0"/>
+      </a:effectRef>
+      <a:fontRef idx="minor"/>
+    </dgm:style>
+  </dgm:styleLbl>
+  <dgm:styleLbl name="asst0">
+    <dgm:scene3d>
+      <a:camera prst="orthographicFront"/>
+      <a:lightRig rig="threePt" dir="t"/>
+    </dgm:scene3d>
+    <dgm:sp3d/>
+    <dgm:txPr/>
+    <dgm:style>
+      <a:lnRef idx="2">
+        <a:scrgbClr r="0" g="0" b="0"/>
+      </a:lnRef>
+      <a:fillRef idx="1">
+        <a:scrgbClr r="0" g="0" b="0"/>
+      </a:fillRef>
+      <a:effectRef idx="0">
+        <a:scrgbClr r="0" g="0" b="0"/>
+      </a:effectRef>
+      <a:fontRef idx="minor">
+        <a:schemeClr val="lt1"/>
+      </a:fontRef>
+    </dgm:style>
+  </dgm:styleLbl>
+  <dgm:styleLbl name="asst1">
+    <dgm:scene3d>
+      <a:camera prst="orthographicFront"/>
+      <a:lightRig rig="threePt" dir="t"/>
+    </dgm:scene3d>
+    <dgm:sp3d/>
+    <dgm:txPr/>
+    <dgm:style>
+      <a:lnRef idx="2">
+        <a:scrgbClr r="0" g="0" b="0"/>
+      </a:lnRef>
+      <a:fillRef idx="1">
+        <a:scrgbClr r="0" g="0" b="0"/>
+      </a:fillRef>
+      <a:effectRef idx="0">
+        <a:scrgbClr r="0" g="0" b="0"/>
+      </a:effectRef>
+      <a:fontRef idx="minor">
+        <a:schemeClr val="lt1"/>
+      </a:fontRef>
+    </dgm:style>
+  </dgm:styleLbl>
+  <dgm:styleLbl name="asst2">
+    <dgm:scene3d>
+      <a:camera prst="orthographicFront"/>
+      <a:lightRig rig="threePt" dir="t"/>
+    </dgm:scene3d>
+    <dgm:sp3d/>
+    <dgm:txPr/>
+    <dgm:style>
+      <a:lnRef idx="2">
+        <a:scrgbClr r="0" g="0" b="0"/>
+      </a:lnRef>
+      <a:fillRef idx="1">
+        <a:scrgbClr r="0" g="0" b="0"/>
+      </a:fillRef>
+      <a:effectRef idx="0">
+        <a:scrgbClr r="0" g="0" b="0"/>
+      </a:effectRef>
+      <a:fontRef idx="minor">
+        <a:schemeClr val="lt1"/>
+      </a:fontRef>
+    </dgm:style>
+  </dgm:styleLbl>
+  <dgm:styleLbl name="asst3">
+    <dgm:scene3d>
+      <a:camera prst="orthographicFront"/>
+      <a:lightRig rig="threePt" dir="t"/>
+    </dgm:scene3d>
+    <dgm:sp3d/>
+    <dgm:txPr/>
+    <dgm:style>
+      <a:lnRef idx="2">
+        <a:scrgbClr r="0" g="0" b="0"/>
+      </a:lnRef>
+      <a:fillRef idx="1">
+        <a:scrgbClr r="0" g="0" b="0"/>
+      </a:fillRef>
+      <a:effectRef idx="0">
+        <a:scrgbClr r="0" g="0" b="0"/>
+      </a:effectRef>
+      <a:fontRef idx="minor">
+        <a:schemeClr val="lt1"/>
+      </a:fontRef>
+    </dgm:style>
+  </dgm:styleLbl>
+  <dgm:styleLbl name="asst4">
+    <dgm:scene3d>
+      <a:camera prst="orthographicFront"/>
+      <a:lightRig rig="threePt" dir="t"/>
+    </dgm:scene3d>
+    <dgm:sp3d/>
+    <dgm:txPr/>
+    <dgm:style>
+      <a:lnRef idx="2">
+        <a:scrgbClr r="0" g="0" b="0"/>
+      </a:lnRef>
+      <a:fillRef idx="1">
+        <a:scrgbClr r="0" g="0" b="0"/>
+      </a:fillRef>
+      <a:effectRef idx="0">
+        <a:scrgbClr r="0" g="0" b="0"/>
+      </a:effectRef>
+      <a:fontRef idx="minor">
+        <a:schemeClr val="lt1"/>
+      </a:fontRef>
+    </dgm:style>
+  </dgm:styleLbl>
+  <dgm:styleLbl name="parChTrans2D1">
+    <dgm:scene3d>
+      <a:camera prst="orthographicFront"/>
+      <a:lightRig rig="threePt" dir="t"/>
+    </dgm:scene3d>
+    <dgm:sp3d/>
+    <dgm:txPr/>
+    <dgm:style>
+      <a:lnRef idx="2">
+        <a:scrgbClr r="0" g="0" b="0"/>
+      </a:lnRef>
+      <a:fillRef idx="1">
+        <a:scrgbClr r="0" g="0" b="0"/>
+      </a:fillRef>
+      <a:effectRef idx="0">
+        <a:scrgbClr r="0" g="0" b="0"/>
+      </a:effectRef>
+      <a:fontRef idx="minor">
+        <a:schemeClr val="lt1"/>
+      </a:fontRef>
+    </dgm:style>
+  </dgm:styleLbl>
+  <dgm:styleLbl name="parChTrans2D2">
+    <dgm:scene3d>
+      <a:camera prst="orthographicFront"/>
+      <a:lightRig rig="threePt" dir="t"/>
+    </dgm:scene3d>
+    <dgm:sp3d/>
+    <dgm:txPr/>
+    <dgm:style>
+      <a:lnRef idx="2">
+        <a:scrgbClr r="0" g="0" b="0"/>
+      </a:lnRef>
+      <a:fillRef idx="1">
+        <a:scrgbClr r="0" g="0" b="0"/>
+      </a:fillRef>
+      <a:effectRef idx="0">
+        <a:scrgbClr r="0" g="0" b="0"/>
+      </a:effectRef>
+      <a:fontRef idx="minor">
+        <a:schemeClr val="lt1"/>
+      </a:fontRef>
+    </dgm:style>
+  </dgm:styleLbl>
+  <dgm:styleLbl name="parChTrans2D3">
+    <dgm:scene3d>
+      <a:camera prst="orthographicFront"/>
+      <a:lightRig rig="threePt" dir="t"/>
+    </dgm:scene3d>
+    <dgm:sp3d/>
+    <dgm:txPr/>
+    <dgm:style>
+      <a:lnRef idx="2">
+        <a:scrgbClr r="0" g="0" b="0"/>
+      </a:lnRef>
+      <a:fillRef idx="1">
+        <a:scrgbClr r="0" g="0" b="0"/>
+      </a:fillRef>
+      <a:effectRef idx="0">
+        <a:scrgbClr r="0" g="0" b="0"/>
+      </a:effectRef>
+      <a:fontRef idx="minor">
+        <a:schemeClr val="lt1"/>
+      </a:fontRef>
+    </dgm:style>
+  </dgm:styleLbl>
+  <dgm:styleLbl name="parChTrans2D4">
+    <dgm:scene3d>
+      <a:camera prst="orthographicFront"/>
+      <a:lightRig rig="threePt" dir="t"/>
+    </dgm:scene3d>
+    <dgm:sp3d/>
+    <dgm:txPr/>
+    <dgm:style>
+      <a:lnRef idx="2">
+        <a:scrgbClr r="0" g="0" b="0"/>
+      </a:lnRef>
+      <a:fillRef idx="1">
+        <a:scrgbClr r="0" g="0" b="0"/>
+      </a:fillRef>
+      <a:effectRef idx="0">
+        <a:scrgbClr r="0" g="0" b="0"/>
+      </a:effectRef>
+      <a:fontRef idx="minor">
+        <a:schemeClr val="lt1"/>
+      </a:fontRef>
+    </dgm:style>
+  </dgm:styleLbl>
+  <dgm:styleLbl name="parChTrans1D1">
+    <dgm:scene3d>
+      <a:camera prst="orthographicFront"/>
+      <a:lightRig rig="threePt" dir="t"/>
+    </dgm:scene3d>
+    <dgm:sp3d/>
+    <dgm:txPr/>
+    <dgm:style>
+      <a:lnRef idx="2">
+        <a:scrgbClr r="0" g="0" b="0"/>
+      </a:lnRef>
+      <a:fillRef idx="0">
+        <a:scrgbClr r="0" g="0" b="0"/>
+      </a:fillRef>
+      <a:effectRef idx="0">
+        <a:scrgbClr r="0" g="0" b="0"/>
+      </a:effectRef>
+      <a:fontRef idx="minor"/>
+    </dgm:style>
+  </dgm:styleLbl>
+  <dgm:styleLbl name="parChTrans1D2">
+    <dgm:scene3d>
+      <a:camera prst="orthographicFront"/>
+      <a:lightRig rig="threePt" dir="t"/>
+    </dgm:scene3d>
+    <dgm:sp3d/>
+    <dgm:txPr/>
+    <dgm:style>
+      <a:lnRef idx="2">
+        <a:scrgbClr r="0" g="0" b="0"/>
+      </a:lnRef>
+      <a:fillRef idx="0">
+        <a:scrgbClr r="0" g="0" b="0"/>
+      </a:fillRef>
+      <a:effectRef idx="0">
+        <a:scrgbClr r="0" g="0" b="0"/>
+      </a:effectRef>
+      <a:fontRef idx="minor"/>
+    </dgm:style>
+  </dgm:styleLbl>
+  <dgm:styleLbl name="parChTrans1D3">
+    <dgm:scene3d>
+      <a:camera prst="orthographicFront"/>
+      <a:lightRig rig="threePt" dir="t"/>
+    </dgm:scene3d>
+    <dgm:sp3d/>
+    <dgm:txPr/>
+    <dgm:style>
+      <a:lnRef idx="2">
+        <a:scrgbClr r="0" g="0" b="0"/>
+      </a:lnRef>
+      <a:fillRef idx="0">
+        <a:scrgbClr r="0" g="0" b="0"/>
+      </a:fillRef>
+      <a:effectRef idx="0">
+        <a:scrgbClr r="0" g="0" b="0"/>
+      </a:effectRef>
+      <a:fontRef idx="minor"/>
+    </dgm:style>
+  </dgm:styleLbl>
+  <dgm:styleLbl name="parChTrans1D4">
+    <dgm:scene3d>
+      <a:camera prst="orthographicFront"/>
+      <a:lightRig rig="threePt" dir="t"/>
+    </dgm:scene3d>
+    <dgm:sp3d/>
+    <dgm:txPr/>
+    <dgm:style>
+      <a:lnRef idx="2">
+        <a:scrgbClr r="0" g="0" b="0"/>
+      </a:lnRef>
+      <a:fillRef idx="0">
+        <a:scrgbClr r="0" g="0" b="0"/>
+      </a:fillRef>
+      <a:effectRef idx="0">
+        <a:scrgbClr r="0" g="0" b="0"/>
+      </a:effectRef>
+      <a:fontRef idx="minor"/>
+    </dgm:style>
+  </dgm:styleLbl>
+  <dgm:styleLbl name="fgAcc1">
+    <dgm:scene3d>
+      <a:camera prst="orthographicFront"/>
+      <a:lightRig rig="threePt" dir="t"/>
+    </dgm:scene3d>
+    <dgm:sp3d/>
+    <dgm:txPr/>
+    <dgm:style>
+      <a:lnRef idx="2">
+        <a:scrgbClr r="0" g="0" b="0"/>
+      </a:lnRef>
+      <a:fillRef idx="1">
+        <a:scrgbClr r="0" g="0" b="0"/>
+      </a:fillRef>
+      <a:effectRef idx="0">
+        <a:scrgbClr r="0" g="0" b="0"/>
+      </a:effectRef>
+      <a:fontRef idx="minor"/>
+    </dgm:style>
+  </dgm:styleLbl>
+  <dgm:styleLbl name="conFgAcc1">
+    <dgm:scene3d>
+      <a:camera prst="orthographicFront"/>
+      <a:lightRig rig="threePt" dir="t"/>
+    </dgm:scene3d>
+    <dgm:sp3d/>
+    <dgm:txPr/>
+    <dgm:style>
+      <a:lnRef idx="2">
+        <a:scrgbClr r="0" g="0" b="0"/>
+      </a:lnRef>
+      <a:fillRef idx="1">
+        <a:scrgbClr r="0" g="0" b="0"/>
+      </a:fillRef>
+      <a:effectRef idx="0">
+        <a:scrgbClr r="0" g="0" b="0"/>
+      </a:effectRef>
+      <a:fontRef idx="minor"/>
+    </dgm:style>
+  </dgm:styleLbl>
+  <dgm:styleLbl name="alignAcc1">
+    <dgm:scene3d>
+      <a:camera prst="orthographicFront"/>
+      <a:lightRig rig="threePt" dir="t"/>
+    </dgm:scene3d>
+    <dgm:sp3d/>
+    <dgm:txPr/>
+    <dgm:style>
+      <a:lnRef idx="2">
+        <a:scrgbClr r="0" g="0" b="0"/>
+      </a:lnRef>
+      <a:fillRef idx="1">
+        <a:scrgbClr r="0" g="0" b="0"/>
+      </a:fillRef>
+      <a:effectRef idx="0">
+        <a:scrgbClr r="0" g="0" b="0"/>
+      </a:effectRef>
+      <a:fontRef idx="minor"/>
+    </dgm:style>
+  </dgm:styleLbl>
+  <dgm:styleLbl name="trAlignAcc1">
+    <dgm:scene3d>
+      <a:camera prst="orthographicFront"/>
+      <a:lightRig rig="threePt" dir="t"/>
+    </dgm:scene3d>
+    <dgm:sp3d/>
+    <dgm:txPr/>
+    <dgm:style>
+      <a:lnRef idx="1">
+        <a:scrgbClr r="0" g="0" b="0"/>
+      </a:lnRef>
+      <a:fillRef idx="1">
+        <a:scrgbClr r="0" g="0" b="0"/>
+      </a:fillRef>
+      <a:effectRef idx="0">
+        <a:scrgbClr r="0" g="0" b="0"/>
+      </a:effectRef>
+      <a:fontRef idx="minor"/>
+    </dgm:style>
+  </dgm:styleLbl>
+  <dgm:styleLbl name="bgAcc1">
+    <dgm:scene3d>
+      <a:camera prst="orthographicFront"/>
+      <a:lightRig rig="threePt" dir="t"/>
+    </dgm:scene3d>
+    <dgm:sp3d/>
+    <dgm:txPr/>
+    <dgm:style>
+      <a:lnRef idx="2">
+        <a:scrgbClr r="0" g="0" b="0"/>
+      </a:lnRef>
+      <a:fillRef idx="1">
+        <a:scrgbClr r="0" g="0" b="0"/>
+      </a:fillRef>
+      <a:effectRef idx="0">
+        <a:scrgbClr r="0" g="0" b="0"/>
+      </a:effectRef>
+      <a:fontRef idx="minor"/>
+    </dgm:style>
+  </dgm:styleLbl>
+  <dgm:styleLbl name="solidFgAcc1">
+    <dgm:scene3d>
+      <a:camera prst="orthographicFront"/>
+      <a:lightRig rig="threePt" dir="t"/>
+    </dgm:scene3d>
+    <dgm:sp3d/>
+    <dgm:txPr/>
+    <dgm:style>
+      <a:lnRef idx="2">
+        <a:scrgbClr r="0" g="0" b="0"/>
+      </a:lnRef>
+      <a:fillRef idx="1">
+        <a:scrgbClr r="0" g="0" b="0"/>
+      </a:fillRef>
+      <a:effectRef idx="0">
+        <a:scrgbClr r="0" g="0" b="0"/>
+      </a:effectRef>
+      <a:fontRef idx="minor"/>
+    </dgm:style>
+  </dgm:styleLbl>
+  <dgm:styleLbl name="solidAlignAcc1">
+    <dgm:scene3d>
+      <a:camera prst="orthographicFront"/>
+      <a:lightRig rig="threePt" dir="t"/>
+    </dgm:scene3d>
+    <dgm:sp3d/>
+    <dgm:txPr/>
+    <dgm:style>
+      <a:lnRef idx="2">
+        <a:scrgbClr r="0" g="0" b="0"/>
+      </a:lnRef>
+      <a:fillRef idx="1">
+        <a:scrgbClr r="0" g="0" b="0"/>
+      </a:fillRef>
+      <a:effectRef idx="0">
+        <a:scrgbClr r="0" g="0" b="0"/>
+      </a:effectRef>
+      <a:fontRef idx="minor"/>
+    </dgm:style>
+  </dgm:styleLbl>
+  <dgm:styleLbl name="solidBgAcc1">
+    <dgm:scene3d>
+      <a:camera prst="orthographicFront"/>
+      <a:lightRig rig="threePt" dir="t"/>
+    </dgm:scene3d>
+    <dgm:sp3d/>
+    <dgm:txPr/>
+    <dgm:style>
+      <a:lnRef idx="2">
+        <a:scrgbClr r="0" g="0" b="0"/>
+      </a:lnRef>
+      <a:fillRef idx="1">
+        <a:scrgbClr r="0" g="0" b="0"/>
+      </a:fillRef>
+      <a:effectRef idx="0">
+        <a:scrgbClr r="0" g="0" b="0"/>
+      </a:effectRef>
+      <a:fontRef idx="minor"/>
+    </dgm:style>
+  </dgm:styleLbl>
+  <dgm:styleLbl name="fgAccFollowNode1">
+    <dgm:scene3d>
+      <a:camera prst="orthographicFront"/>
+      <a:lightRig rig="threePt" dir="t"/>
+    </dgm:scene3d>
+    <dgm:sp3d/>
+    <dgm:txPr/>
+    <dgm:style>
+      <a:lnRef idx="2">
+        <a:scrgbClr r="0" g="0" b="0"/>
+      </a:lnRef>
+      <a:fillRef idx="1">
+        <a:scrgbClr r="0" g="0" b="0"/>
+      </a:fillRef>
+      <a:effectRef idx="0">
+        <a:scrgbClr r="0" g="0" b="0"/>
+      </a:effectRef>
+      <a:fontRef idx="minor"/>
+    </dgm:style>
+  </dgm:styleLbl>
+  <dgm:styleLbl name="alignAccFollowNode1">
+    <dgm:scene3d>
+      <a:camera prst="orthographicFront"/>
+      <a:lightRig rig="threePt" dir="t"/>
+    </dgm:scene3d>
+    <dgm:sp3d/>
+    <dgm:txPr/>
+    <dgm:style>
+      <a:lnRef idx="2">
+        <a:scrgbClr r="0" g="0" b="0"/>
+      </a:lnRef>
+      <a:fillRef idx="1">
+        <a:scrgbClr r="0" g="0" b="0"/>
+      </a:fillRef>
+      <a:effectRef idx="0">
+        <a:scrgbClr r="0" g="0" b="0"/>
+      </a:effectRef>
+      <a:fontRef idx="minor"/>
+    </dgm:style>
+  </dgm:styleLbl>
+  <dgm:styleLbl name="bgAccFollowNode1">
+    <dgm:scene3d>
+      <a:camera prst="orthographicFront"/>
+      <a:lightRig rig="threePt" dir="t"/>
+    </dgm:scene3d>
+    <dgm:sp3d/>
+    <dgm:txPr/>
+    <dgm:style>
+      <a:lnRef idx="2">
+        <a:scrgbClr r="0" g="0" b="0"/>
+      </a:lnRef>
+      <a:fillRef idx="1">
+        <a:scrgbClr r="0" g="0" b="0"/>
+      </a:fillRef>
+      <a:effectRef idx="0">
+        <a:scrgbClr r="0" g="0" b="0"/>
+      </a:effectRef>
+      <a:fontRef idx="minor"/>
+    </dgm:style>
+  </dgm:styleLbl>
+  <dgm:styleLbl name="fgAcc0">
+    <dgm:scene3d>
+      <a:camera prst="orthographicFront"/>
+      <a:lightRig rig="threePt" dir="t"/>
+    </dgm:scene3d>
+    <dgm:sp3d/>
+    <dgm:txPr/>
+    <dgm:style>
+      <a:lnRef idx="2">
+        <a:scrgbClr r="0" g="0" b="0"/>
+      </a:lnRef>
+      <a:fillRef idx="1">
+        <a:scrgbClr r="0" g="0" b="0"/>
+      </a:fillRef>
+      <a:effectRef idx="0">
+        <a:scrgbClr r="0" g="0" b="0"/>
+      </a:effectRef>
+      <a:fontRef idx="minor"/>
+    </dgm:style>
+  </dgm:styleLbl>
+  <dgm:styleLbl name="fgAcc2">
+    <dgm:scene3d>
+      <a:camera prst="orthographicFront"/>
+      <a:lightRig rig="threePt" dir="t"/>
+    </dgm:scene3d>
+    <dgm:sp3d/>
+    <dgm:txPr/>
+    <dgm:style>
+      <a:lnRef idx="2">
+        <a:scrgbClr r="0" g="0" b="0"/>
+      </a:lnRef>
+      <a:fillRef idx="1">
+        <a:scrgbClr r="0" g="0" b="0"/>
+      </a:fillRef>
+      <a:effectRef idx="0">
+        <a:scrgbClr r="0" g="0" b="0"/>
+      </a:effectRef>
+      <a:fontRef idx="minor"/>
+    </dgm:style>
+  </dgm:styleLbl>
+  <dgm:styleLbl name="fgAcc3">
+    <dgm:scene3d>
+      <a:camera prst="orthographicFront"/>
+      <a:lightRig rig="threePt" dir="t"/>
+    </dgm:scene3d>
+    <dgm:sp3d/>
+    <dgm:txPr/>
+    <dgm:style>
+      <a:lnRef idx="2">
+        <a:scrgbClr r="0" g="0" b="0"/>
+      </a:lnRef>
+      <a:fillRef idx="1">
+        <a:scrgbClr r="0" g="0" b="0"/>
+      </a:fillRef>
+      <a:effectRef idx="0">
+        <a:scrgbClr r="0" g="0" b="0"/>
+      </a:effectRef>
+      <a:fontRef idx="minor"/>
+    </dgm:style>
+  </dgm:styleLbl>
+  <dgm:styleLbl name="fgAcc4">
+    <dgm:scene3d>
+      <a:camera prst="orthographicFront"/>
+      <a:lightRig rig="threePt" dir="t"/>
+    </dgm:scene3d>
+    <dgm:sp3d/>
+    <dgm:txPr/>
+    <dgm:style>
+      <a:lnRef idx="2">
+        <a:scrgbClr r="0" g="0" b="0"/>
+      </a:lnRef>
+      <a:fillRef idx="1">
+        <a:scrgbClr r="0" g="0" b="0"/>
+      </a:fillRef>
+      <a:effectRef idx="0">
+        <a:scrgbClr r="0" g="0" b="0"/>
+      </a:effectRef>
+      <a:fontRef idx="minor"/>
+    </dgm:style>
+  </dgm:styleLbl>
+  <dgm:styleLbl name="bgShp">
+    <dgm:scene3d>
+      <a:camera prst="orthographicFront"/>
+      <a:lightRig rig="threePt" dir="t"/>
+    </dgm:scene3d>
+    <dgm:sp3d/>
+    <dgm:txPr/>
+    <dgm:style>
+      <a:lnRef idx="0">
+        <a:scrgbClr r="0" g="0" b="0"/>
+      </a:lnRef>
+      <a:fillRef idx="1">
+        <a:scrgbClr r="0" g="0" b="0"/>
+      </a:fillRef>
+      <a:effectRef idx="0">
+        <a:scrgbClr r="0" g="0" b="0"/>
+      </a:effectRef>
+      <a:fontRef idx="minor"/>
+    </dgm:style>
+  </dgm:styleLbl>
+  <dgm:styleLbl name="dkBgShp">
+    <dgm:scene3d>
+      <a:camera prst="orthographicFront"/>
+      <a:lightRig rig="threePt" dir="t"/>
+    </dgm:scene3d>
+    <dgm:sp3d/>
+    <dgm:txPr/>
+    <dgm:style>
+      <a:lnRef idx="0">
+        <a:scrgbClr r="0" g="0" b="0"/>
+      </a:lnRef>
+      <a:fillRef idx="1">
+        <a:scrgbClr r="0" g="0" b="0"/>
+      </a:fillRef>
+      <a:effectRef idx="0">
+        <a:scrgbClr r="0" g="0" b="0"/>
+      </a:effectRef>
+      <a:fontRef idx="minor"/>
+    </dgm:style>
+  </dgm:styleLbl>
+  <dgm:styleLbl name="trBgShp">
+    <dgm:scene3d>
+      <a:camera prst="orthographicFront"/>
+      <a:lightRig rig="threePt" dir="t"/>
+    </dgm:scene3d>
+    <dgm:sp3d/>
+    <dgm:txPr/>
+    <dgm:style>
+      <a:lnRef idx="0">
+        <a:scrgbClr r="0" g="0" b="0"/>
+      </a:lnRef>
+      <a:fillRef idx="1">
+        <a:scrgbClr r="0" g="0" b="0"/>
+      </a:fillRef>
+      <a:effectRef idx="0">
+        <a:scrgbClr r="0" g="0" b="0"/>
+      </a:effectRef>
+      <a:fontRef idx="minor"/>
+    </dgm:style>
+  </dgm:styleLbl>
+  <dgm:styleLbl name="fgShp">
+    <dgm:scene3d>
+      <a:camera prst="orthographicFront"/>
+      <a:lightRig rig="threePt" dir="t"/>
+    </dgm:scene3d>
+    <dgm:sp3d/>
+    <dgm:txPr/>
+    <dgm:style>
+      <a:lnRef idx="2">
+        <a:scrgbClr r="0" g="0" b="0"/>
+      </a:lnRef>
+      <a:fillRef idx="1">
+        <a:scrgbClr r="0" g="0" b="0"/>
+      </a:fillRef>
+      <a:effectRef idx="0">
+        <a:scrgbClr r="0" g="0" b="0"/>
+      </a:effectRef>
+      <a:fontRef idx="minor"/>
+    </dgm:style>
+  </dgm:styleLbl>
+  <dgm:styleLbl name="revTx">
+    <dgm:scene3d>
+      <a:camera prst="orthographicFront"/>
+      <a:lightRig rig="threePt" dir="t"/>
+    </dgm:scene3d>
+    <dgm:sp3d/>
+    <dgm:txPr/>
+    <dgm:style>
+      <a:lnRef idx="0">
+        <a:scrgbClr r="0" g="0" b="0"/>
+      </a:lnRef>
+      <a:fillRef idx="0">
+        <a:scrgbClr r="0" g="0" b="0"/>
+      </a:fillRef>
+      <a:effectRef idx="0">
+        <a:scrgbClr r="0" g="0" b="0"/>
+      </a:effectRef>
+      <a:fontRef idx="minor"/>
+    </dgm:style>
+  </dgm:styleLbl>
+</dgm:styleDef>
 </file>
 
 <file path=ppt/slideLayouts/slideLayout1.xml><?xml version="1.0" encoding="utf-8"?>
@@ -129,7 +3055,7 @@
           <p:cNvPr id="2" name="Title 1">
             <a:extLst>
               <a:ext uri="{FF2B5EF4-FFF2-40B4-BE49-F238E27FC236}">
-                <a16:creationId xmlns:a16="http://schemas.microsoft.com/office/drawing/2014/main" id="{6AD5984F-78D3-70F0-6072-6984E695DB9B}"/>
+                <a16:creationId xmlns:a16="http://schemas.microsoft.com/office/drawing/2014/main" xmlns="" id="{6AD5984F-78D3-70F0-6072-6984E695DB9B}"/>
               </a:ext>
             </a:extLst>
           </p:cNvPr>
@@ -167,7 +3093,7 @@
           <p:cNvPr id="3" name="Subtitle 2">
             <a:extLst>
               <a:ext uri="{FF2B5EF4-FFF2-40B4-BE49-F238E27FC236}">
-                <a16:creationId xmlns:a16="http://schemas.microsoft.com/office/drawing/2014/main" id="{57F52213-3D08-EB16-CAED-A448B6DD8F9C}"/>
+                <a16:creationId xmlns:a16="http://schemas.microsoft.com/office/drawing/2014/main" xmlns="" id="{57F52213-3D08-EB16-CAED-A448B6DD8F9C}"/>
               </a:ext>
             </a:extLst>
           </p:cNvPr>
@@ -238,7 +3164,7 @@
           <p:cNvPr id="4" name="Date Placeholder 3">
             <a:extLst>
               <a:ext uri="{FF2B5EF4-FFF2-40B4-BE49-F238E27FC236}">
-                <a16:creationId xmlns:a16="http://schemas.microsoft.com/office/drawing/2014/main" id="{88FA03C2-3DBF-6A5F-B729-ED51CF4F7B15}"/>
+                <a16:creationId xmlns:a16="http://schemas.microsoft.com/office/drawing/2014/main" xmlns="" id="{88FA03C2-3DBF-6A5F-B729-ED51CF4F7B15}"/>
               </a:ext>
             </a:extLst>
           </p:cNvPr>
@@ -267,7 +3193,7 @@
           <p:cNvPr id="5" name="Footer Placeholder 4">
             <a:extLst>
               <a:ext uri="{FF2B5EF4-FFF2-40B4-BE49-F238E27FC236}">
-                <a16:creationId xmlns:a16="http://schemas.microsoft.com/office/drawing/2014/main" id="{575C4ABC-A8B2-EDE0-DB55-7D1A1593A134}"/>
+                <a16:creationId xmlns:a16="http://schemas.microsoft.com/office/drawing/2014/main" xmlns="" id="{575C4ABC-A8B2-EDE0-DB55-7D1A1593A134}"/>
               </a:ext>
             </a:extLst>
           </p:cNvPr>
@@ -292,7 +3218,7 @@
           <p:cNvPr id="6" name="Slide Number Placeholder 5">
             <a:extLst>
               <a:ext uri="{FF2B5EF4-FFF2-40B4-BE49-F238E27FC236}">
-                <a16:creationId xmlns:a16="http://schemas.microsoft.com/office/drawing/2014/main" id="{299A5865-97B9-298F-C3A8-5EBA9ECBA8FA}"/>
+                <a16:creationId xmlns:a16="http://schemas.microsoft.com/office/drawing/2014/main" xmlns="" id="{299A5865-97B9-298F-C3A8-5EBA9ECBA8FA}"/>
               </a:ext>
             </a:extLst>
           </p:cNvPr>
@@ -351,7 +3277,7 @@
           <p:cNvPr id="2" name="Title 1">
             <a:extLst>
               <a:ext uri="{FF2B5EF4-FFF2-40B4-BE49-F238E27FC236}">
-                <a16:creationId xmlns:a16="http://schemas.microsoft.com/office/drawing/2014/main" id="{1AB63D00-9A85-372D-874F-DAB78334831C}"/>
+                <a16:creationId xmlns:a16="http://schemas.microsoft.com/office/drawing/2014/main" xmlns="" id="{1AB63D00-9A85-372D-874F-DAB78334831C}"/>
               </a:ext>
             </a:extLst>
           </p:cNvPr>
@@ -380,7 +3306,7 @@
           <p:cNvPr id="3" name="Vertical Text Placeholder 2">
             <a:extLst>
               <a:ext uri="{FF2B5EF4-FFF2-40B4-BE49-F238E27FC236}">
-                <a16:creationId xmlns:a16="http://schemas.microsoft.com/office/drawing/2014/main" id="{B2A7FF27-84CF-1A8A-1DBF-A0512B3ED55E}"/>
+                <a16:creationId xmlns:a16="http://schemas.microsoft.com/office/drawing/2014/main" xmlns="" id="{B2A7FF27-84CF-1A8A-1DBF-A0512B3ED55E}"/>
               </a:ext>
             </a:extLst>
           </p:cNvPr>
@@ -438,7 +3364,7 @@
           <p:cNvPr id="4" name="Date Placeholder 3">
             <a:extLst>
               <a:ext uri="{FF2B5EF4-FFF2-40B4-BE49-F238E27FC236}">
-                <a16:creationId xmlns:a16="http://schemas.microsoft.com/office/drawing/2014/main" id="{9F872D4B-FF5B-85E9-62D9-34DF8AD57BA4}"/>
+                <a16:creationId xmlns:a16="http://schemas.microsoft.com/office/drawing/2014/main" xmlns="" id="{9F872D4B-FF5B-85E9-62D9-34DF8AD57BA4}"/>
               </a:ext>
             </a:extLst>
           </p:cNvPr>
@@ -467,7 +3393,7 @@
           <p:cNvPr id="5" name="Footer Placeholder 4">
             <a:extLst>
               <a:ext uri="{FF2B5EF4-FFF2-40B4-BE49-F238E27FC236}">
-                <a16:creationId xmlns:a16="http://schemas.microsoft.com/office/drawing/2014/main" id="{1E81767A-DE8C-9482-30A8-EE4CF0A32D5D}"/>
+                <a16:creationId xmlns:a16="http://schemas.microsoft.com/office/drawing/2014/main" xmlns="" id="{1E81767A-DE8C-9482-30A8-EE4CF0A32D5D}"/>
               </a:ext>
             </a:extLst>
           </p:cNvPr>
@@ -492,7 +3418,7 @@
           <p:cNvPr id="6" name="Slide Number Placeholder 5">
             <a:extLst>
               <a:ext uri="{FF2B5EF4-FFF2-40B4-BE49-F238E27FC236}">
-                <a16:creationId xmlns:a16="http://schemas.microsoft.com/office/drawing/2014/main" id="{A8B3D97B-B9F2-A050-7728-741A7AD9FA53}"/>
+                <a16:creationId xmlns:a16="http://schemas.microsoft.com/office/drawing/2014/main" xmlns="" id="{A8B3D97B-B9F2-A050-7728-741A7AD9FA53}"/>
               </a:ext>
             </a:extLst>
           </p:cNvPr>
@@ -551,7 +3477,7 @@
           <p:cNvPr id="2" name="Vertical Title 1">
             <a:extLst>
               <a:ext uri="{FF2B5EF4-FFF2-40B4-BE49-F238E27FC236}">
-                <a16:creationId xmlns:a16="http://schemas.microsoft.com/office/drawing/2014/main" id="{C5087905-FEDF-8ED6-1E70-D07940EABAAF}"/>
+                <a16:creationId xmlns:a16="http://schemas.microsoft.com/office/drawing/2014/main" xmlns="" id="{C5087905-FEDF-8ED6-1E70-D07940EABAAF}"/>
               </a:ext>
             </a:extLst>
           </p:cNvPr>
@@ -585,7 +3511,7 @@
           <p:cNvPr id="3" name="Vertical Text Placeholder 2">
             <a:extLst>
               <a:ext uri="{FF2B5EF4-FFF2-40B4-BE49-F238E27FC236}">
-                <a16:creationId xmlns:a16="http://schemas.microsoft.com/office/drawing/2014/main" id="{13D6744B-16E4-DD6B-50E6-1CA1595070DE}"/>
+                <a16:creationId xmlns:a16="http://schemas.microsoft.com/office/drawing/2014/main" xmlns="" id="{13D6744B-16E4-DD6B-50E6-1CA1595070DE}"/>
               </a:ext>
             </a:extLst>
           </p:cNvPr>
@@ -648,7 +3574,7 @@
           <p:cNvPr id="4" name="Date Placeholder 3">
             <a:extLst>
               <a:ext uri="{FF2B5EF4-FFF2-40B4-BE49-F238E27FC236}">
-                <a16:creationId xmlns:a16="http://schemas.microsoft.com/office/drawing/2014/main" id="{6B7A395D-17C5-71E8-974E-1959E77A871A}"/>
+                <a16:creationId xmlns:a16="http://schemas.microsoft.com/office/drawing/2014/main" xmlns="" id="{6B7A395D-17C5-71E8-974E-1959E77A871A}"/>
               </a:ext>
             </a:extLst>
           </p:cNvPr>
@@ -677,7 +3603,7 @@
           <p:cNvPr id="5" name="Footer Placeholder 4">
             <a:extLst>
               <a:ext uri="{FF2B5EF4-FFF2-40B4-BE49-F238E27FC236}">
-                <a16:creationId xmlns:a16="http://schemas.microsoft.com/office/drawing/2014/main" id="{0D29B474-EB8D-0157-5D2F-BC48668D3A1B}"/>
+                <a16:creationId xmlns:a16="http://schemas.microsoft.com/office/drawing/2014/main" xmlns="" id="{0D29B474-EB8D-0157-5D2F-BC48668D3A1B}"/>
               </a:ext>
             </a:extLst>
           </p:cNvPr>
@@ -702,7 +3628,7 @@
           <p:cNvPr id="6" name="Slide Number Placeholder 5">
             <a:extLst>
               <a:ext uri="{FF2B5EF4-FFF2-40B4-BE49-F238E27FC236}">
-                <a16:creationId xmlns:a16="http://schemas.microsoft.com/office/drawing/2014/main" id="{C548DBEC-3CFC-DA89-C357-8CEC7EFE7494}"/>
+                <a16:creationId xmlns:a16="http://schemas.microsoft.com/office/drawing/2014/main" xmlns="" id="{C548DBEC-3CFC-DA89-C357-8CEC7EFE7494}"/>
               </a:ext>
             </a:extLst>
           </p:cNvPr>
@@ -761,7 +3687,7 @@
           <p:cNvPr id="2" name="Title 1">
             <a:extLst>
               <a:ext uri="{FF2B5EF4-FFF2-40B4-BE49-F238E27FC236}">
-                <a16:creationId xmlns:a16="http://schemas.microsoft.com/office/drawing/2014/main" id="{592AC0C3-8612-66A7-5E78-36DF9F18AB4D}"/>
+                <a16:creationId xmlns:a16="http://schemas.microsoft.com/office/drawing/2014/main" xmlns="" id="{592AC0C3-8612-66A7-5E78-36DF9F18AB4D}"/>
               </a:ext>
             </a:extLst>
           </p:cNvPr>
@@ -790,7 +3716,7 @@
           <p:cNvPr id="3" name="Content Placeholder 2">
             <a:extLst>
               <a:ext uri="{FF2B5EF4-FFF2-40B4-BE49-F238E27FC236}">
-                <a16:creationId xmlns:a16="http://schemas.microsoft.com/office/drawing/2014/main" id="{C407744D-2036-543B-1C2F-85E450F49653}"/>
+                <a16:creationId xmlns:a16="http://schemas.microsoft.com/office/drawing/2014/main" xmlns="" id="{C407744D-2036-543B-1C2F-85E450F49653}"/>
               </a:ext>
             </a:extLst>
           </p:cNvPr>
@@ -848,7 +3774,7 @@
           <p:cNvPr id="4" name="Date Placeholder 3">
             <a:extLst>
               <a:ext uri="{FF2B5EF4-FFF2-40B4-BE49-F238E27FC236}">
-                <a16:creationId xmlns:a16="http://schemas.microsoft.com/office/drawing/2014/main" id="{5272E8DF-011F-54AC-DF9F-6963C95CEFED}"/>
+                <a16:creationId xmlns:a16="http://schemas.microsoft.com/office/drawing/2014/main" xmlns="" id="{5272E8DF-011F-54AC-DF9F-6963C95CEFED}"/>
               </a:ext>
             </a:extLst>
           </p:cNvPr>
@@ -877,7 +3803,7 @@
           <p:cNvPr id="5" name="Footer Placeholder 4">
             <a:extLst>
               <a:ext uri="{FF2B5EF4-FFF2-40B4-BE49-F238E27FC236}">
-                <a16:creationId xmlns:a16="http://schemas.microsoft.com/office/drawing/2014/main" id="{05BDBF31-F5AA-41D0-9E51-02A5A325DEA4}"/>
+                <a16:creationId xmlns:a16="http://schemas.microsoft.com/office/drawing/2014/main" xmlns="" id="{05BDBF31-F5AA-41D0-9E51-02A5A325DEA4}"/>
               </a:ext>
             </a:extLst>
           </p:cNvPr>
@@ -902,7 +3828,7 @@
           <p:cNvPr id="6" name="Slide Number Placeholder 5">
             <a:extLst>
               <a:ext uri="{FF2B5EF4-FFF2-40B4-BE49-F238E27FC236}">
-                <a16:creationId xmlns:a16="http://schemas.microsoft.com/office/drawing/2014/main" id="{DCF9C094-2965-4588-28D2-9786A86E04BB}"/>
+                <a16:creationId xmlns:a16="http://schemas.microsoft.com/office/drawing/2014/main" xmlns="" id="{DCF9C094-2965-4588-28D2-9786A86E04BB}"/>
               </a:ext>
             </a:extLst>
           </p:cNvPr>
@@ -961,7 +3887,7 @@
           <p:cNvPr id="2" name="Title 1">
             <a:extLst>
               <a:ext uri="{FF2B5EF4-FFF2-40B4-BE49-F238E27FC236}">
-                <a16:creationId xmlns:a16="http://schemas.microsoft.com/office/drawing/2014/main" id="{1E456675-759B-DDF0-7FE8-0EC557862DA9}"/>
+                <a16:creationId xmlns:a16="http://schemas.microsoft.com/office/drawing/2014/main" xmlns="" id="{1E456675-759B-DDF0-7FE8-0EC557862DA9}"/>
               </a:ext>
             </a:extLst>
           </p:cNvPr>
@@ -999,7 +3925,7 @@
           <p:cNvPr id="3" name="Text Placeholder 2">
             <a:extLst>
               <a:ext uri="{FF2B5EF4-FFF2-40B4-BE49-F238E27FC236}">
-                <a16:creationId xmlns:a16="http://schemas.microsoft.com/office/drawing/2014/main" id="{FA6395D1-5C48-B727-0716-38822E1DC9D9}"/>
+                <a16:creationId xmlns:a16="http://schemas.microsoft.com/office/drawing/2014/main" xmlns="" id="{FA6395D1-5C48-B727-0716-38822E1DC9D9}"/>
               </a:ext>
             </a:extLst>
           </p:cNvPr>
@@ -1124,7 +4050,7 @@
           <p:cNvPr id="4" name="Date Placeholder 3">
             <a:extLst>
               <a:ext uri="{FF2B5EF4-FFF2-40B4-BE49-F238E27FC236}">
-                <a16:creationId xmlns:a16="http://schemas.microsoft.com/office/drawing/2014/main" id="{06748D2D-5120-ABE0-079A-052F84690161}"/>
+                <a16:creationId xmlns:a16="http://schemas.microsoft.com/office/drawing/2014/main" xmlns="" id="{06748D2D-5120-ABE0-079A-052F84690161}"/>
               </a:ext>
             </a:extLst>
           </p:cNvPr>
@@ -1153,7 +4079,7 @@
           <p:cNvPr id="5" name="Footer Placeholder 4">
             <a:extLst>
               <a:ext uri="{FF2B5EF4-FFF2-40B4-BE49-F238E27FC236}">
-                <a16:creationId xmlns:a16="http://schemas.microsoft.com/office/drawing/2014/main" id="{C15742A0-9B5D-6CCD-DD5C-BE81AC994695}"/>
+                <a16:creationId xmlns:a16="http://schemas.microsoft.com/office/drawing/2014/main" xmlns="" id="{C15742A0-9B5D-6CCD-DD5C-BE81AC994695}"/>
               </a:ext>
             </a:extLst>
           </p:cNvPr>
@@ -1178,7 +4104,7 @@
           <p:cNvPr id="6" name="Slide Number Placeholder 5">
             <a:extLst>
               <a:ext uri="{FF2B5EF4-FFF2-40B4-BE49-F238E27FC236}">
-                <a16:creationId xmlns:a16="http://schemas.microsoft.com/office/drawing/2014/main" id="{90BDD6AB-8FF2-7AAF-06A4-736DB0F2AFF3}"/>
+                <a16:creationId xmlns:a16="http://schemas.microsoft.com/office/drawing/2014/main" xmlns="" id="{90BDD6AB-8FF2-7AAF-06A4-736DB0F2AFF3}"/>
               </a:ext>
             </a:extLst>
           </p:cNvPr>
@@ -1237,7 +4163,7 @@
           <p:cNvPr id="2" name="Title 1">
             <a:extLst>
               <a:ext uri="{FF2B5EF4-FFF2-40B4-BE49-F238E27FC236}">
-                <a16:creationId xmlns:a16="http://schemas.microsoft.com/office/drawing/2014/main" id="{37FD69C2-BB63-5597-E2DC-E16F65B4F2D7}"/>
+                <a16:creationId xmlns:a16="http://schemas.microsoft.com/office/drawing/2014/main" xmlns="" id="{37FD69C2-BB63-5597-E2DC-E16F65B4F2D7}"/>
               </a:ext>
             </a:extLst>
           </p:cNvPr>
@@ -1266,7 +4192,7 @@
           <p:cNvPr id="3" name="Content Placeholder 2">
             <a:extLst>
               <a:ext uri="{FF2B5EF4-FFF2-40B4-BE49-F238E27FC236}">
-                <a16:creationId xmlns:a16="http://schemas.microsoft.com/office/drawing/2014/main" id="{1EA74C61-5C76-043C-6886-538D2ED16EE2}"/>
+                <a16:creationId xmlns:a16="http://schemas.microsoft.com/office/drawing/2014/main" xmlns="" id="{1EA74C61-5C76-043C-6886-538D2ED16EE2}"/>
               </a:ext>
             </a:extLst>
           </p:cNvPr>
@@ -1329,7 +4255,7 @@
           <p:cNvPr id="4" name="Content Placeholder 3">
             <a:extLst>
               <a:ext uri="{FF2B5EF4-FFF2-40B4-BE49-F238E27FC236}">
-                <a16:creationId xmlns:a16="http://schemas.microsoft.com/office/drawing/2014/main" id="{64FB041E-256D-752E-17DF-F732BBAD9831}"/>
+                <a16:creationId xmlns:a16="http://schemas.microsoft.com/office/drawing/2014/main" xmlns="" id="{64FB041E-256D-752E-17DF-F732BBAD9831}"/>
               </a:ext>
             </a:extLst>
           </p:cNvPr>
@@ -1392,7 +4318,7 @@
           <p:cNvPr id="5" name="Date Placeholder 4">
             <a:extLst>
               <a:ext uri="{FF2B5EF4-FFF2-40B4-BE49-F238E27FC236}">
-                <a16:creationId xmlns:a16="http://schemas.microsoft.com/office/drawing/2014/main" id="{C7613359-B90B-251C-9D2F-97B1CED29497}"/>
+                <a16:creationId xmlns:a16="http://schemas.microsoft.com/office/drawing/2014/main" xmlns="" id="{C7613359-B90B-251C-9D2F-97B1CED29497}"/>
               </a:ext>
             </a:extLst>
           </p:cNvPr>
@@ -1421,7 +4347,7 @@
           <p:cNvPr id="6" name="Footer Placeholder 5">
             <a:extLst>
               <a:ext uri="{FF2B5EF4-FFF2-40B4-BE49-F238E27FC236}">
-                <a16:creationId xmlns:a16="http://schemas.microsoft.com/office/drawing/2014/main" id="{E3B3E895-5C0A-F352-746E-56DF41731C5F}"/>
+                <a16:creationId xmlns:a16="http://schemas.microsoft.com/office/drawing/2014/main" xmlns="" id="{E3B3E895-5C0A-F352-746E-56DF41731C5F}"/>
               </a:ext>
             </a:extLst>
           </p:cNvPr>
@@ -1446,7 +4372,7 @@
           <p:cNvPr id="7" name="Slide Number Placeholder 6">
             <a:extLst>
               <a:ext uri="{FF2B5EF4-FFF2-40B4-BE49-F238E27FC236}">
-                <a16:creationId xmlns:a16="http://schemas.microsoft.com/office/drawing/2014/main" id="{66E4D654-439A-D6B3-06F8-D59464E46A67}"/>
+                <a16:creationId xmlns:a16="http://schemas.microsoft.com/office/drawing/2014/main" xmlns="" id="{66E4D654-439A-D6B3-06F8-D59464E46A67}"/>
               </a:ext>
             </a:extLst>
           </p:cNvPr>
@@ -1505,7 +4431,7 @@
           <p:cNvPr id="2" name="Title 1">
             <a:extLst>
               <a:ext uri="{FF2B5EF4-FFF2-40B4-BE49-F238E27FC236}">
-                <a16:creationId xmlns:a16="http://schemas.microsoft.com/office/drawing/2014/main" id="{DC0B84B7-EE3F-FDAE-E7BD-9AE5A8BAD11E}"/>
+                <a16:creationId xmlns:a16="http://schemas.microsoft.com/office/drawing/2014/main" xmlns="" id="{DC0B84B7-EE3F-FDAE-E7BD-9AE5A8BAD11E}"/>
               </a:ext>
             </a:extLst>
           </p:cNvPr>
@@ -1539,7 +4465,7 @@
           <p:cNvPr id="3" name="Text Placeholder 2">
             <a:extLst>
               <a:ext uri="{FF2B5EF4-FFF2-40B4-BE49-F238E27FC236}">
-                <a16:creationId xmlns:a16="http://schemas.microsoft.com/office/drawing/2014/main" id="{9B14C00B-6993-6597-3C01-FF52ED29FC0B}"/>
+                <a16:creationId xmlns:a16="http://schemas.microsoft.com/office/drawing/2014/main" xmlns="" id="{9B14C00B-6993-6597-3C01-FF52ED29FC0B}"/>
               </a:ext>
             </a:extLst>
           </p:cNvPr>
@@ -1610,7 +4536,7 @@
           <p:cNvPr id="4" name="Content Placeholder 3">
             <a:extLst>
               <a:ext uri="{FF2B5EF4-FFF2-40B4-BE49-F238E27FC236}">
-                <a16:creationId xmlns:a16="http://schemas.microsoft.com/office/drawing/2014/main" id="{38DDB439-FF02-38EA-C993-6833706E5DAD}"/>
+                <a16:creationId xmlns:a16="http://schemas.microsoft.com/office/drawing/2014/main" xmlns="" id="{38DDB439-FF02-38EA-C993-6833706E5DAD}"/>
               </a:ext>
             </a:extLst>
           </p:cNvPr>
@@ -1673,7 +4599,7 @@
           <p:cNvPr id="5" name="Text Placeholder 4">
             <a:extLst>
               <a:ext uri="{FF2B5EF4-FFF2-40B4-BE49-F238E27FC236}">
-                <a16:creationId xmlns:a16="http://schemas.microsoft.com/office/drawing/2014/main" id="{AEEB6B82-37B1-62A4-DC5A-4BDF60FF5DFD}"/>
+                <a16:creationId xmlns:a16="http://schemas.microsoft.com/office/drawing/2014/main" xmlns="" id="{AEEB6B82-37B1-62A4-DC5A-4BDF60FF5DFD}"/>
               </a:ext>
             </a:extLst>
           </p:cNvPr>
@@ -1744,7 +4670,7 @@
           <p:cNvPr id="6" name="Content Placeholder 5">
             <a:extLst>
               <a:ext uri="{FF2B5EF4-FFF2-40B4-BE49-F238E27FC236}">
-                <a16:creationId xmlns:a16="http://schemas.microsoft.com/office/drawing/2014/main" id="{65579C8A-FC05-A5D2-248E-9DA3838B107E}"/>
+                <a16:creationId xmlns:a16="http://schemas.microsoft.com/office/drawing/2014/main" xmlns="" id="{65579C8A-FC05-A5D2-248E-9DA3838B107E}"/>
               </a:ext>
             </a:extLst>
           </p:cNvPr>
@@ -1807,7 +4733,7 @@
           <p:cNvPr id="7" name="Date Placeholder 6">
             <a:extLst>
               <a:ext uri="{FF2B5EF4-FFF2-40B4-BE49-F238E27FC236}">
-                <a16:creationId xmlns:a16="http://schemas.microsoft.com/office/drawing/2014/main" id="{97C4BBBF-2766-055C-A352-DCC35582EF6E}"/>
+                <a16:creationId xmlns:a16="http://schemas.microsoft.com/office/drawing/2014/main" xmlns="" id="{97C4BBBF-2766-055C-A352-DCC35582EF6E}"/>
               </a:ext>
             </a:extLst>
           </p:cNvPr>
@@ -1836,7 +4762,7 @@
           <p:cNvPr id="8" name="Footer Placeholder 7">
             <a:extLst>
               <a:ext uri="{FF2B5EF4-FFF2-40B4-BE49-F238E27FC236}">
-                <a16:creationId xmlns:a16="http://schemas.microsoft.com/office/drawing/2014/main" id="{B18BE318-DDBB-B955-CCAE-17A4B4EB0376}"/>
+                <a16:creationId xmlns:a16="http://schemas.microsoft.com/office/drawing/2014/main" xmlns="" id="{B18BE318-DDBB-B955-CCAE-17A4B4EB0376}"/>
               </a:ext>
             </a:extLst>
           </p:cNvPr>
@@ -1861,7 +4787,7 @@
           <p:cNvPr id="9" name="Slide Number Placeholder 8">
             <a:extLst>
               <a:ext uri="{FF2B5EF4-FFF2-40B4-BE49-F238E27FC236}">
-                <a16:creationId xmlns:a16="http://schemas.microsoft.com/office/drawing/2014/main" id="{C14C1F60-4B2D-3C88-A21B-E68732EDB8C5}"/>
+                <a16:creationId xmlns:a16="http://schemas.microsoft.com/office/drawing/2014/main" xmlns="" id="{C14C1F60-4B2D-3C88-A21B-E68732EDB8C5}"/>
               </a:ext>
             </a:extLst>
           </p:cNvPr>
@@ -1920,7 +4846,7 @@
           <p:cNvPr id="2" name="Title 1">
             <a:extLst>
               <a:ext uri="{FF2B5EF4-FFF2-40B4-BE49-F238E27FC236}">
-                <a16:creationId xmlns:a16="http://schemas.microsoft.com/office/drawing/2014/main" id="{D94F7DB6-0187-1BAD-43EA-9C6A96A7156C}"/>
+                <a16:creationId xmlns:a16="http://schemas.microsoft.com/office/drawing/2014/main" xmlns="" id="{D94F7DB6-0187-1BAD-43EA-9C6A96A7156C}"/>
               </a:ext>
             </a:extLst>
           </p:cNvPr>
@@ -1949,7 +4875,7 @@
           <p:cNvPr id="3" name="Date Placeholder 2">
             <a:extLst>
               <a:ext uri="{FF2B5EF4-FFF2-40B4-BE49-F238E27FC236}">
-                <a16:creationId xmlns:a16="http://schemas.microsoft.com/office/drawing/2014/main" id="{EA09B27A-D96B-69C8-9144-EA5D213136EF}"/>
+                <a16:creationId xmlns:a16="http://schemas.microsoft.com/office/drawing/2014/main" xmlns="" id="{EA09B27A-D96B-69C8-9144-EA5D213136EF}"/>
               </a:ext>
             </a:extLst>
           </p:cNvPr>
@@ -1978,7 +4904,7 @@
           <p:cNvPr id="4" name="Footer Placeholder 3">
             <a:extLst>
               <a:ext uri="{FF2B5EF4-FFF2-40B4-BE49-F238E27FC236}">
-                <a16:creationId xmlns:a16="http://schemas.microsoft.com/office/drawing/2014/main" id="{B82A0427-D6C7-8DDC-9797-3C0E897717B8}"/>
+                <a16:creationId xmlns:a16="http://schemas.microsoft.com/office/drawing/2014/main" xmlns="" id="{B82A0427-D6C7-8DDC-9797-3C0E897717B8}"/>
               </a:ext>
             </a:extLst>
           </p:cNvPr>
@@ -2003,7 +4929,7 @@
           <p:cNvPr id="5" name="Slide Number Placeholder 4">
             <a:extLst>
               <a:ext uri="{FF2B5EF4-FFF2-40B4-BE49-F238E27FC236}">
-                <a16:creationId xmlns:a16="http://schemas.microsoft.com/office/drawing/2014/main" id="{61DD65A5-53DC-72EA-FC0E-1D333F75A62E}"/>
+                <a16:creationId xmlns:a16="http://schemas.microsoft.com/office/drawing/2014/main" xmlns="" id="{61DD65A5-53DC-72EA-FC0E-1D333F75A62E}"/>
               </a:ext>
             </a:extLst>
           </p:cNvPr>
@@ -2062,7 +4988,7 @@
           <p:cNvPr id="2" name="Date Placeholder 1">
             <a:extLst>
               <a:ext uri="{FF2B5EF4-FFF2-40B4-BE49-F238E27FC236}">
-                <a16:creationId xmlns:a16="http://schemas.microsoft.com/office/drawing/2014/main" id="{97267AEF-79E0-4C69-66E1-3E2C995320D9}"/>
+                <a16:creationId xmlns:a16="http://schemas.microsoft.com/office/drawing/2014/main" xmlns="" id="{97267AEF-79E0-4C69-66E1-3E2C995320D9}"/>
               </a:ext>
             </a:extLst>
           </p:cNvPr>
@@ -2091,7 +5017,7 @@
           <p:cNvPr id="3" name="Footer Placeholder 2">
             <a:extLst>
               <a:ext uri="{FF2B5EF4-FFF2-40B4-BE49-F238E27FC236}">
-                <a16:creationId xmlns:a16="http://schemas.microsoft.com/office/drawing/2014/main" id="{398CE0E6-D9AA-A22A-2DDB-FDEEFB672F8F}"/>
+                <a16:creationId xmlns:a16="http://schemas.microsoft.com/office/drawing/2014/main" xmlns="" id="{398CE0E6-D9AA-A22A-2DDB-FDEEFB672F8F}"/>
               </a:ext>
             </a:extLst>
           </p:cNvPr>
@@ -2116,7 +5042,7 @@
           <p:cNvPr id="4" name="Slide Number Placeholder 3">
             <a:extLst>
               <a:ext uri="{FF2B5EF4-FFF2-40B4-BE49-F238E27FC236}">
-                <a16:creationId xmlns:a16="http://schemas.microsoft.com/office/drawing/2014/main" id="{C564109A-948F-57EF-479E-C314C46D0CA4}"/>
+                <a16:creationId xmlns:a16="http://schemas.microsoft.com/office/drawing/2014/main" xmlns="" id="{C564109A-948F-57EF-479E-C314C46D0CA4}"/>
               </a:ext>
             </a:extLst>
           </p:cNvPr>
@@ -2175,7 +5101,7 @@
           <p:cNvPr id="2" name="Title 1">
             <a:extLst>
               <a:ext uri="{FF2B5EF4-FFF2-40B4-BE49-F238E27FC236}">
-                <a16:creationId xmlns:a16="http://schemas.microsoft.com/office/drawing/2014/main" id="{E676720E-09F0-1BAD-8C0A-C46EE7681FAC}"/>
+                <a16:creationId xmlns:a16="http://schemas.microsoft.com/office/drawing/2014/main" xmlns="" id="{E676720E-09F0-1BAD-8C0A-C46EE7681FAC}"/>
               </a:ext>
             </a:extLst>
           </p:cNvPr>
@@ -2213,7 +5139,7 @@
           <p:cNvPr id="3" name="Content Placeholder 2">
             <a:extLst>
               <a:ext uri="{FF2B5EF4-FFF2-40B4-BE49-F238E27FC236}">
-                <a16:creationId xmlns:a16="http://schemas.microsoft.com/office/drawing/2014/main" id="{0B006AAB-E41D-0003-FD36-BEC88B73A1A6}"/>
+                <a16:creationId xmlns:a16="http://schemas.microsoft.com/office/drawing/2014/main" xmlns="" id="{0B006AAB-E41D-0003-FD36-BEC88B73A1A6}"/>
               </a:ext>
             </a:extLst>
           </p:cNvPr>
@@ -2304,7 +5230,7 @@
           <p:cNvPr id="4" name="Text Placeholder 3">
             <a:extLst>
               <a:ext uri="{FF2B5EF4-FFF2-40B4-BE49-F238E27FC236}">
-                <a16:creationId xmlns:a16="http://schemas.microsoft.com/office/drawing/2014/main" id="{5B10666A-D3B0-C1BC-0EB0-499B99D4B3F7}"/>
+                <a16:creationId xmlns:a16="http://schemas.microsoft.com/office/drawing/2014/main" xmlns="" id="{5B10666A-D3B0-C1BC-0EB0-499B99D4B3F7}"/>
               </a:ext>
             </a:extLst>
           </p:cNvPr>
@@ -2375,7 +5301,7 @@
           <p:cNvPr id="5" name="Date Placeholder 4">
             <a:extLst>
               <a:ext uri="{FF2B5EF4-FFF2-40B4-BE49-F238E27FC236}">
-                <a16:creationId xmlns:a16="http://schemas.microsoft.com/office/drawing/2014/main" id="{E2116256-9C67-4BBA-93A5-7A780F229FD1}"/>
+                <a16:creationId xmlns:a16="http://schemas.microsoft.com/office/drawing/2014/main" xmlns="" id="{E2116256-9C67-4BBA-93A5-7A780F229FD1}"/>
               </a:ext>
             </a:extLst>
           </p:cNvPr>
@@ -2404,7 +5330,7 @@
           <p:cNvPr id="6" name="Footer Placeholder 5">
             <a:extLst>
               <a:ext uri="{FF2B5EF4-FFF2-40B4-BE49-F238E27FC236}">
-                <a16:creationId xmlns:a16="http://schemas.microsoft.com/office/drawing/2014/main" id="{CD23DF2C-0D8A-93ED-D035-19740E412D24}"/>
+                <a16:creationId xmlns:a16="http://schemas.microsoft.com/office/drawing/2014/main" xmlns="" id="{CD23DF2C-0D8A-93ED-D035-19740E412D24}"/>
               </a:ext>
             </a:extLst>
           </p:cNvPr>
@@ -2429,7 +5355,7 @@
           <p:cNvPr id="7" name="Slide Number Placeholder 6">
             <a:extLst>
               <a:ext uri="{FF2B5EF4-FFF2-40B4-BE49-F238E27FC236}">
-                <a16:creationId xmlns:a16="http://schemas.microsoft.com/office/drawing/2014/main" id="{CFECAE29-6064-9B36-29B3-2E92350B6C2F}"/>
+                <a16:creationId xmlns:a16="http://schemas.microsoft.com/office/drawing/2014/main" xmlns="" id="{CFECAE29-6064-9B36-29B3-2E92350B6C2F}"/>
               </a:ext>
             </a:extLst>
           </p:cNvPr>
@@ -2488,7 +5414,7 @@
           <p:cNvPr id="2" name="Title 1">
             <a:extLst>
               <a:ext uri="{FF2B5EF4-FFF2-40B4-BE49-F238E27FC236}">
-                <a16:creationId xmlns:a16="http://schemas.microsoft.com/office/drawing/2014/main" id="{4F877808-B68C-8146-05E7-5A522D7E6899}"/>
+                <a16:creationId xmlns:a16="http://schemas.microsoft.com/office/drawing/2014/main" xmlns="" id="{4F877808-B68C-8146-05E7-5A522D7E6899}"/>
               </a:ext>
             </a:extLst>
           </p:cNvPr>
@@ -2526,7 +5452,7 @@
           <p:cNvPr id="3" name="Picture Placeholder 2">
             <a:extLst>
               <a:ext uri="{FF2B5EF4-FFF2-40B4-BE49-F238E27FC236}">
-                <a16:creationId xmlns:a16="http://schemas.microsoft.com/office/drawing/2014/main" id="{26BEB7E2-BB67-5F61-8923-B1E583C82F75}"/>
+                <a16:creationId xmlns:a16="http://schemas.microsoft.com/office/drawing/2014/main" xmlns="" id="{26BEB7E2-BB67-5F61-8923-B1E583C82F75}"/>
               </a:ext>
             </a:extLst>
           </p:cNvPr>
@@ -2593,7 +5519,7 @@
           <p:cNvPr id="4" name="Text Placeholder 3">
             <a:extLst>
               <a:ext uri="{FF2B5EF4-FFF2-40B4-BE49-F238E27FC236}">
-                <a16:creationId xmlns:a16="http://schemas.microsoft.com/office/drawing/2014/main" id="{7C48373A-D44B-1E46-6596-6440802FFA57}"/>
+                <a16:creationId xmlns:a16="http://schemas.microsoft.com/office/drawing/2014/main" xmlns="" id="{7C48373A-D44B-1E46-6596-6440802FFA57}"/>
               </a:ext>
             </a:extLst>
           </p:cNvPr>
@@ -2664,7 +5590,7 @@
           <p:cNvPr id="5" name="Date Placeholder 4">
             <a:extLst>
               <a:ext uri="{FF2B5EF4-FFF2-40B4-BE49-F238E27FC236}">
-                <a16:creationId xmlns:a16="http://schemas.microsoft.com/office/drawing/2014/main" id="{BBECAA2B-992F-2E85-BC8A-85A054E629A3}"/>
+                <a16:creationId xmlns:a16="http://schemas.microsoft.com/office/drawing/2014/main" xmlns="" id="{BBECAA2B-992F-2E85-BC8A-85A054E629A3}"/>
               </a:ext>
             </a:extLst>
           </p:cNvPr>
@@ -2693,7 +5619,7 @@
           <p:cNvPr id="6" name="Footer Placeholder 5">
             <a:extLst>
               <a:ext uri="{FF2B5EF4-FFF2-40B4-BE49-F238E27FC236}">
-                <a16:creationId xmlns:a16="http://schemas.microsoft.com/office/drawing/2014/main" id="{63093627-D063-ACFF-F3C5-6AA9C76B714A}"/>
+                <a16:creationId xmlns:a16="http://schemas.microsoft.com/office/drawing/2014/main" xmlns="" id="{63093627-D063-ACFF-F3C5-6AA9C76B714A}"/>
               </a:ext>
             </a:extLst>
           </p:cNvPr>
@@ -2718,7 +5644,7 @@
           <p:cNvPr id="7" name="Slide Number Placeholder 6">
             <a:extLst>
               <a:ext uri="{FF2B5EF4-FFF2-40B4-BE49-F238E27FC236}">
-                <a16:creationId xmlns:a16="http://schemas.microsoft.com/office/drawing/2014/main" id="{3C244702-F51F-5478-865B-8CC048C5E912}"/>
+                <a16:creationId xmlns:a16="http://schemas.microsoft.com/office/drawing/2014/main" xmlns="" id="{3C244702-F51F-5478-865B-8CC048C5E912}"/>
               </a:ext>
             </a:extLst>
           </p:cNvPr>
@@ -2782,7 +5708,7 @@
           <p:cNvPr id="2" name="Title Placeholder 1">
             <a:extLst>
               <a:ext uri="{FF2B5EF4-FFF2-40B4-BE49-F238E27FC236}">
-                <a16:creationId xmlns:a16="http://schemas.microsoft.com/office/drawing/2014/main" id="{CB7540D6-A27A-0484-1F88-A493FA683E6B}"/>
+                <a16:creationId xmlns:a16="http://schemas.microsoft.com/office/drawing/2014/main" xmlns="" id="{CB7540D6-A27A-0484-1F88-A493FA683E6B}"/>
               </a:ext>
             </a:extLst>
           </p:cNvPr>
@@ -2821,7 +5747,7 @@
           <p:cNvPr id="3" name="Text Placeholder 2">
             <a:extLst>
               <a:ext uri="{FF2B5EF4-FFF2-40B4-BE49-F238E27FC236}">
-                <a16:creationId xmlns:a16="http://schemas.microsoft.com/office/drawing/2014/main" id="{55F724A5-15D9-1F59-AB9A-6D17164BB889}"/>
+                <a16:creationId xmlns:a16="http://schemas.microsoft.com/office/drawing/2014/main" xmlns="" id="{55F724A5-15D9-1F59-AB9A-6D17164BB889}"/>
               </a:ext>
             </a:extLst>
           </p:cNvPr>
@@ -2889,7 +5815,7 @@
           <p:cNvPr id="4" name="Date Placeholder 3">
             <a:extLst>
               <a:ext uri="{FF2B5EF4-FFF2-40B4-BE49-F238E27FC236}">
-                <a16:creationId xmlns:a16="http://schemas.microsoft.com/office/drawing/2014/main" id="{50A005BA-2090-F70D-B97C-6C24A73ABF70}"/>
+                <a16:creationId xmlns:a16="http://schemas.microsoft.com/office/drawing/2014/main" xmlns="" id="{50A005BA-2090-F70D-B97C-6C24A73ABF70}"/>
               </a:ext>
             </a:extLst>
           </p:cNvPr>
@@ -2936,7 +5862,7 @@
           <p:cNvPr id="5" name="Footer Placeholder 4">
             <a:extLst>
               <a:ext uri="{FF2B5EF4-FFF2-40B4-BE49-F238E27FC236}">
-                <a16:creationId xmlns:a16="http://schemas.microsoft.com/office/drawing/2014/main" id="{89A3D8B9-EBC6-F30D-EFAC-C65D63AACA98}"/>
+                <a16:creationId xmlns:a16="http://schemas.microsoft.com/office/drawing/2014/main" xmlns="" id="{89A3D8B9-EBC6-F30D-EFAC-C65D63AACA98}"/>
               </a:ext>
             </a:extLst>
           </p:cNvPr>
@@ -2979,7 +5905,7 @@
           <p:cNvPr id="6" name="Slide Number Placeholder 5">
             <a:extLst>
               <a:ext uri="{FF2B5EF4-FFF2-40B4-BE49-F238E27FC236}">
-                <a16:creationId xmlns:a16="http://schemas.microsoft.com/office/drawing/2014/main" id="{6FDAB874-A1FB-5905-62A2-C1FF15226390}"/>
+                <a16:creationId xmlns:a16="http://schemas.microsoft.com/office/drawing/2014/main" xmlns="" id="{6FDAB874-A1FB-5905-62A2-C1FF15226390}"/>
               </a:ext>
             </a:extLst>
           </p:cNvPr>
@@ -3333,7 +6259,7 @@
         <p:cNvPr id="1" name="">
           <a:extLst>
             <a:ext uri="{FF2B5EF4-FFF2-40B4-BE49-F238E27FC236}">
-              <a16:creationId xmlns:a16="http://schemas.microsoft.com/office/drawing/2014/main" id="{74E5C1AD-076B-264A-A08A-E035D8F884A5}"/>
+              <a16:creationId xmlns:a16="http://schemas.microsoft.com/office/drawing/2014/main" xmlns="" id="{74E5C1AD-076B-264A-A08A-E035D8F884A5}"/>
             </a:ext>
           </a:extLst>
         </p:cNvPr>
@@ -3348,22 +6274,52 @@
           <a:chExt cx="0" cy="0"/>
         </a:xfrm>
       </p:grpSpPr>
-      <p:sp>
-        <p:nvSpPr>
-          <p:cNvPr id="7" name="TextBox 6">
+      <p:pic>
+        <p:nvPicPr>
+          <p:cNvPr id="15" name="Picture 14">
             <a:extLst>
               <a:ext uri="{FF2B5EF4-FFF2-40B4-BE49-F238E27FC236}">
-                <a16:creationId xmlns:a16="http://schemas.microsoft.com/office/drawing/2014/main" id="{0D58BBE2-ADB2-45AB-99CD-F81B9A1375C4}"/>
+                <a16:creationId xmlns:a16="http://schemas.microsoft.com/office/drawing/2014/main" xmlns="" id="{FF84E7B6-67A0-3783-5A0F-10D6FFD6BECB}"/>
               </a:ext>
             </a:extLst>
           </p:cNvPr>
+          <p:cNvPicPr>
+            <a:picLocks noChangeAspect="1"/>
+          </p:cNvPicPr>
+          <p:nvPr/>
+        </p:nvPicPr>
+        <p:blipFill>
+          <a:blip r:embed="rId2" cstate="print">
+            <a:extLst>
+              <a:ext uri="{28A0092B-C50C-407E-A947-70E740481C1C}">
+                <a14:useLocalDpi xmlns:a14="http://schemas.microsoft.com/office/drawing/2010/main" val="0"/>
+              </a:ext>
+            </a:extLst>
+          </a:blip>
+          <a:stretch>
+            <a:fillRect/>
+          </a:stretch>
+        </p:blipFill>
+        <p:spPr>
+          <a:xfrm>
+            <a:off x="315242" y="186786"/>
+            <a:ext cx="725875" cy="725875"/>
+          </a:xfrm>
+          <a:prstGeom prst="rect">
+            <a:avLst/>
+          </a:prstGeom>
+        </p:spPr>
+      </p:pic>
+      <p:sp>
+        <p:nvSpPr>
+          <p:cNvPr id="3" name="TextBox 2"/>
           <p:cNvSpPr txBox="1"/>
           <p:nvPr/>
         </p:nvSpPr>
         <p:spPr>
           <a:xfrm>
-            <a:off x="2176208" y="186786"/>
-            <a:ext cx="7839581" cy="461665"/>
+            <a:off x="3928872" y="557784"/>
+            <a:ext cx="4334256" cy="646331"/>
           </a:xfrm>
           <a:prstGeom prst="rect">
             <a:avLst/>
@@ -3376,22 +6332,157 @@
           </a:bodyPr>
           <a:lstStyle/>
           <a:p>
-            <a:pPr algn="ctr"/>
             <a:r>
-              <a:rPr lang="en-US" sz="2400" b="1" cap="small" dirty="0">
+              <a:rPr lang="en-US" sz="3600" b="1" dirty="0" smtClean="0">
+                <a:solidFill>
+                  <a:srgbClr val="92D050"/>
+                </a:solidFill>
                 <a:latin typeface="Oxygen" panose="02000503000000000000" pitchFamily="2" charset="0"/>
               </a:rPr>
-              <a:t>Contents</a:t>
+              <a:t>Acknowledgement</a:t>
             </a:r>
           </a:p>
         </p:txBody>
       </p:sp>
+      <p:sp>
+        <p:nvSpPr>
+          <p:cNvPr id="4" name="TextBox 3"/>
+          <p:cNvSpPr txBox="1"/>
+          <p:nvPr/>
+        </p:nvSpPr>
+        <p:spPr>
+          <a:xfrm flipH="1">
+            <a:off x="1041116" y="2063187"/>
+            <a:ext cx="6603268" cy="3046988"/>
+          </a:xfrm>
+          <a:prstGeom prst="rect">
+            <a:avLst/>
+          </a:prstGeom>
+          <a:noFill/>
+        </p:spPr>
+        <p:txBody>
+          <a:bodyPr wrap="square" rtlCol="0">
+            <a:spAutoFit/>
+          </a:bodyPr>
+          <a:lstStyle/>
+          <a:p>
+            <a:r>
+              <a:rPr lang="en-US" sz="1600" dirty="0" smtClean="0">
+                <a:latin typeface="Oxygen" panose="02000503000000000000" pitchFamily="2" charset="0"/>
+              </a:rPr>
+              <a:t>This course introduces fundamental concepts and principles of effective communication. Learners will get accustomed to various communication skills, strategies, and techniques applicable to personal , professional, and academic contexts. The unique contents of this course will not only inspire confidence in the learners , but will lead them onto being LEADERS. The curriculum has been planned with meticulous observation preluded by a period of thorough research. </a:t>
+            </a:r>
+            <a:r>
+              <a:rPr lang="en-US" sz="1600" b="1" dirty="0" smtClean="0">
+                <a:solidFill>
+                  <a:srgbClr val="FF8C52"/>
+                </a:solidFill>
+                <a:latin typeface="Oxygen" panose="02000503000000000000" pitchFamily="2" charset="0"/>
+              </a:rPr>
+              <a:t>Anodiam</a:t>
+            </a:r>
+            <a:r>
+              <a:rPr lang="en-US" sz="1600" dirty="0" smtClean="0">
+                <a:latin typeface="Oxygen" panose="02000503000000000000" pitchFamily="2" charset="0"/>
+              </a:rPr>
+              <a:t> believes in creating LEADERS for tomorrow , who would further pass on the fire of communication like Prometheus. This 12 weeks’ course will effectively translate new learners into the best of communicators. Upon completion of the curriculum there would be a final assessment serving as an evaluating paradigm.  </a:t>
+            </a:r>
+            <a:endParaRPr lang="en-AU" sz="1600" dirty="0">
+              <a:latin typeface="Oxygen" panose="02000503000000000000" pitchFamily="2" charset="0"/>
+            </a:endParaRPr>
+          </a:p>
+        </p:txBody>
+      </p:sp>
+      <p:pic>
+        <p:nvPicPr>
+          <p:cNvPr id="1026" name="Picture 2" descr="prometheus stealing fire from gods"/>
+          <p:cNvPicPr>
+            <a:picLocks noChangeAspect="1" noChangeArrowheads="1"/>
+          </p:cNvPicPr>
+          <p:nvPr/>
+        </p:nvPicPr>
+        <p:blipFill>
+          <a:blip r:embed="rId3">
+            <a:extLst>
+              <a:ext uri="{28A0092B-C50C-407E-A947-70E740481C1C}">
+                <a14:useLocalDpi xmlns:a14="http://schemas.microsoft.com/office/drawing/2010/main" val="0"/>
+              </a:ext>
+            </a:extLst>
+          </a:blip>
+          <a:srcRect/>
+          <a:stretch>
+            <a:fillRect/>
+          </a:stretch>
+        </p:blipFill>
+        <p:spPr bwMode="auto">
+          <a:xfrm>
+            <a:off x="8590598" y="1681681"/>
+            <a:ext cx="2381250" cy="3810000"/>
+          </a:xfrm>
+          <a:prstGeom prst="rect">
+            <a:avLst/>
+          </a:prstGeom>
+          <a:noFill/>
+          <a:extLst>
+            <a:ext uri="{909E8E84-426E-40DD-AFC4-6F175D3DCCD1}">
+              <a14:hiddenFill xmlns:a14="http://schemas.microsoft.com/office/drawing/2010/main">
+                <a:solidFill>
+                  <a:srgbClr val="FFFFFF"/>
+                </a:solidFill>
+              </a14:hiddenFill>
+            </a:ext>
+          </a:extLst>
+        </p:spPr>
+      </p:pic>
+    </p:spTree>
+    <p:extLst>
+      <p:ext uri="{BB962C8B-B14F-4D97-AF65-F5344CB8AC3E}">
+        <p14:creationId xmlns:p14="http://schemas.microsoft.com/office/powerpoint/2010/main" val="2964529504"/>
+      </p:ext>
+    </p:extLst>
+  </p:cSld>
+  <p:clrMapOvr>
+    <a:masterClrMapping/>
+  </p:clrMapOvr>
+  <p:timing>
+    <p:tnLst>
+      <p:par>
+        <p:cTn id="1" dur="indefinite" restart="never" nodeType="tmRoot"/>
+      </p:par>
+    </p:tnLst>
+  </p:timing>
+</p:sld>
+</file>
+
+<file path=ppt/slides/slide2.xml><?xml version="1.0" encoding="utf-8"?>
+<p:sld xmlns:a="http://schemas.openxmlformats.org/drawingml/2006/main" xmlns:r="http://schemas.openxmlformats.org/officeDocument/2006/relationships" xmlns:p="http://schemas.openxmlformats.org/presentationml/2006/main">
+  <p:cSld>
+    <p:spTree>
+      <p:nvGrpSpPr>
+        <p:cNvPr id="1" name="">
+          <a:extLst>
+            <a:ext uri="{FF2B5EF4-FFF2-40B4-BE49-F238E27FC236}">
+              <a16:creationId xmlns:a16="http://schemas.microsoft.com/office/drawing/2014/main" xmlns="" id="{74E5C1AD-076B-264A-A08A-E035D8F884A5}"/>
+            </a:ext>
+          </a:extLst>
+        </p:cNvPr>
+        <p:cNvGrpSpPr/>
+        <p:nvPr/>
+      </p:nvGrpSpPr>
+      <p:grpSpPr>
+        <a:xfrm>
+          <a:off x="0" y="0"/>
+          <a:ext cx="0" cy="0"/>
+          <a:chOff x="0" y="0"/>
+          <a:chExt cx="0" cy="0"/>
+        </a:xfrm>
+      </p:grpSpPr>
       <p:pic>
         <p:nvPicPr>
           <p:cNvPr id="15" name="Picture 14">
             <a:extLst>
               <a:ext uri="{FF2B5EF4-FFF2-40B4-BE49-F238E27FC236}">
-                <a16:creationId xmlns:a16="http://schemas.microsoft.com/office/drawing/2014/main" id="{FF84E7B6-67A0-3783-5A0F-10D6FFD6BECB}"/>
+                <a16:creationId xmlns:a16="http://schemas.microsoft.com/office/drawing/2014/main" xmlns="" id="{FF84E7B6-67A0-3783-5A0F-10D6FFD6BECB}"/>
               </a:ext>
             </a:extLst>
           </p:cNvPr>
@@ -3401,7 +6492,7 @@
           <p:nvPr/>
         </p:nvPicPr>
         <p:blipFill>
-          <a:blip r:embed="rId2">
+          <a:blip r:embed="rId2" cstate="print">
             <a:extLst>
               <a:ext uri="{28A0092B-C50C-407E-A947-70E740481C1C}">
                 <a14:useLocalDpi xmlns:a14="http://schemas.microsoft.com/office/drawing/2010/main" val="0"/>
@@ -3427,7 +6518,7 @@
           <p:cNvPr id="2" name="TextBox 1">
             <a:extLst>
               <a:ext uri="{FF2B5EF4-FFF2-40B4-BE49-F238E27FC236}">
-                <a16:creationId xmlns:a16="http://schemas.microsoft.com/office/drawing/2014/main" id="{03D3279A-1650-4AC4-E3FE-CD147CA2B563}"/>
+                <a16:creationId xmlns:a16="http://schemas.microsoft.com/office/drawing/2014/main" xmlns="" id="{03D3279A-1650-4AC4-E3FE-CD147CA2B563}"/>
               </a:ext>
             </a:extLst>
           </p:cNvPr>
@@ -3436,8 +6527,8 @@
         </p:nvSpPr>
         <p:spPr>
           <a:xfrm>
-            <a:off x="1419124" y="1248697"/>
-            <a:ext cx="6436850" cy="923330"/>
+            <a:off x="3741123" y="5896094"/>
+            <a:ext cx="4709754" cy="338554"/>
           </a:xfrm>
           <a:prstGeom prst="rect">
             <a:avLst/>
@@ -3450,35 +6541,93 @@
           </a:bodyPr>
           <a:lstStyle/>
           <a:p>
-            <a:pPr marL="342900" indent="-342900">
-              <a:buAutoNum type="arabicPeriod"/>
-            </a:pPr>
-            <a:endParaRPr lang="en-US" dirty="0"/>
-          </a:p>
-          <a:p>
-            <a:pPr marL="342900" indent="-342900">
-              <a:buAutoNum type="arabicPeriod"/>
-            </a:pPr>
-            <a:endParaRPr lang="en-US" dirty="0"/>
-          </a:p>
-          <a:p>
-            <a:pPr marL="342900" indent="-342900">
-              <a:buAutoNum type="arabicPeriod"/>
-            </a:pPr>
-            <a:endParaRPr lang="en-IN" dirty="0"/>
+            <a:r>
+              <a:rPr lang="en-IN" sz="1600" b="1" dirty="0" smtClean="0">
+                <a:latin typeface="Oxygen" panose="02000503000000000000" pitchFamily="2" charset="0"/>
+              </a:rPr>
+              <a:t>Overview of Complete Communication Process</a:t>
+            </a:r>
+            <a:endParaRPr lang="en-IN" sz="1600" b="1" dirty="0">
+              <a:latin typeface="Oxygen" panose="02000503000000000000" pitchFamily="2" charset="0"/>
+            </a:endParaRPr>
           </a:p>
         </p:txBody>
       </p:sp>
+      <p:sp>
+        <p:nvSpPr>
+          <p:cNvPr id="3" name="TextBox 2"/>
+          <p:cNvSpPr txBox="1"/>
+          <p:nvPr/>
+        </p:nvSpPr>
+        <p:spPr>
+          <a:xfrm>
+            <a:off x="4653439" y="549723"/>
+            <a:ext cx="2885122" cy="646331"/>
+          </a:xfrm>
+          <a:prstGeom prst="rect">
+            <a:avLst/>
+          </a:prstGeom>
+          <a:noFill/>
+        </p:spPr>
+        <p:txBody>
+          <a:bodyPr wrap="square" rtlCol="0">
+            <a:spAutoFit/>
+          </a:bodyPr>
+          <a:lstStyle/>
+          <a:p>
+            <a:r>
+              <a:rPr lang="en-US" sz="3600" b="1" dirty="0" smtClean="0">
+                <a:solidFill>
+                  <a:schemeClr val="accent1">
+                    <a:lumMod val="75000"/>
+                  </a:schemeClr>
+                </a:solidFill>
+                <a:latin typeface="Oxygen" panose="02000503000000000000" pitchFamily="2" charset="0"/>
+              </a:rPr>
+              <a:t>Introduction</a:t>
+            </a:r>
+          </a:p>
+        </p:txBody>
+      </p:sp>
+      <p:graphicFrame>
+        <p:nvGraphicFramePr>
+          <p:cNvPr id="5" name="Diagram 4"/>
+          <p:cNvGraphicFramePr/>
+          <p:nvPr>
+            <p:extLst>
+              <p:ext uri="{D42A27DB-BD31-4B8C-83A1-F6EECF244321}">
+                <p14:modId xmlns:p14="http://schemas.microsoft.com/office/powerpoint/2010/main" val="152555547"/>
+              </p:ext>
+            </p:extLst>
+          </p:nvPr>
+        </p:nvGraphicFramePr>
+        <p:xfrm>
+          <a:off x="3838334" y="1715691"/>
+          <a:ext cx="4515332" cy="3426618"/>
+        </p:xfrm>
+        <a:graphic>
+          <a:graphicData uri="http://schemas.openxmlformats.org/drawingml/2006/diagram">
+            <dgm:relIds xmlns:dgm="http://schemas.openxmlformats.org/drawingml/2006/diagram" xmlns:r="http://schemas.openxmlformats.org/officeDocument/2006/relationships" r:dm="rId3" r:lo="rId4" r:qs="rId5" r:cs="rId6"/>
+          </a:graphicData>
+        </a:graphic>
+      </p:graphicFrame>
     </p:spTree>
     <p:extLst>
       <p:ext uri="{BB962C8B-B14F-4D97-AF65-F5344CB8AC3E}">
-        <p14:creationId xmlns:p14="http://schemas.microsoft.com/office/powerpoint/2010/main" val="2964529504"/>
+        <p14:creationId xmlns:p14="http://schemas.microsoft.com/office/powerpoint/2010/main" val="1390813850"/>
       </p:ext>
     </p:extLst>
   </p:cSld>
   <p:clrMapOvr>
     <a:masterClrMapping/>
   </p:clrMapOvr>
+  <p:timing>
+    <p:tnLst>
+      <p:par>
+        <p:cTn id="1" dur="indefinite" restart="never" nodeType="tmRoot"/>
+      </p:par>
+    </p:tnLst>
+  </p:timing>
 </p:sld>
 </file>
 

--- a/Offline/BusinessManagement/Communications_Teach@anodiam/Communication.pptx
+++ b/Offline/BusinessManagement/Communications_Teach@anodiam/Communication.pptx
@@ -6,7 +6,9 @@
   </p:sldMasterIdLst>
   <p:sldIdLst>
     <p:sldId id="259" r:id="rId2"/>
-    <p:sldId id="260" r:id="rId3"/>
+    <p:sldId id="261" r:id="rId3"/>
+    <p:sldId id="262" r:id="rId4"/>
+    <p:sldId id="263" r:id="rId5"/>
   </p:sldIdLst>
   <p:sldSz cx="12192000" cy="6858000"/>
   <p:notesSz cx="6858000" cy="9144000"/>
@@ -113,2926 +115,6 @@
 </p:presentation>
 </file>
 
-<file path=ppt/diagrams/colors1.xml><?xml version="1.0" encoding="utf-8"?>
-<dgm:colorsDef xmlns:dgm="http://schemas.openxmlformats.org/drawingml/2006/diagram" xmlns:a="http://schemas.openxmlformats.org/drawingml/2006/main" uniqueId="urn:microsoft.com/office/officeart/2005/8/colors/accent1_2">
-  <dgm:title val=""/>
-  <dgm:desc val=""/>
-  <dgm:catLst>
-    <dgm:cat type="accent1" pri="11200"/>
-  </dgm:catLst>
-  <dgm:styleLbl name="node0">
-    <dgm:fillClrLst meth="repeat">
-      <a:schemeClr val="accent1"/>
-    </dgm:fillClrLst>
-    <dgm:linClrLst meth="repeat">
-      <a:schemeClr val="lt1"/>
-    </dgm:linClrLst>
-    <dgm:effectClrLst/>
-    <dgm:txLinClrLst/>
-    <dgm:txFillClrLst/>
-    <dgm:txEffectClrLst/>
-  </dgm:styleLbl>
-  <dgm:styleLbl name="alignNode1">
-    <dgm:fillClrLst meth="repeat">
-      <a:schemeClr val="accent1"/>
-    </dgm:fillClrLst>
-    <dgm:linClrLst meth="repeat">
-      <a:schemeClr val="accent1"/>
-    </dgm:linClrLst>
-    <dgm:effectClrLst/>
-    <dgm:txLinClrLst/>
-    <dgm:txFillClrLst/>
-    <dgm:txEffectClrLst/>
-  </dgm:styleLbl>
-  <dgm:styleLbl name="node1">
-    <dgm:fillClrLst meth="repeat">
-      <a:schemeClr val="accent1"/>
-    </dgm:fillClrLst>
-    <dgm:linClrLst meth="repeat">
-      <a:schemeClr val="lt1"/>
-    </dgm:linClrLst>
-    <dgm:effectClrLst/>
-    <dgm:txLinClrLst/>
-    <dgm:txFillClrLst/>
-    <dgm:txEffectClrLst/>
-  </dgm:styleLbl>
-  <dgm:styleLbl name="lnNode1">
-    <dgm:fillClrLst meth="repeat">
-      <a:schemeClr val="accent1"/>
-    </dgm:fillClrLst>
-    <dgm:linClrLst meth="repeat">
-      <a:schemeClr val="lt1"/>
-    </dgm:linClrLst>
-    <dgm:effectClrLst/>
-    <dgm:txLinClrLst/>
-    <dgm:txFillClrLst/>
-    <dgm:txEffectClrLst/>
-  </dgm:styleLbl>
-  <dgm:styleLbl name="vennNode1">
-    <dgm:fillClrLst meth="repeat">
-      <a:schemeClr val="accent1">
-        <a:alpha val="50000"/>
-      </a:schemeClr>
-    </dgm:fillClrLst>
-    <dgm:linClrLst meth="repeat">
-      <a:schemeClr val="lt1"/>
-    </dgm:linClrLst>
-    <dgm:effectClrLst/>
-    <dgm:txLinClrLst/>
-    <dgm:txFillClrLst/>
-    <dgm:txEffectClrLst/>
-  </dgm:styleLbl>
-  <dgm:styleLbl name="node2">
-    <dgm:fillClrLst meth="repeat">
-      <a:schemeClr val="accent1"/>
-    </dgm:fillClrLst>
-    <dgm:linClrLst meth="repeat">
-      <a:schemeClr val="lt1"/>
-    </dgm:linClrLst>
-    <dgm:effectClrLst/>
-    <dgm:txLinClrLst/>
-    <dgm:txFillClrLst/>
-    <dgm:txEffectClrLst/>
-  </dgm:styleLbl>
-  <dgm:styleLbl name="node3">
-    <dgm:fillClrLst meth="repeat">
-      <a:schemeClr val="accent1"/>
-    </dgm:fillClrLst>
-    <dgm:linClrLst meth="repeat">
-      <a:schemeClr val="lt1"/>
-    </dgm:linClrLst>
-    <dgm:effectClrLst/>
-    <dgm:txLinClrLst/>
-    <dgm:txFillClrLst/>
-    <dgm:txEffectClrLst/>
-  </dgm:styleLbl>
-  <dgm:styleLbl name="node4">
-    <dgm:fillClrLst meth="repeat">
-      <a:schemeClr val="accent1"/>
-    </dgm:fillClrLst>
-    <dgm:linClrLst meth="repeat">
-      <a:schemeClr val="lt1"/>
-    </dgm:linClrLst>
-    <dgm:effectClrLst/>
-    <dgm:txLinClrLst/>
-    <dgm:txFillClrLst/>
-    <dgm:txEffectClrLst/>
-  </dgm:styleLbl>
-  <dgm:styleLbl name="fgImgPlace1">
-    <dgm:fillClrLst meth="repeat">
-      <a:schemeClr val="accent1">
-        <a:tint val="50000"/>
-      </a:schemeClr>
-    </dgm:fillClrLst>
-    <dgm:linClrLst meth="repeat">
-      <a:schemeClr val="lt1"/>
-    </dgm:linClrLst>
-    <dgm:effectClrLst/>
-    <dgm:txLinClrLst/>
-    <dgm:txFillClrLst meth="repeat">
-      <a:schemeClr val="lt1"/>
-    </dgm:txFillClrLst>
-    <dgm:txEffectClrLst/>
-  </dgm:styleLbl>
-  <dgm:styleLbl name="alignImgPlace1">
-    <dgm:fillClrLst meth="repeat">
-      <a:schemeClr val="accent1">
-        <a:tint val="50000"/>
-      </a:schemeClr>
-    </dgm:fillClrLst>
-    <dgm:linClrLst meth="repeat">
-      <a:schemeClr val="lt1"/>
-    </dgm:linClrLst>
-    <dgm:effectClrLst/>
-    <dgm:txLinClrLst/>
-    <dgm:txFillClrLst meth="repeat">
-      <a:schemeClr val="lt1"/>
-    </dgm:txFillClrLst>
-    <dgm:txEffectClrLst/>
-  </dgm:styleLbl>
-  <dgm:styleLbl name="bgImgPlace1">
-    <dgm:fillClrLst meth="repeat">
-      <a:schemeClr val="accent1">
-        <a:tint val="50000"/>
-      </a:schemeClr>
-    </dgm:fillClrLst>
-    <dgm:linClrLst meth="repeat">
-      <a:schemeClr val="lt1"/>
-    </dgm:linClrLst>
-    <dgm:effectClrLst/>
-    <dgm:txLinClrLst/>
-    <dgm:txFillClrLst meth="repeat">
-      <a:schemeClr val="lt1"/>
-    </dgm:txFillClrLst>
-    <dgm:txEffectClrLst/>
-  </dgm:styleLbl>
-  <dgm:styleLbl name="sibTrans2D1">
-    <dgm:fillClrLst meth="repeat">
-      <a:schemeClr val="accent1">
-        <a:tint val="60000"/>
-      </a:schemeClr>
-    </dgm:fillClrLst>
-    <dgm:linClrLst meth="repeat">
-      <a:schemeClr val="accent1">
-        <a:tint val="60000"/>
-      </a:schemeClr>
-    </dgm:linClrLst>
-    <dgm:effectClrLst/>
-    <dgm:txLinClrLst/>
-    <dgm:txFillClrLst/>
-    <dgm:txEffectClrLst/>
-  </dgm:styleLbl>
-  <dgm:styleLbl name="fgSibTrans2D1">
-    <dgm:fillClrLst meth="repeat">
-      <a:schemeClr val="accent1">
-        <a:tint val="60000"/>
-      </a:schemeClr>
-    </dgm:fillClrLst>
-    <dgm:linClrLst meth="repeat">
-      <a:schemeClr val="accent1">
-        <a:tint val="60000"/>
-      </a:schemeClr>
-    </dgm:linClrLst>
-    <dgm:effectClrLst/>
-    <dgm:txLinClrLst/>
-    <dgm:txFillClrLst/>
-    <dgm:txEffectClrLst/>
-  </dgm:styleLbl>
-  <dgm:styleLbl name="bgSibTrans2D1">
-    <dgm:fillClrLst meth="repeat">
-      <a:schemeClr val="accent1">
-        <a:tint val="60000"/>
-      </a:schemeClr>
-    </dgm:fillClrLst>
-    <dgm:linClrLst meth="repeat">
-      <a:schemeClr val="accent1">
-        <a:tint val="60000"/>
-      </a:schemeClr>
-    </dgm:linClrLst>
-    <dgm:effectClrLst/>
-    <dgm:txLinClrLst/>
-    <dgm:txFillClrLst/>
-    <dgm:txEffectClrLst/>
-  </dgm:styleLbl>
-  <dgm:styleLbl name="sibTrans1D1">
-    <dgm:fillClrLst meth="repeat">
-      <a:schemeClr val="accent1"/>
-    </dgm:fillClrLst>
-    <dgm:linClrLst meth="repeat">
-      <a:schemeClr val="accent1"/>
-    </dgm:linClrLst>
-    <dgm:effectClrLst/>
-    <dgm:txLinClrLst/>
-    <dgm:txFillClrLst meth="repeat">
-      <a:schemeClr val="tx1"/>
-    </dgm:txFillClrLst>
-    <dgm:txEffectClrLst/>
-  </dgm:styleLbl>
-  <dgm:styleLbl name="callout">
-    <dgm:fillClrLst meth="repeat">
-      <a:schemeClr val="accent1"/>
-    </dgm:fillClrLst>
-    <dgm:linClrLst meth="repeat">
-      <a:schemeClr val="accent1">
-        <a:tint val="50000"/>
-      </a:schemeClr>
-    </dgm:linClrLst>
-    <dgm:effectClrLst/>
-    <dgm:txLinClrLst/>
-    <dgm:txFillClrLst meth="repeat">
-      <a:schemeClr val="tx1"/>
-    </dgm:txFillClrLst>
-    <dgm:txEffectClrLst/>
-  </dgm:styleLbl>
-  <dgm:styleLbl name="asst0">
-    <dgm:fillClrLst meth="repeat">
-      <a:schemeClr val="accent1"/>
-    </dgm:fillClrLst>
-    <dgm:linClrLst meth="repeat">
-      <a:schemeClr val="lt1"/>
-    </dgm:linClrLst>
-    <dgm:effectClrLst/>
-    <dgm:txLinClrLst/>
-    <dgm:txFillClrLst/>
-    <dgm:txEffectClrLst/>
-  </dgm:styleLbl>
-  <dgm:styleLbl name="asst1">
-    <dgm:fillClrLst meth="repeat">
-      <a:schemeClr val="accent1"/>
-    </dgm:fillClrLst>
-    <dgm:linClrLst meth="repeat">
-      <a:schemeClr val="lt1"/>
-    </dgm:linClrLst>
-    <dgm:effectClrLst/>
-    <dgm:txLinClrLst/>
-    <dgm:txFillClrLst/>
-    <dgm:txEffectClrLst/>
-  </dgm:styleLbl>
-  <dgm:styleLbl name="asst2">
-    <dgm:fillClrLst meth="repeat">
-      <a:schemeClr val="accent1"/>
-    </dgm:fillClrLst>
-    <dgm:linClrLst meth="repeat">
-      <a:schemeClr val="lt1"/>
-    </dgm:linClrLst>
-    <dgm:effectClrLst/>
-    <dgm:txLinClrLst/>
-    <dgm:txFillClrLst/>
-    <dgm:txEffectClrLst/>
-  </dgm:styleLbl>
-  <dgm:styleLbl name="asst3">
-    <dgm:fillClrLst meth="repeat">
-      <a:schemeClr val="accent1"/>
-    </dgm:fillClrLst>
-    <dgm:linClrLst meth="repeat">
-      <a:schemeClr val="lt1"/>
-    </dgm:linClrLst>
-    <dgm:effectClrLst/>
-    <dgm:txLinClrLst/>
-    <dgm:txFillClrLst/>
-    <dgm:txEffectClrLst/>
-  </dgm:styleLbl>
-  <dgm:styleLbl name="asst4">
-    <dgm:fillClrLst meth="repeat">
-      <a:schemeClr val="accent1"/>
-    </dgm:fillClrLst>
-    <dgm:linClrLst meth="repeat">
-      <a:schemeClr val="lt1"/>
-    </dgm:linClrLst>
-    <dgm:effectClrLst/>
-    <dgm:txLinClrLst/>
-    <dgm:txFillClrLst/>
-    <dgm:txEffectClrLst/>
-  </dgm:styleLbl>
-  <dgm:styleLbl name="parChTrans2D1">
-    <dgm:fillClrLst meth="repeat">
-      <a:schemeClr val="accent1">
-        <a:tint val="60000"/>
-      </a:schemeClr>
-    </dgm:fillClrLst>
-    <dgm:linClrLst meth="repeat">
-      <a:schemeClr val="accent1">
-        <a:tint val="60000"/>
-      </a:schemeClr>
-    </dgm:linClrLst>
-    <dgm:effectClrLst/>
-    <dgm:txLinClrLst/>
-    <dgm:txFillClrLst meth="repeat">
-      <a:schemeClr val="lt1"/>
-    </dgm:txFillClrLst>
-    <dgm:txEffectClrLst/>
-  </dgm:styleLbl>
-  <dgm:styleLbl name="parChTrans2D2">
-    <dgm:fillClrLst meth="repeat">
-      <a:schemeClr val="accent1"/>
-    </dgm:fillClrLst>
-    <dgm:linClrLst meth="repeat">
-      <a:schemeClr val="accent1"/>
-    </dgm:linClrLst>
-    <dgm:effectClrLst/>
-    <dgm:txLinClrLst/>
-    <dgm:txFillClrLst meth="repeat">
-      <a:schemeClr val="lt1"/>
-    </dgm:txFillClrLst>
-    <dgm:txEffectClrLst/>
-  </dgm:styleLbl>
-  <dgm:styleLbl name="parChTrans2D3">
-    <dgm:fillClrLst meth="repeat">
-      <a:schemeClr val="accent1"/>
-    </dgm:fillClrLst>
-    <dgm:linClrLst meth="repeat">
-      <a:schemeClr val="accent1"/>
-    </dgm:linClrLst>
-    <dgm:effectClrLst/>
-    <dgm:txLinClrLst/>
-    <dgm:txFillClrLst meth="repeat">
-      <a:schemeClr val="lt1"/>
-    </dgm:txFillClrLst>
-    <dgm:txEffectClrLst/>
-  </dgm:styleLbl>
-  <dgm:styleLbl name="parChTrans2D4">
-    <dgm:fillClrLst meth="repeat">
-      <a:schemeClr val="accent1"/>
-    </dgm:fillClrLst>
-    <dgm:linClrLst meth="repeat">
-      <a:schemeClr val="accent1"/>
-    </dgm:linClrLst>
-    <dgm:effectClrLst/>
-    <dgm:txLinClrLst/>
-    <dgm:txFillClrLst meth="repeat">
-      <a:schemeClr val="lt1"/>
-    </dgm:txFillClrLst>
-    <dgm:txEffectClrLst/>
-  </dgm:styleLbl>
-  <dgm:styleLbl name="parChTrans1D1">
-    <dgm:fillClrLst meth="repeat">
-      <a:schemeClr val="accent1"/>
-    </dgm:fillClrLst>
-    <dgm:linClrLst meth="repeat">
-      <a:schemeClr val="accent1">
-        <a:shade val="60000"/>
-      </a:schemeClr>
-    </dgm:linClrLst>
-    <dgm:effectClrLst/>
-    <dgm:txLinClrLst/>
-    <dgm:txFillClrLst meth="repeat">
-      <a:schemeClr val="tx1"/>
-    </dgm:txFillClrLst>
-    <dgm:txEffectClrLst/>
-  </dgm:styleLbl>
-  <dgm:styleLbl name="parChTrans1D2">
-    <dgm:fillClrLst meth="repeat">
-      <a:schemeClr val="accent1"/>
-    </dgm:fillClrLst>
-    <dgm:linClrLst meth="repeat">
-      <a:schemeClr val="accent1">
-        <a:shade val="60000"/>
-      </a:schemeClr>
-    </dgm:linClrLst>
-    <dgm:effectClrLst/>
-    <dgm:txLinClrLst/>
-    <dgm:txFillClrLst meth="repeat">
-      <a:schemeClr val="tx1"/>
-    </dgm:txFillClrLst>
-    <dgm:txEffectClrLst/>
-  </dgm:styleLbl>
-  <dgm:styleLbl name="parChTrans1D3">
-    <dgm:fillClrLst meth="repeat">
-      <a:schemeClr val="accent1"/>
-    </dgm:fillClrLst>
-    <dgm:linClrLst meth="repeat">
-      <a:schemeClr val="accent1">
-        <a:shade val="80000"/>
-      </a:schemeClr>
-    </dgm:linClrLst>
-    <dgm:effectClrLst/>
-    <dgm:txLinClrLst/>
-    <dgm:txFillClrLst meth="repeat">
-      <a:schemeClr val="tx1"/>
-    </dgm:txFillClrLst>
-    <dgm:txEffectClrLst/>
-  </dgm:styleLbl>
-  <dgm:styleLbl name="parChTrans1D4">
-    <dgm:fillClrLst meth="repeat">
-      <a:schemeClr val="accent1"/>
-    </dgm:fillClrLst>
-    <dgm:linClrLst meth="repeat">
-      <a:schemeClr val="accent1">
-        <a:shade val="80000"/>
-      </a:schemeClr>
-    </dgm:linClrLst>
-    <dgm:effectClrLst/>
-    <dgm:txLinClrLst/>
-    <dgm:txFillClrLst meth="repeat">
-      <a:schemeClr val="tx1"/>
-    </dgm:txFillClrLst>
-    <dgm:txEffectClrLst/>
-  </dgm:styleLbl>
-  <dgm:styleLbl name="fgAcc1">
-    <dgm:fillClrLst meth="repeat">
-      <a:schemeClr val="lt1">
-        <a:alpha val="90000"/>
-      </a:schemeClr>
-    </dgm:fillClrLst>
-    <dgm:linClrLst meth="repeat">
-      <a:schemeClr val="accent1"/>
-    </dgm:linClrLst>
-    <dgm:effectClrLst/>
-    <dgm:txLinClrLst/>
-    <dgm:txFillClrLst meth="repeat">
-      <a:schemeClr val="dk1"/>
-    </dgm:txFillClrLst>
-    <dgm:txEffectClrLst/>
-  </dgm:styleLbl>
-  <dgm:styleLbl name="conFgAcc1">
-    <dgm:fillClrLst meth="repeat">
-      <a:schemeClr val="lt1">
-        <a:alpha val="90000"/>
-      </a:schemeClr>
-    </dgm:fillClrLst>
-    <dgm:linClrLst meth="repeat">
-      <a:schemeClr val="accent1"/>
-    </dgm:linClrLst>
-    <dgm:effectClrLst/>
-    <dgm:txLinClrLst/>
-    <dgm:txFillClrLst meth="repeat">
-      <a:schemeClr val="dk1"/>
-    </dgm:txFillClrLst>
-    <dgm:txEffectClrLst/>
-  </dgm:styleLbl>
-  <dgm:styleLbl name="alignAcc1">
-    <dgm:fillClrLst meth="repeat">
-      <a:schemeClr val="lt1">
-        <a:alpha val="90000"/>
-      </a:schemeClr>
-    </dgm:fillClrLst>
-    <dgm:linClrLst meth="repeat">
-      <a:schemeClr val="accent1"/>
-    </dgm:linClrLst>
-    <dgm:effectClrLst/>
-    <dgm:txLinClrLst/>
-    <dgm:txFillClrLst meth="repeat">
-      <a:schemeClr val="dk1"/>
-    </dgm:txFillClrLst>
-    <dgm:txEffectClrLst/>
-  </dgm:styleLbl>
-  <dgm:styleLbl name="trAlignAcc1">
-    <dgm:fillClrLst meth="repeat">
-      <a:schemeClr val="lt1">
-        <a:alpha val="40000"/>
-      </a:schemeClr>
-    </dgm:fillClrLst>
-    <dgm:linClrLst meth="repeat">
-      <a:schemeClr val="accent1"/>
-    </dgm:linClrLst>
-    <dgm:effectClrLst/>
-    <dgm:txLinClrLst/>
-    <dgm:txFillClrLst meth="repeat">
-      <a:schemeClr val="dk1"/>
-    </dgm:txFillClrLst>
-    <dgm:txEffectClrLst/>
-  </dgm:styleLbl>
-  <dgm:styleLbl name="bgAcc1">
-    <dgm:fillClrLst meth="repeat">
-      <a:schemeClr val="lt1">
-        <a:alpha val="90000"/>
-      </a:schemeClr>
-    </dgm:fillClrLst>
-    <dgm:linClrLst meth="repeat">
-      <a:schemeClr val="accent1"/>
-    </dgm:linClrLst>
-    <dgm:effectClrLst/>
-    <dgm:txLinClrLst/>
-    <dgm:txFillClrLst meth="repeat">
-      <a:schemeClr val="dk1"/>
-    </dgm:txFillClrLst>
-    <dgm:txEffectClrLst/>
-  </dgm:styleLbl>
-  <dgm:styleLbl name="solidFgAcc1">
-    <dgm:fillClrLst meth="repeat">
-      <a:schemeClr val="lt1"/>
-    </dgm:fillClrLst>
-    <dgm:linClrLst meth="repeat">
-      <a:schemeClr val="accent1"/>
-    </dgm:linClrLst>
-    <dgm:effectClrLst/>
-    <dgm:txLinClrLst/>
-    <dgm:txFillClrLst meth="repeat">
-      <a:schemeClr val="dk1"/>
-    </dgm:txFillClrLst>
-    <dgm:txEffectClrLst/>
-  </dgm:styleLbl>
-  <dgm:styleLbl name="solidAlignAcc1">
-    <dgm:fillClrLst meth="repeat">
-      <a:schemeClr val="lt1"/>
-    </dgm:fillClrLst>
-    <dgm:linClrLst meth="repeat">
-      <a:schemeClr val="accent1"/>
-    </dgm:linClrLst>
-    <dgm:effectClrLst/>
-    <dgm:txLinClrLst/>
-    <dgm:txFillClrLst meth="repeat">
-      <a:schemeClr val="dk1"/>
-    </dgm:txFillClrLst>
-    <dgm:txEffectClrLst/>
-  </dgm:styleLbl>
-  <dgm:styleLbl name="solidBgAcc1">
-    <dgm:fillClrLst meth="repeat">
-      <a:schemeClr val="lt1"/>
-    </dgm:fillClrLst>
-    <dgm:linClrLst meth="repeat">
-      <a:schemeClr val="accent1"/>
-    </dgm:linClrLst>
-    <dgm:effectClrLst/>
-    <dgm:txLinClrLst/>
-    <dgm:txFillClrLst meth="repeat">
-      <a:schemeClr val="dk1"/>
-    </dgm:txFillClrLst>
-    <dgm:txEffectClrLst/>
-  </dgm:styleLbl>
-  <dgm:styleLbl name="fgAccFollowNode1">
-    <dgm:fillClrLst meth="repeat">
-      <a:schemeClr val="accent1">
-        <a:alpha val="90000"/>
-        <a:tint val="40000"/>
-      </a:schemeClr>
-    </dgm:fillClrLst>
-    <dgm:linClrLst meth="repeat">
-      <a:schemeClr val="accent1">
-        <a:alpha val="90000"/>
-        <a:tint val="40000"/>
-      </a:schemeClr>
-    </dgm:linClrLst>
-    <dgm:effectClrLst/>
-    <dgm:txLinClrLst/>
-    <dgm:txFillClrLst meth="repeat">
-      <a:schemeClr val="dk1"/>
-    </dgm:txFillClrLst>
-    <dgm:txEffectClrLst/>
-  </dgm:styleLbl>
-  <dgm:styleLbl name="alignAccFollowNode1">
-    <dgm:fillClrLst meth="repeat">
-      <a:schemeClr val="accent1">
-        <a:alpha val="90000"/>
-        <a:tint val="40000"/>
-      </a:schemeClr>
-    </dgm:fillClrLst>
-    <dgm:linClrLst meth="repeat">
-      <a:schemeClr val="accent1">
-        <a:alpha val="90000"/>
-        <a:tint val="40000"/>
-      </a:schemeClr>
-    </dgm:linClrLst>
-    <dgm:effectClrLst/>
-    <dgm:txLinClrLst/>
-    <dgm:txFillClrLst meth="repeat">
-      <a:schemeClr val="dk1"/>
-    </dgm:txFillClrLst>
-    <dgm:txEffectClrLst/>
-  </dgm:styleLbl>
-  <dgm:styleLbl name="bgAccFollowNode1">
-    <dgm:fillClrLst meth="repeat">
-      <a:schemeClr val="accent1">
-        <a:alpha val="90000"/>
-        <a:tint val="40000"/>
-      </a:schemeClr>
-    </dgm:fillClrLst>
-    <dgm:linClrLst meth="repeat">
-      <a:schemeClr val="accent1">
-        <a:alpha val="90000"/>
-        <a:tint val="40000"/>
-      </a:schemeClr>
-    </dgm:linClrLst>
-    <dgm:effectClrLst/>
-    <dgm:txLinClrLst/>
-    <dgm:txFillClrLst meth="repeat">
-      <a:schemeClr val="dk1"/>
-    </dgm:txFillClrLst>
-    <dgm:txEffectClrLst/>
-  </dgm:styleLbl>
-  <dgm:styleLbl name="fgAcc0">
-    <dgm:fillClrLst meth="repeat">
-      <a:schemeClr val="lt1">
-        <a:alpha val="90000"/>
-      </a:schemeClr>
-    </dgm:fillClrLst>
-    <dgm:linClrLst meth="repeat">
-      <a:schemeClr val="accent1"/>
-    </dgm:linClrLst>
-    <dgm:effectClrLst/>
-    <dgm:txLinClrLst/>
-    <dgm:txFillClrLst meth="repeat">
-      <a:schemeClr val="dk1"/>
-    </dgm:txFillClrLst>
-    <dgm:txEffectClrLst/>
-  </dgm:styleLbl>
-  <dgm:styleLbl name="fgAcc2">
-    <dgm:fillClrLst meth="repeat">
-      <a:schemeClr val="lt1">
-        <a:alpha val="90000"/>
-      </a:schemeClr>
-    </dgm:fillClrLst>
-    <dgm:linClrLst meth="repeat">
-      <a:schemeClr val="accent1"/>
-    </dgm:linClrLst>
-    <dgm:effectClrLst/>
-    <dgm:txLinClrLst/>
-    <dgm:txFillClrLst meth="repeat">
-      <a:schemeClr val="dk1"/>
-    </dgm:txFillClrLst>
-    <dgm:txEffectClrLst/>
-  </dgm:styleLbl>
-  <dgm:styleLbl name="fgAcc3">
-    <dgm:fillClrLst meth="repeat">
-      <a:schemeClr val="lt1">
-        <a:alpha val="90000"/>
-      </a:schemeClr>
-    </dgm:fillClrLst>
-    <dgm:linClrLst meth="repeat">
-      <a:schemeClr val="accent1"/>
-    </dgm:linClrLst>
-    <dgm:effectClrLst/>
-    <dgm:txLinClrLst/>
-    <dgm:txFillClrLst meth="repeat">
-      <a:schemeClr val="dk1"/>
-    </dgm:txFillClrLst>
-    <dgm:txEffectClrLst/>
-  </dgm:styleLbl>
-  <dgm:styleLbl name="fgAcc4">
-    <dgm:fillClrLst meth="repeat">
-      <a:schemeClr val="lt1">
-        <a:alpha val="90000"/>
-      </a:schemeClr>
-    </dgm:fillClrLst>
-    <dgm:linClrLst meth="repeat">
-      <a:schemeClr val="accent1"/>
-    </dgm:linClrLst>
-    <dgm:effectClrLst/>
-    <dgm:txLinClrLst/>
-    <dgm:txFillClrLst meth="repeat">
-      <a:schemeClr val="dk1"/>
-    </dgm:txFillClrLst>
-    <dgm:txEffectClrLst/>
-  </dgm:styleLbl>
-  <dgm:styleLbl name="bgShp">
-    <dgm:fillClrLst meth="repeat">
-      <a:schemeClr val="accent1">
-        <a:tint val="40000"/>
-      </a:schemeClr>
-    </dgm:fillClrLst>
-    <dgm:linClrLst meth="repeat">
-      <a:schemeClr val="accent1"/>
-    </dgm:linClrLst>
-    <dgm:effectClrLst/>
-    <dgm:txLinClrLst/>
-    <dgm:txFillClrLst meth="repeat">
-      <a:schemeClr val="dk1"/>
-    </dgm:txFillClrLst>
-    <dgm:txEffectClrLst/>
-  </dgm:styleLbl>
-  <dgm:styleLbl name="dkBgShp">
-    <dgm:fillClrLst meth="repeat">
-      <a:schemeClr val="accent1">
-        <a:shade val="80000"/>
-      </a:schemeClr>
-    </dgm:fillClrLst>
-    <dgm:linClrLst meth="repeat">
-      <a:schemeClr val="accent1"/>
-    </dgm:linClrLst>
-    <dgm:effectClrLst/>
-    <dgm:txLinClrLst/>
-    <dgm:txFillClrLst meth="repeat">
-      <a:schemeClr val="lt1"/>
-    </dgm:txFillClrLst>
-    <dgm:txEffectClrLst/>
-  </dgm:styleLbl>
-  <dgm:styleLbl name="trBgShp">
-    <dgm:fillClrLst meth="repeat">
-      <a:schemeClr val="accent1">
-        <a:tint val="50000"/>
-        <a:alpha val="40000"/>
-      </a:schemeClr>
-    </dgm:fillClrLst>
-    <dgm:linClrLst meth="repeat">
-      <a:schemeClr val="accent1"/>
-    </dgm:linClrLst>
-    <dgm:effectClrLst/>
-    <dgm:txLinClrLst/>
-    <dgm:txFillClrLst meth="repeat">
-      <a:schemeClr val="lt1"/>
-    </dgm:txFillClrLst>
-    <dgm:txEffectClrLst/>
-  </dgm:styleLbl>
-  <dgm:styleLbl name="fgShp">
-    <dgm:fillClrLst meth="repeat">
-      <a:schemeClr val="accent1">
-        <a:tint val="60000"/>
-      </a:schemeClr>
-    </dgm:fillClrLst>
-    <dgm:linClrLst meth="repeat">
-      <a:schemeClr val="lt1"/>
-    </dgm:linClrLst>
-    <dgm:effectClrLst/>
-    <dgm:txLinClrLst/>
-    <dgm:txFillClrLst meth="repeat">
-      <a:schemeClr val="dk1"/>
-    </dgm:txFillClrLst>
-    <dgm:txEffectClrLst/>
-  </dgm:styleLbl>
-  <dgm:styleLbl name="revTx">
-    <dgm:fillClrLst meth="repeat">
-      <a:schemeClr val="lt1">
-        <a:alpha val="0"/>
-      </a:schemeClr>
-    </dgm:fillClrLst>
-    <dgm:linClrLst meth="repeat">
-      <a:schemeClr val="dk1">
-        <a:alpha val="0"/>
-      </a:schemeClr>
-    </dgm:linClrLst>
-    <dgm:effectClrLst/>
-    <dgm:txLinClrLst/>
-    <dgm:txFillClrLst meth="repeat">
-      <a:schemeClr val="tx1"/>
-    </dgm:txFillClrLst>
-    <dgm:txEffectClrLst/>
-  </dgm:styleLbl>
-</dgm:colorsDef>
-</file>
-
-<file path=ppt/diagrams/data1.xml><?xml version="1.0" encoding="utf-8"?>
-<dgm:dataModel xmlns:dgm="http://schemas.openxmlformats.org/drawingml/2006/diagram" xmlns:a="http://schemas.openxmlformats.org/drawingml/2006/main">
-  <dgm:ptLst>
-    <dgm:pt modelId="{5B777F57-44AB-44F8-B180-CEE819D5738C}" type="doc">
-      <dgm:prSet loTypeId="urn:microsoft.com/office/officeart/2005/8/layout/cycle3" loCatId="cycle" qsTypeId="urn:microsoft.com/office/officeart/2005/8/quickstyle/simple1" qsCatId="simple" csTypeId="urn:microsoft.com/office/officeart/2005/8/colors/accent1_2" csCatId="accent1" phldr="1"/>
-      <dgm:spPr/>
-      <dgm:t>
-        <a:bodyPr/>
-        <a:lstStyle/>
-        <a:p>
-          <a:endParaRPr lang="en-AU"/>
-        </a:p>
-      </dgm:t>
-    </dgm:pt>
-    <dgm:pt modelId="{CB50FC21-0C0F-4480-94AC-C9F9513E52DE}">
-      <dgm:prSet phldrT="[Text]"/>
-      <dgm:spPr/>
-      <dgm:t>
-        <a:bodyPr/>
-        <a:lstStyle/>
-        <a:p>
-          <a:r>
-            <a:rPr lang="en-US" dirty="0" smtClean="0"/>
-            <a:t>SENDER</a:t>
-          </a:r>
-          <a:endParaRPr lang="en-AU" dirty="0"/>
-        </a:p>
-      </dgm:t>
-    </dgm:pt>
-    <dgm:pt modelId="{679564CD-E171-4F48-B407-9B6FAEE3D340}" type="parTrans" cxnId="{6B73E4AE-E16E-4883-9D79-FBD479A2F0C0}">
-      <dgm:prSet/>
-      <dgm:spPr/>
-      <dgm:t>
-        <a:bodyPr/>
-        <a:lstStyle/>
-        <a:p>
-          <a:endParaRPr lang="en-AU"/>
-        </a:p>
-      </dgm:t>
-    </dgm:pt>
-    <dgm:pt modelId="{5EC9AF41-4185-437C-A30C-977646505C2A}" type="sibTrans" cxnId="{6B73E4AE-E16E-4883-9D79-FBD479A2F0C0}">
-      <dgm:prSet/>
-      <dgm:spPr/>
-      <dgm:t>
-        <a:bodyPr/>
-        <a:lstStyle/>
-        <a:p>
-          <a:endParaRPr lang="en-AU"/>
-        </a:p>
-      </dgm:t>
-    </dgm:pt>
-    <dgm:pt modelId="{95765543-512E-44C5-9831-A24522658240}">
-      <dgm:prSet phldrT="[Text]"/>
-      <dgm:spPr/>
-      <dgm:t>
-        <a:bodyPr/>
-        <a:lstStyle/>
-        <a:p>
-          <a:r>
-            <a:rPr lang="en-US" dirty="0" smtClean="0"/>
-            <a:t>CHANNEL</a:t>
-          </a:r>
-          <a:endParaRPr lang="en-AU" dirty="0"/>
-        </a:p>
-      </dgm:t>
-    </dgm:pt>
-    <dgm:pt modelId="{93A00EEA-3EE8-4C2B-BE75-B367161543A9}" type="parTrans" cxnId="{EE1D86EF-AEB3-4CBC-B27D-37BFF4D521F1}">
-      <dgm:prSet/>
-      <dgm:spPr/>
-      <dgm:t>
-        <a:bodyPr/>
-        <a:lstStyle/>
-        <a:p>
-          <a:endParaRPr lang="en-AU"/>
-        </a:p>
-      </dgm:t>
-    </dgm:pt>
-    <dgm:pt modelId="{BF9227C7-AFDC-4DE2-84CD-9367220F5CFF}" type="sibTrans" cxnId="{EE1D86EF-AEB3-4CBC-B27D-37BFF4D521F1}">
-      <dgm:prSet/>
-      <dgm:spPr/>
-      <dgm:t>
-        <a:bodyPr/>
-        <a:lstStyle/>
-        <a:p>
-          <a:endParaRPr lang="en-AU"/>
-        </a:p>
-      </dgm:t>
-    </dgm:pt>
-    <dgm:pt modelId="{1A7F643E-6B72-46B2-AFE8-6F8765E25A05}">
-      <dgm:prSet phldrT="[Text]"/>
-      <dgm:spPr/>
-      <dgm:t>
-        <a:bodyPr/>
-        <a:lstStyle/>
-        <a:p>
-          <a:r>
-            <a:rPr lang="en-US" dirty="0" smtClean="0"/>
-            <a:t>MEDIUM</a:t>
-          </a:r>
-          <a:endParaRPr lang="en-AU" dirty="0"/>
-        </a:p>
-      </dgm:t>
-    </dgm:pt>
-    <dgm:pt modelId="{F9F74F41-58D8-44B9-A5FC-01A681D35D0F}" type="parTrans" cxnId="{73BEB4DA-F42D-4E7E-93AF-AA0E35DA261C}">
-      <dgm:prSet/>
-      <dgm:spPr/>
-      <dgm:t>
-        <a:bodyPr/>
-        <a:lstStyle/>
-        <a:p>
-          <a:endParaRPr lang="en-AU"/>
-        </a:p>
-      </dgm:t>
-    </dgm:pt>
-    <dgm:pt modelId="{12986705-8F5D-4486-8685-64E335DFE911}" type="sibTrans" cxnId="{73BEB4DA-F42D-4E7E-93AF-AA0E35DA261C}">
-      <dgm:prSet/>
-      <dgm:spPr/>
-      <dgm:t>
-        <a:bodyPr/>
-        <a:lstStyle/>
-        <a:p>
-          <a:endParaRPr lang="en-AU"/>
-        </a:p>
-      </dgm:t>
-    </dgm:pt>
-    <dgm:pt modelId="{5DD4D300-4175-4769-81C3-68B629D535F8}">
-      <dgm:prSet phldrT="[Text]"/>
-      <dgm:spPr/>
-      <dgm:t>
-        <a:bodyPr/>
-        <a:lstStyle/>
-        <a:p>
-          <a:r>
-            <a:rPr lang="en-US" dirty="0" smtClean="0"/>
-            <a:t>RECEIVER</a:t>
-          </a:r>
-          <a:endParaRPr lang="en-AU" dirty="0"/>
-        </a:p>
-      </dgm:t>
-    </dgm:pt>
-    <dgm:pt modelId="{6FCDCC82-5A4E-4A70-B0BA-8BF0B02CD088}" type="parTrans" cxnId="{D3EB2537-EFD8-4E81-A333-49FA6C71B81A}">
-      <dgm:prSet/>
-      <dgm:spPr/>
-      <dgm:t>
-        <a:bodyPr/>
-        <a:lstStyle/>
-        <a:p>
-          <a:endParaRPr lang="en-AU"/>
-        </a:p>
-      </dgm:t>
-    </dgm:pt>
-    <dgm:pt modelId="{26A2B795-5B01-4D4C-AFB4-0B6534474016}" type="sibTrans" cxnId="{D3EB2537-EFD8-4E81-A333-49FA6C71B81A}">
-      <dgm:prSet/>
-      <dgm:spPr/>
-      <dgm:t>
-        <a:bodyPr/>
-        <a:lstStyle/>
-        <a:p>
-          <a:endParaRPr lang="en-AU"/>
-        </a:p>
-      </dgm:t>
-    </dgm:pt>
-    <dgm:pt modelId="{8F468D4E-20EC-4953-8CCA-A2B58E0F760B}">
-      <dgm:prSet phldrT="[Text]"/>
-      <dgm:spPr/>
-      <dgm:t>
-        <a:bodyPr/>
-        <a:lstStyle/>
-        <a:p>
-          <a:r>
-            <a:rPr lang="en-US" dirty="0" smtClean="0"/>
-            <a:t>ACKNWOLEDGED</a:t>
-          </a:r>
-          <a:endParaRPr lang="en-AU" dirty="0"/>
-        </a:p>
-      </dgm:t>
-    </dgm:pt>
-    <dgm:pt modelId="{37C105E6-4059-4E92-AC8A-FC80F9C115D1}" type="parTrans" cxnId="{4A0DA415-5A06-4E1D-8B5F-BE755D047654}">
-      <dgm:prSet/>
-      <dgm:spPr/>
-      <dgm:t>
-        <a:bodyPr/>
-        <a:lstStyle/>
-        <a:p>
-          <a:endParaRPr lang="en-AU"/>
-        </a:p>
-      </dgm:t>
-    </dgm:pt>
-    <dgm:pt modelId="{CE0C4213-843C-4CE7-A107-6C49BFF5EF48}" type="sibTrans" cxnId="{4A0DA415-5A06-4E1D-8B5F-BE755D047654}">
-      <dgm:prSet/>
-      <dgm:spPr/>
-      <dgm:t>
-        <a:bodyPr/>
-        <a:lstStyle/>
-        <a:p>
-          <a:endParaRPr lang="en-AU"/>
-        </a:p>
-      </dgm:t>
-    </dgm:pt>
-    <dgm:pt modelId="{3023359B-744F-4A1B-9DBE-E6A30B0D667F}" type="pres">
-      <dgm:prSet presAssocID="{5B777F57-44AB-44F8-B180-CEE819D5738C}" presName="Name0" presStyleCnt="0">
-        <dgm:presLayoutVars>
-          <dgm:dir/>
-          <dgm:resizeHandles val="exact"/>
-        </dgm:presLayoutVars>
-      </dgm:prSet>
-      <dgm:spPr/>
-    </dgm:pt>
-    <dgm:pt modelId="{19F79717-A834-4335-8486-2AEE0A0D8328}" type="pres">
-      <dgm:prSet presAssocID="{5B777F57-44AB-44F8-B180-CEE819D5738C}" presName="cycle" presStyleCnt="0"/>
-      <dgm:spPr/>
-    </dgm:pt>
-    <dgm:pt modelId="{DD7B62D5-DA94-4E4E-94ED-7BA973C81F2B}" type="pres">
-      <dgm:prSet presAssocID="{CB50FC21-0C0F-4480-94AC-C9F9513E52DE}" presName="nodeFirstNode" presStyleLbl="node1" presStyleIdx="0" presStyleCnt="5">
-        <dgm:presLayoutVars>
-          <dgm:bulletEnabled val="1"/>
-        </dgm:presLayoutVars>
-      </dgm:prSet>
-      <dgm:spPr/>
-    </dgm:pt>
-    <dgm:pt modelId="{B2AD67C9-BC2E-4484-9CE2-9DE619487466}" type="pres">
-      <dgm:prSet presAssocID="{5EC9AF41-4185-437C-A30C-977646505C2A}" presName="sibTransFirstNode" presStyleLbl="bgShp" presStyleIdx="0" presStyleCnt="1"/>
-      <dgm:spPr/>
-    </dgm:pt>
-    <dgm:pt modelId="{B37BBCDA-9D11-4AA4-8F42-0EE144B979C2}" type="pres">
-      <dgm:prSet presAssocID="{95765543-512E-44C5-9831-A24522658240}" presName="nodeFollowingNodes" presStyleLbl="node1" presStyleIdx="1" presStyleCnt="5">
-        <dgm:presLayoutVars>
-          <dgm:bulletEnabled val="1"/>
-        </dgm:presLayoutVars>
-      </dgm:prSet>
-      <dgm:spPr/>
-    </dgm:pt>
-    <dgm:pt modelId="{51A60BB5-CEE4-483F-BF50-B2A45171C862}" type="pres">
-      <dgm:prSet presAssocID="{1A7F643E-6B72-46B2-AFE8-6F8765E25A05}" presName="nodeFollowingNodes" presStyleLbl="node1" presStyleIdx="2" presStyleCnt="5">
-        <dgm:presLayoutVars>
-          <dgm:bulletEnabled val="1"/>
-        </dgm:presLayoutVars>
-      </dgm:prSet>
-      <dgm:spPr/>
-    </dgm:pt>
-    <dgm:pt modelId="{751F1DC2-CFBF-469E-9625-5B343DB1B45A}" type="pres">
-      <dgm:prSet presAssocID="{5DD4D300-4175-4769-81C3-68B629D535F8}" presName="nodeFollowingNodes" presStyleLbl="node1" presStyleIdx="3" presStyleCnt="5">
-        <dgm:presLayoutVars>
-          <dgm:bulletEnabled val="1"/>
-        </dgm:presLayoutVars>
-      </dgm:prSet>
-      <dgm:spPr/>
-    </dgm:pt>
-    <dgm:pt modelId="{E2B622E2-1595-4D2A-AD3C-B0FC6A7F5099}" type="pres">
-      <dgm:prSet presAssocID="{8F468D4E-20EC-4953-8CCA-A2B58E0F760B}" presName="nodeFollowingNodes" presStyleLbl="node1" presStyleIdx="4" presStyleCnt="5">
-        <dgm:presLayoutVars>
-          <dgm:bulletEnabled val="1"/>
-        </dgm:presLayoutVars>
-      </dgm:prSet>
-      <dgm:spPr/>
-    </dgm:pt>
-  </dgm:ptLst>
-  <dgm:cxnLst>
-    <dgm:cxn modelId="{EE1D86EF-AEB3-4CBC-B27D-37BFF4D521F1}" srcId="{5B777F57-44AB-44F8-B180-CEE819D5738C}" destId="{95765543-512E-44C5-9831-A24522658240}" srcOrd="1" destOrd="0" parTransId="{93A00EEA-3EE8-4C2B-BE75-B367161543A9}" sibTransId="{BF9227C7-AFDC-4DE2-84CD-9367220F5CFF}"/>
-    <dgm:cxn modelId="{4A0DA415-5A06-4E1D-8B5F-BE755D047654}" srcId="{5B777F57-44AB-44F8-B180-CEE819D5738C}" destId="{8F468D4E-20EC-4953-8CCA-A2B58E0F760B}" srcOrd="4" destOrd="0" parTransId="{37C105E6-4059-4E92-AC8A-FC80F9C115D1}" sibTransId="{CE0C4213-843C-4CE7-A107-6C49BFF5EF48}"/>
-    <dgm:cxn modelId="{6B73E4AE-E16E-4883-9D79-FBD479A2F0C0}" srcId="{5B777F57-44AB-44F8-B180-CEE819D5738C}" destId="{CB50FC21-0C0F-4480-94AC-C9F9513E52DE}" srcOrd="0" destOrd="0" parTransId="{679564CD-E171-4F48-B407-9B6FAEE3D340}" sibTransId="{5EC9AF41-4185-437C-A30C-977646505C2A}"/>
-    <dgm:cxn modelId="{E2AF6C09-C4B0-435F-97F9-C7606B002B08}" type="presOf" srcId="{95765543-512E-44C5-9831-A24522658240}" destId="{B37BBCDA-9D11-4AA4-8F42-0EE144B979C2}" srcOrd="0" destOrd="0" presId="urn:microsoft.com/office/officeart/2005/8/layout/cycle3"/>
-    <dgm:cxn modelId="{73BEB4DA-F42D-4E7E-93AF-AA0E35DA261C}" srcId="{5B777F57-44AB-44F8-B180-CEE819D5738C}" destId="{1A7F643E-6B72-46B2-AFE8-6F8765E25A05}" srcOrd="2" destOrd="0" parTransId="{F9F74F41-58D8-44B9-A5FC-01A681D35D0F}" sibTransId="{12986705-8F5D-4486-8685-64E335DFE911}"/>
-    <dgm:cxn modelId="{3D91EBD2-E23B-4A6E-8406-3089A4285AAF}" type="presOf" srcId="{1A7F643E-6B72-46B2-AFE8-6F8765E25A05}" destId="{51A60BB5-CEE4-483F-BF50-B2A45171C862}" srcOrd="0" destOrd="0" presId="urn:microsoft.com/office/officeart/2005/8/layout/cycle3"/>
-    <dgm:cxn modelId="{D3EB2537-EFD8-4E81-A333-49FA6C71B81A}" srcId="{5B777F57-44AB-44F8-B180-CEE819D5738C}" destId="{5DD4D300-4175-4769-81C3-68B629D535F8}" srcOrd="3" destOrd="0" parTransId="{6FCDCC82-5A4E-4A70-B0BA-8BF0B02CD088}" sibTransId="{26A2B795-5B01-4D4C-AFB4-0B6534474016}"/>
-    <dgm:cxn modelId="{0ECB5C8B-8F80-4383-AAB9-D285CB5F5245}" type="presOf" srcId="{5B777F57-44AB-44F8-B180-CEE819D5738C}" destId="{3023359B-744F-4A1B-9DBE-E6A30B0D667F}" srcOrd="0" destOrd="0" presId="urn:microsoft.com/office/officeart/2005/8/layout/cycle3"/>
-    <dgm:cxn modelId="{DF80FE53-7346-4925-BA99-C32DE37D03B6}" type="presOf" srcId="{CB50FC21-0C0F-4480-94AC-C9F9513E52DE}" destId="{DD7B62D5-DA94-4E4E-94ED-7BA973C81F2B}" srcOrd="0" destOrd="0" presId="urn:microsoft.com/office/officeart/2005/8/layout/cycle3"/>
-    <dgm:cxn modelId="{117998F3-6175-4F03-80E1-DB66C3EB388A}" type="presOf" srcId="{8F468D4E-20EC-4953-8CCA-A2B58E0F760B}" destId="{E2B622E2-1595-4D2A-AD3C-B0FC6A7F5099}" srcOrd="0" destOrd="0" presId="urn:microsoft.com/office/officeart/2005/8/layout/cycle3"/>
-    <dgm:cxn modelId="{A70DDEC9-037E-4FFF-AEC7-91DD592DF8B5}" type="presOf" srcId="{5DD4D300-4175-4769-81C3-68B629D535F8}" destId="{751F1DC2-CFBF-469E-9625-5B343DB1B45A}" srcOrd="0" destOrd="0" presId="urn:microsoft.com/office/officeart/2005/8/layout/cycle3"/>
-    <dgm:cxn modelId="{D026220A-8EBC-4478-8D9D-743EA365E004}" type="presOf" srcId="{5EC9AF41-4185-437C-A30C-977646505C2A}" destId="{B2AD67C9-BC2E-4484-9CE2-9DE619487466}" srcOrd="0" destOrd="0" presId="urn:microsoft.com/office/officeart/2005/8/layout/cycle3"/>
-    <dgm:cxn modelId="{E39B91CF-E796-4D48-A61B-7FC1A14DFB40}" type="presParOf" srcId="{3023359B-744F-4A1B-9DBE-E6A30B0D667F}" destId="{19F79717-A834-4335-8486-2AEE0A0D8328}" srcOrd="0" destOrd="0" presId="urn:microsoft.com/office/officeart/2005/8/layout/cycle3"/>
-    <dgm:cxn modelId="{0560007A-E88A-4CCA-AE85-AF1F2F90D044}" type="presParOf" srcId="{19F79717-A834-4335-8486-2AEE0A0D8328}" destId="{DD7B62D5-DA94-4E4E-94ED-7BA973C81F2B}" srcOrd="0" destOrd="0" presId="urn:microsoft.com/office/officeart/2005/8/layout/cycle3"/>
-    <dgm:cxn modelId="{AACFC9DC-5C28-455A-963E-64EE7DFA376B}" type="presParOf" srcId="{19F79717-A834-4335-8486-2AEE0A0D8328}" destId="{B2AD67C9-BC2E-4484-9CE2-9DE619487466}" srcOrd="1" destOrd="0" presId="urn:microsoft.com/office/officeart/2005/8/layout/cycle3"/>
-    <dgm:cxn modelId="{A3E6341D-AC72-4850-B5E1-E698D2A0FC35}" type="presParOf" srcId="{19F79717-A834-4335-8486-2AEE0A0D8328}" destId="{B37BBCDA-9D11-4AA4-8F42-0EE144B979C2}" srcOrd="2" destOrd="0" presId="urn:microsoft.com/office/officeart/2005/8/layout/cycle3"/>
-    <dgm:cxn modelId="{98C657F1-4DA6-4517-829B-166701797262}" type="presParOf" srcId="{19F79717-A834-4335-8486-2AEE0A0D8328}" destId="{51A60BB5-CEE4-483F-BF50-B2A45171C862}" srcOrd="3" destOrd="0" presId="urn:microsoft.com/office/officeart/2005/8/layout/cycle3"/>
-    <dgm:cxn modelId="{F16765F7-BF00-4B53-AA96-F5A887898535}" type="presParOf" srcId="{19F79717-A834-4335-8486-2AEE0A0D8328}" destId="{751F1DC2-CFBF-469E-9625-5B343DB1B45A}" srcOrd="4" destOrd="0" presId="urn:microsoft.com/office/officeart/2005/8/layout/cycle3"/>
-    <dgm:cxn modelId="{DE7AF1C3-B19C-4749-AF7E-E7AF5C4404EF}" type="presParOf" srcId="{19F79717-A834-4335-8486-2AEE0A0D8328}" destId="{E2B622E2-1595-4D2A-AD3C-B0FC6A7F5099}" srcOrd="5" destOrd="0" presId="urn:microsoft.com/office/officeart/2005/8/layout/cycle3"/>
-  </dgm:cxnLst>
-  <dgm:bg/>
-  <dgm:whole/>
-  <dgm:extLst>
-    <a:ext uri="http://schemas.microsoft.com/office/drawing/2008/diagram">
-      <dsp:dataModelExt xmlns:dsp="http://schemas.microsoft.com/office/drawing/2008/diagram" relId="rId7" minVer="http://schemas.openxmlformats.org/drawingml/2006/diagram"/>
-    </a:ext>
-  </dgm:extLst>
-</dgm:dataModel>
-</file>
-
-<file path=ppt/diagrams/drawing1.xml><?xml version="1.0" encoding="utf-8"?>
-<dsp:drawing xmlns:dgm="http://schemas.openxmlformats.org/drawingml/2006/diagram" xmlns:dsp="http://schemas.microsoft.com/office/drawing/2008/diagram" xmlns:a="http://schemas.openxmlformats.org/drawingml/2006/main">
-  <dsp:spTree>
-    <dsp:nvGrpSpPr>
-      <dsp:cNvPr id="0" name=""/>
-      <dsp:cNvGrpSpPr/>
-    </dsp:nvGrpSpPr>
-    <dsp:grpSpPr/>
-    <dsp:sp modelId="{B2AD67C9-BC2E-4484-9CE2-9DE619487466}">
-      <dsp:nvSpPr>
-        <dsp:cNvPr id="0" name=""/>
-        <dsp:cNvSpPr/>
-      </dsp:nvSpPr>
-      <dsp:spPr>
-        <a:xfrm>
-          <a:off x="537047" y="-16645"/>
-          <a:ext cx="3441236" cy="3441236"/>
-        </a:xfrm>
-        <a:prstGeom prst="circularArrow">
-          <a:avLst>
-            <a:gd name="adj1" fmla="val 5544"/>
-            <a:gd name="adj2" fmla="val 330680"/>
-            <a:gd name="adj3" fmla="val 13879407"/>
-            <a:gd name="adj4" fmla="val 17323302"/>
-            <a:gd name="adj5" fmla="val 5757"/>
-          </a:avLst>
-        </a:prstGeom>
-        <a:solidFill>
-          <a:schemeClr val="accent1">
-            <a:tint val="40000"/>
-            <a:hueOff val="0"/>
-            <a:satOff val="0"/>
-            <a:lumOff val="0"/>
-            <a:alphaOff val="0"/>
-          </a:schemeClr>
-        </a:solidFill>
-        <a:ln>
-          <a:noFill/>
-        </a:ln>
-        <a:effectLst/>
-      </dsp:spPr>
-      <dsp:style>
-        <a:lnRef idx="0">
-          <a:scrgbClr r="0" g="0" b="0"/>
-        </a:lnRef>
-        <a:fillRef idx="1">
-          <a:scrgbClr r="0" g="0" b="0"/>
-        </a:fillRef>
-        <a:effectRef idx="0">
-          <a:scrgbClr r="0" g="0" b="0"/>
-        </a:effectRef>
-        <a:fontRef idx="minor"/>
-      </dsp:style>
-    </dsp:sp>
-    <dsp:sp modelId="{DD7B62D5-DA94-4E4E-94ED-7BA973C81F2B}">
-      <dsp:nvSpPr>
-        <dsp:cNvPr id="0" name=""/>
-        <dsp:cNvSpPr/>
-      </dsp:nvSpPr>
-      <dsp:spPr>
-        <a:xfrm>
-          <a:off x="1488207" y="1233"/>
-          <a:ext cx="1538916" cy="769458"/>
-        </a:xfrm>
-        <a:prstGeom prst="roundRect">
-          <a:avLst/>
-        </a:prstGeom>
-        <a:solidFill>
-          <a:schemeClr val="accent1">
-            <a:hueOff val="0"/>
-            <a:satOff val="0"/>
-            <a:lumOff val="0"/>
-            <a:alphaOff val="0"/>
-          </a:schemeClr>
-        </a:solidFill>
-        <a:ln w="12700" cap="flat" cmpd="sng" algn="ctr">
-          <a:solidFill>
-            <a:schemeClr val="lt1">
-              <a:hueOff val="0"/>
-              <a:satOff val="0"/>
-              <a:lumOff val="0"/>
-              <a:alphaOff val="0"/>
-            </a:schemeClr>
-          </a:solidFill>
-          <a:prstDash val="solid"/>
-          <a:miter lim="800000"/>
-        </a:ln>
-        <a:effectLst/>
-      </dsp:spPr>
-      <dsp:style>
-        <a:lnRef idx="2">
-          <a:scrgbClr r="0" g="0" b="0"/>
-        </a:lnRef>
-        <a:fillRef idx="1">
-          <a:scrgbClr r="0" g="0" b="0"/>
-        </a:fillRef>
-        <a:effectRef idx="0">
-          <a:scrgbClr r="0" g="0" b="0"/>
-        </a:effectRef>
-        <a:fontRef idx="minor">
-          <a:schemeClr val="lt1"/>
-        </a:fontRef>
-      </dsp:style>
-      <dsp:txBody>
-        <a:bodyPr spcFirstLastPara="0" vert="horz" wrap="square" lIns="57150" tIns="57150" rIns="57150" bIns="57150" numCol="1" spcCol="1270" anchor="ctr" anchorCtr="0">
-          <a:noAutofit/>
-        </a:bodyPr>
-        <a:lstStyle/>
-        <a:p>
-          <a:pPr lvl="0" algn="ctr" defTabSz="666750">
-            <a:lnSpc>
-              <a:spcPct val="90000"/>
-            </a:lnSpc>
-            <a:spcBef>
-              <a:spcPct val="0"/>
-            </a:spcBef>
-            <a:spcAft>
-              <a:spcPct val="35000"/>
-            </a:spcAft>
-          </a:pPr>
-          <a:r>
-            <a:rPr lang="en-US" sz="1500" kern="1200" dirty="0" smtClean="0"/>
-            <a:t>SENDER</a:t>
-          </a:r>
-          <a:endParaRPr lang="en-AU" sz="1500" kern="1200" dirty="0"/>
-        </a:p>
-      </dsp:txBody>
-      <dsp:txXfrm>
-        <a:off x="1525769" y="38795"/>
-        <a:ext cx="1463792" cy="694334"/>
-      </dsp:txXfrm>
-    </dsp:sp>
-    <dsp:sp modelId="{B37BBCDA-9D11-4AA4-8F42-0EE144B979C2}">
-      <dsp:nvSpPr>
-        <dsp:cNvPr id="0" name=""/>
-        <dsp:cNvSpPr/>
-      </dsp:nvSpPr>
-      <dsp:spPr>
-        <a:xfrm>
-          <a:off x="2883862" y="1015235"/>
-          <a:ext cx="1538916" cy="769458"/>
-        </a:xfrm>
-        <a:prstGeom prst="roundRect">
-          <a:avLst/>
-        </a:prstGeom>
-        <a:solidFill>
-          <a:schemeClr val="accent1">
-            <a:hueOff val="0"/>
-            <a:satOff val="0"/>
-            <a:lumOff val="0"/>
-            <a:alphaOff val="0"/>
-          </a:schemeClr>
-        </a:solidFill>
-        <a:ln w="12700" cap="flat" cmpd="sng" algn="ctr">
-          <a:solidFill>
-            <a:schemeClr val="lt1">
-              <a:hueOff val="0"/>
-              <a:satOff val="0"/>
-              <a:lumOff val="0"/>
-              <a:alphaOff val="0"/>
-            </a:schemeClr>
-          </a:solidFill>
-          <a:prstDash val="solid"/>
-          <a:miter lim="800000"/>
-        </a:ln>
-        <a:effectLst/>
-      </dsp:spPr>
-      <dsp:style>
-        <a:lnRef idx="2">
-          <a:scrgbClr r="0" g="0" b="0"/>
-        </a:lnRef>
-        <a:fillRef idx="1">
-          <a:scrgbClr r="0" g="0" b="0"/>
-        </a:fillRef>
-        <a:effectRef idx="0">
-          <a:scrgbClr r="0" g="0" b="0"/>
-        </a:effectRef>
-        <a:fontRef idx="minor">
-          <a:schemeClr val="lt1"/>
-        </a:fontRef>
-      </dsp:style>
-      <dsp:txBody>
-        <a:bodyPr spcFirstLastPara="0" vert="horz" wrap="square" lIns="57150" tIns="57150" rIns="57150" bIns="57150" numCol="1" spcCol="1270" anchor="ctr" anchorCtr="0">
-          <a:noAutofit/>
-        </a:bodyPr>
-        <a:lstStyle/>
-        <a:p>
-          <a:pPr lvl="0" algn="ctr" defTabSz="666750">
-            <a:lnSpc>
-              <a:spcPct val="90000"/>
-            </a:lnSpc>
-            <a:spcBef>
-              <a:spcPct val="0"/>
-            </a:spcBef>
-            <a:spcAft>
-              <a:spcPct val="35000"/>
-            </a:spcAft>
-          </a:pPr>
-          <a:r>
-            <a:rPr lang="en-US" sz="1500" kern="1200" dirty="0" smtClean="0"/>
-            <a:t>CHANNEL</a:t>
-          </a:r>
-          <a:endParaRPr lang="en-AU" sz="1500" kern="1200" dirty="0"/>
-        </a:p>
-      </dsp:txBody>
-      <dsp:txXfrm>
-        <a:off x="2921424" y="1052797"/>
-        <a:ext cx="1463792" cy="694334"/>
-      </dsp:txXfrm>
-    </dsp:sp>
-    <dsp:sp modelId="{51A60BB5-CEE4-483F-BF50-B2A45171C862}">
-      <dsp:nvSpPr>
-        <dsp:cNvPr id="0" name=""/>
-        <dsp:cNvSpPr/>
-      </dsp:nvSpPr>
-      <dsp:spPr>
-        <a:xfrm>
-          <a:off x="2350769" y="2655926"/>
-          <a:ext cx="1538916" cy="769458"/>
-        </a:xfrm>
-        <a:prstGeom prst="roundRect">
-          <a:avLst/>
-        </a:prstGeom>
-        <a:solidFill>
-          <a:schemeClr val="accent1">
-            <a:hueOff val="0"/>
-            <a:satOff val="0"/>
-            <a:lumOff val="0"/>
-            <a:alphaOff val="0"/>
-          </a:schemeClr>
-        </a:solidFill>
-        <a:ln w="12700" cap="flat" cmpd="sng" algn="ctr">
-          <a:solidFill>
-            <a:schemeClr val="lt1">
-              <a:hueOff val="0"/>
-              <a:satOff val="0"/>
-              <a:lumOff val="0"/>
-              <a:alphaOff val="0"/>
-            </a:schemeClr>
-          </a:solidFill>
-          <a:prstDash val="solid"/>
-          <a:miter lim="800000"/>
-        </a:ln>
-        <a:effectLst/>
-      </dsp:spPr>
-      <dsp:style>
-        <a:lnRef idx="2">
-          <a:scrgbClr r="0" g="0" b="0"/>
-        </a:lnRef>
-        <a:fillRef idx="1">
-          <a:scrgbClr r="0" g="0" b="0"/>
-        </a:fillRef>
-        <a:effectRef idx="0">
-          <a:scrgbClr r="0" g="0" b="0"/>
-        </a:effectRef>
-        <a:fontRef idx="minor">
-          <a:schemeClr val="lt1"/>
-        </a:fontRef>
-      </dsp:style>
-      <dsp:txBody>
-        <a:bodyPr spcFirstLastPara="0" vert="horz" wrap="square" lIns="57150" tIns="57150" rIns="57150" bIns="57150" numCol="1" spcCol="1270" anchor="ctr" anchorCtr="0">
-          <a:noAutofit/>
-        </a:bodyPr>
-        <a:lstStyle/>
-        <a:p>
-          <a:pPr lvl="0" algn="ctr" defTabSz="666750">
-            <a:lnSpc>
-              <a:spcPct val="90000"/>
-            </a:lnSpc>
-            <a:spcBef>
-              <a:spcPct val="0"/>
-            </a:spcBef>
-            <a:spcAft>
-              <a:spcPct val="35000"/>
-            </a:spcAft>
-          </a:pPr>
-          <a:r>
-            <a:rPr lang="en-US" sz="1500" kern="1200" dirty="0" smtClean="0"/>
-            <a:t>MEDIUM</a:t>
-          </a:r>
-          <a:endParaRPr lang="en-AU" sz="1500" kern="1200" dirty="0"/>
-        </a:p>
-      </dsp:txBody>
-      <dsp:txXfrm>
-        <a:off x="2388331" y="2693488"/>
-        <a:ext cx="1463792" cy="694334"/>
-      </dsp:txXfrm>
-    </dsp:sp>
-    <dsp:sp modelId="{751F1DC2-CFBF-469E-9625-5B343DB1B45A}">
-      <dsp:nvSpPr>
-        <dsp:cNvPr id="0" name=""/>
-        <dsp:cNvSpPr/>
-      </dsp:nvSpPr>
-      <dsp:spPr>
-        <a:xfrm>
-          <a:off x="625645" y="2655926"/>
-          <a:ext cx="1538916" cy="769458"/>
-        </a:xfrm>
-        <a:prstGeom prst="roundRect">
-          <a:avLst/>
-        </a:prstGeom>
-        <a:solidFill>
-          <a:schemeClr val="accent1">
-            <a:hueOff val="0"/>
-            <a:satOff val="0"/>
-            <a:lumOff val="0"/>
-            <a:alphaOff val="0"/>
-          </a:schemeClr>
-        </a:solidFill>
-        <a:ln w="12700" cap="flat" cmpd="sng" algn="ctr">
-          <a:solidFill>
-            <a:schemeClr val="lt1">
-              <a:hueOff val="0"/>
-              <a:satOff val="0"/>
-              <a:lumOff val="0"/>
-              <a:alphaOff val="0"/>
-            </a:schemeClr>
-          </a:solidFill>
-          <a:prstDash val="solid"/>
-          <a:miter lim="800000"/>
-        </a:ln>
-        <a:effectLst/>
-      </dsp:spPr>
-      <dsp:style>
-        <a:lnRef idx="2">
-          <a:scrgbClr r="0" g="0" b="0"/>
-        </a:lnRef>
-        <a:fillRef idx="1">
-          <a:scrgbClr r="0" g="0" b="0"/>
-        </a:fillRef>
-        <a:effectRef idx="0">
-          <a:scrgbClr r="0" g="0" b="0"/>
-        </a:effectRef>
-        <a:fontRef idx="minor">
-          <a:schemeClr val="lt1"/>
-        </a:fontRef>
-      </dsp:style>
-      <dsp:txBody>
-        <a:bodyPr spcFirstLastPara="0" vert="horz" wrap="square" lIns="57150" tIns="57150" rIns="57150" bIns="57150" numCol="1" spcCol="1270" anchor="ctr" anchorCtr="0">
-          <a:noAutofit/>
-        </a:bodyPr>
-        <a:lstStyle/>
-        <a:p>
-          <a:pPr lvl="0" algn="ctr" defTabSz="666750">
-            <a:lnSpc>
-              <a:spcPct val="90000"/>
-            </a:lnSpc>
-            <a:spcBef>
-              <a:spcPct val="0"/>
-            </a:spcBef>
-            <a:spcAft>
-              <a:spcPct val="35000"/>
-            </a:spcAft>
-          </a:pPr>
-          <a:r>
-            <a:rPr lang="en-US" sz="1500" kern="1200" dirty="0" smtClean="0"/>
-            <a:t>RECEIVER</a:t>
-          </a:r>
-          <a:endParaRPr lang="en-AU" sz="1500" kern="1200" dirty="0"/>
-        </a:p>
-      </dsp:txBody>
-      <dsp:txXfrm>
-        <a:off x="663207" y="2693488"/>
-        <a:ext cx="1463792" cy="694334"/>
-      </dsp:txXfrm>
-    </dsp:sp>
-    <dsp:sp modelId="{E2B622E2-1595-4D2A-AD3C-B0FC6A7F5099}">
-      <dsp:nvSpPr>
-        <dsp:cNvPr id="0" name=""/>
-        <dsp:cNvSpPr/>
-      </dsp:nvSpPr>
-      <dsp:spPr>
-        <a:xfrm>
-          <a:off x="92552" y="1015235"/>
-          <a:ext cx="1538916" cy="769458"/>
-        </a:xfrm>
-        <a:prstGeom prst="roundRect">
-          <a:avLst/>
-        </a:prstGeom>
-        <a:solidFill>
-          <a:schemeClr val="accent1">
-            <a:hueOff val="0"/>
-            <a:satOff val="0"/>
-            <a:lumOff val="0"/>
-            <a:alphaOff val="0"/>
-          </a:schemeClr>
-        </a:solidFill>
-        <a:ln w="12700" cap="flat" cmpd="sng" algn="ctr">
-          <a:solidFill>
-            <a:schemeClr val="lt1">
-              <a:hueOff val="0"/>
-              <a:satOff val="0"/>
-              <a:lumOff val="0"/>
-              <a:alphaOff val="0"/>
-            </a:schemeClr>
-          </a:solidFill>
-          <a:prstDash val="solid"/>
-          <a:miter lim="800000"/>
-        </a:ln>
-        <a:effectLst/>
-      </dsp:spPr>
-      <dsp:style>
-        <a:lnRef idx="2">
-          <a:scrgbClr r="0" g="0" b="0"/>
-        </a:lnRef>
-        <a:fillRef idx="1">
-          <a:scrgbClr r="0" g="0" b="0"/>
-        </a:fillRef>
-        <a:effectRef idx="0">
-          <a:scrgbClr r="0" g="0" b="0"/>
-        </a:effectRef>
-        <a:fontRef idx="minor">
-          <a:schemeClr val="lt1"/>
-        </a:fontRef>
-      </dsp:style>
-      <dsp:txBody>
-        <a:bodyPr spcFirstLastPara="0" vert="horz" wrap="square" lIns="57150" tIns="57150" rIns="57150" bIns="57150" numCol="1" spcCol="1270" anchor="ctr" anchorCtr="0">
-          <a:noAutofit/>
-        </a:bodyPr>
-        <a:lstStyle/>
-        <a:p>
-          <a:pPr lvl="0" algn="ctr" defTabSz="666750">
-            <a:lnSpc>
-              <a:spcPct val="90000"/>
-            </a:lnSpc>
-            <a:spcBef>
-              <a:spcPct val="0"/>
-            </a:spcBef>
-            <a:spcAft>
-              <a:spcPct val="35000"/>
-            </a:spcAft>
-          </a:pPr>
-          <a:r>
-            <a:rPr lang="en-US" sz="1500" kern="1200" dirty="0" smtClean="0"/>
-            <a:t>ACKNWOLEDGED</a:t>
-          </a:r>
-          <a:endParaRPr lang="en-AU" sz="1500" kern="1200" dirty="0"/>
-        </a:p>
-      </dsp:txBody>
-      <dsp:txXfrm>
-        <a:off x="130114" y="1052797"/>
-        <a:ext cx="1463792" cy="694334"/>
-      </dsp:txXfrm>
-    </dsp:sp>
-  </dsp:spTree>
-</dsp:drawing>
-</file>
-
-<file path=ppt/diagrams/layout1.xml><?xml version="1.0" encoding="utf-8"?>
-<dgm:layoutDef xmlns:dgm="http://schemas.openxmlformats.org/drawingml/2006/diagram" xmlns:a="http://schemas.openxmlformats.org/drawingml/2006/main" uniqueId="urn:microsoft.com/office/officeart/2005/8/layout/cycle3">
-  <dgm:title val=""/>
-  <dgm:desc val=""/>
-  <dgm:catLst>
-    <dgm:cat type="cycle" pri="5000"/>
-  </dgm:catLst>
-  <dgm:sampData>
-    <dgm:dataModel>
-      <dgm:ptLst>
-        <dgm:pt modelId="0" type="doc"/>
-        <dgm:pt modelId="1">
-          <dgm:prSet phldr="1"/>
-        </dgm:pt>
-        <dgm:pt modelId="2">
-          <dgm:prSet phldr="1"/>
-        </dgm:pt>
-        <dgm:pt modelId="3">
-          <dgm:prSet phldr="1"/>
-        </dgm:pt>
-        <dgm:pt modelId="4">
-          <dgm:prSet phldr="1"/>
-        </dgm:pt>
-        <dgm:pt modelId="5">
-          <dgm:prSet phldr="1"/>
-        </dgm:pt>
-      </dgm:ptLst>
-      <dgm:cxnLst>
-        <dgm:cxn modelId="6" srcId="0" destId="1" srcOrd="0" destOrd="0"/>
-        <dgm:cxn modelId="7" srcId="0" destId="2" srcOrd="1" destOrd="0"/>
-        <dgm:cxn modelId="8" srcId="0" destId="3" srcOrd="2" destOrd="0"/>
-        <dgm:cxn modelId="9" srcId="0" destId="4" srcOrd="3" destOrd="0"/>
-        <dgm:cxn modelId="10" srcId="0" destId="5" srcOrd="4" destOrd="0"/>
-      </dgm:cxnLst>
-      <dgm:bg/>
-      <dgm:whole/>
-    </dgm:dataModel>
-  </dgm:sampData>
-  <dgm:styleData>
-    <dgm:dataModel>
-      <dgm:ptLst>
-        <dgm:pt modelId="0" type="doc"/>
-        <dgm:pt modelId="1"/>
-        <dgm:pt modelId="2"/>
-        <dgm:pt modelId="3"/>
-      </dgm:ptLst>
-      <dgm:cxnLst>
-        <dgm:cxn modelId="4" srcId="0" destId="1" srcOrd="0" destOrd="0"/>
-        <dgm:cxn modelId="5" srcId="0" destId="2" srcOrd="1" destOrd="0"/>
-        <dgm:cxn modelId="6" srcId="0" destId="3" srcOrd="2" destOrd="0"/>
-      </dgm:cxnLst>
-      <dgm:bg/>
-      <dgm:whole/>
-    </dgm:dataModel>
-  </dgm:styleData>
-  <dgm:clrData>
-    <dgm:dataModel>
-      <dgm:ptLst>
-        <dgm:pt modelId="0" type="doc"/>
-        <dgm:pt modelId="1"/>
-        <dgm:pt modelId="2"/>
-        <dgm:pt modelId="3"/>
-        <dgm:pt modelId="4"/>
-        <dgm:pt modelId="5"/>
-        <dgm:pt modelId="6"/>
-      </dgm:ptLst>
-      <dgm:cxnLst>
-        <dgm:cxn modelId="7" srcId="0" destId="1" srcOrd="0" destOrd="0"/>
-        <dgm:cxn modelId="8" srcId="0" destId="2" srcOrd="1" destOrd="0"/>
-        <dgm:cxn modelId="9" srcId="0" destId="3" srcOrd="2" destOrd="0"/>
-        <dgm:cxn modelId="10" srcId="0" destId="4" srcOrd="3" destOrd="0"/>
-        <dgm:cxn modelId="11" srcId="0" destId="5" srcOrd="4" destOrd="0"/>
-        <dgm:cxn modelId="12" srcId="0" destId="6" srcOrd="5" destOrd="0"/>
-      </dgm:cxnLst>
-      <dgm:bg/>
-      <dgm:whole/>
-    </dgm:dataModel>
-  </dgm:clrData>
-  <dgm:layoutNode name="Name0">
-    <dgm:varLst>
-      <dgm:dir/>
-      <dgm:resizeHandles val="exact"/>
-    </dgm:varLst>
-    <dgm:choose name="Name1">
-      <dgm:if name="Name2" axis="ch" ptType="node" func="cnt" op="equ" val="2">
-        <dgm:alg type="composite">
-          <dgm:param type="ar" val="0.9"/>
-        </dgm:alg>
-        <dgm:shape xmlns:r="http://schemas.openxmlformats.org/officeDocument/2006/relationships" r:blip="">
-          <dgm:adjLst/>
-        </dgm:shape>
-        <dgm:presOf/>
-        <dgm:constrLst>
-          <dgm:constr type="primFontSz" for="ch" ptType="node" op="equ" val="65"/>
-          <dgm:constr type="ctrX" for="ch" forName="node1" refType="w" fact="0.5"/>
-          <dgm:constr type="t" for="ch" forName="node1"/>
-          <dgm:constr type="w" for="ch" forName="node1" refType="w" fact="0.8"/>
-          <dgm:constr type="h" for="ch" forName="node1" refType="w" refFor="ch" refForName="node1" fact="0.5"/>
-          <dgm:constr type="ctrX" for="ch" forName="sibTrans" refType="w" fact="0.5"/>
-          <dgm:constr type="t" for="ch" forName="sibTrans"/>
-          <dgm:constr type="w" for="ch" forName="sibTrans" refType="w" fact="0.8"/>
-          <dgm:constr type="h" for="ch" forName="sibTrans" refType="w" refFor="ch" refForName="node1" fact="0.5"/>
-          <dgm:constr type="userA" for="ch" forName="sibTrans" refType="w" fact="1.07"/>
-          <dgm:constr type="ctrX" for="ch" forName="node2" refType="w" fact="0.5"/>
-          <dgm:constr type="b" for="ch" forName="node2" refType="h"/>
-          <dgm:constr type="w" for="ch" forName="node2" refType="w" fact="0.8"/>
-          <dgm:constr type="h" for="ch" forName="node2" refType="w" refFor="ch" refForName="node1" fact="0.5"/>
-          <dgm:constr type="l" for="ch" forName="sp1"/>
-          <dgm:constr type="t" for="ch" forName="sp1" refType="h" fact="0.5"/>
-          <dgm:constr type="w" for="ch" forName="sp1" val="1"/>
-          <dgm:constr type="h" for="ch" forName="sp1" val="1"/>
-          <dgm:constr type="r" for="ch" forName="sp2" refType="w"/>
-          <dgm:constr type="t" for="ch" forName="sp2" refType="h" fact="0.5"/>
-          <dgm:constr type="w" for="ch" forName="sp2" val="1"/>
-          <dgm:constr type="h" for="ch" forName="sp2" val="1"/>
-        </dgm:constrLst>
-        <dgm:ruleLst/>
-      </dgm:if>
-      <dgm:else name="Name3">
-        <dgm:alg type="composite"/>
-        <dgm:shape xmlns:r="http://schemas.openxmlformats.org/officeDocument/2006/relationships" r:blip="">
-          <dgm:adjLst/>
-        </dgm:shape>
-        <dgm:presOf/>
-        <dgm:constrLst>
-          <dgm:constr type="primFontSz" for="ch" ptType="node" op="equ" val="65"/>
-        </dgm:constrLst>
-        <dgm:ruleLst/>
-      </dgm:else>
-    </dgm:choose>
-    <dgm:choose name="Name4">
-      <dgm:if name="Name5" axis="ch" ptType="node" func="cnt" op="equ" val="2">
-        <dgm:layoutNode name="node1">
-          <dgm:varLst>
-            <dgm:bulletEnabled val="1"/>
-          </dgm:varLst>
-          <dgm:alg type="tx"/>
-          <dgm:shape xmlns:r="http://schemas.openxmlformats.org/officeDocument/2006/relationships" type="roundRect" r:blip="">
-            <dgm:adjLst/>
-          </dgm:shape>
-          <dgm:presOf axis="ch desOrSelf" ptType="node node" st="1 1" cnt="1 0"/>
-          <dgm:constrLst>
-            <dgm:constr type="tMarg" refType="primFontSz" fact="0.3"/>
-            <dgm:constr type="bMarg" refType="primFontSz" fact="0.3"/>
-            <dgm:constr type="lMarg" refType="primFontSz" fact="0.3"/>
-            <dgm:constr type="rMarg" refType="primFontSz" fact="0.3"/>
-          </dgm:constrLst>
-          <dgm:ruleLst>
-            <dgm:rule type="primFontSz" val="5" fact="NaN" max="NaN"/>
-          </dgm:ruleLst>
-        </dgm:layoutNode>
-        <dgm:layoutNode name="sibTrans" styleLbl="bgShp">
-          <dgm:choose name="Name6">
-            <dgm:if name="Name7" func="var" arg="dir" op="equ" val="norm">
-              <dgm:alg type="conn">
-                <dgm:param type="connRout" val="longCurve"/>
-                <dgm:param type="begPts" val="midR"/>
-                <dgm:param type="endPts" val="midL"/>
-                <dgm:param type="dstNode" val="node1"/>
-              </dgm:alg>
-              <dgm:shape xmlns:r="http://schemas.openxmlformats.org/officeDocument/2006/relationships" type="conn" r:blip="" zOrderOff="-2">
-                <dgm:adjLst/>
-              </dgm:shape>
-              <dgm:presOf axis="ch" ptType="sibTrans"/>
-              <dgm:constrLst>
-                <dgm:constr type="userA"/>
-                <dgm:constr type="diam" refType="userA" fact="-1"/>
-                <dgm:constr type="wArH" refType="userA" fact="0.05"/>
-                <dgm:constr type="hArH" refType="userA" fact="0.1"/>
-                <dgm:constr type="stemThick" refType="userA" fact="0.06"/>
-                <dgm:constr type="begPad" refType="connDist" fact="-0.2"/>
-                <dgm:constr type="endPad" refType="connDist" fact="0.05"/>
-              </dgm:constrLst>
-            </dgm:if>
-            <dgm:else name="Name8">
-              <dgm:alg type="conn">
-                <dgm:param type="connRout" val="longCurve"/>
-                <dgm:param type="begPts" val="midL"/>
-                <dgm:param type="endPts" val="midR"/>
-                <dgm:param type="dstNode" val="node1"/>
-              </dgm:alg>
-              <dgm:shape xmlns:r="http://schemas.openxmlformats.org/officeDocument/2006/relationships" type="conn" r:blip="" zOrderOff="-2">
-                <dgm:adjLst/>
-              </dgm:shape>
-              <dgm:presOf axis="ch" ptType="sibTrans"/>
-              <dgm:constrLst>
-                <dgm:constr type="userA"/>
-                <dgm:constr type="diam" refType="userA"/>
-                <dgm:constr type="wArH" refType="userA" fact="0.05"/>
-                <dgm:constr type="hArH" refType="userA" fact="0.1"/>
-                <dgm:constr type="stemThick" refType="userA" fact="0.06"/>
-                <dgm:constr type="begPad" refType="connDist" fact="-0.2"/>
-                <dgm:constr type="endPad" refType="connDist" fact="0.05"/>
-              </dgm:constrLst>
-            </dgm:else>
-          </dgm:choose>
-          <dgm:ruleLst/>
-        </dgm:layoutNode>
-        <dgm:layoutNode name="node2">
-          <dgm:varLst>
-            <dgm:bulletEnabled val="1"/>
-          </dgm:varLst>
-          <dgm:alg type="tx"/>
-          <dgm:shape xmlns:r="http://schemas.openxmlformats.org/officeDocument/2006/relationships" type="roundRect" r:blip="">
-            <dgm:adjLst/>
-          </dgm:shape>
-          <dgm:presOf axis="ch desOrSelf" ptType="node node" st="2 1" cnt="1 0"/>
-          <dgm:constrLst>
-            <dgm:constr type="tMarg" refType="primFontSz" fact="0.3"/>
-            <dgm:constr type="bMarg" refType="primFontSz" fact="0.3"/>
-            <dgm:constr type="lMarg" refType="primFontSz" fact="0.3"/>
-            <dgm:constr type="rMarg" refType="primFontSz" fact="0.3"/>
-          </dgm:constrLst>
-          <dgm:ruleLst>
-            <dgm:rule type="primFontSz" val="5" fact="NaN" max="NaN"/>
-          </dgm:ruleLst>
-        </dgm:layoutNode>
-        <dgm:layoutNode name="sp1">
-          <dgm:alg type="sp"/>
-          <dgm:shape xmlns:r="http://schemas.openxmlformats.org/officeDocument/2006/relationships" r:blip="">
-            <dgm:adjLst/>
-          </dgm:shape>
-          <dgm:presOf/>
-          <dgm:constrLst/>
-          <dgm:ruleLst/>
-        </dgm:layoutNode>
-        <dgm:layoutNode name="sp2">
-          <dgm:alg type="sp"/>
-          <dgm:shape xmlns:r="http://schemas.openxmlformats.org/officeDocument/2006/relationships" r:blip="">
-            <dgm:adjLst/>
-          </dgm:shape>
-          <dgm:presOf/>
-          <dgm:constrLst/>
-          <dgm:ruleLst/>
-        </dgm:layoutNode>
-      </dgm:if>
-      <dgm:else name="Name9">
-        <dgm:layoutNode name="cycle">
-          <dgm:choose name="Name10">
-            <dgm:if name="Name11" func="var" arg="dir" op="equ" val="norm">
-              <dgm:alg type="cycle">
-                <dgm:param type="stAng" val="0"/>
-                <dgm:param type="spanAng" val="360"/>
-              </dgm:alg>
-              <dgm:shape xmlns:r="http://schemas.openxmlformats.org/officeDocument/2006/relationships" r:blip="">
-                <dgm:adjLst/>
-              </dgm:shape>
-              <dgm:presOf/>
-              <dgm:constrLst>
-                <dgm:constr type="diam" refType="w"/>
-                <dgm:constr type="w" for="ch" ptType="node" refType="w"/>
-                <dgm:constr type="sibSp" val="15"/>
-                <dgm:constr type="userA" for="ch" ptType="sibTrans" refType="diam" op="equ" fact="-1"/>
-                <dgm:constr type="wArH" for="ch" ptType="sibTrans" refType="diam" op="equ" fact="0.05"/>
-                <dgm:constr type="hArH" for="ch" ptType="sibTrans" refType="diam" op="equ" fact="0.1"/>
-                <dgm:constr type="stemThick" for="ch" ptType="sibTrans" refType="diam" op="equ" fact="0.065"/>
-                <dgm:constr type="primFontSz" for="ch" ptType="node" op="equ"/>
-              </dgm:constrLst>
-            </dgm:if>
-            <dgm:else name="Name12">
-              <dgm:alg type="cycle">
-                <dgm:param type="stAng" val="0"/>
-                <dgm:param type="spanAng" val="-360"/>
-              </dgm:alg>
-              <dgm:shape xmlns:r="http://schemas.openxmlformats.org/officeDocument/2006/relationships" r:blip="">
-                <dgm:adjLst/>
-              </dgm:shape>
-              <dgm:presOf/>
-              <dgm:constrLst>
-                <dgm:constr type="diam" refType="w"/>
-                <dgm:constr type="w" for="ch" ptType="node" refType="w"/>
-                <dgm:constr type="sibSp" val="15"/>
-                <dgm:constr type="userA" for="ch" ptType="sibTrans" refType="diam" op="equ"/>
-                <dgm:constr type="wArH" for="ch" ptType="sibTrans" refType="diam" op="equ" fact="0.05"/>
-                <dgm:constr type="hArH" for="ch" ptType="sibTrans" refType="diam" op="equ" fact="0.1"/>
-                <dgm:constr type="stemThick" for="ch" ptType="sibTrans" refType="diam" op="equ" fact="0.065"/>
-                <dgm:constr type="primFontSz" for="ch" ptType="node" op="equ"/>
-              </dgm:constrLst>
-            </dgm:else>
-          </dgm:choose>
-          <dgm:ruleLst/>
-          <dgm:forEach name="nodesFirstNodeForEach" axis="ch" ptType="node" cnt="1">
-            <dgm:layoutNode name="nodeFirstNode">
-              <dgm:varLst>
-                <dgm:bulletEnabled val="1"/>
-              </dgm:varLst>
-              <dgm:alg type="tx"/>
-              <dgm:shape xmlns:r="http://schemas.openxmlformats.org/officeDocument/2006/relationships" type="roundRect" r:blip="">
-                <dgm:adjLst/>
-              </dgm:shape>
-              <dgm:presOf axis="desOrSelf" ptType="node"/>
-              <dgm:constrLst>
-                <dgm:constr type="h" refType="w" fact="0.5"/>
-                <dgm:constr type="primFontSz" val="65"/>
-                <dgm:constr type="tMarg" refType="primFontSz" fact="0.3"/>
-                <dgm:constr type="bMarg" refType="primFontSz" fact="0.3"/>
-                <dgm:constr type="lMarg" refType="primFontSz" fact="0.3"/>
-                <dgm:constr type="rMarg" refType="primFontSz" fact="0.3"/>
-              </dgm:constrLst>
-              <dgm:ruleLst>
-                <dgm:rule type="primFontSz" val="5" fact="NaN" max="NaN"/>
-              </dgm:ruleLst>
-            </dgm:layoutNode>
-            <dgm:forEach name="sibTransForEach" axis="followSib" ptType="sibTrans" cnt="1">
-              <dgm:layoutNode name="sibTransFirstNode" styleLbl="bgShp">
-                <dgm:choose name="Name13">
-                  <dgm:if name="Name14" func="var" arg="dir" op="equ" val="norm">
-                    <dgm:alg type="conn">
-                      <dgm:param type="connRout" val="longCurve"/>
-                      <dgm:param type="begPts" val="midR"/>
-                      <dgm:param type="endPts" val="midL"/>
-                      <dgm:param type="dstNode" val="nodeFirstNode"/>
-                    </dgm:alg>
-                  </dgm:if>
-                  <dgm:else name="Name15">
-                    <dgm:alg type="conn">
-                      <dgm:param type="connRout" val="longCurve"/>
-                      <dgm:param type="begPts" val="midL"/>
-                      <dgm:param type="endPts" val="midR"/>
-                      <dgm:param type="dstNode" val="nodeFirstNode"/>
-                    </dgm:alg>
-                  </dgm:else>
-                </dgm:choose>
-                <dgm:shape xmlns:r="http://schemas.openxmlformats.org/officeDocument/2006/relationships" type="conn" r:blip="" zOrderOff="-2">
-                  <dgm:adjLst/>
-                </dgm:shape>
-                <dgm:presOf axis="self"/>
-                <dgm:choose name="Name16">
-                  <dgm:if name="Name17" axis="par ch" ptType="doc node" func="cnt" op="equ" val="3">
-                    <dgm:constrLst>
-                      <dgm:constr type="userA"/>
-                      <dgm:constr type="diam" refType="userA" fact="1.01"/>
-                      <dgm:constr type="begPad" refType="connDist" fact="-0.2"/>
-                      <dgm:constr type="endPad" refType="connDist" fact="0.05"/>
-                    </dgm:constrLst>
-                  </dgm:if>
-                  <dgm:if name="Name18" axis="par ch" ptType="doc node" func="cnt" op="equ" val="4">
-                    <dgm:constrLst>
-                      <dgm:constr type="userA"/>
-                      <dgm:constr type="diam" refType="userA" fact="1.26"/>
-                      <dgm:constr type="begPad" refType="connDist" fact="-0.2"/>
-                      <dgm:constr type="endPad" refType="connDist" fact="0.05"/>
-                    </dgm:constrLst>
-                  </dgm:if>
-                  <dgm:if name="Name19" axis="par ch" ptType="doc node" func="cnt" op="equ" val="5">
-                    <dgm:constrLst>
-                      <dgm:constr type="userA"/>
-                      <dgm:constr type="diam" refType="userA" fact="1.04"/>
-                      <dgm:constr type="begPad" refType="connDist" fact="-0.2"/>
-                      <dgm:constr type="endPad" refType="connDist" fact="0.05"/>
-                    </dgm:constrLst>
-                  </dgm:if>
-                  <dgm:if name="Name20" axis="par ch" ptType="doc node" func="cnt" op="equ" val="6">
-                    <dgm:constrLst>
-                      <dgm:constr type="userA"/>
-                      <dgm:constr type="diam" refType="userA" fact="1.1"/>
-                      <dgm:constr type="begPad" refType="connDist" fact="-0.2"/>
-                      <dgm:constr type="endPad" refType="connDist" fact="0.05"/>
-                    </dgm:constrLst>
-                  </dgm:if>
-                  <dgm:else name="Name21">
-                    <dgm:constrLst>
-                      <dgm:constr type="userA"/>
-                      <dgm:constr type="diam" refType="userA" fact="1.04"/>
-                      <dgm:constr type="begPad" refType="connDist" fact="-0.2"/>
-                      <dgm:constr type="endPad" refType="connDist" fact="0.05"/>
-                    </dgm:constrLst>
-                  </dgm:else>
-                </dgm:choose>
-                <dgm:ruleLst/>
-              </dgm:layoutNode>
-            </dgm:forEach>
-          </dgm:forEach>
-          <dgm:forEach name="followingNodesForEach" axis="ch" ptType="node" st="2">
-            <dgm:layoutNode name="nodeFollowingNodes">
-              <dgm:varLst>
-                <dgm:bulletEnabled val="1"/>
-              </dgm:varLst>
-              <dgm:alg type="tx"/>
-              <dgm:shape xmlns:r="http://schemas.openxmlformats.org/officeDocument/2006/relationships" type="roundRect" r:blip="">
-                <dgm:adjLst/>
-              </dgm:shape>
-              <dgm:presOf axis="desOrSelf" ptType="node"/>
-              <dgm:constrLst>
-                <dgm:constr type="h" refType="w" fact="0.5"/>
-                <dgm:constr type="primFontSz" val="65"/>
-                <dgm:constr type="tMarg" refType="primFontSz" fact="0.3"/>
-                <dgm:constr type="bMarg" refType="primFontSz" fact="0.3"/>
-                <dgm:constr type="lMarg" refType="primFontSz" fact="0.3"/>
-                <dgm:constr type="rMarg" refType="primFontSz" fact="0.3"/>
-              </dgm:constrLst>
-              <dgm:ruleLst>
-                <dgm:rule type="primFontSz" val="5" fact="NaN" max="NaN"/>
-              </dgm:ruleLst>
-            </dgm:layoutNode>
-          </dgm:forEach>
-        </dgm:layoutNode>
-      </dgm:else>
-    </dgm:choose>
-  </dgm:layoutNode>
-</dgm:layoutDef>
-</file>
-
-<file path=ppt/diagrams/quickStyle1.xml><?xml version="1.0" encoding="utf-8"?>
-<dgm:styleDef xmlns:dgm="http://schemas.openxmlformats.org/drawingml/2006/diagram" xmlns:a="http://schemas.openxmlformats.org/drawingml/2006/main" uniqueId="urn:microsoft.com/office/officeart/2005/8/quickstyle/simple1">
-  <dgm:title val=""/>
-  <dgm:desc val=""/>
-  <dgm:catLst>
-    <dgm:cat type="simple" pri="10100"/>
-  </dgm:catLst>
-  <dgm:scene3d>
-    <a:camera prst="orthographicFront"/>
-    <a:lightRig rig="threePt" dir="t"/>
-  </dgm:scene3d>
-  <dgm:styleLbl name="node0">
-    <dgm:scene3d>
-      <a:camera prst="orthographicFront"/>
-      <a:lightRig rig="threePt" dir="t"/>
-    </dgm:scene3d>
-    <dgm:sp3d/>
-    <dgm:txPr/>
-    <dgm:style>
-      <a:lnRef idx="2">
-        <a:scrgbClr r="0" g="0" b="0"/>
-      </a:lnRef>
-      <a:fillRef idx="1">
-        <a:scrgbClr r="0" g="0" b="0"/>
-      </a:fillRef>
-      <a:effectRef idx="0">
-        <a:scrgbClr r="0" g="0" b="0"/>
-      </a:effectRef>
-      <a:fontRef idx="minor">
-        <a:schemeClr val="lt1"/>
-      </a:fontRef>
-    </dgm:style>
-  </dgm:styleLbl>
-  <dgm:styleLbl name="lnNode1">
-    <dgm:scene3d>
-      <a:camera prst="orthographicFront"/>
-      <a:lightRig rig="threePt" dir="t"/>
-    </dgm:scene3d>
-    <dgm:sp3d/>
-    <dgm:txPr/>
-    <dgm:style>
-      <a:lnRef idx="2">
-        <a:scrgbClr r="0" g="0" b="0"/>
-      </a:lnRef>
-      <a:fillRef idx="1">
-        <a:scrgbClr r="0" g="0" b="0"/>
-      </a:fillRef>
-      <a:effectRef idx="0">
-        <a:scrgbClr r="0" g="0" b="0"/>
-      </a:effectRef>
-      <a:fontRef idx="minor">
-        <a:schemeClr val="lt1"/>
-      </a:fontRef>
-    </dgm:style>
-  </dgm:styleLbl>
-  <dgm:styleLbl name="vennNode1">
-    <dgm:scene3d>
-      <a:camera prst="orthographicFront"/>
-      <a:lightRig rig="threePt" dir="t"/>
-    </dgm:scene3d>
-    <dgm:sp3d/>
-    <dgm:txPr/>
-    <dgm:style>
-      <a:lnRef idx="2">
-        <a:scrgbClr r="0" g="0" b="0"/>
-      </a:lnRef>
-      <a:fillRef idx="1">
-        <a:scrgbClr r="0" g="0" b="0"/>
-      </a:fillRef>
-      <a:effectRef idx="0">
-        <a:scrgbClr r="0" g="0" b="0"/>
-      </a:effectRef>
-      <a:fontRef idx="minor">
-        <a:schemeClr val="tx1"/>
-      </a:fontRef>
-    </dgm:style>
-  </dgm:styleLbl>
-  <dgm:styleLbl name="alignNode1">
-    <dgm:scene3d>
-      <a:camera prst="orthographicFront"/>
-      <a:lightRig rig="threePt" dir="t"/>
-    </dgm:scene3d>
-    <dgm:sp3d/>
-    <dgm:txPr/>
-    <dgm:style>
-      <a:lnRef idx="2">
-        <a:scrgbClr r="0" g="0" b="0"/>
-      </a:lnRef>
-      <a:fillRef idx="1">
-        <a:scrgbClr r="0" g="0" b="0"/>
-      </a:fillRef>
-      <a:effectRef idx="0">
-        <a:scrgbClr r="0" g="0" b="0"/>
-      </a:effectRef>
-      <a:fontRef idx="minor">
-        <a:schemeClr val="lt1"/>
-      </a:fontRef>
-    </dgm:style>
-  </dgm:styleLbl>
-  <dgm:styleLbl name="node1">
-    <dgm:scene3d>
-      <a:camera prst="orthographicFront"/>
-      <a:lightRig rig="threePt" dir="t"/>
-    </dgm:scene3d>
-    <dgm:sp3d/>
-    <dgm:txPr/>
-    <dgm:style>
-      <a:lnRef idx="2">
-        <a:scrgbClr r="0" g="0" b="0"/>
-      </a:lnRef>
-      <a:fillRef idx="1">
-        <a:scrgbClr r="0" g="0" b="0"/>
-      </a:fillRef>
-      <a:effectRef idx="0">
-        <a:scrgbClr r="0" g="0" b="0"/>
-      </a:effectRef>
-      <a:fontRef idx="minor">
-        <a:schemeClr val="lt1"/>
-      </a:fontRef>
-    </dgm:style>
-  </dgm:styleLbl>
-  <dgm:styleLbl name="node2">
-    <dgm:scene3d>
-      <a:camera prst="orthographicFront"/>
-      <a:lightRig rig="threePt" dir="t"/>
-    </dgm:scene3d>
-    <dgm:sp3d/>
-    <dgm:txPr/>
-    <dgm:style>
-      <a:lnRef idx="2">
-        <a:scrgbClr r="0" g="0" b="0"/>
-      </a:lnRef>
-      <a:fillRef idx="1">
-        <a:scrgbClr r="0" g="0" b="0"/>
-      </a:fillRef>
-      <a:effectRef idx="0">
-        <a:scrgbClr r="0" g="0" b="0"/>
-      </a:effectRef>
-      <a:fontRef idx="minor">
-        <a:schemeClr val="lt1"/>
-      </a:fontRef>
-    </dgm:style>
-  </dgm:styleLbl>
-  <dgm:styleLbl name="node3">
-    <dgm:scene3d>
-      <a:camera prst="orthographicFront"/>
-      <a:lightRig rig="threePt" dir="t"/>
-    </dgm:scene3d>
-    <dgm:sp3d/>
-    <dgm:txPr/>
-    <dgm:style>
-      <a:lnRef idx="2">
-        <a:scrgbClr r="0" g="0" b="0"/>
-      </a:lnRef>
-      <a:fillRef idx="1">
-        <a:scrgbClr r="0" g="0" b="0"/>
-      </a:fillRef>
-      <a:effectRef idx="0">
-        <a:scrgbClr r="0" g="0" b="0"/>
-      </a:effectRef>
-      <a:fontRef idx="minor">
-        <a:schemeClr val="lt1"/>
-      </a:fontRef>
-    </dgm:style>
-  </dgm:styleLbl>
-  <dgm:styleLbl name="node4">
-    <dgm:scene3d>
-      <a:camera prst="orthographicFront"/>
-      <a:lightRig rig="threePt" dir="t"/>
-    </dgm:scene3d>
-    <dgm:sp3d/>
-    <dgm:txPr/>
-    <dgm:style>
-      <a:lnRef idx="2">
-        <a:scrgbClr r="0" g="0" b="0"/>
-      </a:lnRef>
-      <a:fillRef idx="1">
-        <a:scrgbClr r="0" g="0" b="0"/>
-      </a:fillRef>
-      <a:effectRef idx="0">
-        <a:scrgbClr r="0" g="0" b="0"/>
-      </a:effectRef>
-      <a:fontRef idx="minor">
-        <a:schemeClr val="lt1"/>
-      </a:fontRef>
-    </dgm:style>
-  </dgm:styleLbl>
-  <dgm:styleLbl name="fgImgPlace1">
-    <dgm:scene3d>
-      <a:camera prst="orthographicFront"/>
-      <a:lightRig rig="threePt" dir="t"/>
-    </dgm:scene3d>
-    <dgm:sp3d/>
-    <dgm:txPr/>
-    <dgm:style>
-      <a:lnRef idx="2">
-        <a:scrgbClr r="0" g="0" b="0"/>
-      </a:lnRef>
-      <a:fillRef idx="1">
-        <a:scrgbClr r="0" g="0" b="0"/>
-      </a:fillRef>
-      <a:effectRef idx="0">
-        <a:scrgbClr r="0" g="0" b="0"/>
-      </a:effectRef>
-      <a:fontRef idx="minor"/>
-    </dgm:style>
-  </dgm:styleLbl>
-  <dgm:styleLbl name="alignImgPlace1">
-    <dgm:scene3d>
-      <a:camera prst="orthographicFront"/>
-      <a:lightRig rig="threePt" dir="t"/>
-    </dgm:scene3d>
-    <dgm:sp3d/>
-    <dgm:txPr/>
-    <dgm:style>
-      <a:lnRef idx="2">
-        <a:scrgbClr r="0" g="0" b="0"/>
-      </a:lnRef>
-      <a:fillRef idx="1">
-        <a:scrgbClr r="0" g="0" b="0"/>
-      </a:fillRef>
-      <a:effectRef idx="0">
-        <a:scrgbClr r="0" g="0" b="0"/>
-      </a:effectRef>
-      <a:fontRef idx="minor"/>
-    </dgm:style>
-  </dgm:styleLbl>
-  <dgm:styleLbl name="bgImgPlace1">
-    <dgm:scene3d>
-      <a:camera prst="orthographicFront"/>
-      <a:lightRig rig="threePt" dir="t"/>
-    </dgm:scene3d>
-    <dgm:sp3d/>
-    <dgm:txPr/>
-    <dgm:style>
-      <a:lnRef idx="2">
-        <a:scrgbClr r="0" g="0" b="0"/>
-      </a:lnRef>
-      <a:fillRef idx="1">
-        <a:scrgbClr r="0" g="0" b="0"/>
-      </a:fillRef>
-      <a:effectRef idx="0">
-        <a:scrgbClr r="0" g="0" b="0"/>
-      </a:effectRef>
-      <a:fontRef idx="minor"/>
-    </dgm:style>
-  </dgm:styleLbl>
-  <dgm:styleLbl name="sibTrans2D1">
-    <dgm:scene3d>
-      <a:camera prst="orthographicFront"/>
-      <a:lightRig rig="threePt" dir="t"/>
-    </dgm:scene3d>
-    <dgm:sp3d/>
-    <dgm:txPr/>
-    <dgm:style>
-      <a:lnRef idx="0">
-        <a:scrgbClr r="0" g="0" b="0"/>
-      </a:lnRef>
-      <a:fillRef idx="1">
-        <a:scrgbClr r="0" g="0" b="0"/>
-      </a:fillRef>
-      <a:effectRef idx="0">
-        <a:scrgbClr r="0" g="0" b="0"/>
-      </a:effectRef>
-      <a:fontRef idx="minor">
-        <a:schemeClr val="lt1"/>
-      </a:fontRef>
-    </dgm:style>
-  </dgm:styleLbl>
-  <dgm:styleLbl name="fgSibTrans2D1">
-    <dgm:scene3d>
-      <a:camera prst="orthographicFront"/>
-      <a:lightRig rig="threePt" dir="t"/>
-    </dgm:scene3d>
-    <dgm:sp3d/>
-    <dgm:txPr/>
-    <dgm:style>
-      <a:lnRef idx="0">
-        <a:scrgbClr r="0" g="0" b="0"/>
-      </a:lnRef>
-      <a:fillRef idx="1">
-        <a:scrgbClr r="0" g="0" b="0"/>
-      </a:fillRef>
-      <a:effectRef idx="0">
-        <a:scrgbClr r="0" g="0" b="0"/>
-      </a:effectRef>
-      <a:fontRef idx="minor">
-        <a:schemeClr val="lt1"/>
-      </a:fontRef>
-    </dgm:style>
-  </dgm:styleLbl>
-  <dgm:styleLbl name="bgSibTrans2D1">
-    <dgm:scene3d>
-      <a:camera prst="orthographicFront"/>
-      <a:lightRig rig="threePt" dir="t"/>
-    </dgm:scene3d>
-    <dgm:sp3d/>
-    <dgm:txPr/>
-    <dgm:style>
-      <a:lnRef idx="0">
-        <a:scrgbClr r="0" g="0" b="0"/>
-      </a:lnRef>
-      <a:fillRef idx="1">
-        <a:scrgbClr r="0" g="0" b="0"/>
-      </a:fillRef>
-      <a:effectRef idx="0">
-        <a:scrgbClr r="0" g="0" b="0"/>
-      </a:effectRef>
-      <a:fontRef idx="minor">
-        <a:schemeClr val="lt1"/>
-      </a:fontRef>
-    </dgm:style>
-  </dgm:styleLbl>
-  <dgm:styleLbl name="sibTrans1D1">
-    <dgm:scene3d>
-      <a:camera prst="orthographicFront"/>
-      <a:lightRig rig="threePt" dir="t"/>
-    </dgm:scene3d>
-    <dgm:sp3d/>
-    <dgm:txPr/>
-    <dgm:style>
-      <a:lnRef idx="1">
-        <a:scrgbClr r="0" g="0" b="0"/>
-      </a:lnRef>
-      <a:fillRef idx="0">
-        <a:scrgbClr r="0" g="0" b="0"/>
-      </a:fillRef>
-      <a:effectRef idx="0">
-        <a:scrgbClr r="0" g="0" b="0"/>
-      </a:effectRef>
-      <a:fontRef idx="minor"/>
-    </dgm:style>
-  </dgm:styleLbl>
-  <dgm:styleLbl name="callout">
-    <dgm:scene3d>
-      <a:camera prst="orthographicFront"/>
-      <a:lightRig rig="threePt" dir="t"/>
-    </dgm:scene3d>
-    <dgm:sp3d/>
-    <dgm:txPr/>
-    <dgm:style>
-      <a:lnRef idx="2">
-        <a:scrgbClr r="0" g="0" b="0"/>
-      </a:lnRef>
-      <a:fillRef idx="1">
-        <a:scrgbClr r="0" g="0" b="0"/>
-      </a:fillRef>
-      <a:effectRef idx="0">
-        <a:scrgbClr r="0" g="0" b="0"/>
-      </a:effectRef>
-      <a:fontRef idx="minor"/>
-    </dgm:style>
-  </dgm:styleLbl>
-  <dgm:styleLbl name="asst0">
-    <dgm:scene3d>
-      <a:camera prst="orthographicFront"/>
-      <a:lightRig rig="threePt" dir="t"/>
-    </dgm:scene3d>
-    <dgm:sp3d/>
-    <dgm:txPr/>
-    <dgm:style>
-      <a:lnRef idx="2">
-        <a:scrgbClr r="0" g="0" b="0"/>
-      </a:lnRef>
-      <a:fillRef idx="1">
-        <a:scrgbClr r="0" g="0" b="0"/>
-      </a:fillRef>
-      <a:effectRef idx="0">
-        <a:scrgbClr r="0" g="0" b="0"/>
-      </a:effectRef>
-      <a:fontRef idx="minor">
-        <a:schemeClr val="lt1"/>
-      </a:fontRef>
-    </dgm:style>
-  </dgm:styleLbl>
-  <dgm:styleLbl name="asst1">
-    <dgm:scene3d>
-      <a:camera prst="orthographicFront"/>
-      <a:lightRig rig="threePt" dir="t"/>
-    </dgm:scene3d>
-    <dgm:sp3d/>
-    <dgm:txPr/>
-    <dgm:style>
-      <a:lnRef idx="2">
-        <a:scrgbClr r="0" g="0" b="0"/>
-      </a:lnRef>
-      <a:fillRef idx="1">
-        <a:scrgbClr r="0" g="0" b="0"/>
-      </a:fillRef>
-      <a:effectRef idx="0">
-        <a:scrgbClr r="0" g="0" b="0"/>
-      </a:effectRef>
-      <a:fontRef idx="minor">
-        <a:schemeClr val="lt1"/>
-      </a:fontRef>
-    </dgm:style>
-  </dgm:styleLbl>
-  <dgm:styleLbl name="asst2">
-    <dgm:scene3d>
-      <a:camera prst="orthographicFront"/>
-      <a:lightRig rig="threePt" dir="t"/>
-    </dgm:scene3d>
-    <dgm:sp3d/>
-    <dgm:txPr/>
-    <dgm:style>
-      <a:lnRef idx="2">
-        <a:scrgbClr r="0" g="0" b="0"/>
-      </a:lnRef>
-      <a:fillRef idx="1">
-        <a:scrgbClr r="0" g="0" b="0"/>
-      </a:fillRef>
-      <a:effectRef idx="0">
-        <a:scrgbClr r="0" g="0" b="0"/>
-      </a:effectRef>
-      <a:fontRef idx="minor">
-        <a:schemeClr val="lt1"/>
-      </a:fontRef>
-    </dgm:style>
-  </dgm:styleLbl>
-  <dgm:styleLbl name="asst3">
-    <dgm:scene3d>
-      <a:camera prst="orthographicFront"/>
-      <a:lightRig rig="threePt" dir="t"/>
-    </dgm:scene3d>
-    <dgm:sp3d/>
-    <dgm:txPr/>
-    <dgm:style>
-      <a:lnRef idx="2">
-        <a:scrgbClr r="0" g="0" b="0"/>
-      </a:lnRef>
-      <a:fillRef idx="1">
-        <a:scrgbClr r="0" g="0" b="0"/>
-      </a:fillRef>
-      <a:effectRef idx="0">
-        <a:scrgbClr r="0" g="0" b="0"/>
-      </a:effectRef>
-      <a:fontRef idx="minor">
-        <a:schemeClr val="lt1"/>
-      </a:fontRef>
-    </dgm:style>
-  </dgm:styleLbl>
-  <dgm:styleLbl name="asst4">
-    <dgm:scene3d>
-      <a:camera prst="orthographicFront"/>
-      <a:lightRig rig="threePt" dir="t"/>
-    </dgm:scene3d>
-    <dgm:sp3d/>
-    <dgm:txPr/>
-    <dgm:style>
-      <a:lnRef idx="2">
-        <a:scrgbClr r="0" g="0" b="0"/>
-      </a:lnRef>
-      <a:fillRef idx="1">
-        <a:scrgbClr r="0" g="0" b="0"/>
-      </a:fillRef>
-      <a:effectRef idx="0">
-        <a:scrgbClr r="0" g="0" b="0"/>
-      </a:effectRef>
-      <a:fontRef idx="minor">
-        <a:schemeClr val="lt1"/>
-      </a:fontRef>
-    </dgm:style>
-  </dgm:styleLbl>
-  <dgm:styleLbl name="parChTrans2D1">
-    <dgm:scene3d>
-      <a:camera prst="orthographicFront"/>
-      <a:lightRig rig="threePt" dir="t"/>
-    </dgm:scene3d>
-    <dgm:sp3d/>
-    <dgm:txPr/>
-    <dgm:style>
-      <a:lnRef idx="2">
-        <a:scrgbClr r="0" g="0" b="0"/>
-      </a:lnRef>
-      <a:fillRef idx="1">
-        <a:scrgbClr r="0" g="0" b="0"/>
-      </a:fillRef>
-      <a:effectRef idx="0">
-        <a:scrgbClr r="0" g="0" b="0"/>
-      </a:effectRef>
-      <a:fontRef idx="minor">
-        <a:schemeClr val="lt1"/>
-      </a:fontRef>
-    </dgm:style>
-  </dgm:styleLbl>
-  <dgm:styleLbl name="parChTrans2D2">
-    <dgm:scene3d>
-      <a:camera prst="orthographicFront"/>
-      <a:lightRig rig="threePt" dir="t"/>
-    </dgm:scene3d>
-    <dgm:sp3d/>
-    <dgm:txPr/>
-    <dgm:style>
-      <a:lnRef idx="2">
-        <a:scrgbClr r="0" g="0" b="0"/>
-      </a:lnRef>
-      <a:fillRef idx="1">
-        <a:scrgbClr r="0" g="0" b="0"/>
-      </a:fillRef>
-      <a:effectRef idx="0">
-        <a:scrgbClr r="0" g="0" b="0"/>
-      </a:effectRef>
-      <a:fontRef idx="minor">
-        <a:schemeClr val="lt1"/>
-      </a:fontRef>
-    </dgm:style>
-  </dgm:styleLbl>
-  <dgm:styleLbl name="parChTrans2D3">
-    <dgm:scene3d>
-      <a:camera prst="orthographicFront"/>
-      <a:lightRig rig="threePt" dir="t"/>
-    </dgm:scene3d>
-    <dgm:sp3d/>
-    <dgm:txPr/>
-    <dgm:style>
-      <a:lnRef idx="2">
-        <a:scrgbClr r="0" g="0" b="0"/>
-      </a:lnRef>
-      <a:fillRef idx="1">
-        <a:scrgbClr r="0" g="0" b="0"/>
-      </a:fillRef>
-      <a:effectRef idx="0">
-        <a:scrgbClr r="0" g="0" b="0"/>
-      </a:effectRef>
-      <a:fontRef idx="minor">
-        <a:schemeClr val="lt1"/>
-      </a:fontRef>
-    </dgm:style>
-  </dgm:styleLbl>
-  <dgm:styleLbl name="parChTrans2D4">
-    <dgm:scene3d>
-      <a:camera prst="orthographicFront"/>
-      <a:lightRig rig="threePt" dir="t"/>
-    </dgm:scene3d>
-    <dgm:sp3d/>
-    <dgm:txPr/>
-    <dgm:style>
-      <a:lnRef idx="2">
-        <a:scrgbClr r="0" g="0" b="0"/>
-      </a:lnRef>
-      <a:fillRef idx="1">
-        <a:scrgbClr r="0" g="0" b="0"/>
-      </a:fillRef>
-      <a:effectRef idx="0">
-        <a:scrgbClr r="0" g="0" b="0"/>
-      </a:effectRef>
-      <a:fontRef idx="minor">
-        <a:schemeClr val="lt1"/>
-      </a:fontRef>
-    </dgm:style>
-  </dgm:styleLbl>
-  <dgm:styleLbl name="parChTrans1D1">
-    <dgm:scene3d>
-      <a:camera prst="orthographicFront"/>
-      <a:lightRig rig="threePt" dir="t"/>
-    </dgm:scene3d>
-    <dgm:sp3d/>
-    <dgm:txPr/>
-    <dgm:style>
-      <a:lnRef idx="2">
-        <a:scrgbClr r="0" g="0" b="0"/>
-      </a:lnRef>
-      <a:fillRef idx="0">
-        <a:scrgbClr r="0" g="0" b="0"/>
-      </a:fillRef>
-      <a:effectRef idx="0">
-        <a:scrgbClr r="0" g="0" b="0"/>
-      </a:effectRef>
-      <a:fontRef idx="minor"/>
-    </dgm:style>
-  </dgm:styleLbl>
-  <dgm:styleLbl name="parChTrans1D2">
-    <dgm:scene3d>
-      <a:camera prst="orthographicFront"/>
-      <a:lightRig rig="threePt" dir="t"/>
-    </dgm:scene3d>
-    <dgm:sp3d/>
-    <dgm:txPr/>
-    <dgm:style>
-      <a:lnRef idx="2">
-        <a:scrgbClr r="0" g="0" b="0"/>
-      </a:lnRef>
-      <a:fillRef idx="0">
-        <a:scrgbClr r="0" g="0" b="0"/>
-      </a:fillRef>
-      <a:effectRef idx="0">
-        <a:scrgbClr r="0" g="0" b="0"/>
-      </a:effectRef>
-      <a:fontRef idx="minor"/>
-    </dgm:style>
-  </dgm:styleLbl>
-  <dgm:styleLbl name="parChTrans1D3">
-    <dgm:scene3d>
-      <a:camera prst="orthographicFront"/>
-      <a:lightRig rig="threePt" dir="t"/>
-    </dgm:scene3d>
-    <dgm:sp3d/>
-    <dgm:txPr/>
-    <dgm:style>
-      <a:lnRef idx="2">
-        <a:scrgbClr r="0" g="0" b="0"/>
-      </a:lnRef>
-      <a:fillRef idx="0">
-        <a:scrgbClr r="0" g="0" b="0"/>
-      </a:fillRef>
-      <a:effectRef idx="0">
-        <a:scrgbClr r="0" g="0" b="0"/>
-      </a:effectRef>
-      <a:fontRef idx="minor"/>
-    </dgm:style>
-  </dgm:styleLbl>
-  <dgm:styleLbl name="parChTrans1D4">
-    <dgm:scene3d>
-      <a:camera prst="orthographicFront"/>
-      <a:lightRig rig="threePt" dir="t"/>
-    </dgm:scene3d>
-    <dgm:sp3d/>
-    <dgm:txPr/>
-    <dgm:style>
-      <a:lnRef idx="2">
-        <a:scrgbClr r="0" g="0" b="0"/>
-      </a:lnRef>
-      <a:fillRef idx="0">
-        <a:scrgbClr r="0" g="0" b="0"/>
-      </a:fillRef>
-      <a:effectRef idx="0">
-        <a:scrgbClr r="0" g="0" b="0"/>
-      </a:effectRef>
-      <a:fontRef idx="minor"/>
-    </dgm:style>
-  </dgm:styleLbl>
-  <dgm:styleLbl name="fgAcc1">
-    <dgm:scene3d>
-      <a:camera prst="orthographicFront"/>
-      <a:lightRig rig="threePt" dir="t"/>
-    </dgm:scene3d>
-    <dgm:sp3d/>
-    <dgm:txPr/>
-    <dgm:style>
-      <a:lnRef idx="2">
-        <a:scrgbClr r="0" g="0" b="0"/>
-      </a:lnRef>
-      <a:fillRef idx="1">
-        <a:scrgbClr r="0" g="0" b="0"/>
-      </a:fillRef>
-      <a:effectRef idx="0">
-        <a:scrgbClr r="0" g="0" b="0"/>
-      </a:effectRef>
-      <a:fontRef idx="minor"/>
-    </dgm:style>
-  </dgm:styleLbl>
-  <dgm:styleLbl name="conFgAcc1">
-    <dgm:scene3d>
-      <a:camera prst="orthographicFront"/>
-      <a:lightRig rig="threePt" dir="t"/>
-    </dgm:scene3d>
-    <dgm:sp3d/>
-    <dgm:txPr/>
-    <dgm:style>
-      <a:lnRef idx="2">
-        <a:scrgbClr r="0" g="0" b="0"/>
-      </a:lnRef>
-      <a:fillRef idx="1">
-        <a:scrgbClr r="0" g="0" b="0"/>
-      </a:fillRef>
-      <a:effectRef idx="0">
-        <a:scrgbClr r="0" g="0" b="0"/>
-      </a:effectRef>
-      <a:fontRef idx="minor"/>
-    </dgm:style>
-  </dgm:styleLbl>
-  <dgm:styleLbl name="alignAcc1">
-    <dgm:scene3d>
-      <a:camera prst="orthographicFront"/>
-      <a:lightRig rig="threePt" dir="t"/>
-    </dgm:scene3d>
-    <dgm:sp3d/>
-    <dgm:txPr/>
-    <dgm:style>
-      <a:lnRef idx="2">
-        <a:scrgbClr r="0" g="0" b="0"/>
-      </a:lnRef>
-      <a:fillRef idx="1">
-        <a:scrgbClr r="0" g="0" b="0"/>
-      </a:fillRef>
-      <a:effectRef idx="0">
-        <a:scrgbClr r="0" g="0" b="0"/>
-      </a:effectRef>
-      <a:fontRef idx="minor"/>
-    </dgm:style>
-  </dgm:styleLbl>
-  <dgm:styleLbl name="trAlignAcc1">
-    <dgm:scene3d>
-      <a:camera prst="orthographicFront"/>
-      <a:lightRig rig="threePt" dir="t"/>
-    </dgm:scene3d>
-    <dgm:sp3d/>
-    <dgm:txPr/>
-    <dgm:style>
-      <a:lnRef idx="1">
-        <a:scrgbClr r="0" g="0" b="0"/>
-      </a:lnRef>
-      <a:fillRef idx="1">
-        <a:scrgbClr r="0" g="0" b="0"/>
-      </a:fillRef>
-      <a:effectRef idx="0">
-        <a:scrgbClr r="0" g="0" b="0"/>
-      </a:effectRef>
-      <a:fontRef idx="minor"/>
-    </dgm:style>
-  </dgm:styleLbl>
-  <dgm:styleLbl name="bgAcc1">
-    <dgm:scene3d>
-      <a:camera prst="orthographicFront"/>
-      <a:lightRig rig="threePt" dir="t"/>
-    </dgm:scene3d>
-    <dgm:sp3d/>
-    <dgm:txPr/>
-    <dgm:style>
-      <a:lnRef idx="2">
-        <a:scrgbClr r="0" g="0" b="0"/>
-      </a:lnRef>
-      <a:fillRef idx="1">
-        <a:scrgbClr r="0" g="0" b="0"/>
-      </a:fillRef>
-      <a:effectRef idx="0">
-        <a:scrgbClr r="0" g="0" b="0"/>
-      </a:effectRef>
-      <a:fontRef idx="minor"/>
-    </dgm:style>
-  </dgm:styleLbl>
-  <dgm:styleLbl name="solidFgAcc1">
-    <dgm:scene3d>
-      <a:camera prst="orthographicFront"/>
-      <a:lightRig rig="threePt" dir="t"/>
-    </dgm:scene3d>
-    <dgm:sp3d/>
-    <dgm:txPr/>
-    <dgm:style>
-      <a:lnRef idx="2">
-        <a:scrgbClr r="0" g="0" b="0"/>
-      </a:lnRef>
-      <a:fillRef idx="1">
-        <a:scrgbClr r="0" g="0" b="0"/>
-      </a:fillRef>
-      <a:effectRef idx="0">
-        <a:scrgbClr r="0" g="0" b="0"/>
-      </a:effectRef>
-      <a:fontRef idx="minor"/>
-    </dgm:style>
-  </dgm:styleLbl>
-  <dgm:styleLbl name="solidAlignAcc1">
-    <dgm:scene3d>
-      <a:camera prst="orthographicFront"/>
-      <a:lightRig rig="threePt" dir="t"/>
-    </dgm:scene3d>
-    <dgm:sp3d/>
-    <dgm:txPr/>
-    <dgm:style>
-      <a:lnRef idx="2">
-        <a:scrgbClr r="0" g="0" b="0"/>
-      </a:lnRef>
-      <a:fillRef idx="1">
-        <a:scrgbClr r="0" g="0" b="0"/>
-      </a:fillRef>
-      <a:effectRef idx="0">
-        <a:scrgbClr r="0" g="0" b="0"/>
-      </a:effectRef>
-      <a:fontRef idx="minor"/>
-    </dgm:style>
-  </dgm:styleLbl>
-  <dgm:styleLbl name="solidBgAcc1">
-    <dgm:scene3d>
-      <a:camera prst="orthographicFront"/>
-      <a:lightRig rig="threePt" dir="t"/>
-    </dgm:scene3d>
-    <dgm:sp3d/>
-    <dgm:txPr/>
-    <dgm:style>
-      <a:lnRef idx="2">
-        <a:scrgbClr r="0" g="0" b="0"/>
-      </a:lnRef>
-      <a:fillRef idx="1">
-        <a:scrgbClr r="0" g="0" b="0"/>
-      </a:fillRef>
-      <a:effectRef idx="0">
-        <a:scrgbClr r="0" g="0" b="0"/>
-      </a:effectRef>
-      <a:fontRef idx="minor"/>
-    </dgm:style>
-  </dgm:styleLbl>
-  <dgm:styleLbl name="fgAccFollowNode1">
-    <dgm:scene3d>
-      <a:camera prst="orthographicFront"/>
-      <a:lightRig rig="threePt" dir="t"/>
-    </dgm:scene3d>
-    <dgm:sp3d/>
-    <dgm:txPr/>
-    <dgm:style>
-      <a:lnRef idx="2">
-        <a:scrgbClr r="0" g="0" b="0"/>
-      </a:lnRef>
-      <a:fillRef idx="1">
-        <a:scrgbClr r="0" g="0" b="0"/>
-      </a:fillRef>
-      <a:effectRef idx="0">
-        <a:scrgbClr r="0" g="0" b="0"/>
-      </a:effectRef>
-      <a:fontRef idx="minor"/>
-    </dgm:style>
-  </dgm:styleLbl>
-  <dgm:styleLbl name="alignAccFollowNode1">
-    <dgm:scene3d>
-      <a:camera prst="orthographicFront"/>
-      <a:lightRig rig="threePt" dir="t"/>
-    </dgm:scene3d>
-    <dgm:sp3d/>
-    <dgm:txPr/>
-    <dgm:style>
-      <a:lnRef idx="2">
-        <a:scrgbClr r="0" g="0" b="0"/>
-      </a:lnRef>
-      <a:fillRef idx="1">
-        <a:scrgbClr r="0" g="0" b="0"/>
-      </a:fillRef>
-      <a:effectRef idx="0">
-        <a:scrgbClr r="0" g="0" b="0"/>
-      </a:effectRef>
-      <a:fontRef idx="minor"/>
-    </dgm:style>
-  </dgm:styleLbl>
-  <dgm:styleLbl name="bgAccFollowNode1">
-    <dgm:scene3d>
-      <a:camera prst="orthographicFront"/>
-      <a:lightRig rig="threePt" dir="t"/>
-    </dgm:scene3d>
-    <dgm:sp3d/>
-    <dgm:txPr/>
-    <dgm:style>
-      <a:lnRef idx="2">
-        <a:scrgbClr r="0" g="0" b="0"/>
-      </a:lnRef>
-      <a:fillRef idx="1">
-        <a:scrgbClr r="0" g="0" b="0"/>
-      </a:fillRef>
-      <a:effectRef idx="0">
-        <a:scrgbClr r="0" g="0" b="0"/>
-      </a:effectRef>
-      <a:fontRef idx="minor"/>
-    </dgm:style>
-  </dgm:styleLbl>
-  <dgm:styleLbl name="fgAcc0">
-    <dgm:scene3d>
-      <a:camera prst="orthographicFront"/>
-      <a:lightRig rig="threePt" dir="t"/>
-    </dgm:scene3d>
-    <dgm:sp3d/>
-    <dgm:txPr/>
-    <dgm:style>
-      <a:lnRef idx="2">
-        <a:scrgbClr r="0" g="0" b="0"/>
-      </a:lnRef>
-      <a:fillRef idx="1">
-        <a:scrgbClr r="0" g="0" b="0"/>
-      </a:fillRef>
-      <a:effectRef idx="0">
-        <a:scrgbClr r="0" g="0" b="0"/>
-      </a:effectRef>
-      <a:fontRef idx="minor"/>
-    </dgm:style>
-  </dgm:styleLbl>
-  <dgm:styleLbl name="fgAcc2">
-    <dgm:scene3d>
-      <a:camera prst="orthographicFront"/>
-      <a:lightRig rig="threePt" dir="t"/>
-    </dgm:scene3d>
-    <dgm:sp3d/>
-    <dgm:txPr/>
-    <dgm:style>
-      <a:lnRef idx="2">
-        <a:scrgbClr r="0" g="0" b="0"/>
-      </a:lnRef>
-      <a:fillRef idx="1">
-        <a:scrgbClr r="0" g="0" b="0"/>
-      </a:fillRef>
-      <a:effectRef idx="0">
-        <a:scrgbClr r="0" g="0" b="0"/>
-      </a:effectRef>
-      <a:fontRef idx="minor"/>
-    </dgm:style>
-  </dgm:styleLbl>
-  <dgm:styleLbl name="fgAcc3">
-    <dgm:scene3d>
-      <a:camera prst="orthographicFront"/>
-      <a:lightRig rig="threePt" dir="t"/>
-    </dgm:scene3d>
-    <dgm:sp3d/>
-    <dgm:txPr/>
-    <dgm:style>
-      <a:lnRef idx="2">
-        <a:scrgbClr r="0" g="0" b="0"/>
-      </a:lnRef>
-      <a:fillRef idx="1">
-        <a:scrgbClr r="0" g="0" b="0"/>
-      </a:fillRef>
-      <a:effectRef idx="0">
-        <a:scrgbClr r="0" g="0" b="0"/>
-      </a:effectRef>
-      <a:fontRef idx="minor"/>
-    </dgm:style>
-  </dgm:styleLbl>
-  <dgm:styleLbl name="fgAcc4">
-    <dgm:scene3d>
-      <a:camera prst="orthographicFront"/>
-      <a:lightRig rig="threePt" dir="t"/>
-    </dgm:scene3d>
-    <dgm:sp3d/>
-    <dgm:txPr/>
-    <dgm:style>
-      <a:lnRef idx="2">
-        <a:scrgbClr r="0" g="0" b="0"/>
-      </a:lnRef>
-      <a:fillRef idx="1">
-        <a:scrgbClr r="0" g="0" b="0"/>
-      </a:fillRef>
-      <a:effectRef idx="0">
-        <a:scrgbClr r="0" g="0" b="0"/>
-      </a:effectRef>
-      <a:fontRef idx="minor"/>
-    </dgm:style>
-  </dgm:styleLbl>
-  <dgm:styleLbl name="bgShp">
-    <dgm:scene3d>
-      <a:camera prst="orthographicFront"/>
-      <a:lightRig rig="threePt" dir="t"/>
-    </dgm:scene3d>
-    <dgm:sp3d/>
-    <dgm:txPr/>
-    <dgm:style>
-      <a:lnRef idx="0">
-        <a:scrgbClr r="0" g="0" b="0"/>
-      </a:lnRef>
-      <a:fillRef idx="1">
-        <a:scrgbClr r="0" g="0" b="0"/>
-      </a:fillRef>
-      <a:effectRef idx="0">
-        <a:scrgbClr r="0" g="0" b="0"/>
-      </a:effectRef>
-      <a:fontRef idx="minor"/>
-    </dgm:style>
-  </dgm:styleLbl>
-  <dgm:styleLbl name="dkBgShp">
-    <dgm:scene3d>
-      <a:camera prst="orthographicFront"/>
-      <a:lightRig rig="threePt" dir="t"/>
-    </dgm:scene3d>
-    <dgm:sp3d/>
-    <dgm:txPr/>
-    <dgm:style>
-      <a:lnRef idx="0">
-        <a:scrgbClr r="0" g="0" b="0"/>
-      </a:lnRef>
-      <a:fillRef idx="1">
-        <a:scrgbClr r="0" g="0" b="0"/>
-      </a:fillRef>
-      <a:effectRef idx="0">
-        <a:scrgbClr r="0" g="0" b="0"/>
-      </a:effectRef>
-      <a:fontRef idx="minor"/>
-    </dgm:style>
-  </dgm:styleLbl>
-  <dgm:styleLbl name="trBgShp">
-    <dgm:scene3d>
-      <a:camera prst="orthographicFront"/>
-      <a:lightRig rig="threePt" dir="t"/>
-    </dgm:scene3d>
-    <dgm:sp3d/>
-    <dgm:txPr/>
-    <dgm:style>
-      <a:lnRef idx="0">
-        <a:scrgbClr r="0" g="0" b="0"/>
-      </a:lnRef>
-      <a:fillRef idx="1">
-        <a:scrgbClr r="0" g="0" b="0"/>
-      </a:fillRef>
-      <a:effectRef idx="0">
-        <a:scrgbClr r="0" g="0" b="0"/>
-      </a:effectRef>
-      <a:fontRef idx="minor"/>
-    </dgm:style>
-  </dgm:styleLbl>
-  <dgm:styleLbl name="fgShp">
-    <dgm:scene3d>
-      <a:camera prst="orthographicFront"/>
-      <a:lightRig rig="threePt" dir="t"/>
-    </dgm:scene3d>
-    <dgm:sp3d/>
-    <dgm:txPr/>
-    <dgm:style>
-      <a:lnRef idx="2">
-        <a:scrgbClr r="0" g="0" b="0"/>
-      </a:lnRef>
-      <a:fillRef idx="1">
-        <a:scrgbClr r="0" g="0" b="0"/>
-      </a:fillRef>
-      <a:effectRef idx="0">
-        <a:scrgbClr r="0" g="0" b="0"/>
-      </a:effectRef>
-      <a:fontRef idx="minor"/>
-    </dgm:style>
-  </dgm:styleLbl>
-  <dgm:styleLbl name="revTx">
-    <dgm:scene3d>
-      <a:camera prst="orthographicFront"/>
-      <a:lightRig rig="threePt" dir="t"/>
-    </dgm:scene3d>
-    <dgm:sp3d/>
-    <dgm:txPr/>
-    <dgm:style>
-      <a:lnRef idx="0">
-        <a:scrgbClr r="0" g="0" b="0"/>
-      </a:lnRef>
-      <a:fillRef idx="0">
-        <a:scrgbClr r="0" g="0" b="0"/>
-      </a:fillRef>
-      <a:effectRef idx="0">
-        <a:scrgbClr r="0" g="0" b="0"/>
-      </a:effectRef>
-      <a:fontRef idx="minor"/>
-    </dgm:style>
-  </dgm:styleLbl>
-</dgm:styleDef>
-</file>
-
 <file path=ppt/slideLayouts/slideLayout1.xml><?xml version="1.0" encoding="utf-8"?>
 <p:sldLayout xmlns:a="http://schemas.openxmlformats.org/drawingml/2006/main" xmlns:r="http://schemas.openxmlformats.org/officeDocument/2006/relationships" xmlns:p="http://schemas.openxmlformats.org/presentationml/2006/main" type="title" preserve="1">
   <p:cSld name="Title Slide">
@@ -3055,7 +137,7 @@
           <p:cNvPr id="2" name="Title 1">
             <a:extLst>
               <a:ext uri="{FF2B5EF4-FFF2-40B4-BE49-F238E27FC236}">
-                <a16:creationId xmlns:a16="http://schemas.microsoft.com/office/drawing/2014/main" xmlns="" id="{6AD5984F-78D3-70F0-6072-6984E695DB9B}"/>
+                <a16:creationId xmlns="" xmlns:a16="http://schemas.microsoft.com/office/drawing/2014/main" id="{6AD5984F-78D3-70F0-6072-6984E695DB9B}"/>
               </a:ext>
             </a:extLst>
           </p:cNvPr>
@@ -3093,7 +175,7 @@
           <p:cNvPr id="3" name="Subtitle 2">
             <a:extLst>
               <a:ext uri="{FF2B5EF4-FFF2-40B4-BE49-F238E27FC236}">
-                <a16:creationId xmlns:a16="http://schemas.microsoft.com/office/drawing/2014/main" xmlns="" id="{57F52213-3D08-EB16-CAED-A448B6DD8F9C}"/>
+                <a16:creationId xmlns="" xmlns:a16="http://schemas.microsoft.com/office/drawing/2014/main" id="{57F52213-3D08-EB16-CAED-A448B6DD8F9C}"/>
               </a:ext>
             </a:extLst>
           </p:cNvPr>
@@ -3164,7 +246,7 @@
           <p:cNvPr id="4" name="Date Placeholder 3">
             <a:extLst>
               <a:ext uri="{FF2B5EF4-FFF2-40B4-BE49-F238E27FC236}">
-                <a16:creationId xmlns:a16="http://schemas.microsoft.com/office/drawing/2014/main" xmlns="" id="{88FA03C2-3DBF-6A5F-B729-ED51CF4F7B15}"/>
+                <a16:creationId xmlns="" xmlns:a16="http://schemas.microsoft.com/office/drawing/2014/main" id="{88FA03C2-3DBF-6A5F-B729-ED51CF4F7B15}"/>
               </a:ext>
             </a:extLst>
           </p:cNvPr>
@@ -3182,7 +264,7 @@
           <a:p>
             <a:fld id="{8FA12286-A5EA-4AC4-B7FC-0C9119C592F0}" type="datetimeFigureOut">
               <a:rPr lang="en-IN" smtClean="0"/>
-              <a:t>20-02-2024</a:t>
+              <a:t>21-02-2024</a:t>
             </a:fld>
             <a:endParaRPr lang="en-IN"/>
           </a:p>
@@ -3193,7 +275,7 @@
           <p:cNvPr id="5" name="Footer Placeholder 4">
             <a:extLst>
               <a:ext uri="{FF2B5EF4-FFF2-40B4-BE49-F238E27FC236}">
-                <a16:creationId xmlns:a16="http://schemas.microsoft.com/office/drawing/2014/main" xmlns="" id="{575C4ABC-A8B2-EDE0-DB55-7D1A1593A134}"/>
+                <a16:creationId xmlns="" xmlns:a16="http://schemas.microsoft.com/office/drawing/2014/main" id="{575C4ABC-A8B2-EDE0-DB55-7D1A1593A134}"/>
               </a:ext>
             </a:extLst>
           </p:cNvPr>
@@ -3218,7 +300,7 @@
           <p:cNvPr id="6" name="Slide Number Placeholder 5">
             <a:extLst>
               <a:ext uri="{FF2B5EF4-FFF2-40B4-BE49-F238E27FC236}">
-                <a16:creationId xmlns:a16="http://schemas.microsoft.com/office/drawing/2014/main" xmlns="" id="{299A5865-97B9-298F-C3A8-5EBA9ECBA8FA}"/>
+                <a16:creationId xmlns="" xmlns:a16="http://schemas.microsoft.com/office/drawing/2014/main" id="{299A5865-97B9-298F-C3A8-5EBA9ECBA8FA}"/>
               </a:ext>
             </a:extLst>
           </p:cNvPr>
@@ -3277,7 +359,7 @@
           <p:cNvPr id="2" name="Title 1">
             <a:extLst>
               <a:ext uri="{FF2B5EF4-FFF2-40B4-BE49-F238E27FC236}">
-                <a16:creationId xmlns:a16="http://schemas.microsoft.com/office/drawing/2014/main" xmlns="" id="{1AB63D00-9A85-372D-874F-DAB78334831C}"/>
+                <a16:creationId xmlns="" xmlns:a16="http://schemas.microsoft.com/office/drawing/2014/main" id="{1AB63D00-9A85-372D-874F-DAB78334831C}"/>
               </a:ext>
             </a:extLst>
           </p:cNvPr>
@@ -3306,7 +388,7 @@
           <p:cNvPr id="3" name="Vertical Text Placeholder 2">
             <a:extLst>
               <a:ext uri="{FF2B5EF4-FFF2-40B4-BE49-F238E27FC236}">
-                <a16:creationId xmlns:a16="http://schemas.microsoft.com/office/drawing/2014/main" xmlns="" id="{B2A7FF27-84CF-1A8A-1DBF-A0512B3ED55E}"/>
+                <a16:creationId xmlns="" xmlns:a16="http://schemas.microsoft.com/office/drawing/2014/main" id="{B2A7FF27-84CF-1A8A-1DBF-A0512B3ED55E}"/>
               </a:ext>
             </a:extLst>
           </p:cNvPr>
@@ -3364,7 +446,7 @@
           <p:cNvPr id="4" name="Date Placeholder 3">
             <a:extLst>
               <a:ext uri="{FF2B5EF4-FFF2-40B4-BE49-F238E27FC236}">
-                <a16:creationId xmlns:a16="http://schemas.microsoft.com/office/drawing/2014/main" xmlns="" id="{9F872D4B-FF5B-85E9-62D9-34DF8AD57BA4}"/>
+                <a16:creationId xmlns="" xmlns:a16="http://schemas.microsoft.com/office/drawing/2014/main" id="{9F872D4B-FF5B-85E9-62D9-34DF8AD57BA4}"/>
               </a:ext>
             </a:extLst>
           </p:cNvPr>
@@ -3382,7 +464,7 @@
           <a:p>
             <a:fld id="{8FA12286-A5EA-4AC4-B7FC-0C9119C592F0}" type="datetimeFigureOut">
               <a:rPr lang="en-IN" smtClean="0"/>
-              <a:t>20-02-2024</a:t>
+              <a:t>21-02-2024</a:t>
             </a:fld>
             <a:endParaRPr lang="en-IN"/>
           </a:p>
@@ -3393,7 +475,7 @@
           <p:cNvPr id="5" name="Footer Placeholder 4">
             <a:extLst>
               <a:ext uri="{FF2B5EF4-FFF2-40B4-BE49-F238E27FC236}">
-                <a16:creationId xmlns:a16="http://schemas.microsoft.com/office/drawing/2014/main" xmlns="" id="{1E81767A-DE8C-9482-30A8-EE4CF0A32D5D}"/>
+                <a16:creationId xmlns="" xmlns:a16="http://schemas.microsoft.com/office/drawing/2014/main" id="{1E81767A-DE8C-9482-30A8-EE4CF0A32D5D}"/>
               </a:ext>
             </a:extLst>
           </p:cNvPr>
@@ -3418,7 +500,7 @@
           <p:cNvPr id="6" name="Slide Number Placeholder 5">
             <a:extLst>
               <a:ext uri="{FF2B5EF4-FFF2-40B4-BE49-F238E27FC236}">
-                <a16:creationId xmlns:a16="http://schemas.microsoft.com/office/drawing/2014/main" xmlns="" id="{A8B3D97B-B9F2-A050-7728-741A7AD9FA53}"/>
+                <a16:creationId xmlns="" xmlns:a16="http://schemas.microsoft.com/office/drawing/2014/main" id="{A8B3D97B-B9F2-A050-7728-741A7AD9FA53}"/>
               </a:ext>
             </a:extLst>
           </p:cNvPr>
@@ -3477,7 +559,7 @@
           <p:cNvPr id="2" name="Vertical Title 1">
             <a:extLst>
               <a:ext uri="{FF2B5EF4-FFF2-40B4-BE49-F238E27FC236}">
-                <a16:creationId xmlns:a16="http://schemas.microsoft.com/office/drawing/2014/main" xmlns="" id="{C5087905-FEDF-8ED6-1E70-D07940EABAAF}"/>
+                <a16:creationId xmlns="" xmlns:a16="http://schemas.microsoft.com/office/drawing/2014/main" id="{C5087905-FEDF-8ED6-1E70-D07940EABAAF}"/>
               </a:ext>
             </a:extLst>
           </p:cNvPr>
@@ -3511,7 +593,7 @@
           <p:cNvPr id="3" name="Vertical Text Placeholder 2">
             <a:extLst>
               <a:ext uri="{FF2B5EF4-FFF2-40B4-BE49-F238E27FC236}">
-                <a16:creationId xmlns:a16="http://schemas.microsoft.com/office/drawing/2014/main" xmlns="" id="{13D6744B-16E4-DD6B-50E6-1CA1595070DE}"/>
+                <a16:creationId xmlns="" xmlns:a16="http://schemas.microsoft.com/office/drawing/2014/main" id="{13D6744B-16E4-DD6B-50E6-1CA1595070DE}"/>
               </a:ext>
             </a:extLst>
           </p:cNvPr>
@@ -3574,7 +656,7 @@
           <p:cNvPr id="4" name="Date Placeholder 3">
             <a:extLst>
               <a:ext uri="{FF2B5EF4-FFF2-40B4-BE49-F238E27FC236}">
-                <a16:creationId xmlns:a16="http://schemas.microsoft.com/office/drawing/2014/main" xmlns="" id="{6B7A395D-17C5-71E8-974E-1959E77A871A}"/>
+                <a16:creationId xmlns="" xmlns:a16="http://schemas.microsoft.com/office/drawing/2014/main" id="{6B7A395D-17C5-71E8-974E-1959E77A871A}"/>
               </a:ext>
             </a:extLst>
           </p:cNvPr>
@@ -3592,7 +674,7 @@
           <a:p>
             <a:fld id="{8FA12286-A5EA-4AC4-B7FC-0C9119C592F0}" type="datetimeFigureOut">
               <a:rPr lang="en-IN" smtClean="0"/>
-              <a:t>20-02-2024</a:t>
+              <a:t>21-02-2024</a:t>
             </a:fld>
             <a:endParaRPr lang="en-IN"/>
           </a:p>
@@ -3603,7 +685,7 @@
           <p:cNvPr id="5" name="Footer Placeholder 4">
             <a:extLst>
               <a:ext uri="{FF2B5EF4-FFF2-40B4-BE49-F238E27FC236}">
-                <a16:creationId xmlns:a16="http://schemas.microsoft.com/office/drawing/2014/main" xmlns="" id="{0D29B474-EB8D-0157-5D2F-BC48668D3A1B}"/>
+                <a16:creationId xmlns="" xmlns:a16="http://schemas.microsoft.com/office/drawing/2014/main" id="{0D29B474-EB8D-0157-5D2F-BC48668D3A1B}"/>
               </a:ext>
             </a:extLst>
           </p:cNvPr>
@@ -3628,7 +710,7 @@
           <p:cNvPr id="6" name="Slide Number Placeholder 5">
             <a:extLst>
               <a:ext uri="{FF2B5EF4-FFF2-40B4-BE49-F238E27FC236}">
-                <a16:creationId xmlns:a16="http://schemas.microsoft.com/office/drawing/2014/main" xmlns="" id="{C548DBEC-3CFC-DA89-C357-8CEC7EFE7494}"/>
+                <a16:creationId xmlns="" xmlns:a16="http://schemas.microsoft.com/office/drawing/2014/main" id="{C548DBEC-3CFC-DA89-C357-8CEC7EFE7494}"/>
               </a:ext>
             </a:extLst>
           </p:cNvPr>
@@ -3687,7 +769,7 @@
           <p:cNvPr id="2" name="Title 1">
             <a:extLst>
               <a:ext uri="{FF2B5EF4-FFF2-40B4-BE49-F238E27FC236}">
-                <a16:creationId xmlns:a16="http://schemas.microsoft.com/office/drawing/2014/main" xmlns="" id="{592AC0C3-8612-66A7-5E78-36DF9F18AB4D}"/>
+                <a16:creationId xmlns="" xmlns:a16="http://schemas.microsoft.com/office/drawing/2014/main" id="{592AC0C3-8612-66A7-5E78-36DF9F18AB4D}"/>
               </a:ext>
             </a:extLst>
           </p:cNvPr>
@@ -3716,7 +798,7 @@
           <p:cNvPr id="3" name="Content Placeholder 2">
             <a:extLst>
               <a:ext uri="{FF2B5EF4-FFF2-40B4-BE49-F238E27FC236}">
-                <a16:creationId xmlns:a16="http://schemas.microsoft.com/office/drawing/2014/main" xmlns="" id="{C407744D-2036-543B-1C2F-85E450F49653}"/>
+                <a16:creationId xmlns="" xmlns:a16="http://schemas.microsoft.com/office/drawing/2014/main" id="{C407744D-2036-543B-1C2F-85E450F49653}"/>
               </a:ext>
             </a:extLst>
           </p:cNvPr>
@@ -3774,7 +856,7 @@
           <p:cNvPr id="4" name="Date Placeholder 3">
             <a:extLst>
               <a:ext uri="{FF2B5EF4-FFF2-40B4-BE49-F238E27FC236}">
-                <a16:creationId xmlns:a16="http://schemas.microsoft.com/office/drawing/2014/main" xmlns="" id="{5272E8DF-011F-54AC-DF9F-6963C95CEFED}"/>
+                <a16:creationId xmlns="" xmlns:a16="http://schemas.microsoft.com/office/drawing/2014/main" id="{5272E8DF-011F-54AC-DF9F-6963C95CEFED}"/>
               </a:ext>
             </a:extLst>
           </p:cNvPr>
@@ -3792,7 +874,7 @@
           <a:p>
             <a:fld id="{8FA12286-A5EA-4AC4-B7FC-0C9119C592F0}" type="datetimeFigureOut">
               <a:rPr lang="en-IN" smtClean="0"/>
-              <a:t>20-02-2024</a:t>
+              <a:t>21-02-2024</a:t>
             </a:fld>
             <a:endParaRPr lang="en-IN"/>
           </a:p>
@@ -3803,7 +885,7 @@
           <p:cNvPr id="5" name="Footer Placeholder 4">
             <a:extLst>
               <a:ext uri="{FF2B5EF4-FFF2-40B4-BE49-F238E27FC236}">
-                <a16:creationId xmlns:a16="http://schemas.microsoft.com/office/drawing/2014/main" xmlns="" id="{05BDBF31-F5AA-41D0-9E51-02A5A325DEA4}"/>
+                <a16:creationId xmlns="" xmlns:a16="http://schemas.microsoft.com/office/drawing/2014/main" id="{05BDBF31-F5AA-41D0-9E51-02A5A325DEA4}"/>
               </a:ext>
             </a:extLst>
           </p:cNvPr>
@@ -3828,7 +910,7 @@
           <p:cNvPr id="6" name="Slide Number Placeholder 5">
             <a:extLst>
               <a:ext uri="{FF2B5EF4-FFF2-40B4-BE49-F238E27FC236}">
-                <a16:creationId xmlns:a16="http://schemas.microsoft.com/office/drawing/2014/main" xmlns="" id="{DCF9C094-2965-4588-28D2-9786A86E04BB}"/>
+                <a16:creationId xmlns="" xmlns:a16="http://schemas.microsoft.com/office/drawing/2014/main" id="{DCF9C094-2965-4588-28D2-9786A86E04BB}"/>
               </a:ext>
             </a:extLst>
           </p:cNvPr>
@@ -3887,7 +969,7 @@
           <p:cNvPr id="2" name="Title 1">
             <a:extLst>
               <a:ext uri="{FF2B5EF4-FFF2-40B4-BE49-F238E27FC236}">
-                <a16:creationId xmlns:a16="http://schemas.microsoft.com/office/drawing/2014/main" xmlns="" id="{1E456675-759B-DDF0-7FE8-0EC557862DA9}"/>
+                <a16:creationId xmlns="" xmlns:a16="http://schemas.microsoft.com/office/drawing/2014/main" id="{1E456675-759B-DDF0-7FE8-0EC557862DA9}"/>
               </a:ext>
             </a:extLst>
           </p:cNvPr>
@@ -3925,7 +1007,7 @@
           <p:cNvPr id="3" name="Text Placeholder 2">
             <a:extLst>
               <a:ext uri="{FF2B5EF4-FFF2-40B4-BE49-F238E27FC236}">
-                <a16:creationId xmlns:a16="http://schemas.microsoft.com/office/drawing/2014/main" xmlns="" id="{FA6395D1-5C48-B727-0716-38822E1DC9D9}"/>
+                <a16:creationId xmlns="" xmlns:a16="http://schemas.microsoft.com/office/drawing/2014/main" id="{FA6395D1-5C48-B727-0716-38822E1DC9D9}"/>
               </a:ext>
             </a:extLst>
           </p:cNvPr>
@@ -4050,7 +1132,7 @@
           <p:cNvPr id="4" name="Date Placeholder 3">
             <a:extLst>
               <a:ext uri="{FF2B5EF4-FFF2-40B4-BE49-F238E27FC236}">
-                <a16:creationId xmlns:a16="http://schemas.microsoft.com/office/drawing/2014/main" xmlns="" id="{06748D2D-5120-ABE0-079A-052F84690161}"/>
+                <a16:creationId xmlns="" xmlns:a16="http://schemas.microsoft.com/office/drawing/2014/main" id="{06748D2D-5120-ABE0-079A-052F84690161}"/>
               </a:ext>
             </a:extLst>
           </p:cNvPr>
@@ -4068,7 +1150,7 @@
           <a:p>
             <a:fld id="{8FA12286-A5EA-4AC4-B7FC-0C9119C592F0}" type="datetimeFigureOut">
               <a:rPr lang="en-IN" smtClean="0"/>
-              <a:t>20-02-2024</a:t>
+              <a:t>21-02-2024</a:t>
             </a:fld>
             <a:endParaRPr lang="en-IN"/>
           </a:p>
@@ -4079,7 +1161,7 @@
           <p:cNvPr id="5" name="Footer Placeholder 4">
             <a:extLst>
               <a:ext uri="{FF2B5EF4-FFF2-40B4-BE49-F238E27FC236}">
-                <a16:creationId xmlns:a16="http://schemas.microsoft.com/office/drawing/2014/main" xmlns="" id="{C15742A0-9B5D-6CCD-DD5C-BE81AC994695}"/>
+                <a16:creationId xmlns="" xmlns:a16="http://schemas.microsoft.com/office/drawing/2014/main" id="{C15742A0-9B5D-6CCD-DD5C-BE81AC994695}"/>
               </a:ext>
             </a:extLst>
           </p:cNvPr>
@@ -4104,7 +1186,7 @@
           <p:cNvPr id="6" name="Slide Number Placeholder 5">
             <a:extLst>
               <a:ext uri="{FF2B5EF4-FFF2-40B4-BE49-F238E27FC236}">
-                <a16:creationId xmlns:a16="http://schemas.microsoft.com/office/drawing/2014/main" xmlns="" id="{90BDD6AB-8FF2-7AAF-06A4-736DB0F2AFF3}"/>
+                <a16:creationId xmlns="" xmlns:a16="http://schemas.microsoft.com/office/drawing/2014/main" id="{90BDD6AB-8FF2-7AAF-06A4-736DB0F2AFF3}"/>
               </a:ext>
             </a:extLst>
           </p:cNvPr>
@@ -4163,7 +1245,7 @@
           <p:cNvPr id="2" name="Title 1">
             <a:extLst>
               <a:ext uri="{FF2B5EF4-FFF2-40B4-BE49-F238E27FC236}">
-                <a16:creationId xmlns:a16="http://schemas.microsoft.com/office/drawing/2014/main" xmlns="" id="{37FD69C2-BB63-5597-E2DC-E16F65B4F2D7}"/>
+                <a16:creationId xmlns="" xmlns:a16="http://schemas.microsoft.com/office/drawing/2014/main" id="{37FD69C2-BB63-5597-E2DC-E16F65B4F2D7}"/>
               </a:ext>
             </a:extLst>
           </p:cNvPr>
@@ -4192,7 +1274,7 @@
           <p:cNvPr id="3" name="Content Placeholder 2">
             <a:extLst>
               <a:ext uri="{FF2B5EF4-FFF2-40B4-BE49-F238E27FC236}">
-                <a16:creationId xmlns:a16="http://schemas.microsoft.com/office/drawing/2014/main" xmlns="" id="{1EA74C61-5C76-043C-6886-538D2ED16EE2}"/>
+                <a16:creationId xmlns="" xmlns:a16="http://schemas.microsoft.com/office/drawing/2014/main" id="{1EA74C61-5C76-043C-6886-538D2ED16EE2}"/>
               </a:ext>
             </a:extLst>
           </p:cNvPr>
@@ -4255,7 +1337,7 @@
           <p:cNvPr id="4" name="Content Placeholder 3">
             <a:extLst>
               <a:ext uri="{FF2B5EF4-FFF2-40B4-BE49-F238E27FC236}">
-                <a16:creationId xmlns:a16="http://schemas.microsoft.com/office/drawing/2014/main" xmlns="" id="{64FB041E-256D-752E-17DF-F732BBAD9831}"/>
+                <a16:creationId xmlns="" xmlns:a16="http://schemas.microsoft.com/office/drawing/2014/main" id="{64FB041E-256D-752E-17DF-F732BBAD9831}"/>
               </a:ext>
             </a:extLst>
           </p:cNvPr>
@@ -4318,7 +1400,7 @@
           <p:cNvPr id="5" name="Date Placeholder 4">
             <a:extLst>
               <a:ext uri="{FF2B5EF4-FFF2-40B4-BE49-F238E27FC236}">
-                <a16:creationId xmlns:a16="http://schemas.microsoft.com/office/drawing/2014/main" xmlns="" id="{C7613359-B90B-251C-9D2F-97B1CED29497}"/>
+                <a16:creationId xmlns="" xmlns:a16="http://schemas.microsoft.com/office/drawing/2014/main" id="{C7613359-B90B-251C-9D2F-97B1CED29497}"/>
               </a:ext>
             </a:extLst>
           </p:cNvPr>
@@ -4336,7 +1418,7 @@
           <a:p>
             <a:fld id="{8FA12286-A5EA-4AC4-B7FC-0C9119C592F0}" type="datetimeFigureOut">
               <a:rPr lang="en-IN" smtClean="0"/>
-              <a:t>20-02-2024</a:t>
+              <a:t>21-02-2024</a:t>
             </a:fld>
             <a:endParaRPr lang="en-IN"/>
           </a:p>
@@ -4347,7 +1429,7 @@
           <p:cNvPr id="6" name="Footer Placeholder 5">
             <a:extLst>
               <a:ext uri="{FF2B5EF4-FFF2-40B4-BE49-F238E27FC236}">
-                <a16:creationId xmlns:a16="http://schemas.microsoft.com/office/drawing/2014/main" xmlns="" id="{E3B3E895-5C0A-F352-746E-56DF41731C5F}"/>
+                <a16:creationId xmlns="" xmlns:a16="http://schemas.microsoft.com/office/drawing/2014/main" id="{E3B3E895-5C0A-F352-746E-56DF41731C5F}"/>
               </a:ext>
             </a:extLst>
           </p:cNvPr>
@@ -4372,7 +1454,7 @@
           <p:cNvPr id="7" name="Slide Number Placeholder 6">
             <a:extLst>
               <a:ext uri="{FF2B5EF4-FFF2-40B4-BE49-F238E27FC236}">
-                <a16:creationId xmlns:a16="http://schemas.microsoft.com/office/drawing/2014/main" xmlns="" id="{66E4D654-439A-D6B3-06F8-D59464E46A67}"/>
+                <a16:creationId xmlns="" xmlns:a16="http://schemas.microsoft.com/office/drawing/2014/main" id="{66E4D654-439A-D6B3-06F8-D59464E46A67}"/>
               </a:ext>
             </a:extLst>
           </p:cNvPr>
@@ -4431,7 +1513,7 @@
           <p:cNvPr id="2" name="Title 1">
             <a:extLst>
               <a:ext uri="{FF2B5EF4-FFF2-40B4-BE49-F238E27FC236}">
-                <a16:creationId xmlns:a16="http://schemas.microsoft.com/office/drawing/2014/main" xmlns="" id="{DC0B84B7-EE3F-FDAE-E7BD-9AE5A8BAD11E}"/>
+                <a16:creationId xmlns="" xmlns:a16="http://schemas.microsoft.com/office/drawing/2014/main" id="{DC0B84B7-EE3F-FDAE-E7BD-9AE5A8BAD11E}"/>
               </a:ext>
             </a:extLst>
           </p:cNvPr>
@@ -4465,7 +1547,7 @@
           <p:cNvPr id="3" name="Text Placeholder 2">
             <a:extLst>
               <a:ext uri="{FF2B5EF4-FFF2-40B4-BE49-F238E27FC236}">
-                <a16:creationId xmlns:a16="http://schemas.microsoft.com/office/drawing/2014/main" xmlns="" id="{9B14C00B-6993-6597-3C01-FF52ED29FC0B}"/>
+                <a16:creationId xmlns="" xmlns:a16="http://schemas.microsoft.com/office/drawing/2014/main" id="{9B14C00B-6993-6597-3C01-FF52ED29FC0B}"/>
               </a:ext>
             </a:extLst>
           </p:cNvPr>
@@ -4536,7 +1618,7 @@
           <p:cNvPr id="4" name="Content Placeholder 3">
             <a:extLst>
               <a:ext uri="{FF2B5EF4-FFF2-40B4-BE49-F238E27FC236}">
-                <a16:creationId xmlns:a16="http://schemas.microsoft.com/office/drawing/2014/main" xmlns="" id="{38DDB439-FF02-38EA-C993-6833706E5DAD}"/>
+                <a16:creationId xmlns="" xmlns:a16="http://schemas.microsoft.com/office/drawing/2014/main" id="{38DDB439-FF02-38EA-C993-6833706E5DAD}"/>
               </a:ext>
             </a:extLst>
           </p:cNvPr>
@@ -4599,7 +1681,7 @@
           <p:cNvPr id="5" name="Text Placeholder 4">
             <a:extLst>
               <a:ext uri="{FF2B5EF4-FFF2-40B4-BE49-F238E27FC236}">
-                <a16:creationId xmlns:a16="http://schemas.microsoft.com/office/drawing/2014/main" xmlns="" id="{AEEB6B82-37B1-62A4-DC5A-4BDF60FF5DFD}"/>
+                <a16:creationId xmlns="" xmlns:a16="http://schemas.microsoft.com/office/drawing/2014/main" id="{AEEB6B82-37B1-62A4-DC5A-4BDF60FF5DFD}"/>
               </a:ext>
             </a:extLst>
           </p:cNvPr>
@@ -4670,7 +1752,7 @@
           <p:cNvPr id="6" name="Content Placeholder 5">
             <a:extLst>
               <a:ext uri="{FF2B5EF4-FFF2-40B4-BE49-F238E27FC236}">
-                <a16:creationId xmlns:a16="http://schemas.microsoft.com/office/drawing/2014/main" xmlns="" id="{65579C8A-FC05-A5D2-248E-9DA3838B107E}"/>
+                <a16:creationId xmlns="" xmlns:a16="http://schemas.microsoft.com/office/drawing/2014/main" id="{65579C8A-FC05-A5D2-248E-9DA3838B107E}"/>
               </a:ext>
             </a:extLst>
           </p:cNvPr>
@@ -4733,7 +1815,7 @@
           <p:cNvPr id="7" name="Date Placeholder 6">
             <a:extLst>
               <a:ext uri="{FF2B5EF4-FFF2-40B4-BE49-F238E27FC236}">
-                <a16:creationId xmlns:a16="http://schemas.microsoft.com/office/drawing/2014/main" xmlns="" id="{97C4BBBF-2766-055C-A352-DCC35582EF6E}"/>
+                <a16:creationId xmlns="" xmlns:a16="http://schemas.microsoft.com/office/drawing/2014/main" id="{97C4BBBF-2766-055C-A352-DCC35582EF6E}"/>
               </a:ext>
             </a:extLst>
           </p:cNvPr>
@@ -4751,7 +1833,7 @@
           <a:p>
             <a:fld id="{8FA12286-A5EA-4AC4-B7FC-0C9119C592F0}" type="datetimeFigureOut">
               <a:rPr lang="en-IN" smtClean="0"/>
-              <a:t>20-02-2024</a:t>
+              <a:t>21-02-2024</a:t>
             </a:fld>
             <a:endParaRPr lang="en-IN"/>
           </a:p>
@@ -4762,7 +1844,7 @@
           <p:cNvPr id="8" name="Footer Placeholder 7">
             <a:extLst>
               <a:ext uri="{FF2B5EF4-FFF2-40B4-BE49-F238E27FC236}">
-                <a16:creationId xmlns:a16="http://schemas.microsoft.com/office/drawing/2014/main" xmlns="" id="{B18BE318-DDBB-B955-CCAE-17A4B4EB0376}"/>
+                <a16:creationId xmlns="" xmlns:a16="http://schemas.microsoft.com/office/drawing/2014/main" id="{B18BE318-DDBB-B955-CCAE-17A4B4EB0376}"/>
               </a:ext>
             </a:extLst>
           </p:cNvPr>
@@ -4787,7 +1869,7 @@
           <p:cNvPr id="9" name="Slide Number Placeholder 8">
             <a:extLst>
               <a:ext uri="{FF2B5EF4-FFF2-40B4-BE49-F238E27FC236}">
-                <a16:creationId xmlns:a16="http://schemas.microsoft.com/office/drawing/2014/main" xmlns="" id="{C14C1F60-4B2D-3C88-A21B-E68732EDB8C5}"/>
+                <a16:creationId xmlns="" xmlns:a16="http://schemas.microsoft.com/office/drawing/2014/main" id="{C14C1F60-4B2D-3C88-A21B-E68732EDB8C5}"/>
               </a:ext>
             </a:extLst>
           </p:cNvPr>
@@ -4846,7 +1928,7 @@
           <p:cNvPr id="2" name="Title 1">
             <a:extLst>
               <a:ext uri="{FF2B5EF4-FFF2-40B4-BE49-F238E27FC236}">
-                <a16:creationId xmlns:a16="http://schemas.microsoft.com/office/drawing/2014/main" xmlns="" id="{D94F7DB6-0187-1BAD-43EA-9C6A96A7156C}"/>
+                <a16:creationId xmlns="" xmlns:a16="http://schemas.microsoft.com/office/drawing/2014/main" id="{D94F7DB6-0187-1BAD-43EA-9C6A96A7156C}"/>
               </a:ext>
             </a:extLst>
           </p:cNvPr>
@@ -4875,7 +1957,7 @@
           <p:cNvPr id="3" name="Date Placeholder 2">
             <a:extLst>
               <a:ext uri="{FF2B5EF4-FFF2-40B4-BE49-F238E27FC236}">
-                <a16:creationId xmlns:a16="http://schemas.microsoft.com/office/drawing/2014/main" xmlns="" id="{EA09B27A-D96B-69C8-9144-EA5D213136EF}"/>
+                <a16:creationId xmlns="" xmlns:a16="http://schemas.microsoft.com/office/drawing/2014/main" id="{EA09B27A-D96B-69C8-9144-EA5D213136EF}"/>
               </a:ext>
             </a:extLst>
           </p:cNvPr>
@@ -4893,7 +1975,7 @@
           <a:p>
             <a:fld id="{8FA12286-A5EA-4AC4-B7FC-0C9119C592F0}" type="datetimeFigureOut">
               <a:rPr lang="en-IN" smtClean="0"/>
-              <a:t>20-02-2024</a:t>
+              <a:t>21-02-2024</a:t>
             </a:fld>
             <a:endParaRPr lang="en-IN"/>
           </a:p>
@@ -4904,7 +1986,7 @@
           <p:cNvPr id="4" name="Footer Placeholder 3">
             <a:extLst>
               <a:ext uri="{FF2B5EF4-FFF2-40B4-BE49-F238E27FC236}">
-                <a16:creationId xmlns:a16="http://schemas.microsoft.com/office/drawing/2014/main" xmlns="" id="{B82A0427-D6C7-8DDC-9797-3C0E897717B8}"/>
+                <a16:creationId xmlns="" xmlns:a16="http://schemas.microsoft.com/office/drawing/2014/main" id="{B82A0427-D6C7-8DDC-9797-3C0E897717B8}"/>
               </a:ext>
             </a:extLst>
           </p:cNvPr>
@@ -4929,7 +2011,7 @@
           <p:cNvPr id="5" name="Slide Number Placeholder 4">
             <a:extLst>
               <a:ext uri="{FF2B5EF4-FFF2-40B4-BE49-F238E27FC236}">
-                <a16:creationId xmlns:a16="http://schemas.microsoft.com/office/drawing/2014/main" xmlns="" id="{61DD65A5-53DC-72EA-FC0E-1D333F75A62E}"/>
+                <a16:creationId xmlns="" xmlns:a16="http://schemas.microsoft.com/office/drawing/2014/main" id="{61DD65A5-53DC-72EA-FC0E-1D333F75A62E}"/>
               </a:ext>
             </a:extLst>
           </p:cNvPr>
@@ -4988,7 +2070,7 @@
           <p:cNvPr id="2" name="Date Placeholder 1">
             <a:extLst>
               <a:ext uri="{FF2B5EF4-FFF2-40B4-BE49-F238E27FC236}">
-                <a16:creationId xmlns:a16="http://schemas.microsoft.com/office/drawing/2014/main" xmlns="" id="{97267AEF-79E0-4C69-66E1-3E2C995320D9}"/>
+                <a16:creationId xmlns="" xmlns:a16="http://schemas.microsoft.com/office/drawing/2014/main" id="{97267AEF-79E0-4C69-66E1-3E2C995320D9}"/>
               </a:ext>
             </a:extLst>
           </p:cNvPr>
@@ -5006,7 +2088,7 @@
           <a:p>
             <a:fld id="{8FA12286-A5EA-4AC4-B7FC-0C9119C592F0}" type="datetimeFigureOut">
               <a:rPr lang="en-IN" smtClean="0"/>
-              <a:t>20-02-2024</a:t>
+              <a:t>21-02-2024</a:t>
             </a:fld>
             <a:endParaRPr lang="en-IN"/>
           </a:p>
@@ -5017,7 +2099,7 @@
           <p:cNvPr id="3" name="Footer Placeholder 2">
             <a:extLst>
               <a:ext uri="{FF2B5EF4-FFF2-40B4-BE49-F238E27FC236}">
-                <a16:creationId xmlns:a16="http://schemas.microsoft.com/office/drawing/2014/main" xmlns="" id="{398CE0E6-D9AA-A22A-2DDB-FDEEFB672F8F}"/>
+                <a16:creationId xmlns="" xmlns:a16="http://schemas.microsoft.com/office/drawing/2014/main" id="{398CE0E6-D9AA-A22A-2DDB-FDEEFB672F8F}"/>
               </a:ext>
             </a:extLst>
           </p:cNvPr>
@@ -5042,7 +2124,7 @@
           <p:cNvPr id="4" name="Slide Number Placeholder 3">
             <a:extLst>
               <a:ext uri="{FF2B5EF4-FFF2-40B4-BE49-F238E27FC236}">
-                <a16:creationId xmlns:a16="http://schemas.microsoft.com/office/drawing/2014/main" xmlns="" id="{C564109A-948F-57EF-479E-C314C46D0CA4}"/>
+                <a16:creationId xmlns="" xmlns:a16="http://schemas.microsoft.com/office/drawing/2014/main" id="{C564109A-948F-57EF-479E-C314C46D0CA4}"/>
               </a:ext>
             </a:extLst>
           </p:cNvPr>
@@ -5101,7 +2183,7 @@
           <p:cNvPr id="2" name="Title 1">
             <a:extLst>
               <a:ext uri="{FF2B5EF4-FFF2-40B4-BE49-F238E27FC236}">
-                <a16:creationId xmlns:a16="http://schemas.microsoft.com/office/drawing/2014/main" xmlns="" id="{E676720E-09F0-1BAD-8C0A-C46EE7681FAC}"/>
+                <a16:creationId xmlns="" xmlns:a16="http://schemas.microsoft.com/office/drawing/2014/main" id="{E676720E-09F0-1BAD-8C0A-C46EE7681FAC}"/>
               </a:ext>
             </a:extLst>
           </p:cNvPr>
@@ -5139,7 +2221,7 @@
           <p:cNvPr id="3" name="Content Placeholder 2">
             <a:extLst>
               <a:ext uri="{FF2B5EF4-FFF2-40B4-BE49-F238E27FC236}">
-                <a16:creationId xmlns:a16="http://schemas.microsoft.com/office/drawing/2014/main" xmlns="" id="{0B006AAB-E41D-0003-FD36-BEC88B73A1A6}"/>
+                <a16:creationId xmlns="" xmlns:a16="http://schemas.microsoft.com/office/drawing/2014/main" id="{0B006AAB-E41D-0003-FD36-BEC88B73A1A6}"/>
               </a:ext>
             </a:extLst>
           </p:cNvPr>
@@ -5230,7 +2312,7 @@
           <p:cNvPr id="4" name="Text Placeholder 3">
             <a:extLst>
               <a:ext uri="{FF2B5EF4-FFF2-40B4-BE49-F238E27FC236}">
-                <a16:creationId xmlns:a16="http://schemas.microsoft.com/office/drawing/2014/main" xmlns="" id="{5B10666A-D3B0-C1BC-0EB0-499B99D4B3F7}"/>
+                <a16:creationId xmlns="" xmlns:a16="http://schemas.microsoft.com/office/drawing/2014/main" id="{5B10666A-D3B0-C1BC-0EB0-499B99D4B3F7}"/>
               </a:ext>
             </a:extLst>
           </p:cNvPr>
@@ -5301,7 +2383,7 @@
           <p:cNvPr id="5" name="Date Placeholder 4">
             <a:extLst>
               <a:ext uri="{FF2B5EF4-FFF2-40B4-BE49-F238E27FC236}">
-                <a16:creationId xmlns:a16="http://schemas.microsoft.com/office/drawing/2014/main" xmlns="" id="{E2116256-9C67-4BBA-93A5-7A780F229FD1}"/>
+                <a16:creationId xmlns="" xmlns:a16="http://schemas.microsoft.com/office/drawing/2014/main" id="{E2116256-9C67-4BBA-93A5-7A780F229FD1}"/>
               </a:ext>
             </a:extLst>
           </p:cNvPr>
@@ -5319,7 +2401,7 @@
           <a:p>
             <a:fld id="{8FA12286-A5EA-4AC4-B7FC-0C9119C592F0}" type="datetimeFigureOut">
               <a:rPr lang="en-IN" smtClean="0"/>
-              <a:t>20-02-2024</a:t>
+              <a:t>21-02-2024</a:t>
             </a:fld>
             <a:endParaRPr lang="en-IN"/>
           </a:p>
@@ -5330,7 +2412,7 @@
           <p:cNvPr id="6" name="Footer Placeholder 5">
             <a:extLst>
               <a:ext uri="{FF2B5EF4-FFF2-40B4-BE49-F238E27FC236}">
-                <a16:creationId xmlns:a16="http://schemas.microsoft.com/office/drawing/2014/main" xmlns="" id="{CD23DF2C-0D8A-93ED-D035-19740E412D24}"/>
+                <a16:creationId xmlns="" xmlns:a16="http://schemas.microsoft.com/office/drawing/2014/main" id="{CD23DF2C-0D8A-93ED-D035-19740E412D24}"/>
               </a:ext>
             </a:extLst>
           </p:cNvPr>
@@ -5355,7 +2437,7 @@
           <p:cNvPr id="7" name="Slide Number Placeholder 6">
             <a:extLst>
               <a:ext uri="{FF2B5EF4-FFF2-40B4-BE49-F238E27FC236}">
-                <a16:creationId xmlns:a16="http://schemas.microsoft.com/office/drawing/2014/main" xmlns="" id="{CFECAE29-6064-9B36-29B3-2E92350B6C2F}"/>
+                <a16:creationId xmlns="" xmlns:a16="http://schemas.microsoft.com/office/drawing/2014/main" id="{CFECAE29-6064-9B36-29B3-2E92350B6C2F}"/>
               </a:ext>
             </a:extLst>
           </p:cNvPr>
@@ -5414,7 +2496,7 @@
           <p:cNvPr id="2" name="Title 1">
             <a:extLst>
               <a:ext uri="{FF2B5EF4-FFF2-40B4-BE49-F238E27FC236}">
-                <a16:creationId xmlns:a16="http://schemas.microsoft.com/office/drawing/2014/main" xmlns="" id="{4F877808-B68C-8146-05E7-5A522D7E6899}"/>
+                <a16:creationId xmlns="" xmlns:a16="http://schemas.microsoft.com/office/drawing/2014/main" id="{4F877808-B68C-8146-05E7-5A522D7E6899}"/>
               </a:ext>
             </a:extLst>
           </p:cNvPr>
@@ -5452,7 +2534,7 @@
           <p:cNvPr id="3" name="Picture Placeholder 2">
             <a:extLst>
               <a:ext uri="{FF2B5EF4-FFF2-40B4-BE49-F238E27FC236}">
-                <a16:creationId xmlns:a16="http://schemas.microsoft.com/office/drawing/2014/main" xmlns="" id="{26BEB7E2-BB67-5F61-8923-B1E583C82F75}"/>
+                <a16:creationId xmlns="" xmlns:a16="http://schemas.microsoft.com/office/drawing/2014/main" id="{26BEB7E2-BB67-5F61-8923-B1E583C82F75}"/>
               </a:ext>
             </a:extLst>
           </p:cNvPr>
@@ -5519,7 +2601,7 @@
           <p:cNvPr id="4" name="Text Placeholder 3">
             <a:extLst>
               <a:ext uri="{FF2B5EF4-FFF2-40B4-BE49-F238E27FC236}">
-                <a16:creationId xmlns:a16="http://schemas.microsoft.com/office/drawing/2014/main" xmlns="" id="{7C48373A-D44B-1E46-6596-6440802FFA57}"/>
+                <a16:creationId xmlns="" xmlns:a16="http://schemas.microsoft.com/office/drawing/2014/main" id="{7C48373A-D44B-1E46-6596-6440802FFA57}"/>
               </a:ext>
             </a:extLst>
           </p:cNvPr>
@@ -5590,7 +2672,7 @@
           <p:cNvPr id="5" name="Date Placeholder 4">
             <a:extLst>
               <a:ext uri="{FF2B5EF4-FFF2-40B4-BE49-F238E27FC236}">
-                <a16:creationId xmlns:a16="http://schemas.microsoft.com/office/drawing/2014/main" xmlns="" id="{BBECAA2B-992F-2E85-BC8A-85A054E629A3}"/>
+                <a16:creationId xmlns="" xmlns:a16="http://schemas.microsoft.com/office/drawing/2014/main" id="{BBECAA2B-992F-2E85-BC8A-85A054E629A3}"/>
               </a:ext>
             </a:extLst>
           </p:cNvPr>
@@ -5608,7 +2690,7 @@
           <a:p>
             <a:fld id="{8FA12286-A5EA-4AC4-B7FC-0C9119C592F0}" type="datetimeFigureOut">
               <a:rPr lang="en-IN" smtClean="0"/>
-              <a:t>20-02-2024</a:t>
+              <a:t>21-02-2024</a:t>
             </a:fld>
             <a:endParaRPr lang="en-IN"/>
           </a:p>
@@ -5619,7 +2701,7 @@
           <p:cNvPr id="6" name="Footer Placeholder 5">
             <a:extLst>
               <a:ext uri="{FF2B5EF4-FFF2-40B4-BE49-F238E27FC236}">
-                <a16:creationId xmlns:a16="http://schemas.microsoft.com/office/drawing/2014/main" xmlns="" id="{63093627-D063-ACFF-F3C5-6AA9C76B714A}"/>
+                <a16:creationId xmlns="" xmlns:a16="http://schemas.microsoft.com/office/drawing/2014/main" id="{63093627-D063-ACFF-F3C5-6AA9C76B714A}"/>
               </a:ext>
             </a:extLst>
           </p:cNvPr>
@@ -5644,7 +2726,7 @@
           <p:cNvPr id="7" name="Slide Number Placeholder 6">
             <a:extLst>
               <a:ext uri="{FF2B5EF4-FFF2-40B4-BE49-F238E27FC236}">
-                <a16:creationId xmlns:a16="http://schemas.microsoft.com/office/drawing/2014/main" xmlns="" id="{3C244702-F51F-5478-865B-8CC048C5E912}"/>
+                <a16:creationId xmlns="" xmlns:a16="http://schemas.microsoft.com/office/drawing/2014/main" id="{3C244702-F51F-5478-865B-8CC048C5E912}"/>
               </a:ext>
             </a:extLst>
           </p:cNvPr>
@@ -5708,7 +2790,7 @@
           <p:cNvPr id="2" name="Title Placeholder 1">
             <a:extLst>
               <a:ext uri="{FF2B5EF4-FFF2-40B4-BE49-F238E27FC236}">
-                <a16:creationId xmlns:a16="http://schemas.microsoft.com/office/drawing/2014/main" xmlns="" id="{CB7540D6-A27A-0484-1F88-A493FA683E6B}"/>
+                <a16:creationId xmlns="" xmlns:a16="http://schemas.microsoft.com/office/drawing/2014/main" id="{CB7540D6-A27A-0484-1F88-A493FA683E6B}"/>
               </a:ext>
             </a:extLst>
           </p:cNvPr>
@@ -5747,7 +2829,7 @@
           <p:cNvPr id="3" name="Text Placeholder 2">
             <a:extLst>
               <a:ext uri="{FF2B5EF4-FFF2-40B4-BE49-F238E27FC236}">
-                <a16:creationId xmlns:a16="http://schemas.microsoft.com/office/drawing/2014/main" xmlns="" id="{55F724A5-15D9-1F59-AB9A-6D17164BB889}"/>
+                <a16:creationId xmlns="" xmlns:a16="http://schemas.microsoft.com/office/drawing/2014/main" id="{55F724A5-15D9-1F59-AB9A-6D17164BB889}"/>
               </a:ext>
             </a:extLst>
           </p:cNvPr>
@@ -5815,7 +2897,7 @@
           <p:cNvPr id="4" name="Date Placeholder 3">
             <a:extLst>
               <a:ext uri="{FF2B5EF4-FFF2-40B4-BE49-F238E27FC236}">
-                <a16:creationId xmlns:a16="http://schemas.microsoft.com/office/drawing/2014/main" xmlns="" id="{50A005BA-2090-F70D-B97C-6C24A73ABF70}"/>
+                <a16:creationId xmlns="" xmlns:a16="http://schemas.microsoft.com/office/drawing/2014/main" id="{50A005BA-2090-F70D-B97C-6C24A73ABF70}"/>
               </a:ext>
             </a:extLst>
           </p:cNvPr>
@@ -5851,7 +2933,7 @@
           <a:p>
             <a:fld id="{8FA12286-A5EA-4AC4-B7FC-0C9119C592F0}" type="datetimeFigureOut">
               <a:rPr lang="en-IN" smtClean="0"/>
-              <a:t>20-02-2024</a:t>
+              <a:t>21-02-2024</a:t>
             </a:fld>
             <a:endParaRPr lang="en-IN"/>
           </a:p>
@@ -5862,7 +2944,7 @@
           <p:cNvPr id="5" name="Footer Placeholder 4">
             <a:extLst>
               <a:ext uri="{FF2B5EF4-FFF2-40B4-BE49-F238E27FC236}">
-                <a16:creationId xmlns:a16="http://schemas.microsoft.com/office/drawing/2014/main" xmlns="" id="{89A3D8B9-EBC6-F30D-EFAC-C65D63AACA98}"/>
+                <a16:creationId xmlns="" xmlns:a16="http://schemas.microsoft.com/office/drawing/2014/main" id="{89A3D8B9-EBC6-F30D-EFAC-C65D63AACA98}"/>
               </a:ext>
             </a:extLst>
           </p:cNvPr>
@@ -5905,7 +2987,7 @@
           <p:cNvPr id="6" name="Slide Number Placeholder 5">
             <a:extLst>
               <a:ext uri="{FF2B5EF4-FFF2-40B4-BE49-F238E27FC236}">
-                <a16:creationId xmlns:a16="http://schemas.microsoft.com/office/drawing/2014/main" xmlns="" id="{6FDAB874-A1FB-5905-62A2-C1FF15226390}"/>
+                <a16:creationId xmlns="" xmlns:a16="http://schemas.microsoft.com/office/drawing/2014/main" id="{6FDAB874-A1FB-5905-62A2-C1FF15226390}"/>
               </a:ext>
             </a:extLst>
           </p:cNvPr>
@@ -6259,7 +3341,7 @@
         <p:cNvPr id="1" name="">
           <a:extLst>
             <a:ext uri="{FF2B5EF4-FFF2-40B4-BE49-F238E27FC236}">
-              <a16:creationId xmlns:a16="http://schemas.microsoft.com/office/drawing/2014/main" xmlns="" id="{74E5C1AD-076B-264A-A08A-E035D8F884A5}"/>
+              <a16:creationId xmlns="" xmlns:a16="http://schemas.microsoft.com/office/drawing/2014/main" id="{74E5C1AD-076B-264A-A08A-E035D8F884A5}"/>
             </a:ext>
           </a:extLst>
         </p:cNvPr>
@@ -6279,7 +3361,7 @@
           <p:cNvPr id="15" name="Picture 14">
             <a:extLst>
               <a:ext uri="{FF2B5EF4-FFF2-40B4-BE49-F238E27FC236}">
-                <a16:creationId xmlns:a16="http://schemas.microsoft.com/office/drawing/2014/main" xmlns="" id="{FF84E7B6-67A0-3783-5A0F-10D6FFD6BECB}"/>
+                <a16:creationId xmlns="" xmlns:a16="http://schemas.microsoft.com/office/drawing/2014/main" id="{FF84E7B6-67A0-3783-5A0F-10D6FFD6BECB}"/>
               </a:ext>
             </a:extLst>
           </p:cNvPr>
@@ -6318,8 +3400,8 @@
         </p:nvSpPr>
         <p:spPr>
           <a:xfrm>
-            <a:off x="3928872" y="557784"/>
-            <a:ext cx="4334256" cy="646331"/>
+            <a:off x="3117342" y="557784"/>
+            <a:ext cx="5957316" cy="646331"/>
           </a:xfrm>
           <a:prstGeom prst="rect">
             <a:avLst/>
@@ -6339,8 +3421,14 @@
                 </a:solidFill>
                 <a:latin typeface="Oxygen" panose="02000503000000000000" pitchFamily="2" charset="0"/>
               </a:rPr>
-              <a:t>Acknowledgement</a:t>
-            </a:r>
+              <a:t>Introduction to Our Course</a:t>
+            </a:r>
+            <a:endParaRPr lang="en-US" sz="3600" b="1" dirty="0" smtClean="0">
+              <a:solidFill>
+                <a:srgbClr val="92D050"/>
+              </a:solidFill>
+              <a:latin typeface="Oxygen" panose="02000503000000000000" pitchFamily="2" charset="0"/>
+            </a:endParaRPr>
           </a:p>
         </p:txBody>
       </p:sp>
@@ -6352,8 +3440,8 @@
         </p:nvSpPr>
         <p:spPr>
           <a:xfrm flipH="1">
-            <a:off x="1041116" y="2063187"/>
-            <a:ext cx="6603268" cy="3046988"/>
+            <a:off x="315242" y="2459058"/>
+            <a:ext cx="9276814" cy="2031325"/>
           </a:xfrm>
           <a:prstGeom prst="rect">
             <a:avLst/>
@@ -6366,28 +3454,200 @@
           </a:bodyPr>
           <a:lstStyle/>
           <a:p>
-            <a:r>
-              <a:rPr lang="en-US" sz="1600" dirty="0" smtClean="0">
-                <a:latin typeface="Oxygen" panose="02000503000000000000" pitchFamily="2" charset="0"/>
-              </a:rPr>
-              <a:t>This course introduces fundamental concepts and principles of effective communication. Learners will get accustomed to various communication skills, strategies, and techniques applicable to personal , professional, and academic contexts. The unique contents of this course will not only inspire confidence in the learners , but will lead them onto being LEADERS. The curriculum has been planned with meticulous observation preluded by a period of thorough research. </a:t>
-            </a:r>
-            <a:r>
-              <a:rPr lang="en-US" sz="1600" b="1" dirty="0" smtClean="0">
-                <a:solidFill>
-                  <a:srgbClr val="FF8C52"/>
-                </a:solidFill>
-                <a:latin typeface="Oxygen" panose="02000503000000000000" pitchFamily="2" charset="0"/>
-              </a:rPr>
-              <a:t>Anodiam</a:t>
-            </a:r>
-            <a:r>
-              <a:rPr lang="en-US" sz="1600" dirty="0" smtClean="0">
-                <a:latin typeface="Oxygen" panose="02000503000000000000" pitchFamily="2" charset="0"/>
-              </a:rPr>
-              <a:t> believes in creating LEADERS for tomorrow , who would further pass on the fire of communication like Prometheus. This 12 weeks’ course will effectively translate new learners into the best of communicators. Upon completion of the curriculum there would be a final assessment serving as an evaluating paradigm.  </a:t>
-            </a:r>
-            <a:endParaRPr lang="en-AU" sz="1600" dirty="0">
+            <a:pPr marL="171450" indent="-171450">
+              <a:lnSpc>
+                <a:spcPct val="150000"/>
+              </a:lnSpc>
+              <a:buFont typeface="Wingdings" panose="05000000000000000000" pitchFamily="2" charset="2"/>
+              <a:buChar char="Ø"/>
+            </a:pPr>
+            <a:r>
+              <a:rPr lang="en-US" sz="1400" dirty="0" smtClean="0">
+                <a:latin typeface="Oxygen" panose="02000503000000000000" pitchFamily="2" charset="0"/>
+              </a:rPr>
+              <a:t>This course introduces fundamental concepts of effective communication</a:t>
+            </a:r>
+          </a:p>
+          <a:p>
+            <a:pPr marL="171450" indent="-171450">
+              <a:lnSpc>
+                <a:spcPct val="150000"/>
+              </a:lnSpc>
+              <a:buFont typeface="Wingdings" panose="05000000000000000000" pitchFamily="2" charset="2"/>
+              <a:buChar char="Ø"/>
+            </a:pPr>
+            <a:r>
+              <a:rPr lang="en-US" sz="1400" dirty="0" smtClean="0">
+                <a:latin typeface="Oxygen" panose="02000503000000000000" pitchFamily="2" charset="0"/>
+              </a:rPr>
+              <a:t>You </a:t>
+            </a:r>
+            <a:r>
+              <a:rPr lang="en-US" sz="1400" dirty="0">
+                <a:latin typeface="Oxygen" panose="02000503000000000000" pitchFamily="2" charset="0"/>
+              </a:rPr>
+              <a:t>will learn </a:t>
+            </a:r>
+            <a:r>
+              <a:rPr lang="en-US" sz="1400" dirty="0" smtClean="0">
+                <a:latin typeface="Oxygen" panose="02000503000000000000" pitchFamily="2" charset="0"/>
+              </a:rPr>
+              <a:t>various skills and </a:t>
+            </a:r>
+            <a:r>
+              <a:rPr lang="en-US" sz="1400" dirty="0">
+                <a:latin typeface="Oxygen" panose="02000503000000000000" pitchFamily="2" charset="0"/>
+              </a:rPr>
+              <a:t>strategies </a:t>
+            </a:r>
+            <a:r>
+              <a:rPr lang="en-US" sz="1400" dirty="0" smtClean="0">
+                <a:latin typeface="Oxygen" panose="02000503000000000000" pitchFamily="2" charset="0"/>
+              </a:rPr>
+              <a:t>for personal</a:t>
+            </a:r>
+            <a:r>
+              <a:rPr lang="en-US" sz="1400" dirty="0">
+                <a:latin typeface="Oxygen" panose="02000503000000000000" pitchFamily="2" charset="0"/>
+              </a:rPr>
+              <a:t>, professional and academic </a:t>
+            </a:r>
+            <a:r>
+              <a:rPr lang="en-US" sz="1400" dirty="0" smtClean="0">
+                <a:latin typeface="Oxygen" panose="02000503000000000000" pitchFamily="2" charset="0"/>
+              </a:rPr>
+              <a:t>communication</a:t>
+            </a:r>
+            <a:endParaRPr lang="en-US" sz="1400" dirty="0" smtClean="0">
+              <a:latin typeface="Oxygen" panose="02000503000000000000" pitchFamily="2" charset="0"/>
+            </a:endParaRPr>
+          </a:p>
+          <a:p>
+            <a:pPr marL="171450" indent="-171450">
+              <a:lnSpc>
+                <a:spcPct val="150000"/>
+              </a:lnSpc>
+              <a:buFont typeface="Wingdings" panose="05000000000000000000" pitchFamily="2" charset="2"/>
+              <a:buChar char="Ø"/>
+            </a:pPr>
+            <a:r>
+              <a:rPr lang="en-US" sz="1400" dirty="0" smtClean="0">
+                <a:latin typeface="Oxygen" panose="02000503000000000000" pitchFamily="2" charset="0"/>
+              </a:rPr>
+              <a:t>The unique contents of this course will </a:t>
+            </a:r>
+            <a:r>
+              <a:rPr lang="en-US" sz="1400" dirty="0" smtClean="0">
+                <a:latin typeface="Oxygen" panose="02000503000000000000" pitchFamily="2" charset="0"/>
+              </a:rPr>
+              <a:t>boost your</a:t>
+            </a:r>
+            <a:r>
+              <a:rPr lang="en-US" sz="1400" dirty="0" smtClean="0">
+                <a:latin typeface="Oxygen" panose="02000503000000000000" pitchFamily="2" charset="0"/>
+              </a:rPr>
+              <a:t> confidence to be better in expressing yourself</a:t>
+            </a:r>
+          </a:p>
+          <a:p>
+            <a:pPr marL="171450" indent="-171450">
+              <a:lnSpc>
+                <a:spcPct val="150000"/>
+              </a:lnSpc>
+              <a:buFont typeface="Wingdings" panose="05000000000000000000" pitchFamily="2" charset="2"/>
+              <a:buChar char="Ø"/>
+            </a:pPr>
+            <a:r>
+              <a:rPr lang="en-US" sz="1400" dirty="0" smtClean="0">
+                <a:latin typeface="Oxygen" panose="02000503000000000000" pitchFamily="2" charset="0"/>
+              </a:rPr>
+              <a:t>The curriculum has been planned with meticulous observation preluded by a period of thorough research</a:t>
+            </a:r>
+          </a:p>
+          <a:p>
+            <a:pPr marL="171450" indent="-171450">
+              <a:lnSpc>
+                <a:spcPct val="150000"/>
+              </a:lnSpc>
+              <a:buFont typeface="Wingdings" panose="05000000000000000000" pitchFamily="2" charset="2"/>
+              <a:buChar char="Ø"/>
+            </a:pPr>
+            <a:r>
+              <a:rPr lang="en-US" sz="1400" dirty="0" smtClean="0">
+                <a:latin typeface="Oxygen" panose="02000503000000000000" pitchFamily="2" charset="0"/>
+              </a:rPr>
+              <a:t>We believe in creating </a:t>
+            </a:r>
+            <a:r>
+              <a:rPr lang="en-US" sz="1400" b="1" dirty="0" smtClean="0">
+                <a:latin typeface="Oxygen" panose="02000503000000000000" pitchFamily="2" charset="0"/>
+              </a:rPr>
+              <a:t>LEADERS</a:t>
+            </a:r>
+            <a:r>
+              <a:rPr lang="en-US" sz="1400" dirty="0" smtClean="0">
+                <a:latin typeface="Oxygen" panose="02000503000000000000" pitchFamily="2" charset="0"/>
+              </a:rPr>
+              <a:t> for tomorrow, who would pass on the fire of communication like </a:t>
+            </a:r>
+            <a:r>
+              <a:rPr lang="en-US" sz="1400" b="1" dirty="0" smtClean="0">
+                <a:latin typeface="Oxygen" panose="02000503000000000000" pitchFamily="2" charset="0"/>
+              </a:rPr>
+              <a:t>Prometheus</a:t>
+            </a:r>
+            <a:r>
+              <a:rPr lang="en-US" sz="1400" dirty="0" smtClean="0">
+                <a:latin typeface="Oxygen" panose="02000503000000000000" pitchFamily="2" charset="0"/>
+              </a:rPr>
+              <a:t> </a:t>
+            </a:r>
+          </a:p>
+          <a:p>
+            <a:pPr marL="171450" indent="-171450">
+              <a:lnSpc>
+                <a:spcPct val="150000"/>
+              </a:lnSpc>
+              <a:buFont typeface="Wingdings" panose="05000000000000000000" pitchFamily="2" charset="2"/>
+              <a:buChar char="Ø"/>
+            </a:pPr>
+            <a:r>
+              <a:rPr lang="en-US" sz="1400" dirty="0" smtClean="0">
+                <a:latin typeface="Oxygen" panose="02000503000000000000" pitchFamily="2" charset="0"/>
+              </a:rPr>
+              <a:t>Upon completion </a:t>
+            </a:r>
+            <a:r>
+              <a:rPr lang="en-US" sz="1400" dirty="0">
+                <a:latin typeface="Oxygen" panose="02000503000000000000" pitchFamily="2" charset="0"/>
+              </a:rPr>
+              <a:t>of </a:t>
+            </a:r>
+            <a:r>
+              <a:rPr lang="en-US" sz="1400" dirty="0" smtClean="0">
+                <a:latin typeface="Oxygen" panose="02000503000000000000" pitchFamily="2" charset="0"/>
+              </a:rPr>
+              <a:t>this </a:t>
+            </a:r>
+            <a:r>
+              <a:rPr lang="en-US" sz="1400" b="1" dirty="0">
+                <a:latin typeface="Oxygen" panose="02000503000000000000" pitchFamily="2" charset="0"/>
+              </a:rPr>
+              <a:t>12 weeks’ </a:t>
+            </a:r>
+            <a:r>
+              <a:rPr lang="en-US" sz="1400" dirty="0" smtClean="0">
+                <a:latin typeface="Oxygen" panose="02000503000000000000" pitchFamily="2" charset="0"/>
+              </a:rPr>
+              <a:t>course, there </a:t>
+            </a:r>
+            <a:r>
+              <a:rPr lang="en-US" sz="1400" dirty="0" smtClean="0">
+                <a:latin typeface="Oxygen" panose="02000503000000000000" pitchFamily="2" charset="0"/>
+              </a:rPr>
+              <a:t>would be a final assessment serving as an evaluating paradigm </a:t>
+            </a:r>
+            <a:endParaRPr lang="en-AU" sz="1400" dirty="0">
               <a:latin typeface="Oxygen" panose="02000503000000000000" pitchFamily="2" charset="0"/>
             </a:endParaRPr>
           </a:p>
@@ -6401,7 +3661,7 @@
           </p:cNvPicPr>
           <p:nvPr/>
         </p:nvPicPr>
-        <p:blipFill>
+        <p:blipFill rotWithShape="1">
           <a:blip r:embed="rId3">
             <a:extLst>
               <a:ext uri="{28A0092B-C50C-407E-A947-70E740481C1C}">
@@ -6409,15 +3669,13 @@
               </a:ext>
             </a:extLst>
           </a:blip>
-          <a:srcRect/>
-          <a:stretch>
-            <a:fillRect/>
-          </a:stretch>
+          <a:srcRect t="15177" b="-729"/>
+          <a:stretch/>
         </p:blipFill>
         <p:spPr bwMode="auto">
           <a:xfrm>
-            <a:off x="8590598" y="1681681"/>
-            <a:ext cx="2381250" cy="3810000"/>
+            <a:off x="9729216" y="2112942"/>
+            <a:ext cx="2048256" cy="3099138"/>
           </a:xfrm>
           <a:prstGeom prst="rect">
             <a:avLst/>
@@ -6462,7 +3720,7 @@
         <p:cNvPr id="1" name="">
           <a:extLst>
             <a:ext uri="{FF2B5EF4-FFF2-40B4-BE49-F238E27FC236}">
-              <a16:creationId xmlns:a16="http://schemas.microsoft.com/office/drawing/2014/main" xmlns="" id="{74E5C1AD-076B-264A-A08A-E035D8F884A5}"/>
+              <a16:creationId xmlns="" xmlns:a16="http://schemas.microsoft.com/office/drawing/2014/main" id="{74E5C1AD-076B-264A-A08A-E035D8F884A5}"/>
             </a:ext>
           </a:extLst>
         </p:cNvPr>
@@ -6482,7 +3740,7 @@
           <p:cNvPr id="15" name="Picture 14">
             <a:extLst>
               <a:ext uri="{FF2B5EF4-FFF2-40B4-BE49-F238E27FC236}">
-                <a16:creationId xmlns:a16="http://schemas.microsoft.com/office/drawing/2014/main" xmlns="" id="{FF84E7B6-67A0-3783-5A0F-10D6FFD6BECB}"/>
+                <a16:creationId xmlns="" xmlns:a16="http://schemas.microsoft.com/office/drawing/2014/main" id="{FF84E7B6-67A0-3783-5A0F-10D6FFD6BECB}"/>
               </a:ext>
             </a:extLst>
           </p:cNvPr>
@@ -6515,20 +3773,14 @@
       </p:pic>
       <p:sp>
         <p:nvSpPr>
-          <p:cNvPr id="2" name="TextBox 1">
-            <a:extLst>
-              <a:ext uri="{FF2B5EF4-FFF2-40B4-BE49-F238E27FC236}">
-                <a16:creationId xmlns:a16="http://schemas.microsoft.com/office/drawing/2014/main" xmlns="" id="{03D3279A-1650-4AC4-E3FE-CD147CA2B563}"/>
-              </a:ext>
-            </a:extLst>
-          </p:cNvPr>
+          <p:cNvPr id="3" name="TextBox 2"/>
           <p:cNvSpPr txBox="1"/>
           <p:nvPr/>
         </p:nvSpPr>
         <p:spPr>
           <a:xfrm>
-            <a:off x="3741123" y="5896094"/>
-            <a:ext cx="4709754" cy="338554"/>
+            <a:off x="4293108" y="557784"/>
+            <a:ext cx="3605784" cy="646331"/>
           </a:xfrm>
           <a:prstGeom prst="rect">
             <a:avLst/>
@@ -6542,12 +3794,18 @@
           <a:lstStyle/>
           <a:p>
             <a:r>
-              <a:rPr lang="en-IN" sz="1600" b="1" dirty="0" smtClean="0">
-                <a:latin typeface="Oxygen" panose="02000503000000000000" pitchFamily="2" charset="0"/>
-              </a:rPr>
-              <a:t>Overview of Complete Communication Process</a:t>
-            </a:r>
-            <a:endParaRPr lang="en-IN" sz="1600" b="1" dirty="0">
+              <a:rPr lang="en-US" sz="3600" b="1" dirty="0" smtClean="0">
+                <a:solidFill>
+                  <a:srgbClr val="5C22FE"/>
+                </a:solidFill>
+                <a:latin typeface="Oxygen" panose="02000503000000000000" pitchFamily="2" charset="0"/>
+              </a:rPr>
+              <a:t>Communication</a:t>
+            </a:r>
+            <a:endParaRPr lang="en-US" sz="3600" b="1" dirty="0" smtClean="0">
+              <a:solidFill>
+                <a:srgbClr val="5C22FE"/>
+              </a:solidFill>
               <a:latin typeface="Oxygen" panose="02000503000000000000" pitchFamily="2" charset="0"/>
             </a:endParaRPr>
           </a:p>
@@ -6555,14 +3813,14 @@
       </p:sp>
       <p:sp>
         <p:nvSpPr>
-          <p:cNvPr id="3" name="TextBox 2"/>
+          <p:cNvPr id="2" name="TextBox 1"/>
           <p:cNvSpPr txBox="1"/>
           <p:nvPr/>
         </p:nvSpPr>
         <p:spPr>
           <a:xfrm>
-            <a:off x="4653439" y="549723"/>
-            <a:ext cx="2885122" cy="646331"/>
+            <a:off x="1041117" y="2665715"/>
+            <a:ext cx="6100347" cy="1708160"/>
           </a:xfrm>
           <a:prstGeom prst="rect">
             <a:avLst/>
@@ -6575,46 +3833,862 @@
           </a:bodyPr>
           <a:lstStyle/>
           <a:p>
+            <a:pPr>
+              <a:lnSpc>
+                <a:spcPct val="150000"/>
+              </a:lnSpc>
+            </a:pPr>
+            <a:r>
+              <a:rPr lang="en-US" sz="1400" b="1" dirty="0" smtClean="0">
+                <a:latin typeface="Oxygen" panose="02000503000000000000" pitchFamily="2" charset="0"/>
+              </a:rPr>
+              <a:t>DEFINITION:</a:t>
+            </a:r>
+            <a:r>
+              <a:rPr lang="en-US" sz="1400" dirty="0" smtClean="0">
+                <a:latin typeface="Oxygen" panose="02000503000000000000" pitchFamily="2" charset="0"/>
+              </a:rPr>
+              <a:t> Communication can be defined as the process of transmitting, receiving and interpreting messages between senders and receivers. It involves the encoding, transmission, and decoding of information, which can take various forms including verbal, non-verbal, written, visual and digital communication.</a:t>
+            </a:r>
+            <a:endParaRPr lang="en-AU" sz="1400" dirty="0">
+              <a:latin typeface="Oxygen" panose="02000503000000000000" pitchFamily="2" charset="0"/>
+            </a:endParaRPr>
+          </a:p>
+        </p:txBody>
+      </p:sp>
+      <p:pic>
+        <p:nvPicPr>
+          <p:cNvPr id="5" name="Picture 2" descr="Truth Behind Hyundai Logo – Revealed Here"/>
+          <p:cNvPicPr>
+            <a:picLocks noChangeAspect="1" noChangeArrowheads="1"/>
+          </p:cNvPicPr>
+          <p:nvPr/>
+        </p:nvPicPr>
+        <p:blipFill>
+          <a:blip r:embed="rId3" cstate="print">
+            <a:extLst>
+              <a:ext uri="{28A0092B-C50C-407E-A947-70E740481C1C}">
+                <a14:useLocalDpi xmlns:a14="http://schemas.microsoft.com/office/drawing/2010/main" val="0"/>
+              </a:ext>
+            </a:extLst>
+          </a:blip>
+          <a:srcRect/>
+          <a:stretch>
+            <a:fillRect/>
+          </a:stretch>
+        </p:blipFill>
+        <p:spPr bwMode="auto">
+          <a:xfrm>
+            <a:off x="7708519" y="2546560"/>
+            <a:ext cx="3428874" cy="1905882"/>
+          </a:xfrm>
+          <a:prstGeom prst="rect">
+            <a:avLst/>
+          </a:prstGeom>
+          <a:noFill/>
+          <a:extLst>
+            <a:ext uri="{909E8E84-426E-40DD-AFC4-6F175D3DCCD1}">
+              <a14:hiddenFill xmlns:a14="http://schemas.microsoft.com/office/drawing/2010/main">
+                <a:solidFill>
+                  <a:srgbClr val="FFFFFF"/>
+                </a:solidFill>
+              </a14:hiddenFill>
+            </a:ext>
+          </a:extLst>
+        </p:spPr>
+      </p:pic>
+    </p:spTree>
+    <p:extLst>
+      <p:ext uri="{BB962C8B-B14F-4D97-AF65-F5344CB8AC3E}">
+        <p14:creationId xmlns:p14="http://schemas.microsoft.com/office/powerpoint/2010/main" val="3509451905"/>
+      </p:ext>
+    </p:extLst>
+  </p:cSld>
+  <p:clrMapOvr>
+    <a:masterClrMapping/>
+  </p:clrMapOvr>
+  <p:timing>
+    <p:tnLst>
+      <p:par>
+        <p:cTn id="1" dur="indefinite" restart="never" nodeType="tmRoot"/>
+      </p:par>
+    </p:tnLst>
+  </p:timing>
+</p:sld>
+</file>
+
+<file path=ppt/slides/slide3.xml><?xml version="1.0" encoding="utf-8"?>
+<p:sld xmlns:a="http://schemas.openxmlformats.org/drawingml/2006/main" xmlns:r="http://schemas.openxmlformats.org/officeDocument/2006/relationships" xmlns:p="http://schemas.openxmlformats.org/presentationml/2006/main">
+  <p:cSld>
+    <p:spTree>
+      <p:nvGrpSpPr>
+        <p:cNvPr id="1" name="">
+          <a:extLst>
+            <a:ext uri="{FF2B5EF4-FFF2-40B4-BE49-F238E27FC236}">
+              <a16:creationId xmlns="" xmlns:a16="http://schemas.microsoft.com/office/drawing/2014/main" id="{74E5C1AD-076B-264A-A08A-E035D8F884A5}"/>
+            </a:ext>
+          </a:extLst>
+        </p:cNvPr>
+        <p:cNvGrpSpPr/>
+        <p:nvPr/>
+      </p:nvGrpSpPr>
+      <p:grpSpPr>
+        <a:xfrm>
+          <a:off x="0" y="0"/>
+          <a:ext cx="0" cy="0"/>
+          <a:chOff x="0" y="0"/>
+          <a:chExt cx="0" cy="0"/>
+        </a:xfrm>
+      </p:grpSpPr>
+      <p:pic>
+        <p:nvPicPr>
+          <p:cNvPr id="15" name="Picture 14">
+            <a:extLst>
+              <a:ext uri="{FF2B5EF4-FFF2-40B4-BE49-F238E27FC236}">
+                <a16:creationId xmlns="" xmlns:a16="http://schemas.microsoft.com/office/drawing/2014/main" id="{FF84E7B6-67A0-3783-5A0F-10D6FFD6BECB}"/>
+              </a:ext>
+            </a:extLst>
+          </p:cNvPr>
+          <p:cNvPicPr>
+            <a:picLocks noChangeAspect="1"/>
+          </p:cNvPicPr>
+          <p:nvPr/>
+        </p:nvPicPr>
+        <p:blipFill>
+          <a:blip r:embed="rId2" cstate="print">
+            <a:extLst>
+              <a:ext uri="{28A0092B-C50C-407E-A947-70E740481C1C}">
+                <a14:useLocalDpi xmlns:a14="http://schemas.microsoft.com/office/drawing/2010/main" val="0"/>
+              </a:ext>
+            </a:extLst>
+          </a:blip>
+          <a:stretch>
+            <a:fillRect/>
+          </a:stretch>
+        </p:blipFill>
+        <p:spPr>
+          <a:xfrm>
+            <a:off x="315242" y="186786"/>
+            <a:ext cx="725875" cy="725875"/>
+          </a:xfrm>
+          <a:prstGeom prst="rect">
+            <a:avLst/>
+          </a:prstGeom>
+        </p:spPr>
+      </p:pic>
+      <p:sp>
+        <p:nvSpPr>
+          <p:cNvPr id="3" name="TextBox 2"/>
+          <p:cNvSpPr txBox="1"/>
+          <p:nvPr/>
+        </p:nvSpPr>
+        <p:spPr>
+          <a:xfrm>
+            <a:off x="2894076" y="557784"/>
+            <a:ext cx="6403848" cy="646331"/>
+          </a:xfrm>
+          <a:prstGeom prst="rect">
+            <a:avLst/>
+          </a:prstGeom>
+          <a:noFill/>
+        </p:spPr>
+        <p:txBody>
+          <a:bodyPr wrap="square" rtlCol="0">
+            <a:spAutoFit/>
+          </a:bodyPr>
+          <a:lstStyle/>
+          <a:p>
             <a:r>
               <a:rPr lang="en-US" sz="3600" b="1" dirty="0" smtClean="0">
                 <a:solidFill>
-                  <a:schemeClr val="accent1">
+                  <a:srgbClr val="F62A78"/>
+                </a:solidFill>
+                <a:latin typeface="Oxygen" panose="02000503000000000000" pitchFamily="2" charset="0"/>
+              </a:rPr>
+              <a:t>Elements </a:t>
+            </a:r>
+            <a:r>
+              <a:rPr lang="en-US" sz="3600" b="1" dirty="0" smtClean="0">
+                <a:solidFill>
+                  <a:schemeClr val="accent6">
+                    <a:lumMod val="50000"/>
+                  </a:schemeClr>
+                </a:solidFill>
+                <a:latin typeface="Oxygen" panose="02000503000000000000" pitchFamily="2" charset="0"/>
+              </a:rPr>
+              <a:t>of</a:t>
+            </a:r>
+            <a:r>
+              <a:rPr lang="en-US" sz="3600" b="1" dirty="0" smtClean="0">
+                <a:solidFill>
+                  <a:srgbClr val="7030A0"/>
+                </a:solidFill>
+                <a:latin typeface="Oxygen" panose="02000503000000000000" pitchFamily="2" charset="0"/>
+              </a:rPr>
+              <a:t> </a:t>
+            </a:r>
+            <a:r>
+              <a:rPr lang="en-US" sz="3600" b="1" dirty="0" smtClean="0">
+                <a:solidFill>
+                  <a:srgbClr val="5C22FE"/>
+                </a:solidFill>
+                <a:latin typeface="Oxygen" panose="02000503000000000000" pitchFamily="2" charset="0"/>
+              </a:rPr>
+              <a:t>Communication</a:t>
+            </a:r>
+            <a:endParaRPr lang="en-US" sz="3600" b="1" dirty="0" smtClean="0">
+              <a:solidFill>
+                <a:srgbClr val="92D050"/>
+              </a:solidFill>
+              <a:latin typeface="Oxygen" panose="02000503000000000000" pitchFamily="2" charset="0"/>
+            </a:endParaRPr>
+          </a:p>
+        </p:txBody>
+      </p:sp>
+      <p:sp>
+        <p:nvSpPr>
+          <p:cNvPr id="4" name="TextBox 3"/>
+          <p:cNvSpPr txBox="1"/>
+          <p:nvPr/>
+        </p:nvSpPr>
+        <p:spPr>
+          <a:xfrm flipH="1">
+            <a:off x="1783954" y="1921008"/>
+            <a:ext cx="8624092" cy="2031325"/>
+          </a:xfrm>
+          <a:prstGeom prst="rect">
+            <a:avLst/>
+          </a:prstGeom>
+          <a:noFill/>
+        </p:spPr>
+        <p:txBody>
+          <a:bodyPr wrap="square" rtlCol="0">
+            <a:spAutoFit/>
+          </a:bodyPr>
+          <a:lstStyle/>
+          <a:p>
+            <a:pPr>
+              <a:lnSpc>
+                <a:spcPct val="150000"/>
+              </a:lnSpc>
+            </a:pPr>
+            <a:r>
+              <a:rPr lang="en-US" sz="1400" b="1" dirty="0" smtClean="0">
+                <a:latin typeface="Oxygen" panose="02000503000000000000" pitchFamily="2" charset="0"/>
+              </a:rPr>
+              <a:t>Sender-</a:t>
+            </a:r>
+            <a:r>
+              <a:rPr lang="en-US" sz="1400" dirty="0" smtClean="0">
+                <a:latin typeface="Oxygen" panose="02000503000000000000" pitchFamily="2" charset="0"/>
+              </a:rPr>
+              <a:t> The entity initiating the communication by </a:t>
+            </a:r>
+            <a:r>
+              <a:rPr lang="en-US" sz="1400" b="1" dirty="0" smtClean="0">
+                <a:solidFill>
+                  <a:srgbClr val="FF0000"/>
+                </a:solidFill>
+                <a:latin typeface="Oxygen" panose="02000503000000000000" pitchFamily="2" charset="0"/>
+              </a:rPr>
+              <a:t>encoding</a:t>
+            </a:r>
+            <a:r>
+              <a:rPr lang="en-US" sz="1400" b="1" dirty="0" smtClean="0">
+                <a:latin typeface="Oxygen" panose="02000503000000000000" pitchFamily="2" charset="0"/>
+              </a:rPr>
+              <a:t> </a:t>
+            </a:r>
+            <a:r>
+              <a:rPr lang="en-US" sz="1400" dirty="0" smtClean="0">
+                <a:latin typeface="Oxygen" panose="02000503000000000000" pitchFamily="2" charset="0"/>
+              </a:rPr>
+              <a:t>a message</a:t>
+            </a:r>
+          </a:p>
+          <a:p>
+            <a:pPr>
+              <a:lnSpc>
+                <a:spcPct val="150000"/>
+              </a:lnSpc>
+            </a:pPr>
+            <a:r>
+              <a:rPr lang="en-US" sz="1400" b="1" dirty="0" smtClean="0">
+                <a:latin typeface="Oxygen" panose="02000503000000000000" pitchFamily="2" charset="0"/>
+              </a:rPr>
+              <a:t>Message-</a:t>
+            </a:r>
+            <a:r>
+              <a:rPr lang="en-US" sz="1400" dirty="0" smtClean="0">
+                <a:latin typeface="Oxygen" panose="02000503000000000000" pitchFamily="2" charset="0"/>
+              </a:rPr>
+              <a:t> The information, idea or meaning being conveyed through verbal or non verbal communication</a:t>
+            </a:r>
+          </a:p>
+          <a:p>
+            <a:pPr>
+              <a:lnSpc>
+                <a:spcPct val="150000"/>
+              </a:lnSpc>
+            </a:pPr>
+            <a:r>
+              <a:rPr lang="en-US" sz="1400" b="1" dirty="0" smtClean="0">
+                <a:latin typeface="Oxygen" panose="02000503000000000000" pitchFamily="2" charset="0"/>
+              </a:rPr>
+              <a:t>Channel-</a:t>
+            </a:r>
+            <a:r>
+              <a:rPr lang="en-US" sz="1400" dirty="0" smtClean="0">
+                <a:latin typeface="Oxygen" panose="02000503000000000000" pitchFamily="2" charset="0"/>
+              </a:rPr>
+              <a:t> The medium through which the message is transmitted.</a:t>
+            </a:r>
+          </a:p>
+          <a:p>
+            <a:pPr>
+              <a:lnSpc>
+                <a:spcPct val="150000"/>
+              </a:lnSpc>
+            </a:pPr>
+            <a:r>
+              <a:rPr lang="en-US" sz="1400" b="1" dirty="0" smtClean="0">
+                <a:latin typeface="Oxygen" panose="02000503000000000000" pitchFamily="2" charset="0"/>
+              </a:rPr>
+              <a:t>Receiver-</a:t>
+            </a:r>
+            <a:r>
+              <a:rPr lang="en-US" sz="1400" dirty="0" smtClean="0">
+                <a:latin typeface="Oxygen" panose="02000503000000000000" pitchFamily="2" charset="0"/>
+              </a:rPr>
+              <a:t> The entity receiving or </a:t>
+            </a:r>
+            <a:r>
+              <a:rPr lang="en-US" sz="1400" b="1" dirty="0" smtClean="0">
+                <a:solidFill>
+                  <a:srgbClr val="92D050"/>
+                </a:solidFill>
+                <a:latin typeface="Oxygen" panose="02000503000000000000" pitchFamily="2" charset="0"/>
+              </a:rPr>
+              <a:t>decoding</a:t>
+            </a:r>
+            <a:r>
+              <a:rPr lang="en-US" sz="1400" dirty="0" smtClean="0">
+                <a:latin typeface="Oxygen" panose="02000503000000000000" pitchFamily="2" charset="0"/>
+              </a:rPr>
+              <a:t> </a:t>
+            </a:r>
+            <a:r>
+              <a:rPr lang="en-US" sz="1400" dirty="0" smtClean="0">
+                <a:latin typeface="Oxygen" panose="02000503000000000000" pitchFamily="2" charset="0"/>
+              </a:rPr>
+              <a:t>the message</a:t>
+            </a:r>
+          </a:p>
+          <a:p>
+            <a:pPr>
+              <a:lnSpc>
+                <a:spcPct val="150000"/>
+              </a:lnSpc>
+            </a:pPr>
+            <a:r>
+              <a:rPr lang="en-US" sz="1400" b="1" dirty="0" smtClean="0">
+                <a:latin typeface="Oxygen" panose="02000503000000000000" pitchFamily="2" charset="0"/>
+              </a:rPr>
+              <a:t>Feedback-</a:t>
+            </a:r>
+            <a:r>
+              <a:rPr lang="en-US" sz="1400" dirty="0" smtClean="0">
+                <a:latin typeface="Oxygen" panose="02000503000000000000" pitchFamily="2" charset="0"/>
+              </a:rPr>
+              <a:t> The response or reaction provided by the receiver, which completes the communication </a:t>
+            </a:r>
+            <a:r>
+              <a:rPr lang="en-US" sz="1400" b="1" dirty="0" smtClean="0">
+                <a:solidFill>
+                  <a:srgbClr val="99FF99"/>
+                </a:solidFill>
+                <a:latin typeface="Oxygen" panose="02000503000000000000" pitchFamily="2" charset="0"/>
+              </a:rPr>
+              <a:t>loop</a:t>
+            </a:r>
+            <a:endParaRPr lang="en-US" sz="1400" b="1" dirty="0" smtClean="0">
+              <a:latin typeface="Oxygen" panose="02000503000000000000" pitchFamily="2" charset="0"/>
+            </a:endParaRPr>
+          </a:p>
+          <a:p>
+            <a:pPr>
+              <a:lnSpc>
+                <a:spcPct val="150000"/>
+              </a:lnSpc>
+            </a:pPr>
+            <a:r>
+              <a:rPr lang="en-US" sz="1400" b="1" dirty="0" smtClean="0">
+                <a:latin typeface="Oxygen" panose="02000503000000000000" pitchFamily="2" charset="0"/>
+              </a:rPr>
+              <a:t>Context-</a:t>
+            </a:r>
+            <a:r>
+              <a:rPr lang="en-US" sz="1400" dirty="0" smtClean="0">
+                <a:latin typeface="Oxygen" panose="02000503000000000000" pitchFamily="2" charset="0"/>
+              </a:rPr>
+              <a:t> The situational, cultural and environmental factors that influence the communication procedure</a:t>
+            </a:r>
+            <a:endParaRPr lang="en-AU" sz="1400" dirty="0">
+              <a:latin typeface="Oxygen" panose="02000503000000000000" pitchFamily="2" charset="0"/>
+            </a:endParaRPr>
+          </a:p>
+        </p:txBody>
+      </p:sp>
+      <p:pic>
+        <p:nvPicPr>
+          <p:cNvPr id="2" name="Picture 1"/>
+          <p:cNvPicPr>
+            <a:picLocks noChangeAspect="1"/>
+          </p:cNvPicPr>
+          <p:nvPr/>
+        </p:nvPicPr>
+        <p:blipFill>
+          <a:blip r:embed="rId3"/>
+          <a:stretch>
+            <a:fillRect/>
+          </a:stretch>
+        </p:blipFill>
+        <p:spPr>
+          <a:xfrm>
+            <a:off x="3772090" y="4085133"/>
+            <a:ext cx="4647819" cy="2410226"/>
+          </a:xfrm>
+          <a:prstGeom prst="rect">
+            <a:avLst/>
+          </a:prstGeom>
+        </p:spPr>
+      </p:pic>
+    </p:spTree>
+    <p:extLst>
+      <p:ext uri="{BB962C8B-B14F-4D97-AF65-F5344CB8AC3E}">
+        <p14:creationId xmlns:p14="http://schemas.microsoft.com/office/powerpoint/2010/main" val="2432302268"/>
+      </p:ext>
+    </p:extLst>
+  </p:cSld>
+  <p:clrMapOvr>
+    <a:masterClrMapping/>
+  </p:clrMapOvr>
+  <p:timing>
+    <p:tnLst>
+      <p:par>
+        <p:cTn id="1" dur="indefinite" restart="never" nodeType="tmRoot"/>
+      </p:par>
+    </p:tnLst>
+  </p:timing>
+</p:sld>
+</file>
+
+<file path=ppt/slides/slide4.xml><?xml version="1.0" encoding="utf-8"?>
+<p:sld xmlns:a="http://schemas.openxmlformats.org/drawingml/2006/main" xmlns:r="http://schemas.openxmlformats.org/officeDocument/2006/relationships" xmlns:p="http://schemas.openxmlformats.org/presentationml/2006/main">
+  <p:cSld>
+    <p:spTree>
+      <p:nvGrpSpPr>
+        <p:cNvPr id="1" name="">
+          <a:extLst>
+            <a:ext uri="{FF2B5EF4-FFF2-40B4-BE49-F238E27FC236}">
+              <a16:creationId xmlns="" xmlns:a16="http://schemas.microsoft.com/office/drawing/2014/main" id="{74E5C1AD-076B-264A-A08A-E035D8F884A5}"/>
+            </a:ext>
+          </a:extLst>
+        </p:cNvPr>
+        <p:cNvGrpSpPr/>
+        <p:nvPr/>
+      </p:nvGrpSpPr>
+      <p:grpSpPr>
+        <a:xfrm>
+          <a:off x="0" y="0"/>
+          <a:ext cx="0" cy="0"/>
+          <a:chOff x="0" y="0"/>
+          <a:chExt cx="0" cy="0"/>
+        </a:xfrm>
+      </p:grpSpPr>
+      <p:pic>
+        <p:nvPicPr>
+          <p:cNvPr id="15" name="Picture 14">
+            <a:extLst>
+              <a:ext uri="{FF2B5EF4-FFF2-40B4-BE49-F238E27FC236}">
+                <a16:creationId xmlns="" xmlns:a16="http://schemas.microsoft.com/office/drawing/2014/main" id="{FF84E7B6-67A0-3783-5A0F-10D6FFD6BECB}"/>
+              </a:ext>
+            </a:extLst>
+          </p:cNvPr>
+          <p:cNvPicPr>
+            <a:picLocks noChangeAspect="1"/>
+          </p:cNvPicPr>
+          <p:nvPr/>
+        </p:nvPicPr>
+        <p:blipFill>
+          <a:blip r:embed="rId2" cstate="print">
+            <a:extLst>
+              <a:ext uri="{28A0092B-C50C-407E-A947-70E740481C1C}">
+                <a14:useLocalDpi xmlns:a14="http://schemas.microsoft.com/office/drawing/2010/main" val="0"/>
+              </a:ext>
+            </a:extLst>
+          </a:blip>
+          <a:stretch>
+            <a:fillRect/>
+          </a:stretch>
+        </p:blipFill>
+        <p:spPr>
+          <a:xfrm>
+            <a:off x="315242" y="186786"/>
+            <a:ext cx="725875" cy="725875"/>
+          </a:xfrm>
+          <a:prstGeom prst="rect">
+            <a:avLst/>
+          </a:prstGeom>
+        </p:spPr>
+      </p:pic>
+      <p:sp>
+        <p:nvSpPr>
+          <p:cNvPr id="3" name="TextBox 2"/>
+          <p:cNvSpPr txBox="1"/>
+          <p:nvPr/>
+        </p:nvSpPr>
+        <p:spPr>
+          <a:xfrm>
+            <a:off x="1686878" y="557784"/>
+            <a:ext cx="8818245" cy="646331"/>
+          </a:xfrm>
+          <a:prstGeom prst="rect">
+            <a:avLst/>
+          </a:prstGeom>
+          <a:noFill/>
+        </p:spPr>
+        <p:txBody>
+          <a:bodyPr wrap="square" rtlCol="0">
+            <a:spAutoFit/>
+          </a:bodyPr>
+          <a:lstStyle/>
+          <a:p>
+            <a:r>
+              <a:rPr lang="en-US" sz="3600" b="1" dirty="0" smtClean="0">
+                <a:solidFill>
+                  <a:schemeClr val="accent2">
                     <a:lumMod val="75000"/>
                   </a:schemeClr>
                 </a:solidFill>
                 <a:latin typeface="Oxygen" panose="02000503000000000000" pitchFamily="2" charset="0"/>
               </a:rPr>
-              <a:t>Introduction</a:t>
-            </a:r>
-          </a:p>
-        </p:txBody>
-      </p:sp>
-      <p:graphicFrame>
-        <p:nvGraphicFramePr>
-          <p:cNvPr id="5" name="Diagram 4"/>
-          <p:cNvGraphicFramePr/>
-          <p:nvPr>
-            <p:extLst>
-              <p:ext uri="{D42A27DB-BD31-4B8C-83A1-F6EECF244321}">
-                <p14:modId xmlns:p14="http://schemas.microsoft.com/office/powerpoint/2010/main" val="152555547"/>
-              </p:ext>
-            </p:extLst>
-          </p:nvPr>
-        </p:nvGraphicFramePr>
-        <p:xfrm>
-          <a:off x="3838334" y="1715691"/>
-          <a:ext cx="4515332" cy="3426618"/>
-        </p:xfrm>
-        <a:graphic>
-          <a:graphicData uri="http://schemas.openxmlformats.org/drawingml/2006/diagram">
-            <dgm:relIds xmlns:dgm="http://schemas.openxmlformats.org/drawingml/2006/diagram" xmlns:r="http://schemas.openxmlformats.org/officeDocument/2006/relationships" r:dm="rId3" r:lo="rId4" r:qs="rId5" r:cs="rId6"/>
-          </a:graphicData>
-        </a:graphic>
-      </p:graphicFrame>
+              <a:t>Importance of Effective Communication</a:t>
+            </a:r>
+            <a:endParaRPr lang="en-US" sz="3600" b="1" dirty="0" smtClean="0">
+              <a:solidFill>
+                <a:schemeClr val="accent2">
+                  <a:lumMod val="75000"/>
+                </a:schemeClr>
+              </a:solidFill>
+              <a:latin typeface="Oxygen" panose="02000503000000000000" pitchFamily="2" charset="0"/>
+            </a:endParaRPr>
+          </a:p>
+        </p:txBody>
+      </p:sp>
+      <p:sp>
+        <p:nvSpPr>
+          <p:cNvPr id="4" name="TextBox 3"/>
+          <p:cNvSpPr txBox="1"/>
+          <p:nvPr/>
+        </p:nvSpPr>
+        <p:spPr>
+          <a:xfrm flipH="1">
+            <a:off x="966978" y="2612291"/>
+            <a:ext cx="10258044" cy="3000821"/>
+          </a:xfrm>
+          <a:prstGeom prst="rect">
+            <a:avLst/>
+          </a:prstGeom>
+          <a:noFill/>
+        </p:spPr>
+        <p:txBody>
+          <a:bodyPr wrap="square" rtlCol="0">
+            <a:spAutoFit/>
+          </a:bodyPr>
+          <a:lstStyle/>
+          <a:p>
+            <a:pPr>
+              <a:lnSpc>
+                <a:spcPct val="150000"/>
+              </a:lnSpc>
+            </a:pPr>
+            <a:r>
+              <a:rPr lang="en-US" sz="1400" b="1" dirty="0" smtClean="0">
+                <a:latin typeface="Oxygen" panose="02000503000000000000" pitchFamily="2" charset="0"/>
+              </a:rPr>
+              <a:t>Relationship Building-</a:t>
+            </a:r>
+            <a:r>
+              <a:rPr lang="en-US" sz="1400" dirty="0" smtClean="0">
+                <a:latin typeface="Oxygen" panose="02000503000000000000" pitchFamily="2" charset="0"/>
+              </a:rPr>
+              <a:t> Effective communication fosters trust, respect and understanding, vital for healthy relationships</a:t>
+            </a:r>
+          </a:p>
+          <a:p>
+            <a:pPr>
+              <a:lnSpc>
+                <a:spcPct val="150000"/>
+              </a:lnSpc>
+            </a:pPr>
+            <a:r>
+              <a:rPr lang="en-US" sz="1400" b="1" dirty="0" smtClean="0">
+                <a:latin typeface="Oxygen" panose="02000503000000000000" pitchFamily="2" charset="0"/>
+              </a:rPr>
+              <a:t>Goal Achievement-</a:t>
+            </a:r>
+            <a:r>
+              <a:rPr lang="en-US" sz="1400" dirty="0" smtClean="0">
+                <a:latin typeface="Oxygen" panose="02000503000000000000" pitchFamily="2" charset="0"/>
+              </a:rPr>
+              <a:t> Clear communication helps express goals and collaborate effectively, both personally and professionally</a:t>
+            </a:r>
+          </a:p>
+          <a:p>
+            <a:pPr>
+              <a:lnSpc>
+                <a:spcPct val="150000"/>
+              </a:lnSpc>
+            </a:pPr>
+            <a:r>
+              <a:rPr lang="en-US" sz="1400" b="1" dirty="0" smtClean="0">
+                <a:latin typeface="Oxygen" panose="02000503000000000000" pitchFamily="2" charset="0"/>
+              </a:rPr>
+              <a:t>Conflict Resolution-</a:t>
+            </a:r>
+            <a:r>
+              <a:rPr lang="en-US" sz="1400" dirty="0" smtClean="0">
+                <a:latin typeface="Oxygen" panose="02000503000000000000" pitchFamily="2" charset="0"/>
+              </a:rPr>
+              <a:t> Communication is the key for resolving conflicts, fostering dialogue, and finding solutions</a:t>
+            </a:r>
+          </a:p>
+          <a:p>
+            <a:pPr>
+              <a:lnSpc>
+                <a:spcPct val="150000"/>
+              </a:lnSpc>
+            </a:pPr>
+            <a:r>
+              <a:rPr lang="en-US" sz="1400" b="1" dirty="0" smtClean="0">
+                <a:latin typeface="Oxygen" panose="02000503000000000000" pitchFamily="2" charset="0"/>
+              </a:rPr>
+              <a:t>Teamwork-</a:t>
+            </a:r>
+            <a:r>
+              <a:rPr lang="en-US" sz="1400" dirty="0" smtClean="0">
+                <a:latin typeface="Oxygen" panose="02000503000000000000" pitchFamily="2" charset="0"/>
+              </a:rPr>
+              <a:t> </a:t>
+            </a:r>
+            <a:r>
+              <a:rPr lang="en-US" sz="1400" dirty="0">
+                <a:latin typeface="Oxygen" panose="02000503000000000000" pitchFamily="2" charset="0"/>
+              </a:rPr>
+              <a:t>E</a:t>
+            </a:r>
+            <a:r>
+              <a:rPr lang="en-US" sz="1400" dirty="0" smtClean="0">
+                <a:latin typeface="Oxygen" panose="02000503000000000000" pitchFamily="2" charset="0"/>
+              </a:rPr>
+              <a:t>nhances teamwork by facilitating coordination and cooperation among team members</a:t>
+            </a:r>
+          </a:p>
+          <a:p>
+            <a:pPr>
+              <a:lnSpc>
+                <a:spcPct val="150000"/>
+              </a:lnSpc>
+            </a:pPr>
+            <a:r>
+              <a:rPr lang="en-US" sz="1400" b="1" dirty="0" smtClean="0">
+                <a:latin typeface="Oxygen" panose="02000503000000000000" pitchFamily="2" charset="0"/>
+              </a:rPr>
+              <a:t>Decision Making-</a:t>
+            </a:r>
+            <a:r>
+              <a:rPr lang="en-US" sz="1400" dirty="0">
+                <a:latin typeface="Oxygen" panose="02000503000000000000" pitchFamily="2" charset="0"/>
+              </a:rPr>
+              <a:t> </a:t>
+            </a:r>
+            <a:r>
+              <a:rPr lang="en-US" sz="1400" dirty="0" smtClean="0">
+                <a:latin typeface="Oxygen" panose="02000503000000000000" pitchFamily="2" charset="0"/>
+              </a:rPr>
+              <a:t>A</a:t>
+            </a:r>
+            <a:r>
+              <a:rPr lang="en-US" sz="1400" dirty="0" smtClean="0">
+                <a:latin typeface="Oxygen" panose="02000503000000000000" pitchFamily="2" charset="0"/>
+              </a:rPr>
+              <a:t>ids informed decision-making processes by exchanging information and perspectives</a:t>
+            </a:r>
+          </a:p>
+          <a:p>
+            <a:pPr>
+              <a:lnSpc>
+                <a:spcPct val="150000"/>
+              </a:lnSpc>
+            </a:pPr>
+            <a:r>
+              <a:rPr lang="en-US" sz="1400" b="1" dirty="0" smtClean="0">
+                <a:latin typeface="Oxygen" panose="02000503000000000000" pitchFamily="2" charset="0"/>
+              </a:rPr>
+              <a:t>Productivity-</a:t>
+            </a:r>
+            <a:r>
+              <a:rPr lang="en-US" sz="1400" dirty="0" smtClean="0">
+                <a:latin typeface="Oxygen" panose="02000503000000000000" pitchFamily="2" charset="0"/>
+              </a:rPr>
+              <a:t> </a:t>
+            </a:r>
+            <a:r>
+              <a:rPr lang="en-US" sz="1400" dirty="0">
+                <a:latin typeface="Oxygen" panose="02000503000000000000" pitchFamily="2" charset="0"/>
+              </a:rPr>
+              <a:t>M</a:t>
+            </a:r>
+            <a:r>
+              <a:rPr lang="en-US" sz="1400" dirty="0" smtClean="0">
+                <a:latin typeface="Oxygen" panose="02000503000000000000" pitchFamily="2" charset="0"/>
+              </a:rPr>
+              <a:t>inimizes misunderstandings, leading to increased productivity and proficiency</a:t>
+            </a:r>
+          </a:p>
+          <a:p>
+            <a:pPr>
+              <a:lnSpc>
+                <a:spcPct val="150000"/>
+              </a:lnSpc>
+            </a:pPr>
+            <a:r>
+              <a:rPr lang="en-US" sz="1400" b="1" dirty="0" smtClean="0">
+                <a:latin typeface="Oxygen" panose="02000503000000000000" pitchFamily="2" charset="0"/>
+              </a:rPr>
+              <a:t>Personal Development- </a:t>
+            </a:r>
+            <a:r>
+              <a:rPr lang="en-US" sz="1400" dirty="0" smtClean="0">
+                <a:latin typeface="Oxygen" panose="02000503000000000000" pitchFamily="2" charset="0"/>
+              </a:rPr>
+              <a:t>Essential for personal growth and advancement in various fields</a:t>
+            </a:r>
+          </a:p>
+          <a:p>
+            <a:pPr>
+              <a:lnSpc>
+                <a:spcPct val="150000"/>
+              </a:lnSpc>
+            </a:pPr>
+            <a:r>
+              <a:rPr lang="en-US" sz="1400" b="1" dirty="0" smtClean="0">
+                <a:latin typeface="Oxygen" panose="02000503000000000000" pitchFamily="2" charset="0"/>
+              </a:rPr>
+              <a:t>Empathy Building-</a:t>
+            </a:r>
+            <a:r>
+              <a:rPr lang="en-US" sz="1400" dirty="0" smtClean="0">
+                <a:latin typeface="Oxygen" panose="02000503000000000000" pitchFamily="2" charset="0"/>
+              </a:rPr>
+              <a:t> </a:t>
+            </a:r>
+            <a:r>
+              <a:rPr lang="en-US" sz="1400" dirty="0">
+                <a:latin typeface="Oxygen" panose="02000503000000000000" pitchFamily="2" charset="0"/>
+              </a:rPr>
+              <a:t>P</a:t>
+            </a:r>
+            <a:r>
+              <a:rPr lang="en-US" sz="1400" dirty="0" smtClean="0">
+                <a:latin typeface="Oxygen" panose="02000503000000000000" pitchFamily="2" charset="0"/>
+              </a:rPr>
+              <a:t>romotes empathy and understanding by connecting with others emotionally and intellectually</a:t>
+            </a:r>
+            <a:endParaRPr lang="en-US" sz="1400" b="1" dirty="0" smtClean="0">
+              <a:latin typeface="Oxygen" panose="02000503000000000000" pitchFamily="2" charset="0"/>
+            </a:endParaRPr>
+          </a:p>
+          <a:p>
+            <a:pPr>
+              <a:lnSpc>
+                <a:spcPct val="150000"/>
+              </a:lnSpc>
+            </a:pPr>
+            <a:r>
+              <a:rPr lang="en-US" sz="1400" b="1" dirty="0" smtClean="0">
+                <a:latin typeface="Oxygen" panose="02000503000000000000" pitchFamily="2" charset="0"/>
+              </a:rPr>
+              <a:t>Cultural Awareness-</a:t>
+            </a:r>
+            <a:r>
+              <a:rPr lang="en-US" sz="1400" dirty="0" smtClean="0">
+                <a:latin typeface="Oxygen" panose="02000503000000000000" pitchFamily="2" charset="0"/>
+              </a:rPr>
+              <a:t> </a:t>
+            </a:r>
+            <a:r>
+              <a:rPr lang="en-US" sz="1400" dirty="0">
+                <a:latin typeface="Oxygen" panose="02000503000000000000" pitchFamily="2" charset="0"/>
+              </a:rPr>
+              <a:t>H</a:t>
+            </a:r>
+            <a:r>
+              <a:rPr lang="en-US" sz="1400" dirty="0" smtClean="0">
+                <a:latin typeface="Oxygen" panose="02000503000000000000" pitchFamily="2" charset="0"/>
+              </a:rPr>
+              <a:t>elps in creating the space for all-inclusive-cultural-diversity </a:t>
+            </a:r>
+            <a:endParaRPr lang="en-AU" sz="1400" dirty="0">
+              <a:latin typeface="Oxygen" panose="02000503000000000000" pitchFamily="2" charset="0"/>
+            </a:endParaRPr>
+          </a:p>
+        </p:txBody>
+      </p:sp>
+      <p:sp>
+        <p:nvSpPr>
+          <p:cNvPr id="2" name="TextBox 1"/>
+          <p:cNvSpPr txBox="1"/>
+          <p:nvPr/>
+        </p:nvSpPr>
+        <p:spPr>
+          <a:xfrm>
+            <a:off x="2414016" y="1708148"/>
+            <a:ext cx="7363968" cy="400110"/>
+          </a:xfrm>
+          <a:prstGeom prst="rect">
+            <a:avLst/>
+          </a:prstGeom>
+          <a:noFill/>
+        </p:spPr>
+        <p:txBody>
+          <a:bodyPr wrap="square" rtlCol="0">
+            <a:spAutoFit/>
+          </a:bodyPr>
+          <a:lstStyle/>
+          <a:p>
+            <a:r>
+              <a:rPr lang="en-US" sz="2000" b="1" dirty="0">
+                <a:solidFill>
+                  <a:srgbClr val="00B0F0"/>
+                </a:solidFill>
+                <a:latin typeface="Oxygen" panose="02000503000000000000" pitchFamily="2" charset="0"/>
+              </a:rPr>
+              <a:t>The Professional world thrives on effective communication.</a:t>
+            </a:r>
+            <a:endParaRPr lang="en-AU" sz="2000" b="1" dirty="0">
+              <a:solidFill>
+                <a:srgbClr val="00B0F0"/>
+              </a:solidFill>
+            </a:endParaRPr>
+          </a:p>
+        </p:txBody>
+      </p:sp>
     </p:spTree>
     <p:extLst>
       <p:ext uri="{BB962C8B-B14F-4D97-AF65-F5344CB8AC3E}">
-        <p14:creationId xmlns:p14="http://schemas.microsoft.com/office/powerpoint/2010/main" val="1390813850"/>
+        <p14:creationId xmlns:p14="http://schemas.microsoft.com/office/powerpoint/2010/main" val="3061941483"/>
       </p:ext>
     </p:extLst>
   </p:cSld>
